--- a/발표자료.pptx
+++ b/발표자료.pptx
@@ -1504,7 +1504,7 @@
         <p:spPr>
           <a:xfrm>
             <a:off x="839787" y="2057400"/>
-            <a:ext cx="3932239" cy="3811588"/>
+            <a:ext cx="3932238" cy="3811588"/>
           </a:xfrm>
           <a:prstGeom prst="rect">
             <a:avLst/>
@@ -3363,7 +3363,7 @@
         <p:spPr>
           <a:xfrm>
             <a:off x="489352" y="3392487"/>
-            <a:ext cx="6974704" cy="1"/>
+            <a:ext cx="6974703" cy="1"/>
           </a:xfrm>
           <a:prstGeom prst="line">
             <a:avLst/>
@@ -3840,7 +3840,7 @@
         <p:spPr>
           <a:xfrm>
             <a:off x="6720344" y="4210053"/>
-            <a:ext cx="1354087" cy="693433"/>
+            <a:ext cx="1354088" cy="693433"/>
           </a:xfrm>
           <a:prstGeom prst="rect">
             <a:avLst/>
@@ -4233,8 +4233,8 @@
         </p:nvSpPr>
         <p:spPr>
           <a:xfrm>
-            <a:off x="490138" y="323243"/>
-            <a:ext cx="259303" cy="548046"/>
+            <a:off x="490138" y="323244"/>
+            <a:ext cx="259303" cy="548045"/>
           </a:xfrm>
           <a:prstGeom prst="rect">
             <a:avLst/>
@@ -4278,9 +4278,9 @@
         <p:grpSpPr>
           <a:xfrm>
             <a:off x="1188881" y="351818"/>
-            <a:ext cx="1070865" cy="663883"/>
+            <a:ext cx="1070865" cy="663884"/>
             <a:chOff x="0" y="0"/>
-            <a:chExt cx="1070864" cy="663881"/>
+            <a:chExt cx="1070864" cy="663882"/>
           </a:xfrm>
         </p:grpSpPr>
         <p:sp>
@@ -4541,8 +4541,8 @@
         </p:nvSpPr>
         <p:spPr>
           <a:xfrm>
-            <a:off x="490138" y="323243"/>
-            <a:ext cx="259303" cy="548046"/>
+            <a:off x="490138" y="323244"/>
+            <a:ext cx="259303" cy="548045"/>
           </a:xfrm>
           <a:prstGeom prst="rect">
             <a:avLst/>
@@ -4586,9 +4586,9 @@
         <p:grpSpPr>
           <a:xfrm>
             <a:off x="1188881" y="351818"/>
-            <a:ext cx="1070865" cy="663883"/>
+            <a:ext cx="1070865" cy="663884"/>
             <a:chOff x="0" y="0"/>
-            <a:chExt cx="1070864" cy="663881"/>
+            <a:chExt cx="1070864" cy="663882"/>
           </a:xfrm>
         </p:grpSpPr>
         <p:sp>
@@ -4711,7 +4711,7 @@
         </p:nvSpPr>
         <p:spPr>
           <a:xfrm flipH="1">
-            <a:off x="6096000" y="1722475"/>
+            <a:off x="6095999" y="1722475"/>
             <a:ext cx="1" cy="4019108"/>
           </a:xfrm>
           <a:prstGeom prst="line">
@@ -4740,8 +4740,8 @@
         </p:nvSpPr>
         <p:spPr>
           <a:xfrm>
-            <a:off x="6381114" y="2366932"/>
-            <a:ext cx="1597589" cy="586741"/>
+            <a:off x="6381113" y="2366932"/>
+            <a:ext cx="1597590" cy="586741"/>
           </a:xfrm>
           <a:prstGeom prst="rect">
             <a:avLst/>
@@ -4791,8 +4791,8 @@
         </p:nvSpPr>
         <p:spPr>
           <a:xfrm>
-            <a:off x="6381113" y="3212757"/>
-            <a:ext cx="4178536" cy="551950"/>
+            <a:off x="6381113" y="3212756"/>
+            <a:ext cx="4178536" cy="551951"/>
           </a:xfrm>
           <a:prstGeom prst="rect">
             <a:avLst/>
@@ -4868,7 +4868,7 @@
               <a:t>세계 축제 정보 </a:t>
             </a:r>
             <a:r>
-              <a:t>API’</a:t>
+              <a:t>API’(PredictHQ)</a:t>
             </a:r>
             <a:r>
               <a:rPr>
@@ -4882,53 +4882,55 @@
           </a:p>
         </p:txBody>
       </p:sp>
-      <p:sp>
-        <p:nvSpPr>
-          <p:cNvPr id="259" name="직사각형 17"/>
-          <p:cNvSpPr/>
+      <p:pic>
+        <p:nvPicPr>
+          <p:cNvPr id="259" name="predicthqlogo.png" descr="predicthqlogo.png"/>
+          <p:cNvPicPr>
+            <a:picLocks noChangeAspect="1"/>
+          </p:cNvPicPr>
           <p:nvPr/>
-        </p:nvSpPr>
-        <p:spPr>
-          <a:xfrm>
-            <a:off x="1300003" y="1897392"/>
-            <a:ext cx="3330813" cy="3484605"/>
+        </p:nvPicPr>
+        <p:blipFill>
+          <a:blip r:embed="rId2">
+            <a:extLst/>
+          </a:blip>
+          <a:stretch>
+            <a:fillRect/>
+          </a:stretch>
+        </p:blipFill>
+        <p:spPr>
+          <a:xfrm>
+            <a:off x="2032400" y="1947641"/>
+            <a:ext cx="1866019" cy="2066181"/>
           </a:xfrm>
           <a:prstGeom prst="rect">
             <a:avLst/>
           </a:prstGeom>
-          <a:solidFill>
-            <a:schemeClr val="accent1">
-              <a:alpha val="70000"/>
-            </a:schemeClr>
-          </a:solidFill>
           <a:ln w="12700">
             <a:miter lim="400000"/>
           </a:ln>
         </p:spPr>
-        <p:txBody>
-          <a:bodyPr lIns="45719" rIns="45719" anchor="ctr"/>
-          <a:lstStyle/>
-          <a:p>
-            <a:pPr algn="ctr">
-              <a:defRPr>
-                <a:solidFill>
-                  <a:srgbClr val="FFFFFF"/>
-                </a:solidFill>
-              </a:defRPr>
-            </a:pPr>
-          </a:p>
-        </p:txBody>
-      </p:sp>
-      <p:sp>
-        <p:nvSpPr>
-          <p:cNvPr id="260" name="TextBox 18"/>
-          <p:cNvSpPr txBox="1"/>
+      </p:pic>
+      <p:pic>
+        <p:nvPicPr>
+          <p:cNvPr id="260" name="predicthqtext.png" descr="predicthqtext.png"/>
+          <p:cNvPicPr>
+            <a:picLocks noChangeAspect="1"/>
+          </p:cNvPicPr>
           <p:nvPr/>
-        </p:nvSpPr>
-        <p:spPr>
-          <a:xfrm>
-            <a:off x="2207741" y="3212757"/>
-            <a:ext cx="1481112" cy="694326"/>
+        </p:nvPicPr>
+        <p:blipFill>
+          <a:blip r:embed="rId3">
+            <a:extLst/>
+          </a:blip>
+          <a:stretch>
+            <a:fillRect/>
+          </a:stretch>
+        </p:blipFill>
+        <p:spPr>
+          <a:xfrm>
+            <a:off x="1300003" y="3994998"/>
+            <a:ext cx="3330813" cy="1295093"/>
           </a:xfrm>
           <a:prstGeom prst="rect">
             <a:avLst/>
@@ -4936,43 +4938,8 @@
           <a:ln w="12700">
             <a:miter lim="400000"/>
           </a:ln>
-          <a:extLst>
-            <a:ext uri="{C572A759-6A51-4108-AA02-DFA0A04FC94B}">
-              <ma14:wrappingTextBoxFlag xmlns:ma14="http://schemas.microsoft.com/office/mac/drawingml/2011/main" val="1"/>
-            </a:ext>
-          </a:extLst>
-        </p:spPr>
-        <p:txBody>
-          <a:bodyPr wrap="none" lIns="45719" rIns="45719">
-            <a:spAutoFit/>
-          </a:bodyPr>
-          <a:lstStyle/>
-          <a:p>
-            <a:pPr/>
-            <a:r>
-              <a:rPr>
-                <a:latin typeface="나눔스퀘어라운드 Regular"/>
-                <a:ea typeface="나눔스퀘어라운드 Regular"/>
-                <a:cs typeface="나눔스퀘어라운드 Regular"/>
-                <a:sym typeface="나눔스퀘어라운드 Regular"/>
-              </a:rPr>
-              <a:t>어플 메인 사진</a:t>
-            </a:r>
-          </a:p>
-          <a:p>
-            <a:pPr/>
-            <a:r>
-              <a:rPr>
-                <a:latin typeface="나눔스퀘어라운드 Regular"/>
-                <a:ea typeface="나눔스퀘어라운드 Regular"/>
-                <a:cs typeface="나눔스퀘어라운드 Regular"/>
-                <a:sym typeface="나눔스퀘어라운드 Regular"/>
-              </a:rPr>
-              <a:t>넣어주세용</a:t>
-            </a:r>
-          </a:p>
-        </p:txBody>
-      </p:sp>
+        </p:spPr>
+      </p:pic>
     </p:spTree>
   </p:cSld>
   <p:clrMapOvr>
@@ -5007,8 +4974,8 @@
         </p:nvGrpSpPr>
         <p:grpSpPr>
           <a:xfrm>
-            <a:off x="6819097" y="168527"/>
-            <a:ext cx="5227475" cy="5965049"/>
+            <a:off x="6819096" y="168527"/>
+            <a:ext cx="5227476" cy="5965049"/>
             <a:chOff x="0" y="0"/>
             <a:chExt cx="5227474" cy="5965047"/>
           </a:xfrm>
@@ -5261,7 +5228,7 @@
         <p:spPr>
           <a:xfrm>
             <a:off x="489352" y="3392487"/>
-            <a:ext cx="6974704" cy="1"/>
+            <a:ext cx="6974703" cy="1"/>
           </a:xfrm>
           <a:prstGeom prst="line">
             <a:avLst/>
@@ -5356,7 +5323,7 @@
         <p:grpSpPr>
           <a:xfrm>
             <a:off x="2597014" y="2224926"/>
-            <a:ext cx="5574425" cy="1681344"/>
+            <a:ext cx="5574426" cy="1681343"/>
             <a:chOff x="0" y="0"/>
             <a:chExt cx="5574424" cy="1681342"/>
           </a:xfrm>
@@ -5370,7 +5337,7 @@
           <p:spPr>
             <a:xfrm>
               <a:off x="72784" y="65903"/>
-              <a:ext cx="5501641" cy="1615440"/>
+              <a:ext cx="5501641" cy="1615441"/>
             </a:xfrm>
             <a:prstGeom prst="rect">
               <a:avLst/>
@@ -5583,8 +5550,8 @@
         </p:nvSpPr>
         <p:spPr>
           <a:xfrm>
-            <a:off x="338005" y="344707"/>
-            <a:ext cx="1094667" cy="350663"/>
+            <a:off x="338005" y="344708"/>
+            <a:ext cx="1094667" cy="350662"/>
           </a:xfrm>
           <a:prstGeom prst="rect">
             <a:avLst/>
@@ -6044,7 +6011,7 @@
           <p:grpSpPr>
             <a:xfrm>
               <a:off x="4297879" y="-1"/>
-              <a:ext cx="1408702" cy="426734"/>
+              <a:ext cx="1408701" cy="426734"/>
               <a:chOff x="0" y="0"/>
               <a:chExt cx="1408700" cy="426732"/>
             </a:xfrm>
@@ -6104,8 +6071,8 @@
             </p:nvSpPr>
             <p:spPr>
               <a:xfrm>
-                <a:off x="545341" y="0"/>
-                <a:ext cx="863360" cy="426733"/>
+                <a:off x="545342" y="0"/>
+                <a:ext cx="863359" cy="426733"/>
               </a:xfrm>
               <a:prstGeom prst="rect">
                 <a:avLst/>
@@ -6359,7 +6326,7 @@
         <p:spPr>
           <a:xfrm>
             <a:off x="338005" y="724659"/>
-            <a:ext cx="1374095" cy="1"/>
+            <a:ext cx="1374096" cy="1"/>
           </a:xfrm>
           <a:prstGeom prst="line">
             <a:avLst/>
@@ -6413,8 +6380,8 @@
         </p:nvSpPr>
         <p:spPr>
           <a:xfrm>
-            <a:off x="489351" y="2285885"/>
-            <a:ext cx="1629779" cy="1102926"/>
+            <a:off x="489352" y="2285885"/>
+            <a:ext cx="1629778" cy="1102926"/>
           </a:xfrm>
           <a:prstGeom prst="rect">
             <a:avLst/>
@@ -6554,7 +6521,7 @@
         <p:spPr>
           <a:xfrm>
             <a:off x="489352" y="3392487"/>
-            <a:ext cx="6974704" cy="1"/>
+            <a:ext cx="6974703" cy="1"/>
           </a:xfrm>
           <a:prstGeom prst="line">
             <a:avLst/>
@@ -6928,7 +6895,7 @@
         <p:spPr>
           <a:xfrm>
             <a:off x="5846191" y="3149539"/>
-            <a:ext cx="499619" cy="358141"/>
+            <a:ext cx="499618" cy="358141"/>
           </a:xfrm>
           <a:prstGeom prst="rect">
             <a:avLst/>
@@ -6989,7 +6956,7 @@
         <p:spPr>
           <a:xfrm>
             <a:off x="9215077" y="3149539"/>
-            <a:ext cx="1219860" cy="426734"/>
+            <a:ext cx="1219861" cy="426734"/>
           </a:xfrm>
           <a:prstGeom prst="rect">
             <a:avLst/>
@@ -7050,7 +7017,7 @@
         <p:spPr>
           <a:xfrm>
             <a:off x="3790950" y="3144129"/>
-            <a:ext cx="885826" cy="1"/>
+            <a:ext cx="885825" cy="1"/>
           </a:xfrm>
           <a:prstGeom prst="line">
             <a:avLst/>
@@ -7080,7 +7047,7 @@
         <p:spPr>
           <a:xfrm>
             <a:off x="7524750" y="3163179"/>
-            <a:ext cx="885826" cy="1"/>
+            <a:ext cx="885825" cy="1"/>
           </a:xfrm>
           <a:prstGeom prst="line">
             <a:avLst/>
@@ -7362,8 +7329,8 @@
         </p:nvSpPr>
         <p:spPr>
           <a:xfrm>
-            <a:off x="490138" y="323243"/>
-            <a:ext cx="259303" cy="548046"/>
+            <a:off x="490138" y="323244"/>
+            <a:ext cx="259303" cy="548045"/>
           </a:xfrm>
           <a:prstGeom prst="rect">
             <a:avLst/>
@@ -7407,9 +7374,9 @@
         <p:grpSpPr>
           <a:xfrm>
             <a:off x="1188881" y="351818"/>
-            <a:ext cx="1070865" cy="663883"/>
+            <a:ext cx="1070865" cy="663884"/>
             <a:chOff x="0" y="0"/>
-            <a:chExt cx="1070864" cy="663881"/>
+            <a:chExt cx="1070864" cy="663882"/>
           </a:xfrm>
         </p:grpSpPr>
         <p:sp>
@@ -7690,7 +7657,7 @@
         </p:nvSpPr>
         <p:spPr>
           <a:xfrm flipH="1">
-            <a:off x="6096000" y="1722475"/>
+            <a:off x="6095999" y="1722475"/>
             <a:ext cx="1" cy="4019108"/>
           </a:xfrm>
           <a:prstGeom prst="line">
@@ -8030,8 +7997,8 @@
         </p:nvSpPr>
         <p:spPr>
           <a:xfrm>
-            <a:off x="490138" y="323243"/>
-            <a:ext cx="259303" cy="548046"/>
+            <a:off x="490138" y="323244"/>
+            <a:ext cx="259303" cy="548045"/>
           </a:xfrm>
           <a:prstGeom prst="rect">
             <a:avLst/>
@@ -8200,8 +8167,8 @@
         </p:nvSpPr>
         <p:spPr>
           <a:xfrm>
-            <a:off x="2207741" y="3212757"/>
-            <a:ext cx="1481112" cy="694326"/>
+            <a:off x="2207741" y="3212756"/>
+            <a:ext cx="1481112" cy="694327"/>
           </a:xfrm>
           <a:prstGeom prst="rect">
             <a:avLst/>
@@ -8373,8 +8340,8 @@
         </p:nvSpPr>
         <p:spPr>
           <a:xfrm>
-            <a:off x="490138" y="323243"/>
-            <a:ext cx="259303" cy="548046"/>
+            <a:off x="490138" y="323244"/>
+            <a:ext cx="259303" cy="548045"/>
           </a:xfrm>
           <a:prstGeom prst="rect">
             <a:avLst/>
@@ -8640,7 +8607,7 @@
           <p:spPr>
             <a:xfrm>
               <a:off x="1092035" y="1514476"/>
-              <a:ext cx="2809876" cy="2809877"/>
+              <a:ext cx="2809875" cy="2809877"/>
             </a:xfrm>
             <a:prstGeom prst="ellipse">
               <a:avLst/>
@@ -8759,8 +8726,8 @@
           </p:nvSpPr>
           <p:spPr>
             <a:xfrm>
-              <a:off x="1" y="493370"/>
-              <a:ext cx="2362993" cy="441906"/>
+              <a:off x="1" y="493369"/>
+              <a:ext cx="2362993" cy="441907"/>
             </a:xfrm>
             <a:prstGeom prst="rect">
               <a:avLst/>
@@ -9003,7 +8970,7 @@
         <p:grpSpPr>
           <a:xfrm>
             <a:off x="1801610" y="4805050"/>
-            <a:ext cx="2194832" cy="818115"/>
+            <a:ext cx="2194831" cy="818115"/>
             <a:chOff x="0" y="0"/>
             <a:chExt cx="2194830" cy="818114"/>
           </a:xfrm>
@@ -9140,7 +9107,7 @@
         </p:nvSpPr>
         <p:spPr>
           <a:xfrm>
-            <a:off x="2818764" y="2601334"/>
+            <a:off x="2818763" y="2601334"/>
             <a:ext cx="1225009" cy="1"/>
           </a:xfrm>
           <a:prstGeom prst="line">
@@ -9169,7 +9136,7 @@
         </p:nvSpPr>
         <p:spPr>
           <a:xfrm>
-            <a:off x="3856989" y="5005104"/>
+            <a:off x="3856988" y="5005104"/>
             <a:ext cx="1225009" cy="1"/>
           </a:xfrm>
           <a:prstGeom prst="line">
@@ -9442,7 +9409,7 @@
         <p:spPr>
           <a:xfrm>
             <a:off x="489352" y="3392487"/>
-            <a:ext cx="6974704" cy="1"/>
+            <a:ext cx="6974703" cy="1"/>
           </a:xfrm>
           <a:prstGeom prst="line">
             <a:avLst/>
@@ -9650,7 +9617,7 @@
         <p:spPr>
           <a:xfrm>
             <a:off x="8472712" y="897534"/>
-            <a:ext cx="3097234" cy="4778727"/>
+            <a:ext cx="3097233" cy="4778727"/>
           </a:xfrm>
           <a:prstGeom prst="rect">
             <a:avLst/>
@@ -9809,8 +9776,8 @@
         </p:nvSpPr>
         <p:spPr>
           <a:xfrm>
-            <a:off x="490138" y="323243"/>
-            <a:ext cx="259303" cy="548046"/>
+            <a:off x="490138" y="323244"/>
+            <a:ext cx="259303" cy="548045"/>
           </a:xfrm>
           <a:prstGeom prst="rect">
             <a:avLst/>
@@ -9854,9 +9821,9 @@
         <p:grpSpPr>
           <a:xfrm>
             <a:off x="1188881" y="351818"/>
-            <a:ext cx="1070865" cy="663883"/>
+            <a:ext cx="1070865" cy="663884"/>
             <a:chOff x="0" y="0"/>
-            <a:chExt cx="1070864" cy="663881"/>
+            <a:chExt cx="1070864" cy="663882"/>
           </a:xfrm>
         </p:grpSpPr>
         <p:sp>
@@ -9979,8 +9946,8 @@
         </p:nvSpPr>
         <p:spPr>
           <a:xfrm>
-            <a:off x="1515761" y="5439376"/>
-            <a:ext cx="1354088" cy="426733"/>
+            <a:off x="1515762" y="5439376"/>
+            <a:ext cx="1354087" cy="426733"/>
           </a:xfrm>
           <a:prstGeom prst="rect">
             <a:avLst/>
@@ -10349,8 +10316,8 @@
         </p:nvSpPr>
         <p:spPr>
           <a:xfrm>
-            <a:off x="490138" y="323243"/>
-            <a:ext cx="259303" cy="548046"/>
+            <a:off x="490138" y="323244"/>
+            <a:ext cx="259303" cy="548045"/>
           </a:xfrm>
           <a:prstGeom prst="rect">
             <a:avLst/>
@@ -10394,9 +10361,9 @@
         <p:grpSpPr>
           <a:xfrm>
             <a:off x="1188881" y="351818"/>
-            <a:ext cx="1070865" cy="663883"/>
+            <a:ext cx="1070865" cy="663884"/>
             <a:chOff x="0" y="0"/>
-            <a:chExt cx="1070864" cy="663881"/>
+            <a:chExt cx="1070864" cy="663882"/>
           </a:xfrm>
         </p:grpSpPr>
         <p:sp>
@@ -10577,8 +10544,8 @@
         </p:nvSpPr>
         <p:spPr>
           <a:xfrm>
-            <a:off x="7674368" y="5198076"/>
-            <a:ext cx="1156348" cy="426734"/>
+            <a:off x="7674367" y="5198076"/>
+            <a:ext cx="1156349" cy="426734"/>
           </a:xfrm>
           <a:prstGeom prst="rect">
             <a:avLst/>

--- a/발표자료.pptx
+++ b/발표자료.pptx
@@ -1,27 +1,27 @@
 
 <file path=ppt/presentation.xml><?xml version="1.0" encoding="utf-8"?>
-<p:presentation xmlns:a="http://schemas.openxmlformats.org/drawingml/2006/main" xmlns:r="http://schemas.openxmlformats.org/officeDocument/2006/relationships" xmlns:p="http://schemas.openxmlformats.org/presentationml/2006/main" xmlns:m="http://schemas.openxmlformats.org/officeDocument/2006/math" xmlns:a14="http://schemas.microsoft.com/office/drawing/2010/main">
+<p:presentation xmlns:a="http://schemas.openxmlformats.org/drawingml/2006/main" xmlns:r="http://schemas.openxmlformats.org/officeDocument/2006/relationships" xmlns:p="http://schemas.openxmlformats.org/presentationml/2006/main">
   <p:sldMasterIdLst>
-    <p:sldMasterId id="2147483648" r:id="rId5"/>
+    <p:sldMasterId id="2147483648" r:id="rId1"/>
   </p:sldMasterIdLst>
   <p:notesMasterIdLst>
-    <p:notesMasterId r:id="rId7"/>
+    <p:notesMasterId r:id="rId16"/>
   </p:notesMasterIdLst>
   <p:sldIdLst>
-    <p:sldId id="256" r:id="rId8"/>
-    <p:sldId id="257" r:id="rId9"/>
-    <p:sldId id="258" r:id="rId10"/>
-    <p:sldId id="259" r:id="rId11"/>
-    <p:sldId id="260" r:id="rId12"/>
-    <p:sldId id="261" r:id="rId13"/>
-    <p:sldId id="262" r:id="rId14"/>
-    <p:sldId id="263" r:id="rId15"/>
-    <p:sldId id="264" r:id="rId16"/>
-    <p:sldId id="265" r:id="rId17"/>
-    <p:sldId id="266" r:id="rId18"/>
-    <p:sldId id="267" r:id="rId19"/>
-    <p:sldId id="268" r:id="rId20"/>
-    <p:sldId id="269" r:id="rId21"/>
+    <p:sldId id="256" r:id="rId2"/>
+    <p:sldId id="257" r:id="rId3"/>
+    <p:sldId id="258" r:id="rId4"/>
+    <p:sldId id="259" r:id="rId5"/>
+    <p:sldId id="260" r:id="rId6"/>
+    <p:sldId id="261" r:id="rId7"/>
+    <p:sldId id="262" r:id="rId8"/>
+    <p:sldId id="263" r:id="rId9"/>
+    <p:sldId id="264" r:id="rId10"/>
+    <p:sldId id="265" r:id="rId11"/>
+    <p:sldId id="266" r:id="rId12"/>
+    <p:sldId id="267" r:id="rId13"/>
+    <p:sldId id="268" r:id="rId14"/>
+    <p:sldId id="269" r:id="rId15"/>
   </p:sldIdLst>
   <p:sldSz cx="12192000" cy="6858000"/>
   <p:notesSz cx="6858000" cy="9144000"/>
@@ -41,7 +41,7 @@
       <a:buFontTx/>
       <a:buNone/>
       <a:tabLst/>
-      <a:defRPr b="0" baseline="0" cap="none" i="0" spc="0" strike="noStrike" sz="1800" u="none" kumimoji="0" normalizeH="0">
+      <a:defRPr kumimoji="0" sz="1800" b="0" i="0" u="none" strike="noStrike" cap="none" spc="0" normalizeH="0" baseline="0">
         <a:ln>
           <a:noFill/>
         </a:ln>
@@ -67,7 +67,7 @@
       <a:buFontTx/>
       <a:buNone/>
       <a:tabLst/>
-      <a:defRPr b="0" baseline="0" cap="none" i="0" spc="0" strike="noStrike" sz="1800" u="none" kumimoji="0" normalizeH="0">
+      <a:defRPr kumimoji="0" sz="1800" b="0" i="0" u="none" strike="noStrike" cap="none" spc="0" normalizeH="0" baseline="0">
         <a:ln>
           <a:noFill/>
         </a:ln>
@@ -97,7 +97,7 @@
       <a:buFontTx/>
       <a:buNone/>
       <a:tabLst/>
-      <a:defRPr b="0" baseline="0" cap="none" i="0" spc="0" strike="noStrike" sz="1800" u="none" kumimoji="0" normalizeH="0">
+      <a:defRPr kumimoji="0" sz="1800" b="0" i="0" u="none" strike="noStrike" cap="none" spc="0" normalizeH="0" baseline="0">
         <a:ln>
           <a:noFill/>
         </a:ln>
@@ -127,7 +127,7 @@
       <a:buFontTx/>
       <a:buNone/>
       <a:tabLst/>
-      <a:defRPr b="0" baseline="0" cap="none" i="0" spc="0" strike="noStrike" sz="1800" u="none" kumimoji="0" normalizeH="0">
+      <a:defRPr kumimoji="0" sz="1800" b="0" i="0" u="none" strike="noStrike" cap="none" spc="0" normalizeH="0" baseline="0">
         <a:ln>
           <a:noFill/>
         </a:ln>
@@ -157,7 +157,7 @@
       <a:buFontTx/>
       <a:buNone/>
       <a:tabLst/>
-      <a:defRPr b="0" baseline="0" cap="none" i="0" spc="0" strike="noStrike" sz="1800" u="none" kumimoji="0" normalizeH="0">
+      <a:defRPr kumimoji="0" sz="1800" b="0" i="0" u="none" strike="noStrike" cap="none" spc="0" normalizeH="0" baseline="0">
         <a:ln>
           <a:noFill/>
         </a:ln>
@@ -187,7 +187,7 @@
       <a:buFontTx/>
       <a:buNone/>
       <a:tabLst/>
-      <a:defRPr b="0" baseline="0" cap="none" i="0" spc="0" strike="noStrike" sz="1800" u="none" kumimoji="0" normalizeH="0">
+      <a:defRPr kumimoji="0" sz="1800" b="0" i="0" u="none" strike="noStrike" cap="none" spc="0" normalizeH="0" baseline="0">
         <a:ln>
           <a:noFill/>
         </a:ln>
@@ -217,7 +217,7 @@
       <a:buFontTx/>
       <a:buNone/>
       <a:tabLst/>
-      <a:defRPr b="0" baseline="0" cap="none" i="0" spc="0" strike="noStrike" sz="1800" u="none" kumimoji="0" normalizeH="0">
+      <a:defRPr kumimoji="0" sz="1800" b="0" i="0" u="none" strike="noStrike" cap="none" spc="0" normalizeH="0" baseline="0">
         <a:ln>
           <a:noFill/>
         </a:ln>
@@ -247,7 +247,7 @@
       <a:buFontTx/>
       <a:buNone/>
       <a:tabLst/>
-      <a:defRPr b="0" baseline="0" cap="none" i="0" spc="0" strike="noStrike" sz="1800" u="none" kumimoji="0" normalizeH="0">
+      <a:defRPr kumimoji="0" sz="1800" b="0" i="0" u="none" strike="noStrike" cap="none" spc="0" normalizeH="0" baseline="0">
         <a:ln>
           <a:noFill/>
         </a:ln>
@@ -277,7 +277,7 @@
       <a:buFontTx/>
       <a:buNone/>
       <a:tabLst/>
-      <a:defRPr b="0" baseline="0" cap="none" i="0" spc="0" strike="noStrike" sz="1800" u="none" kumimoji="0" normalizeH="0">
+      <a:defRPr kumimoji="0" sz="1800" b="0" i="0" u="none" strike="noStrike" cap="none" spc="0" normalizeH="0" baseline="0">
         <a:ln>
           <a:noFill/>
         </a:ln>
@@ -307,7 +307,7 @@
       <a:buFontTx/>
       <a:buNone/>
       <a:tabLst/>
-      <a:defRPr b="0" baseline="0" cap="none" i="0" spc="0" strike="noStrike" sz="1800" u="none" kumimoji="0" normalizeH="0">
+      <a:defRPr kumimoji="0" sz="1800" b="0" i="0" u="none" strike="noStrike" cap="none" spc="0" normalizeH="0" baseline="0">
         <a:ln>
           <a:noFill/>
         </a:ln>
@@ -326,13 +326,14 @@
 </p:presentation>
 </file>
 
-<file path=ppt/commentAuthors.xml><?xml version="1.0" encoding="utf-8"?>
-<p:cmAuthorLst xmlns:a="http://schemas.openxmlformats.org/drawingml/2006/main" xmlns:r="http://schemas.openxmlformats.org/officeDocument/2006/relationships" xmlns:p="http://schemas.openxmlformats.org/presentationml/2006/main" xmlns:m="http://schemas.openxmlformats.org/officeDocument/2006/math" xmlns:a14="http://schemas.microsoft.com/office/drawing/2010/main"/>
-</file>
-
 <file path=ppt/notesMasters/notesMaster1.xml><?xml version="1.0" encoding="utf-8"?>
-<p:notesMaster xmlns:a="http://schemas.openxmlformats.org/drawingml/2006/main" xmlns:r="http://schemas.openxmlformats.org/officeDocument/2006/relationships" xmlns:p="http://schemas.openxmlformats.org/presentationml/2006/main" xmlns:m="http://schemas.openxmlformats.org/officeDocument/2006/math" xmlns:a14="http://schemas.microsoft.com/office/drawing/2010/main">
+<p:notesMaster xmlns:a="http://schemas.openxmlformats.org/drawingml/2006/main" xmlns:r="http://schemas.openxmlformats.org/officeDocument/2006/relationships" xmlns:p="http://schemas.openxmlformats.org/presentationml/2006/main">
   <p:cSld>
+    <p:bg>
+      <p:bgRef idx="1001">
+        <a:schemeClr val="bg1"/>
+      </p:bgRef>
+    </p:bg>
     <p:spTree>
       <p:nvGrpSpPr>
         <p:cNvPr id="1" name=""/>
@@ -350,7 +351,9 @@
       <p:sp>
         <p:nvSpPr>
           <p:cNvPr id="92" name="Shape 92"/>
-          <p:cNvSpPr/>
+          <p:cNvSpPr>
+            <a:spLocks noGrp="1" noRot="1" noChangeAspect="1"/>
+          </p:cNvSpPr>
           <p:nvPr>
             <p:ph type="sldImg"/>
           </p:nvPr>
@@ -368,14 +371,16 @@
           <a:bodyPr/>
           <a:lstStyle/>
           <a:p>
-            <a:pPr/>
+            <a:endParaRPr/>
           </a:p>
         </p:txBody>
       </p:sp>
       <p:sp>
         <p:nvSpPr>
           <p:cNvPr id="93" name="Shape 93"/>
-          <p:cNvSpPr/>
+          <p:cNvSpPr>
+            <a:spLocks noGrp="1"/>
+          </p:cNvSpPr>
           <p:nvPr>
             <p:ph type="body" sz="quarter" idx="1"/>
           </p:nvPr>
@@ -393,11 +398,16 @@
           <a:bodyPr/>
           <a:lstStyle/>
           <a:p>
-            <a:pPr/>
+            <a:endParaRPr/>
           </a:p>
         </p:txBody>
       </p:sp>
     </p:spTree>
+    <p:extLst>
+      <p:ext uri="{BB962C8B-B14F-4D97-AF65-F5344CB8AC3E}">
+        <p14:creationId xmlns:p14="http://schemas.microsoft.com/office/powerpoint/2010/main" val="3148877723"/>
+      </p:ext>
+    </p:extLst>
   </p:cSld>
   <p:clrMap bg1="lt1" tx1="dk1" bg2="lt2" tx2="dk2" accent1="accent1" accent2="accent2" accent3="accent3" accent4="accent4" accent5="accent5" accent6="accent6" hlink="hlink" folHlink="folHlink"/>
   <p:notesStyle>
@@ -478,7 +488,7 @@
 </file>
 
 <file path=ppt/slideLayouts/slideLayout1.xml><?xml version="1.0" encoding="utf-8"?>
-<p:sldLayout xmlns:a="http://schemas.openxmlformats.org/drawingml/2006/main" xmlns:r="http://schemas.openxmlformats.org/officeDocument/2006/relationships" xmlns:p="http://schemas.openxmlformats.org/presentationml/2006/main" xmlns:m="http://schemas.openxmlformats.org/officeDocument/2006/math" xmlns:a14="http://schemas.microsoft.com/office/drawing/2010/main" type="title" showMasterSp="1" showMasterPhAnim="1">
+<p:sldLayout xmlns:a="http://schemas.openxmlformats.org/drawingml/2006/main" xmlns:r="http://schemas.openxmlformats.org/officeDocument/2006/relationships" xmlns:p="http://schemas.openxmlformats.org/presentationml/2006/main" type="title">
   <p:cSld name="제목 슬라이드">
     <p:spTree>
       <p:nvGrpSpPr>
@@ -497,7 +507,9 @@
       <p:sp>
         <p:nvSpPr>
           <p:cNvPr id="12" name="제목 텍스트"/>
-          <p:cNvSpPr txBox="1"/>
+          <p:cNvSpPr txBox="1">
+            <a:spLocks noGrp="1"/>
+          </p:cNvSpPr>
           <p:nvPr>
             <p:ph type="title"/>
           </p:nvPr>
@@ -519,7 +531,6 @@
             </a:lvl1pPr>
           </a:lstStyle>
           <a:p>
-            <a:pPr/>
             <a:r>
               <a:t>제목 텍스트</a:t>
             </a:r>
@@ -529,7 +540,9 @@
       <p:sp>
         <p:nvSpPr>
           <p:cNvPr id="13" name="본문 첫 번째 줄…"/>
-          <p:cNvSpPr txBox="1"/>
+          <p:cNvSpPr txBox="1">
+            <a:spLocks noGrp="1"/>
+          </p:cNvSpPr>
           <p:nvPr>
             <p:ph type="body" sz="quarter" idx="1"/>
           </p:nvPr>
@@ -578,7 +591,6 @@
             </a:lvl5pPr>
           </a:lstStyle>
           <a:p>
-            <a:pPr/>
             <a:r>
               <a:t>본문 첫 번째 줄</a:t>
             </a:r>
@@ -612,7 +624,9 @@
       <p:sp>
         <p:nvSpPr>
           <p:cNvPr id="14" name="슬라이드 번호"/>
-          <p:cNvSpPr txBox="1"/>
+          <p:cNvSpPr txBox="1">
+            <a:spLocks noGrp="1"/>
+          </p:cNvSpPr>
           <p:nvPr>
             <p:ph type="sldNum" sz="quarter" idx="2"/>
           </p:nvPr>
@@ -626,8 +640,10 @@
           <a:bodyPr/>
           <a:lstStyle/>
           <a:p>
-            <a:pPr/>
-            <a:fld id="{86CB4B4D-7CA3-9044-876B-883B54F8677D}" type="slidenum"/>
+            <a:fld id="{86CB4B4D-7CA3-9044-876B-883B54F8677D}" type="slidenum">
+              <a:t>‹#›</a:t>
+            </a:fld>
+            <a:endParaRPr/>
           </a:p>
         </p:txBody>
       </p:sp>
@@ -636,12 +652,12 @@
   <p:clrMapOvr>
     <a:masterClrMapping/>
   </p:clrMapOvr>
-  <p:transition xmlns:p14="http://schemas.microsoft.com/office/powerpoint/2010/main" spd="med" advClick="1"/>
+  <p:transition spd="med"/>
 </p:sldLayout>
 </file>
 
 <file path=ppt/slideLayouts/slideLayout2.xml><?xml version="1.0" encoding="utf-8"?>
-<p:sldLayout xmlns:a="http://schemas.openxmlformats.org/drawingml/2006/main" xmlns:r="http://schemas.openxmlformats.org/officeDocument/2006/relationships" xmlns:p="http://schemas.openxmlformats.org/presentationml/2006/main" xmlns:m="http://schemas.openxmlformats.org/officeDocument/2006/math" xmlns:a14="http://schemas.microsoft.com/office/drawing/2010/main" type="tx" showMasterSp="1" showMasterPhAnim="1">
+<p:sldLayout xmlns:a="http://schemas.openxmlformats.org/drawingml/2006/main" xmlns:r="http://schemas.openxmlformats.org/officeDocument/2006/relationships" xmlns:p="http://schemas.openxmlformats.org/presentationml/2006/main" type="tx">
   <p:cSld name="제목 및 내용">
     <p:spTree>
       <p:nvGrpSpPr>
@@ -660,7 +676,9 @@
       <p:sp>
         <p:nvSpPr>
           <p:cNvPr id="21" name="제목 텍스트"/>
-          <p:cNvSpPr txBox="1"/>
+          <p:cNvSpPr txBox="1">
+            <a:spLocks noGrp="1"/>
+          </p:cNvSpPr>
           <p:nvPr>
             <p:ph type="title"/>
           </p:nvPr>
@@ -674,7 +692,6 @@
           <a:bodyPr/>
           <a:lstStyle/>
           <a:p>
-            <a:pPr/>
             <a:r>
               <a:t>제목 텍스트</a:t>
             </a:r>
@@ -684,7 +701,9 @@
       <p:sp>
         <p:nvSpPr>
           <p:cNvPr id="22" name="본문 첫 번째 줄…"/>
-          <p:cNvSpPr txBox="1"/>
+          <p:cNvSpPr txBox="1">
+            <a:spLocks noGrp="1"/>
+          </p:cNvSpPr>
           <p:nvPr>
             <p:ph type="body" idx="1"/>
           </p:nvPr>
@@ -698,7 +717,6 @@
           <a:bodyPr/>
           <a:lstStyle/>
           <a:p>
-            <a:pPr/>
             <a:r>
               <a:t>본문 첫 번째 줄</a:t>
             </a:r>
@@ -732,7 +750,9 @@
       <p:sp>
         <p:nvSpPr>
           <p:cNvPr id="23" name="슬라이드 번호"/>
-          <p:cNvSpPr txBox="1"/>
+          <p:cNvSpPr txBox="1">
+            <a:spLocks noGrp="1"/>
+          </p:cNvSpPr>
           <p:nvPr>
             <p:ph type="sldNum" sz="quarter" idx="2"/>
           </p:nvPr>
@@ -746,8 +766,10 @@
           <a:bodyPr/>
           <a:lstStyle/>
           <a:p>
-            <a:pPr/>
-            <a:fld id="{86CB4B4D-7CA3-9044-876B-883B54F8677D}" type="slidenum"/>
+            <a:fld id="{86CB4B4D-7CA3-9044-876B-883B54F8677D}" type="slidenum">
+              <a:t>‹#›</a:t>
+            </a:fld>
+            <a:endParaRPr/>
           </a:p>
         </p:txBody>
       </p:sp>
@@ -756,12 +778,12 @@
   <p:clrMapOvr>
     <a:masterClrMapping/>
   </p:clrMapOvr>
-  <p:transition xmlns:p14="http://schemas.microsoft.com/office/powerpoint/2010/main" spd="med" advClick="1"/>
+  <p:transition spd="med"/>
 </p:sldLayout>
 </file>
 
 <file path=ppt/slideLayouts/slideLayout3.xml><?xml version="1.0" encoding="utf-8"?>
-<p:sldLayout xmlns:a="http://schemas.openxmlformats.org/drawingml/2006/main" xmlns:r="http://schemas.openxmlformats.org/officeDocument/2006/relationships" xmlns:p="http://schemas.openxmlformats.org/presentationml/2006/main" xmlns:m="http://schemas.openxmlformats.org/officeDocument/2006/math" xmlns:a14="http://schemas.microsoft.com/office/drawing/2010/main" type="tx" showMasterSp="1" showMasterPhAnim="1">
+<p:sldLayout xmlns:a="http://schemas.openxmlformats.org/drawingml/2006/main" xmlns:r="http://schemas.openxmlformats.org/officeDocument/2006/relationships" xmlns:p="http://schemas.openxmlformats.org/presentationml/2006/main" type="tx">
   <p:cSld name="구역 머리글">
     <p:spTree>
       <p:nvGrpSpPr>
@@ -780,7 +802,9 @@
       <p:sp>
         <p:nvSpPr>
           <p:cNvPr id="30" name="제목 텍스트"/>
-          <p:cNvSpPr txBox="1"/>
+          <p:cNvSpPr txBox="1">
+            <a:spLocks noGrp="1"/>
+          </p:cNvSpPr>
           <p:nvPr>
             <p:ph type="title"/>
           </p:nvPr>
@@ -802,7 +826,6 @@
             </a:lvl1pPr>
           </a:lstStyle>
           <a:p>
-            <a:pPr/>
             <a:r>
               <a:t>제목 텍스트</a:t>
             </a:r>
@@ -812,7 +835,9 @@
       <p:sp>
         <p:nvSpPr>
           <p:cNvPr id="31" name="본문 첫 번째 줄…"/>
-          <p:cNvSpPr txBox="1"/>
+          <p:cNvSpPr txBox="1">
+            <a:spLocks noGrp="1"/>
+          </p:cNvSpPr>
           <p:nvPr>
             <p:ph type="body" sz="quarter" idx="1"/>
           </p:nvPr>
@@ -881,7 +906,6 @@
             </a:lvl5pPr>
           </a:lstStyle>
           <a:p>
-            <a:pPr/>
             <a:r>
               <a:t>본문 첫 번째 줄</a:t>
             </a:r>
@@ -915,7 +939,9 @@
       <p:sp>
         <p:nvSpPr>
           <p:cNvPr id="32" name="슬라이드 번호"/>
-          <p:cNvSpPr txBox="1"/>
+          <p:cNvSpPr txBox="1">
+            <a:spLocks noGrp="1"/>
+          </p:cNvSpPr>
           <p:nvPr>
             <p:ph type="sldNum" sz="quarter" idx="2"/>
           </p:nvPr>
@@ -929,8 +955,10 @@
           <a:bodyPr/>
           <a:lstStyle/>
           <a:p>
-            <a:pPr/>
-            <a:fld id="{86CB4B4D-7CA3-9044-876B-883B54F8677D}" type="slidenum"/>
+            <a:fld id="{86CB4B4D-7CA3-9044-876B-883B54F8677D}" type="slidenum">
+              <a:t>‹#›</a:t>
+            </a:fld>
+            <a:endParaRPr/>
           </a:p>
         </p:txBody>
       </p:sp>
@@ -939,12 +967,12 @@
   <p:clrMapOvr>
     <a:masterClrMapping/>
   </p:clrMapOvr>
-  <p:transition xmlns:p14="http://schemas.microsoft.com/office/powerpoint/2010/main" spd="med" advClick="1"/>
+  <p:transition spd="med"/>
 </p:sldLayout>
 </file>
 
 <file path=ppt/slideLayouts/slideLayout4.xml><?xml version="1.0" encoding="utf-8"?>
-<p:sldLayout xmlns:a="http://schemas.openxmlformats.org/drawingml/2006/main" xmlns:r="http://schemas.openxmlformats.org/officeDocument/2006/relationships" xmlns:p="http://schemas.openxmlformats.org/presentationml/2006/main" xmlns:m="http://schemas.openxmlformats.org/officeDocument/2006/math" xmlns:a14="http://schemas.microsoft.com/office/drawing/2010/main" type="tx" showMasterSp="1" showMasterPhAnim="1">
+<p:sldLayout xmlns:a="http://schemas.openxmlformats.org/drawingml/2006/main" xmlns:r="http://schemas.openxmlformats.org/officeDocument/2006/relationships" xmlns:p="http://schemas.openxmlformats.org/presentationml/2006/main" type="tx">
   <p:cSld name="콘텐츠 2개">
     <p:spTree>
       <p:nvGrpSpPr>
@@ -963,7 +991,9 @@
       <p:sp>
         <p:nvSpPr>
           <p:cNvPr id="39" name="제목 텍스트"/>
-          <p:cNvSpPr txBox="1"/>
+          <p:cNvSpPr txBox="1">
+            <a:spLocks noGrp="1"/>
+          </p:cNvSpPr>
           <p:nvPr>
             <p:ph type="title"/>
           </p:nvPr>
@@ -977,7 +1007,6 @@
           <a:bodyPr/>
           <a:lstStyle/>
           <a:p>
-            <a:pPr/>
             <a:r>
               <a:t>제목 텍스트</a:t>
             </a:r>
@@ -987,7 +1016,9 @@
       <p:sp>
         <p:nvSpPr>
           <p:cNvPr id="40" name="본문 첫 번째 줄…"/>
-          <p:cNvSpPr txBox="1"/>
+          <p:cNvSpPr txBox="1">
+            <a:spLocks noGrp="1"/>
+          </p:cNvSpPr>
           <p:nvPr>
             <p:ph type="body" sz="half" idx="1"/>
           </p:nvPr>
@@ -1005,7 +1036,6 @@
           <a:bodyPr/>
           <a:lstStyle/>
           <a:p>
-            <a:pPr/>
             <a:r>
               <a:t>본문 첫 번째 줄</a:t>
             </a:r>
@@ -1039,7 +1069,9 @@
       <p:sp>
         <p:nvSpPr>
           <p:cNvPr id="41" name="슬라이드 번호"/>
-          <p:cNvSpPr txBox="1"/>
+          <p:cNvSpPr txBox="1">
+            <a:spLocks noGrp="1"/>
+          </p:cNvSpPr>
           <p:nvPr>
             <p:ph type="sldNum" sz="quarter" idx="2"/>
           </p:nvPr>
@@ -1053,8 +1085,10 @@
           <a:bodyPr/>
           <a:lstStyle/>
           <a:p>
-            <a:pPr/>
-            <a:fld id="{86CB4B4D-7CA3-9044-876B-883B54F8677D}" type="slidenum"/>
+            <a:fld id="{86CB4B4D-7CA3-9044-876B-883B54F8677D}" type="slidenum">
+              <a:t>‹#›</a:t>
+            </a:fld>
+            <a:endParaRPr/>
           </a:p>
         </p:txBody>
       </p:sp>
@@ -1063,12 +1097,12 @@
   <p:clrMapOvr>
     <a:masterClrMapping/>
   </p:clrMapOvr>
-  <p:transition xmlns:p14="http://schemas.microsoft.com/office/powerpoint/2010/main" spd="med" advClick="1"/>
+  <p:transition spd="med"/>
 </p:sldLayout>
 </file>
 
 <file path=ppt/slideLayouts/slideLayout5.xml><?xml version="1.0" encoding="utf-8"?>
-<p:sldLayout xmlns:a="http://schemas.openxmlformats.org/drawingml/2006/main" xmlns:r="http://schemas.openxmlformats.org/officeDocument/2006/relationships" xmlns:p="http://schemas.openxmlformats.org/presentationml/2006/main" xmlns:m="http://schemas.openxmlformats.org/officeDocument/2006/math" xmlns:a14="http://schemas.microsoft.com/office/drawing/2010/main" type="tx" showMasterSp="1" showMasterPhAnim="1">
+<p:sldLayout xmlns:a="http://schemas.openxmlformats.org/drawingml/2006/main" xmlns:r="http://schemas.openxmlformats.org/officeDocument/2006/relationships" xmlns:p="http://schemas.openxmlformats.org/presentationml/2006/main" type="tx">
   <p:cSld name="비교">
     <p:spTree>
       <p:nvGrpSpPr>
@@ -1087,7 +1121,9 @@
       <p:sp>
         <p:nvSpPr>
           <p:cNvPr id="48" name="제목 텍스트"/>
-          <p:cNvSpPr txBox="1"/>
+          <p:cNvSpPr txBox="1">
+            <a:spLocks noGrp="1"/>
+          </p:cNvSpPr>
           <p:nvPr>
             <p:ph type="title"/>
           </p:nvPr>
@@ -1105,7 +1141,6 @@
           <a:bodyPr/>
           <a:lstStyle/>
           <a:p>
-            <a:pPr/>
             <a:r>
               <a:t>제목 텍스트</a:t>
             </a:r>
@@ -1115,7 +1150,9 @@
       <p:sp>
         <p:nvSpPr>
           <p:cNvPr id="49" name="본문 첫 번째 줄…"/>
-          <p:cNvSpPr txBox="1"/>
+          <p:cNvSpPr txBox="1">
+            <a:spLocks noGrp="1"/>
+          </p:cNvSpPr>
           <p:nvPr>
             <p:ph type="body" sz="quarter" idx="1"/>
           </p:nvPr>
@@ -1136,35 +1173,34 @@
               <a:buSzTx/>
               <a:buFontTx/>
               <a:buNone/>
-              <a:defRPr b="1" sz="2400"/>
+              <a:defRPr sz="2400" b="1"/>
             </a:lvl1pPr>
             <a:lvl2pPr marL="0" indent="457200">
               <a:buSzTx/>
               <a:buFontTx/>
               <a:buNone/>
-              <a:defRPr b="1" sz="2400"/>
+              <a:defRPr sz="2400" b="1"/>
             </a:lvl2pPr>
             <a:lvl3pPr marL="0" indent="914400">
               <a:buSzTx/>
               <a:buFontTx/>
               <a:buNone/>
-              <a:defRPr b="1" sz="2400"/>
+              <a:defRPr sz="2400" b="1"/>
             </a:lvl3pPr>
             <a:lvl4pPr marL="0" indent="1371600">
               <a:buSzTx/>
               <a:buFontTx/>
               <a:buNone/>
-              <a:defRPr b="1" sz="2400"/>
+              <a:defRPr sz="2400" b="1"/>
             </a:lvl4pPr>
             <a:lvl5pPr marL="0" indent="1828800">
               <a:buSzTx/>
               <a:buFontTx/>
               <a:buNone/>
-              <a:defRPr b="1" sz="2400"/>
+              <a:defRPr sz="2400" b="1"/>
             </a:lvl5pPr>
           </a:lstStyle>
           <a:p>
-            <a:pPr/>
             <a:r>
               <a:t>본문 첫 번째 줄</a:t>
             </a:r>
@@ -1198,7 +1234,9 @@
       <p:sp>
         <p:nvSpPr>
           <p:cNvPr id="50" name="Text Placeholder 4"/>
-          <p:cNvSpPr/>
+          <p:cNvSpPr>
+            <a:spLocks noGrp="1"/>
+          </p:cNvSpPr>
           <p:nvPr>
             <p:ph type="body" sz="quarter" idx="13"/>
           </p:nvPr>
@@ -1220,15 +1258,18 @@
               <a:buSzTx/>
               <a:buFontTx/>
               <a:buNone/>
-              <a:defRPr b="1" sz="2400"/>
+              <a:defRPr sz="2400" b="1"/>
             </a:pPr>
+            <a:endParaRPr/>
           </a:p>
         </p:txBody>
       </p:sp>
       <p:sp>
         <p:nvSpPr>
           <p:cNvPr id="51" name="슬라이드 번호"/>
-          <p:cNvSpPr txBox="1"/>
+          <p:cNvSpPr txBox="1">
+            <a:spLocks noGrp="1"/>
+          </p:cNvSpPr>
           <p:nvPr>
             <p:ph type="sldNum" sz="quarter" idx="2"/>
           </p:nvPr>
@@ -1242,8 +1283,10 @@
           <a:bodyPr/>
           <a:lstStyle/>
           <a:p>
-            <a:pPr/>
-            <a:fld id="{86CB4B4D-7CA3-9044-876B-883B54F8677D}" type="slidenum"/>
+            <a:fld id="{86CB4B4D-7CA3-9044-876B-883B54F8677D}" type="slidenum">
+              <a:t>‹#›</a:t>
+            </a:fld>
+            <a:endParaRPr/>
           </a:p>
         </p:txBody>
       </p:sp>
@@ -1252,12 +1295,12 @@
   <p:clrMapOvr>
     <a:masterClrMapping/>
   </p:clrMapOvr>
-  <p:transition xmlns:p14="http://schemas.microsoft.com/office/powerpoint/2010/main" spd="med" advClick="1"/>
+  <p:transition spd="med"/>
 </p:sldLayout>
 </file>
 
 <file path=ppt/slideLayouts/slideLayout6.xml><?xml version="1.0" encoding="utf-8"?>
-<p:sldLayout xmlns:a="http://schemas.openxmlformats.org/drawingml/2006/main" xmlns:r="http://schemas.openxmlformats.org/officeDocument/2006/relationships" xmlns:p="http://schemas.openxmlformats.org/presentationml/2006/main" xmlns:m="http://schemas.openxmlformats.org/officeDocument/2006/math" xmlns:a14="http://schemas.microsoft.com/office/drawing/2010/main" type="tx" showMasterSp="1" showMasterPhAnim="1">
+<p:sldLayout xmlns:a="http://schemas.openxmlformats.org/drawingml/2006/main" xmlns:r="http://schemas.openxmlformats.org/officeDocument/2006/relationships" xmlns:p="http://schemas.openxmlformats.org/presentationml/2006/main" type="tx">
   <p:cSld name="제목만">
     <p:spTree>
       <p:nvGrpSpPr>
@@ -1276,7 +1319,9 @@
       <p:sp>
         <p:nvSpPr>
           <p:cNvPr id="58" name="제목 텍스트"/>
-          <p:cNvSpPr txBox="1"/>
+          <p:cNvSpPr txBox="1">
+            <a:spLocks noGrp="1"/>
+          </p:cNvSpPr>
           <p:nvPr>
             <p:ph type="title"/>
           </p:nvPr>
@@ -1290,7 +1335,6 @@
           <a:bodyPr/>
           <a:lstStyle/>
           <a:p>
-            <a:pPr/>
             <a:r>
               <a:t>제목 텍스트</a:t>
             </a:r>
@@ -1300,7 +1344,9 @@
       <p:sp>
         <p:nvSpPr>
           <p:cNvPr id="59" name="슬라이드 번호"/>
-          <p:cNvSpPr txBox="1"/>
+          <p:cNvSpPr txBox="1">
+            <a:spLocks noGrp="1"/>
+          </p:cNvSpPr>
           <p:nvPr>
             <p:ph type="sldNum" sz="quarter" idx="2"/>
           </p:nvPr>
@@ -1314,8 +1360,10 @@
           <a:bodyPr/>
           <a:lstStyle/>
           <a:p>
-            <a:pPr/>
-            <a:fld id="{86CB4B4D-7CA3-9044-876B-883B54F8677D}" type="slidenum"/>
+            <a:fld id="{86CB4B4D-7CA3-9044-876B-883B54F8677D}" type="slidenum">
+              <a:t>‹#›</a:t>
+            </a:fld>
+            <a:endParaRPr/>
           </a:p>
         </p:txBody>
       </p:sp>
@@ -1324,12 +1372,12 @@
   <p:clrMapOvr>
     <a:masterClrMapping/>
   </p:clrMapOvr>
-  <p:transition xmlns:p14="http://schemas.microsoft.com/office/powerpoint/2010/main" spd="med" advClick="1"/>
+  <p:transition spd="med"/>
 </p:sldLayout>
 </file>
 
 <file path=ppt/slideLayouts/slideLayout7.xml><?xml version="1.0" encoding="utf-8"?>
-<p:sldLayout xmlns:a="http://schemas.openxmlformats.org/drawingml/2006/main" xmlns:r="http://schemas.openxmlformats.org/officeDocument/2006/relationships" xmlns:p="http://schemas.openxmlformats.org/presentationml/2006/main" xmlns:m="http://schemas.openxmlformats.org/officeDocument/2006/math" xmlns:a14="http://schemas.microsoft.com/office/drawing/2010/main" type="tx" showMasterSp="1" showMasterPhAnim="1">
+<p:sldLayout xmlns:a="http://schemas.openxmlformats.org/drawingml/2006/main" xmlns:r="http://schemas.openxmlformats.org/officeDocument/2006/relationships" xmlns:p="http://schemas.openxmlformats.org/presentationml/2006/main" type="tx">
   <p:cSld name="빈 화면">
     <p:spTree>
       <p:nvGrpSpPr>
@@ -1348,7 +1396,9 @@
       <p:sp>
         <p:nvSpPr>
           <p:cNvPr id="66" name="슬라이드 번호"/>
-          <p:cNvSpPr txBox="1"/>
+          <p:cNvSpPr txBox="1">
+            <a:spLocks noGrp="1"/>
+          </p:cNvSpPr>
           <p:nvPr>
             <p:ph type="sldNum" sz="quarter" idx="2"/>
           </p:nvPr>
@@ -1362,8 +1412,10 @@
           <a:bodyPr/>
           <a:lstStyle/>
           <a:p>
-            <a:pPr/>
-            <a:fld id="{86CB4B4D-7CA3-9044-876B-883B54F8677D}" type="slidenum"/>
+            <a:fld id="{86CB4B4D-7CA3-9044-876B-883B54F8677D}" type="slidenum">
+              <a:t>‹#›</a:t>
+            </a:fld>
+            <a:endParaRPr/>
           </a:p>
         </p:txBody>
       </p:sp>
@@ -1372,12 +1424,12 @@
   <p:clrMapOvr>
     <a:masterClrMapping/>
   </p:clrMapOvr>
-  <p:transition xmlns:p14="http://schemas.microsoft.com/office/powerpoint/2010/main" spd="med" advClick="1"/>
+  <p:transition spd="med"/>
 </p:sldLayout>
 </file>
 
 <file path=ppt/slideLayouts/slideLayout8.xml><?xml version="1.0" encoding="utf-8"?>
-<p:sldLayout xmlns:a="http://schemas.openxmlformats.org/drawingml/2006/main" xmlns:r="http://schemas.openxmlformats.org/officeDocument/2006/relationships" xmlns:p="http://schemas.openxmlformats.org/presentationml/2006/main" xmlns:m="http://schemas.openxmlformats.org/officeDocument/2006/math" xmlns:a14="http://schemas.microsoft.com/office/drawing/2010/main" type="tx" showMasterSp="1" showMasterPhAnim="1">
+<p:sldLayout xmlns:a="http://schemas.openxmlformats.org/drawingml/2006/main" xmlns:r="http://schemas.openxmlformats.org/officeDocument/2006/relationships" xmlns:p="http://schemas.openxmlformats.org/presentationml/2006/main" type="tx">
   <p:cSld name="캡션 있는 콘텐츠">
     <p:spTree>
       <p:nvGrpSpPr>
@@ -1396,7 +1448,9 @@
       <p:sp>
         <p:nvSpPr>
           <p:cNvPr id="73" name="제목 텍스트"/>
-          <p:cNvSpPr txBox="1"/>
+          <p:cNvSpPr txBox="1">
+            <a:spLocks noGrp="1"/>
+          </p:cNvSpPr>
           <p:nvPr>
             <p:ph type="title"/>
           </p:nvPr>
@@ -1418,7 +1472,6 @@
             </a:lvl1pPr>
           </a:lstStyle>
           <a:p>
-            <a:pPr/>
             <a:r>
               <a:t>제목 텍스트</a:t>
             </a:r>
@@ -1428,7 +1481,9 @@
       <p:sp>
         <p:nvSpPr>
           <p:cNvPr id="74" name="본문 첫 번째 줄…"/>
-          <p:cNvSpPr txBox="1"/>
+          <p:cNvSpPr txBox="1">
+            <a:spLocks noGrp="1"/>
+          </p:cNvSpPr>
           <p:nvPr>
             <p:ph type="body" sz="half" idx="1"/>
           </p:nvPr>
@@ -1462,7 +1517,6 @@
             </a:lvl5pPr>
           </a:lstStyle>
           <a:p>
-            <a:pPr/>
             <a:r>
               <a:t>본문 첫 번째 줄</a:t>
             </a:r>
@@ -1496,7 +1550,9 @@
       <p:sp>
         <p:nvSpPr>
           <p:cNvPr id="75" name="Text Placeholder 3"/>
-          <p:cNvSpPr/>
+          <p:cNvSpPr>
+            <a:spLocks noGrp="1"/>
+          </p:cNvSpPr>
           <p:nvPr>
             <p:ph type="body" sz="quarter" idx="13"/>
           </p:nvPr>
@@ -1520,13 +1576,16 @@
               <a:buNone/>
               <a:defRPr sz="1600"/>
             </a:pPr>
+            <a:endParaRPr/>
           </a:p>
         </p:txBody>
       </p:sp>
       <p:sp>
         <p:nvSpPr>
           <p:cNvPr id="76" name="슬라이드 번호"/>
-          <p:cNvSpPr txBox="1"/>
+          <p:cNvSpPr txBox="1">
+            <a:spLocks noGrp="1"/>
+          </p:cNvSpPr>
           <p:nvPr>
             <p:ph type="sldNum" sz="quarter" idx="2"/>
           </p:nvPr>
@@ -1540,8 +1599,10 @@
           <a:bodyPr/>
           <a:lstStyle/>
           <a:p>
-            <a:pPr/>
-            <a:fld id="{86CB4B4D-7CA3-9044-876B-883B54F8677D}" type="slidenum"/>
+            <a:fld id="{86CB4B4D-7CA3-9044-876B-883B54F8677D}" type="slidenum">
+              <a:t>‹#›</a:t>
+            </a:fld>
+            <a:endParaRPr/>
           </a:p>
         </p:txBody>
       </p:sp>
@@ -1550,12 +1611,12 @@
   <p:clrMapOvr>
     <a:masterClrMapping/>
   </p:clrMapOvr>
-  <p:transition xmlns:p14="http://schemas.microsoft.com/office/powerpoint/2010/main" spd="med" advClick="1"/>
+  <p:transition spd="med"/>
 </p:sldLayout>
 </file>
 
 <file path=ppt/slideLayouts/slideLayout9.xml><?xml version="1.0" encoding="utf-8"?>
-<p:sldLayout xmlns:a="http://schemas.openxmlformats.org/drawingml/2006/main" xmlns:r="http://schemas.openxmlformats.org/officeDocument/2006/relationships" xmlns:p="http://schemas.openxmlformats.org/presentationml/2006/main" xmlns:m="http://schemas.openxmlformats.org/officeDocument/2006/math" xmlns:a14="http://schemas.microsoft.com/office/drawing/2010/main" type="tx" showMasterSp="1" showMasterPhAnim="1">
+<p:sldLayout xmlns:a="http://schemas.openxmlformats.org/drawingml/2006/main" xmlns:r="http://schemas.openxmlformats.org/officeDocument/2006/relationships" xmlns:p="http://schemas.openxmlformats.org/presentationml/2006/main" type="tx">
   <p:cSld name="캡션 있는 그림">
     <p:spTree>
       <p:nvGrpSpPr>
@@ -1574,7 +1635,9 @@
       <p:sp>
         <p:nvSpPr>
           <p:cNvPr id="83" name="제목 텍스트"/>
-          <p:cNvSpPr txBox="1"/>
+          <p:cNvSpPr txBox="1">
+            <a:spLocks noGrp="1"/>
+          </p:cNvSpPr>
           <p:nvPr>
             <p:ph type="title"/>
           </p:nvPr>
@@ -1596,7 +1659,6 @@
             </a:lvl1pPr>
           </a:lstStyle>
           <a:p>
-            <a:pPr/>
             <a:r>
               <a:t>제목 텍스트</a:t>
             </a:r>
@@ -1606,7 +1668,9 @@
       <p:sp>
         <p:nvSpPr>
           <p:cNvPr id="84" name="Picture Placeholder 2"/>
-          <p:cNvSpPr/>
+          <p:cNvSpPr>
+            <a:spLocks noGrp="1"/>
+          </p:cNvSpPr>
           <p:nvPr>
             <p:ph type="pic" sz="half" idx="13"/>
           </p:nvPr>
@@ -1626,14 +1690,16 @@
           </a:bodyPr>
           <a:lstStyle/>
           <a:p>
-            <a:pPr/>
+            <a:endParaRPr/>
           </a:p>
         </p:txBody>
       </p:sp>
       <p:sp>
         <p:nvSpPr>
           <p:cNvPr id="85" name="본문 첫 번째 줄…"/>
-          <p:cNvSpPr txBox="1"/>
+          <p:cNvSpPr txBox="1">
+            <a:spLocks noGrp="1"/>
+          </p:cNvSpPr>
           <p:nvPr>
             <p:ph type="body" sz="quarter" idx="1"/>
           </p:nvPr>
@@ -1682,7 +1748,6 @@
             </a:lvl5pPr>
           </a:lstStyle>
           <a:p>
-            <a:pPr/>
             <a:r>
               <a:t>본문 첫 번째 줄</a:t>
             </a:r>
@@ -1716,7 +1781,9 @@
       <p:sp>
         <p:nvSpPr>
           <p:cNvPr id="86" name="슬라이드 번호"/>
-          <p:cNvSpPr txBox="1"/>
+          <p:cNvSpPr txBox="1">
+            <a:spLocks noGrp="1"/>
+          </p:cNvSpPr>
           <p:nvPr>
             <p:ph type="sldNum" sz="quarter" idx="2"/>
           </p:nvPr>
@@ -1730,8 +1797,10 @@
           <a:bodyPr/>
           <a:lstStyle/>
           <a:p>
-            <a:pPr/>
-            <a:fld id="{86CB4B4D-7CA3-9044-876B-883B54F8677D}" type="slidenum"/>
+            <a:fld id="{86CB4B4D-7CA3-9044-876B-883B54F8677D}" type="slidenum">
+              <a:t>‹#›</a:t>
+            </a:fld>
+            <a:endParaRPr/>
           </a:p>
         </p:txBody>
       </p:sp>
@@ -1740,18 +1809,19 @@
   <p:clrMapOvr>
     <a:masterClrMapping/>
   </p:clrMapOvr>
-  <p:transition xmlns:p14="http://schemas.microsoft.com/office/powerpoint/2010/main" spd="med" advClick="1"/>
+  <p:transition spd="med"/>
 </p:sldLayout>
 </file>
 
 <file path=ppt/slideMasters/slideMaster1.xml><?xml version="1.0" encoding="utf-8"?>
-<p:sldMaster xmlns:a="http://schemas.openxmlformats.org/drawingml/2006/main" xmlns:r="http://schemas.openxmlformats.org/officeDocument/2006/relationships" xmlns:p="http://schemas.openxmlformats.org/presentationml/2006/main" xmlns:m="http://schemas.openxmlformats.org/officeDocument/2006/math" xmlns:a14="http://schemas.microsoft.com/office/drawing/2010/main">
+<p:sldMaster xmlns:a="http://schemas.openxmlformats.org/drawingml/2006/main" xmlns:r="http://schemas.openxmlformats.org/officeDocument/2006/relationships" xmlns:p="http://schemas.openxmlformats.org/presentationml/2006/main">
   <p:cSld>
     <p:bg>
       <p:bgPr>
         <a:solidFill>
           <a:srgbClr val="F2F2F2"/>
         </a:solidFill>
+        <a:effectLst/>
       </p:bgPr>
     </p:bg>
     <p:spTree>
@@ -1787,7 +1857,7 @@
           </a:ln>
           <a:extLst>
             <a:ext uri="{C572A759-6A51-4108-AA02-DFA0A04FC94B}">
-              <ma14:wrappingTextBoxFlag xmlns:ma14="http://schemas.microsoft.com/office/mac/drawingml/2011/main" val="1"/>
+              <ma14:wrappingTextBoxFlag xmlns:ma14="http://schemas.microsoft.com/office/mac/drawingml/2011/main" xmlns:a14="http://schemas.microsoft.com/office/drawing/2010/main" xmlns:m="http://schemas.openxmlformats.org/officeDocument/2006/math" xmlns="" val="1"/>
             </a:ext>
           </a:extLst>
         </p:spPr>
@@ -1809,7 +1879,6 @@
             </a:lvl1pPr>
           </a:lstStyle>
           <a:p>
-            <a:pPr/>
             <a:r>
               <a:t>Copyrightⓒ. Saebyeol Yu. All Rights Reserved.</a:t>
             </a:r>
@@ -1819,7 +1888,9 @@
       <p:sp>
         <p:nvSpPr>
           <p:cNvPr id="3" name="제목 텍스트"/>
-          <p:cNvSpPr txBox="1"/>
+          <p:cNvSpPr txBox="1">
+            <a:spLocks noGrp="1"/>
+          </p:cNvSpPr>
           <p:nvPr>
             <p:ph type="title"/>
           </p:nvPr>
@@ -1837,17 +1908,16 @@
           </a:ln>
           <a:extLst>
             <a:ext uri="{C572A759-6A51-4108-AA02-DFA0A04FC94B}">
-              <ma14:wrappingTextBoxFlag xmlns:ma14="http://schemas.microsoft.com/office/mac/drawingml/2011/main" val="1"/>
+              <ma14:wrappingTextBoxFlag xmlns:ma14="http://schemas.microsoft.com/office/mac/drawingml/2011/main" xmlns:a14="http://schemas.microsoft.com/office/drawing/2010/main" xmlns:m="http://schemas.openxmlformats.org/officeDocument/2006/math" xmlns="" val="1"/>
             </a:ext>
           </a:extLst>
         </p:spPr>
         <p:txBody>
           <a:bodyPr lIns="45719" rIns="45719" anchor="ctr">
-            <a:normAutofit fontScale="100000" lnSpcReduction="0"/>
+            <a:normAutofit/>
           </a:bodyPr>
           <a:lstStyle/>
           <a:p>
-            <a:pPr/>
             <a:r>
               <a:t>제목 텍스트</a:t>
             </a:r>
@@ -1857,7 +1927,9 @@
       <p:sp>
         <p:nvSpPr>
           <p:cNvPr id="4" name="본문 첫 번째 줄…"/>
-          <p:cNvSpPr txBox="1"/>
+          <p:cNvSpPr txBox="1">
+            <a:spLocks noGrp="1"/>
+          </p:cNvSpPr>
           <p:nvPr>
             <p:ph type="body" idx="1"/>
           </p:nvPr>
@@ -1875,17 +1947,16 @@
           </a:ln>
           <a:extLst>
             <a:ext uri="{C572A759-6A51-4108-AA02-DFA0A04FC94B}">
-              <ma14:wrappingTextBoxFlag xmlns:ma14="http://schemas.microsoft.com/office/mac/drawingml/2011/main" val="1"/>
+              <ma14:wrappingTextBoxFlag xmlns:ma14="http://schemas.microsoft.com/office/mac/drawingml/2011/main" xmlns:a14="http://schemas.microsoft.com/office/drawing/2010/main" xmlns:m="http://schemas.openxmlformats.org/officeDocument/2006/math" xmlns="" val="1"/>
             </a:ext>
           </a:extLst>
         </p:spPr>
         <p:txBody>
           <a:bodyPr lIns="45719" rIns="45719">
-            <a:normAutofit fontScale="100000" lnSpcReduction="0"/>
+            <a:normAutofit/>
           </a:bodyPr>
           <a:lstStyle/>
           <a:p>
-            <a:pPr/>
             <a:r>
               <a:t>본문 첫 번째 줄</a:t>
             </a:r>
@@ -1919,7 +1990,9 @@
       <p:sp>
         <p:nvSpPr>
           <p:cNvPr id="5" name="슬라이드 번호"/>
-          <p:cNvSpPr txBox="1"/>
+          <p:cNvSpPr txBox="1">
+            <a:spLocks noGrp="1"/>
+          </p:cNvSpPr>
           <p:nvPr>
             <p:ph type="sldNum" sz="quarter" idx="2"/>
           </p:nvPr>
@@ -1950,8 +2023,10 @@
             </a:lvl1pPr>
           </a:lstStyle>
           <a:p>
-            <a:pPr/>
-            <a:fld id="{86CB4B4D-7CA3-9044-876B-883B54F8677D}" type="slidenum"/>
+            <a:fld id="{86CB4B4D-7CA3-9044-876B-883B54F8677D}" type="slidenum">
+              <a:t>‹#›</a:t>
+            </a:fld>
+            <a:endParaRPr/>
           </a:p>
         </p:txBody>
       </p:sp>
@@ -1959,17 +2034,17 @@
   </p:cSld>
   <p:clrMap bg1="lt1" tx1="dk1" bg2="lt2" tx2="dk2" accent1="accent1" accent2="accent2" accent3="accent3" accent4="accent4" accent5="accent5" accent6="accent6" hlink="hlink" folHlink="folHlink"/>
   <p:sldLayoutIdLst>
-    <p:sldLayoutId id="2147483649" r:id="rId2"/>
-    <p:sldLayoutId id="2147483650" r:id="rId3"/>
-    <p:sldLayoutId id="2147483651" r:id="rId4"/>
-    <p:sldLayoutId id="2147483652" r:id="rId5"/>
-    <p:sldLayoutId id="2147483653" r:id="rId6"/>
-    <p:sldLayoutId id="2147483654" r:id="rId7"/>
-    <p:sldLayoutId id="2147483655" r:id="rId8"/>
-    <p:sldLayoutId id="2147483656" r:id="rId9"/>
-    <p:sldLayoutId id="2147483657" r:id="rId10"/>
+    <p:sldLayoutId id="2147483649" r:id="rId1"/>
+    <p:sldLayoutId id="2147483650" r:id="rId2"/>
+    <p:sldLayoutId id="2147483651" r:id="rId3"/>
+    <p:sldLayoutId id="2147483652" r:id="rId4"/>
+    <p:sldLayoutId id="2147483653" r:id="rId5"/>
+    <p:sldLayoutId id="2147483654" r:id="rId6"/>
+    <p:sldLayoutId id="2147483655" r:id="rId7"/>
+    <p:sldLayoutId id="2147483656" r:id="rId8"/>
+    <p:sldLayoutId id="2147483657" r:id="rId9"/>
   </p:sldLayoutIdLst>
-  <p:transition xmlns:p14="http://schemas.microsoft.com/office/powerpoint/2010/main" spd="med" advClick="1"/>
+  <p:transition spd="med"/>
   <p:txStyles>
     <p:titleStyle>
       <a:lvl1pPr marL="0" marR="0" indent="0" algn="l" defTabSz="914400" rtl="0" latinLnBrk="0">
@@ -1987,7 +2062,7 @@
         <a:buFontTx/>
         <a:buNone/>
         <a:tabLst/>
-        <a:defRPr b="0" baseline="0" cap="none" i="0" spc="0" strike="noStrike" sz="4400" u="none">
+        <a:defRPr sz="4400" b="0" i="0" u="none" strike="noStrike" cap="none" spc="0" baseline="0">
           <a:ln>
             <a:noFill/>
           </a:ln>
@@ -2016,7 +2091,7 @@
         <a:buFontTx/>
         <a:buNone/>
         <a:tabLst/>
-        <a:defRPr b="0" baseline="0" cap="none" i="0" spc="0" strike="noStrike" sz="4400" u="none">
+        <a:defRPr sz="4400" b="0" i="0" u="none" strike="noStrike" cap="none" spc="0" baseline="0">
           <a:ln>
             <a:noFill/>
           </a:ln>
@@ -2045,7 +2120,7 @@
         <a:buFontTx/>
         <a:buNone/>
         <a:tabLst/>
-        <a:defRPr b="0" baseline="0" cap="none" i="0" spc="0" strike="noStrike" sz="4400" u="none">
+        <a:defRPr sz="4400" b="0" i="0" u="none" strike="noStrike" cap="none" spc="0" baseline="0">
           <a:ln>
             <a:noFill/>
           </a:ln>
@@ -2074,7 +2149,7 @@
         <a:buFontTx/>
         <a:buNone/>
         <a:tabLst/>
-        <a:defRPr b="0" baseline="0" cap="none" i="0" spc="0" strike="noStrike" sz="4400" u="none">
+        <a:defRPr sz="4400" b="0" i="0" u="none" strike="noStrike" cap="none" spc="0" baseline="0">
           <a:ln>
             <a:noFill/>
           </a:ln>
@@ -2103,7 +2178,7 @@
         <a:buFontTx/>
         <a:buNone/>
         <a:tabLst/>
-        <a:defRPr b="0" baseline="0" cap="none" i="0" spc="0" strike="noStrike" sz="4400" u="none">
+        <a:defRPr sz="4400" b="0" i="0" u="none" strike="noStrike" cap="none" spc="0" baseline="0">
           <a:ln>
             <a:noFill/>
           </a:ln>
@@ -2132,7 +2207,7 @@
         <a:buFontTx/>
         <a:buNone/>
         <a:tabLst/>
-        <a:defRPr b="0" baseline="0" cap="none" i="0" spc="0" strike="noStrike" sz="4400" u="none">
+        <a:defRPr sz="4400" b="0" i="0" u="none" strike="noStrike" cap="none" spc="0" baseline="0">
           <a:ln>
             <a:noFill/>
           </a:ln>
@@ -2161,7 +2236,7 @@
         <a:buFontTx/>
         <a:buNone/>
         <a:tabLst/>
-        <a:defRPr b="0" baseline="0" cap="none" i="0" spc="0" strike="noStrike" sz="4400" u="none">
+        <a:defRPr sz="4400" b="0" i="0" u="none" strike="noStrike" cap="none" spc="0" baseline="0">
           <a:ln>
             <a:noFill/>
           </a:ln>
@@ -2190,7 +2265,7 @@
         <a:buFontTx/>
         <a:buNone/>
         <a:tabLst/>
-        <a:defRPr b="0" baseline="0" cap="none" i="0" spc="0" strike="noStrike" sz="4400" u="none">
+        <a:defRPr sz="4400" b="0" i="0" u="none" strike="noStrike" cap="none" spc="0" baseline="0">
           <a:ln>
             <a:noFill/>
           </a:ln>
@@ -2219,7 +2294,7 @@
         <a:buFontTx/>
         <a:buNone/>
         <a:tabLst/>
-        <a:defRPr b="0" baseline="0" cap="none" i="0" spc="0" strike="noStrike" sz="4400" u="none">
+        <a:defRPr sz="4400" b="0" i="0" u="none" strike="noStrike" cap="none" spc="0" baseline="0">
           <a:ln>
             <a:noFill/>
           </a:ln>
@@ -2250,7 +2325,7 @@
         <a:buFont typeface="Arial"/>
         <a:buChar char="•"/>
         <a:tabLst/>
-        <a:defRPr b="0" baseline="0" cap="none" i="0" spc="0" strike="noStrike" sz="2800" u="none">
+        <a:defRPr sz="2800" b="0" i="0" u="none" strike="noStrike" cap="none" spc="0" baseline="0">
           <a:ln>
             <a:noFill/>
           </a:ln>
@@ -2279,7 +2354,7 @@
         <a:buFont typeface="Arial"/>
         <a:buChar char="•"/>
         <a:tabLst/>
-        <a:defRPr b="0" baseline="0" cap="none" i="0" spc="0" strike="noStrike" sz="2800" u="none">
+        <a:defRPr sz="2800" b="0" i="0" u="none" strike="noStrike" cap="none" spc="0" baseline="0">
           <a:ln>
             <a:noFill/>
           </a:ln>
@@ -2308,7 +2383,7 @@
         <a:buFont typeface="Arial"/>
         <a:buChar char="•"/>
         <a:tabLst/>
-        <a:defRPr b="0" baseline="0" cap="none" i="0" spc="0" strike="noStrike" sz="2800" u="none">
+        <a:defRPr sz="2800" b="0" i="0" u="none" strike="noStrike" cap="none" spc="0" baseline="0">
           <a:ln>
             <a:noFill/>
           </a:ln>
@@ -2337,7 +2412,7 @@
         <a:buFont typeface="Arial"/>
         <a:buChar char="•"/>
         <a:tabLst/>
-        <a:defRPr b="0" baseline="0" cap="none" i="0" spc="0" strike="noStrike" sz="2800" u="none">
+        <a:defRPr sz="2800" b="0" i="0" u="none" strike="noStrike" cap="none" spc="0" baseline="0">
           <a:ln>
             <a:noFill/>
           </a:ln>
@@ -2366,7 +2441,7 @@
         <a:buFont typeface="Arial"/>
         <a:buChar char="•"/>
         <a:tabLst/>
-        <a:defRPr b="0" baseline="0" cap="none" i="0" spc="0" strike="noStrike" sz="2800" u="none">
+        <a:defRPr sz="2800" b="0" i="0" u="none" strike="noStrike" cap="none" spc="0" baseline="0">
           <a:ln>
             <a:noFill/>
           </a:ln>
@@ -2395,7 +2470,7 @@
         <a:buFont typeface="Arial"/>
         <a:buChar char="•"/>
         <a:tabLst/>
-        <a:defRPr b="0" baseline="0" cap="none" i="0" spc="0" strike="noStrike" sz="2800" u="none">
+        <a:defRPr sz="2800" b="0" i="0" u="none" strike="noStrike" cap="none" spc="0" baseline="0">
           <a:ln>
             <a:noFill/>
           </a:ln>
@@ -2424,7 +2499,7 @@
         <a:buFont typeface="Arial"/>
         <a:buChar char="•"/>
         <a:tabLst/>
-        <a:defRPr b="0" baseline="0" cap="none" i="0" spc="0" strike="noStrike" sz="2800" u="none">
+        <a:defRPr sz="2800" b="0" i="0" u="none" strike="noStrike" cap="none" spc="0" baseline="0">
           <a:ln>
             <a:noFill/>
           </a:ln>
@@ -2453,7 +2528,7 @@
         <a:buFont typeface="Arial"/>
         <a:buChar char="•"/>
         <a:tabLst/>
-        <a:defRPr b="0" baseline="0" cap="none" i="0" spc="0" strike="noStrike" sz="2800" u="none">
+        <a:defRPr sz="2800" b="0" i="0" u="none" strike="noStrike" cap="none" spc="0" baseline="0">
           <a:ln>
             <a:noFill/>
           </a:ln>
@@ -2482,7 +2557,7 @@
         <a:buFont typeface="Arial"/>
         <a:buChar char="•"/>
         <a:tabLst/>
-        <a:defRPr b="0" baseline="0" cap="none" i="0" spc="0" strike="noStrike" sz="2800" u="none">
+        <a:defRPr sz="2800" b="0" i="0" u="none" strike="noStrike" cap="none" spc="0" baseline="0">
           <a:ln>
             <a:noFill/>
           </a:ln>
@@ -2513,7 +2588,7 @@
         <a:buFontTx/>
         <a:buNone/>
         <a:tabLst/>
-        <a:defRPr b="0" baseline="0" cap="none" i="0" spc="0" strike="noStrike" sz="1200" u="none">
+        <a:defRPr sz="1200" b="0" i="0" u="none" strike="noStrike" cap="none" spc="0" baseline="0">
           <a:ln>
             <a:noFill/>
           </a:ln>
@@ -2542,7 +2617,7 @@
         <a:buFontTx/>
         <a:buNone/>
         <a:tabLst/>
-        <a:defRPr b="0" baseline="0" cap="none" i="0" spc="0" strike="noStrike" sz="1200" u="none">
+        <a:defRPr sz="1200" b="0" i="0" u="none" strike="noStrike" cap="none" spc="0" baseline="0">
           <a:ln>
             <a:noFill/>
           </a:ln>
@@ -2571,7 +2646,7 @@
         <a:buFontTx/>
         <a:buNone/>
         <a:tabLst/>
-        <a:defRPr b="0" baseline="0" cap="none" i="0" spc="0" strike="noStrike" sz="1200" u="none">
+        <a:defRPr sz="1200" b="0" i="0" u="none" strike="noStrike" cap="none" spc="0" baseline="0">
           <a:ln>
             <a:noFill/>
           </a:ln>
@@ -2600,7 +2675,7 @@
         <a:buFontTx/>
         <a:buNone/>
         <a:tabLst/>
-        <a:defRPr b="0" baseline="0" cap="none" i="0" spc="0" strike="noStrike" sz="1200" u="none">
+        <a:defRPr sz="1200" b="0" i="0" u="none" strike="noStrike" cap="none" spc="0" baseline="0">
           <a:ln>
             <a:noFill/>
           </a:ln>
@@ -2629,7 +2704,7 @@
         <a:buFontTx/>
         <a:buNone/>
         <a:tabLst/>
-        <a:defRPr b="0" baseline="0" cap="none" i="0" spc="0" strike="noStrike" sz="1200" u="none">
+        <a:defRPr sz="1200" b="0" i="0" u="none" strike="noStrike" cap="none" spc="0" baseline="0">
           <a:ln>
             <a:noFill/>
           </a:ln>
@@ -2658,7 +2733,7 @@
         <a:buFontTx/>
         <a:buNone/>
         <a:tabLst/>
-        <a:defRPr b="0" baseline="0" cap="none" i="0" spc="0" strike="noStrike" sz="1200" u="none">
+        <a:defRPr sz="1200" b="0" i="0" u="none" strike="noStrike" cap="none" spc="0" baseline="0">
           <a:ln>
             <a:noFill/>
           </a:ln>
@@ -2687,7 +2762,7 @@
         <a:buFontTx/>
         <a:buNone/>
         <a:tabLst/>
-        <a:defRPr b="0" baseline="0" cap="none" i="0" spc="0" strike="noStrike" sz="1200" u="none">
+        <a:defRPr sz="1200" b="0" i="0" u="none" strike="noStrike" cap="none" spc="0" baseline="0">
           <a:ln>
             <a:noFill/>
           </a:ln>
@@ -2716,7 +2791,7 @@
         <a:buFontTx/>
         <a:buNone/>
         <a:tabLst/>
-        <a:defRPr b="0" baseline="0" cap="none" i="0" spc="0" strike="noStrike" sz="1200" u="none">
+        <a:defRPr sz="1200" b="0" i="0" u="none" strike="noStrike" cap="none" spc="0" baseline="0">
           <a:ln>
             <a:noFill/>
           </a:ln>
@@ -2745,7 +2820,7 @@
         <a:buFontTx/>
         <a:buNone/>
         <a:tabLst/>
-        <a:defRPr b="0" baseline="0" cap="none" i="0" spc="0" strike="noStrike" sz="1200" u="none">
+        <a:defRPr sz="1200" b="0" i="0" u="none" strike="noStrike" cap="none" spc="0" baseline="0">
           <a:ln>
             <a:noFill/>
           </a:ln>
@@ -2765,7 +2840,7 @@
 </file>
 
 <file path=ppt/slides/slide1.xml><?xml version="1.0" encoding="utf-8"?>
-<p:sld xmlns:a="http://schemas.openxmlformats.org/drawingml/2006/main" xmlns:r="http://schemas.openxmlformats.org/officeDocument/2006/relationships" xmlns:p="http://schemas.openxmlformats.org/presentationml/2006/main" xmlns:m="http://schemas.openxmlformats.org/officeDocument/2006/math" xmlns:a14="http://schemas.microsoft.com/office/drawing/2010/main" showMasterSp="1" showMasterPhAnim="1">
+<p:sld xmlns:a="http://schemas.openxmlformats.org/drawingml/2006/main" xmlns:r="http://schemas.openxmlformats.org/officeDocument/2006/relationships" xmlns:p="http://schemas.openxmlformats.org/presentationml/2006/main">
   <p:cSld>
     <p:spTree>
       <p:nvGrpSpPr>
@@ -2817,7 +2892,7 @@
             <a:effectLst/>
             <a:extLst>
               <a:ext uri="{C572A759-6A51-4108-AA02-DFA0A04FC94B}">
-                <ma14:wrappingTextBoxFlag xmlns:ma14="http://schemas.microsoft.com/office/mac/drawingml/2011/main" val="1"/>
+                <ma14:wrappingTextBoxFlag xmlns:ma14="http://schemas.microsoft.com/office/mac/drawingml/2011/main" xmlns:a14="http://schemas.microsoft.com/office/drawing/2010/main" xmlns:m="http://schemas.openxmlformats.org/officeDocument/2006/math" xmlns="" val="1"/>
               </a:ext>
             </a:extLst>
           </p:spPr>
@@ -2828,7 +2903,7 @@
             <a:lstStyle/>
             <a:p>
               <a:pPr>
-                <a:defRPr b="1" spc="-300" sz="7200">
+                <a:defRPr sz="7200" b="1" spc="-300">
                   <a:solidFill>
                     <a:srgbClr val="B6B6B6">
                       <a:alpha val="30000"/>
@@ -2848,7 +2923,7 @@
             </a:p>
             <a:p>
               <a:pPr>
-                <a:defRPr b="1" spc="-300" sz="7200">
+                <a:defRPr sz="7200" b="1" spc="-300">
                   <a:solidFill>
                     <a:srgbClr val="B6B6B6">
                       <a:alpha val="30000"/>
@@ -2868,7 +2943,7 @@
             </a:p>
             <a:p>
               <a:pPr>
-                <a:defRPr b="1" spc="-300" sz="7200">
+                <a:defRPr sz="7200" b="1" spc="-300">
                   <a:solidFill>
                     <a:srgbClr val="B6B6B6">
                       <a:alpha val="30000"/>
@@ -2910,7 +2985,7 @@
             <a:effectLst/>
             <a:extLst>
               <a:ext uri="{C572A759-6A51-4108-AA02-DFA0A04FC94B}">
-                <ma14:wrappingTextBoxFlag xmlns:ma14="http://schemas.microsoft.com/office/mac/drawingml/2011/main" val="1"/>
+                <ma14:wrappingTextBoxFlag xmlns:ma14="http://schemas.microsoft.com/office/mac/drawingml/2011/main" xmlns:a14="http://schemas.microsoft.com/office/drawing/2010/main" xmlns:m="http://schemas.openxmlformats.org/officeDocument/2006/math" xmlns="" val="1"/>
               </a:ext>
             </a:extLst>
           </p:spPr>
@@ -2921,7 +2996,7 @@
             <a:lstStyle/>
             <a:p>
               <a:pPr>
-                <a:defRPr b="1" spc="-300" sz="7200">
+                <a:defRPr sz="7200" b="1" spc="-300">
                   <a:solidFill>
                     <a:schemeClr val="accent1">
                       <a:alpha val="70000"/>
@@ -2944,7 +3019,7 @@
             </a:p>
             <a:p>
               <a:pPr>
-                <a:defRPr b="1" spc="-300" sz="7200">
+                <a:defRPr sz="7200" b="1" spc="-300">
                   <a:solidFill>
                     <a:schemeClr val="accent1">
                       <a:alpha val="70000"/>
@@ -2964,7 +3039,7 @@
             </a:p>
             <a:p>
               <a:pPr>
-                <a:defRPr b="1" spc="-300" sz="7200">
+                <a:defRPr sz="7200" b="1" spc="-300">
                   <a:solidFill>
                     <a:schemeClr val="accent1">
                       <a:alpha val="70000"/>
@@ -3004,7 +3079,7 @@
           </a:ln>
           <a:extLst>
             <a:ext uri="{C572A759-6A51-4108-AA02-DFA0A04FC94B}">
-              <ma14:wrappingTextBoxFlag xmlns:ma14="http://schemas.microsoft.com/office/mac/drawingml/2011/main" val="1"/>
+              <ma14:wrappingTextBoxFlag xmlns:ma14="http://schemas.microsoft.com/office/mac/drawingml/2011/main" xmlns:a14="http://schemas.microsoft.com/office/drawing/2010/main" xmlns:m="http://schemas.openxmlformats.org/officeDocument/2006/math" xmlns="" val="1"/>
             </a:ext>
           </a:extLst>
         </p:spPr>
@@ -3026,7 +3101,6 @@
             </a:lvl1pPr>
           </a:lstStyle>
           <a:p>
-            <a:pPr/>
             <a:r>
               <a:t>Copyrightⓒ. Saebyeol Yu. All Rights Reserved.</a:t>
             </a:r>
@@ -3085,6 +3159,7 @@
                   </a:solidFill>
                 </a:defRPr>
               </a:pPr>
+              <a:endParaRPr/>
             </a:p>
           </p:txBody>
         </p:sp>
@@ -3126,6 +3201,7 @@
                   </a:solidFill>
                 </a:defRPr>
               </a:pPr>
+              <a:endParaRPr/>
             </a:p>
           </p:txBody>
         </p:sp>
@@ -3149,7 +3225,7 @@
           </a:ln>
           <a:extLst>
             <a:ext uri="{C572A759-6A51-4108-AA02-DFA0A04FC94B}">
-              <ma14:wrappingTextBoxFlag xmlns:ma14="http://schemas.microsoft.com/office/mac/drawingml/2011/main" val="1"/>
+              <ma14:wrappingTextBoxFlag xmlns:ma14="http://schemas.microsoft.com/office/mac/drawingml/2011/main" xmlns:a14="http://schemas.microsoft.com/office/drawing/2010/main" xmlns:m="http://schemas.openxmlformats.org/officeDocument/2006/math" xmlns="" val="1"/>
             </a:ext>
           </a:extLst>
         </p:spPr>
@@ -3160,7 +3236,7 @@
           <a:lstStyle/>
           <a:p>
             <a:pPr>
-              <a:defRPr b="1" sz="3600">
+              <a:defRPr sz="3600" b="1">
                 <a:solidFill>
                   <a:srgbClr val="464444"/>
                 </a:solidFill>
@@ -3171,19 +3247,7 @@
               </a:defRPr>
             </a:pPr>
             <a:r>
-              <a:t>김다빈</a:t>
-            </a:r>
-            <a:r>
-              <a:t>, </a:t>
-            </a:r>
-            <a:r>
-              <a:t>이상규</a:t>
-            </a:r>
-            <a:r>
-              <a:t>,</a:t>
-            </a:r>
-            <a:r>
-              <a:t> 차혜연</a:t>
+              <a:t>김다빈, 이상규, 차혜연</a:t>
             </a:r>
           </a:p>
         </p:txBody>
@@ -3193,12 +3257,19 @@
   <p:clrMapOvr>
     <a:masterClrMapping/>
   </p:clrMapOvr>
-  <p:transition xmlns:p14="http://schemas.microsoft.com/office/powerpoint/2010/main" spd="med" advClick="1"/>
+  <p:transition spd="med"/>
+  <p:timing>
+    <p:tnLst>
+      <p:par>
+        <p:cTn id="1" dur="indefinite" restart="never" nodeType="tmRoot"/>
+      </p:par>
+    </p:tnLst>
+  </p:timing>
 </p:sld>
 </file>
 
 <file path=ppt/slides/slide10.xml><?xml version="1.0" encoding="utf-8"?>
-<p:sld xmlns:a="http://schemas.openxmlformats.org/drawingml/2006/main" xmlns:r="http://schemas.openxmlformats.org/officeDocument/2006/relationships" xmlns:p="http://schemas.openxmlformats.org/presentationml/2006/main" xmlns:m="http://schemas.openxmlformats.org/officeDocument/2006/math" xmlns:a14="http://schemas.microsoft.com/office/drawing/2010/main" showMasterSp="1" showMasterPhAnim="1">
+<p:sld xmlns:a="http://schemas.openxmlformats.org/drawingml/2006/main" xmlns:r="http://schemas.openxmlformats.org/officeDocument/2006/relationships" xmlns:p="http://schemas.openxmlformats.org/presentationml/2006/main">
   <p:cSld>
     <p:spTree>
       <p:nvGrpSpPr>
@@ -3233,7 +3304,7 @@
           </a:ln>
           <a:extLst>
             <a:ext uri="{C572A759-6A51-4108-AA02-DFA0A04FC94B}">
-              <ma14:wrappingTextBoxFlag xmlns:ma14="http://schemas.microsoft.com/office/mac/drawingml/2011/main" val="1"/>
+              <ma14:wrappingTextBoxFlag xmlns:ma14="http://schemas.microsoft.com/office/mac/drawingml/2011/main" xmlns:a14="http://schemas.microsoft.com/office/drawing/2010/main" xmlns:m="http://schemas.openxmlformats.org/officeDocument/2006/math" xmlns="" val="1"/>
             </a:ext>
           </a:extLst>
         </p:spPr>
@@ -3243,7 +3314,7 @@
           </a:bodyPr>
           <a:lstStyle>
             <a:lvl1pPr>
-              <a:defRPr b="1" sz="7200">
+              <a:defRPr sz="7200" b="1">
                 <a:solidFill>
                   <a:srgbClr val="5D5B5B"/>
                 </a:solidFill>
@@ -3251,7 +3322,6 @@
             </a:lvl1pPr>
           </a:lstStyle>
           <a:p>
-            <a:pPr/>
             <a:r>
               <a:t>003</a:t>
             </a:r>
@@ -3277,7 +3347,7 @@
           </a:ln>
           <a:extLst>
             <a:ext uri="{C572A759-6A51-4108-AA02-DFA0A04FC94B}">
-              <ma14:wrappingTextBoxFlag xmlns:ma14="http://schemas.microsoft.com/office/mac/drawingml/2011/main" val="1"/>
+              <ma14:wrappingTextBoxFlag xmlns:ma14="http://schemas.microsoft.com/office/mac/drawingml/2011/main" xmlns:a14="http://schemas.microsoft.com/office/drawing/2010/main" xmlns:m="http://schemas.openxmlformats.org/officeDocument/2006/math" xmlns="" val="1"/>
             </a:ext>
           </a:extLst>
         </p:spPr>
@@ -3287,7 +3357,7 @@
           </a:bodyPr>
           <a:lstStyle>
             <a:lvl1pPr>
-              <a:defRPr spc="-150" sz="3200">
+              <a:defRPr sz="3200" spc="-150">
                 <a:solidFill>
                   <a:srgbClr val="5D5B5B"/>
                 </a:solidFill>
@@ -3299,7 +3369,6 @@
             </a:lvl1pPr>
           </a:lstStyle>
           <a:p>
-            <a:pPr/>
             <a:r>
               <a:t>추후개발</a:t>
             </a:r>
@@ -3325,7 +3394,7 @@
           </a:ln>
           <a:extLst>
             <a:ext uri="{C572A759-6A51-4108-AA02-DFA0A04FC94B}">
-              <ma14:wrappingTextBoxFlag xmlns:ma14="http://schemas.microsoft.com/office/mac/drawingml/2011/main" val="1"/>
+              <ma14:wrappingTextBoxFlag xmlns:ma14="http://schemas.microsoft.com/office/mac/drawingml/2011/main" xmlns:a14="http://schemas.microsoft.com/office/drawing/2010/main" xmlns:m="http://schemas.openxmlformats.org/officeDocument/2006/math" xmlns="" val="1"/>
             </a:ext>
           </a:extLst>
         </p:spPr>
@@ -3347,7 +3416,6 @@
             </a:lvl1pPr>
           </a:lstStyle>
           <a:p>
-            <a:pPr/>
             <a:r>
               <a:t>Copyrightⓒ. Saebyeol Yu. All Rights Reserved.</a:t>
             </a:r>
@@ -3379,7 +3447,7 @@
           <a:bodyPr lIns="45719" rIns="45719"/>
           <a:lstStyle/>
           <a:p>
-            <a:pPr/>
+            <a:endParaRPr/>
           </a:p>
         </p:txBody>
       </p:sp>
@@ -3392,7 +3460,7 @@
         <p:spPr>
           <a:xfrm>
             <a:off x="5175153" y="3090072"/>
-            <a:ext cx="2058998" cy="226986"/>
+            <a:ext cx="92396" cy="246221"/>
           </a:xfrm>
           <a:prstGeom prst="rect">
             <a:avLst/>
@@ -3402,7 +3470,7 @@
           </a:ln>
           <a:extLst>
             <a:ext uri="{C572A759-6A51-4108-AA02-DFA0A04FC94B}">
-              <ma14:wrappingTextBoxFlag xmlns:ma14="http://schemas.microsoft.com/office/mac/drawingml/2011/main" val="1"/>
+              <ma14:wrappingTextBoxFlag xmlns:ma14="http://schemas.microsoft.com/office/mac/drawingml/2011/main" xmlns:a14="http://schemas.microsoft.com/office/drawing/2010/main" xmlns:m="http://schemas.openxmlformats.org/officeDocument/2006/math" xmlns="" val="1"/>
             </a:ext>
           </a:extLst>
         </p:spPr>
@@ -3416,10 +3484,7 @@
             </a:lvl1pPr>
           </a:lstStyle>
           <a:p>
-            <a:pPr/>
-            <a:r>
-              <a:t>Lorem Ipsum is simply dummy text</a:t>
-            </a:r>
+            <a:endParaRPr dirty="0"/>
           </a:p>
         </p:txBody>
       </p:sp>
@@ -3457,6 +3522,7 @@
                 </a:solidFill>
               </a:defRPr>
             </a:pPr>
+            <a:endParaRPr/>
           </a:p>
         </p:txBody>
       </p:sp>
@@ -3494,6 +3560,7 @@
                 </a:solidFill>
               </a:defRPr>
             </a:pPr>
+            <a:endParaRPr/>
           </a:p>
         </p:txBody>
       </p:sp>
@@ -3502,12 +3569,19 @@
   <p:clrMapOvr>
     <a:masterClrMapping/>
   </p:clrMapOvr>
-  <p:transition xmlns:p14="http://schemas.microsoft.com/office/powerpoint/2010/main" spd="med" advClick="1"/>
+  <p:transition spd="med"/>
+  <p:timing>
+    <p:tnLst>
+      <p:par>
+        <p:cTn id="1" dur="indefinite" restart="never" nodeType="tmRoot"/>
+      </p:par>
+    </p:tnLst>
+  </p:timing>
 </p:sld>
 </file>
 
 <file path=ppt/slides/slide11.xml><?xml version="1.0" encoding="utf-8"?>
-<p:sld xmlns:a="http://schemas.openxmlformats.org/drawingml/2006/main" xmlns:r="http://schemas.openxmlformats.org/officeDocument/2006/relationships" xmlns:p="http://schemas.openxmlformats.org/presentationml/2006/main" xmlns:m="http://schemas.openxmlformats.org/officeDocument/2006/math" xmlns:a14="http://schemas.microsoft.com/office/drawing/2010/main" showMasterSp="1" showMasterPhAnim="1">
+<p:sld xmlns:a="http://schemas.openxmlformats.org/drawingml/2006/main" xmlns:r="http://schemas.openxmlformats.org/officeDocument/2006/relationships" xmlns:p="http://schemas.openxmlformats.org/presentationml/2006/main">
   <p:cSld>
     <p:spTree>
       <p:nvGrpSpPr>
@@ -3542,7 +3616,7 @@
           </a:ln>
           <a:extLst>
             <a:ext uri="{C572A759-6A51-4108-AA02-DFA0A04FC94B}">
-              <ma14:wrappingTextBoxFlag xmlns:ma14="http://schemas.microsoft.com/office/mac/drawingml/2011/main" val="1"/>
+              <ma14:wrappingTextBoxFlag xmlns:ma14="http://schemas.microsoft.com/office/mac/drawingml/2011/main" xmlns:a14="http://schemas.microsoft.com/office/drawing/2010/main" xmlns:m="http://schemas.openxmlformats.org/officeDocument/2006/math" xmlns="" val="1"/>
             </a:ext>
           </a:extLst>
         </p:spPr>
@@ -3564,7 +3638,6 @@
             </a:lvl1pPr>
           </a:lstStyle>
           <a:p>
-            <a:pPr/>
             <a:r>
               <a:t>Copyrightⓒ. Saebyeol Yu. All Rights Reserved.</a:t>
             </a:r>
@@ -3605,6 +3678,7 @@
                 </a:solidFill>
               </a:defRPr>
             </a:pPr>
+            <a:endParaRPr/>
           </a:p>
         </p:txBody>
       </p:sp>
@@ -3645,6 +3719,7 @@
                 </a:solidFill>
               </a:defRPr>
             </a:pPr>
+            <a:endParaRPr/>
           </a:p>
         </p:txBody>
       </p:sp>
@@ -3685,6 +3760,7 @@
                 </a:solidFill>
               </a:defRPr>
             </a:pPr>
+            <a:endParaRPr/>
           </a:p>
         </p:txBody>
       </p:sp>
@@ -3725,6 +3801,7 @@
                 </a:solidFill>
               </a:defRPr>
             </a:pPr>
+            <a:endParaRPr/>
           </a:p>
         </p:txBody>
       </p:sp>
@@ -3762,6 +3839,7 @@
                 </a:solidFill>
               </a:defRPr>
             </a:pPr>
+            <a:endParaRPr/>
           </a:p>
         </p:txBody>
       </p:sp>
@@ -3784,7 +3862,7 @@
           </a:ln>
           <a:extLst>
             <a:ext uri="{C572A759-6A51-4108-AA02-DFA0A04FC94B}">
-              <ma14:wrappingTextBoxFlag xmlns:ma14="http://schemas.microsoft.com/office/mac/drawingml/2011/main" val="1"/>
+              <ma14:wrappingTextBoxFlag xmlns:ma14="http://schemas.microsoft.com/office/mac/drawingml/2011/main" xmlns:a14="http://schemas.microsoft.com/office/drawing/2010/main" xmlns:m="http://schemas.openxmlformats.org/officeDocument/2006/math" xmlns="" val="1"/>
             </a:ext>
           </a:extLst>
         </p:spPr>
@@ -3850,7 +3928,7 @@
           </a:ln>
           <a:extLst>
             <a:ext uri="{C572A759-6A51-4108-AA02-DFA0A04FC94B}">
-              <ma14:wrappingTextBoxFlag xmlns:ma14="http://schemas.microsoft.com/office/mac/drawingml/2011/main" val="1"/>
+              <ma14:wrappingTextBoxFlag xmlns:ma14="http://schemas.microsoft.com/office/mac/drawingml/2011/main" xmlns:a14="http://schemas.microsoft.com/office/drawing/2010/main" xmlns:m="http://schemas.openxmlformats.org/officeDocument/2006/math" xmlns="" val="1"/>
             </a:ext>
           </a:extLst>
         </p:spPr>
@@ -3916,7 +3994,7 @@
           </a:ln>
           <a:extLst>
             <a:ext uri="{C572A759-6A51-4108-AA02-DFA0A04FC94B}">
-              <ma14:wrappingTextBoxFlag xmlns:ma14="http://schemas.microsoft.com/office/mac/drawingml/2011/main" val="1"/>
+              <ma14:wrappingTextBoxFlag xmlns:ma14="http://schemas.microsoft.com/office/mac/drawingml/2011/main" xmlns:a14="http://schemas.microsoft.com/office/drawing/2010/main" xmlns:m="http://schemas.openxmlformats.org/officeDocument/2006/math" xmlns="" val="1"/>
             </a:ext>
           </a:extLst>
         </p:spPr>
@@ -3985,7 +4063,7 @@
           </a:ln>
           <a:extLst>
             <a:ext uri="{C572A759-6A51-4108-AA02-DFA0A04FC94B}">
-              <ma14:wrappingTextBoxFlag xmlns:ma14="http://schemas.microsoft.com/office/mac/drawingml/2011/main" val="1"/>
+              <ma14:wrappingTextBoxFlag xmlns:ma14="http://schemas.microsoft.com/office/mac/drawingml/2011/main" xmlns:a14="http://schemas.microsoft.com/office/drawing/2010/main" xmlns:m="http://schemas.openxmlformats.org/officeDocument/2006/math" xmlns="" val="1"/>
             </a:ext>
           </a:extLst>
         </p:spPr>
@@ -4032,7 +4110,7 @@
           </a:p>
           <a:p>
             <a:pPr>
-              <a:defRPr b="1" sz="1400">
+              <a:defRPr sz="1400" b="1">
                 <a:solidFill>
                   <a:srgbClr val="FFFFFF"/>
                 </a:solidFill>
@@ -4053,7 +4131,7 @@
           </a:p>
           <a:p>
             <a:pPr>
-              <a:defRPr b="1" sz="1400">
+              <a:defRPr sz="1400" b="1">
                 <a:solidFill>
                   <a:srgbClr val="FFFFFF"/>
                 </a:solidFill>
@@ -4080,6 +4158,12 @@
                 </a:solidFill>
               </a:defRPr>
             </a:pPr>
+            <a:endParaRPr>
+              <a:latin typeface="나눔스퀘어라운드 Regular"/>
+              <a:ea typeface="나눔스퀘어라운드 Regular"/>
+              <a:cs typeface="나눔스퀘어라운드 Regular"/>
+              <a:sym typeface="나눔스퀘어라운드 Regular"/>
+            </a:endParaRPr>
           </a:p>
         </p:txBody>
       </p:sp>
@@ -4102,7 +4186,7 @@
           </a:ln>
           <a:extLst>
             <a:ext uri="{C572A759-6A51-4108-AA02-DFA0A04FC94B}">
-              <ma14:wrappingTextBoxFlag xmlns:ma14="http://schemas.microsoft.com/office/mac/drawingml/2011/main" val="1"/>
+              <ma14:wrappingTextBoxFlag xmlns:ma14="http://schemas.microsoft.com/office/mac/drawingml/2011/main" xmlns:a14="http://schemas.microsoft.com/office/drawing/2010/main" xmlns:m="http://schemas.openxmlformats.org/officeDocument/2006/math" xmlns="" val="1"/>
             </a:ext>
           </a:extLst>
         </p:spPr>
@@ -4186,7 +4270,7 @@
           <a:bodyPr lIns="45719" rIns="45719"/>
           <a:lstStyle/>
           <a:p>
-            <a:pPr/>
+            <a:endParaRPr/>
           </a:p>
         </p:txBody>
       </p:sp>
@@ -4222,6 +4306,7 @@
                 </a:solidFill>
               </a:defRPr>
             </a:pPr>
+            <a:endParaRPr/>
           </a:p>
         </p:txBody>
       </p:sp>
@@ -4244,7 +4329,7 @@
           </a:ln>
           <a:extLst>
             <a:ext uri="{C572A759-6A51-4108-AA02-DFA0A04FC94B}">
-              <ma14:wrappingTextBoxFlag xmlns:ma14="http://schemas.microsoft.com/office/mac/drawingml/2011/main" val="1"/>
+              <ma14:wrappingTextBoxFlag xmlns:ma14="http://schemas.microsoft.com/office/mac/drawingml/2011/main" xmlns:a14="http://schemas.microsoft.com/office/drawing/2010/main" xmlns:m="http://schemas.openxmlformats.org/officeDocument/2006/math" xmlns="" val="1"/>
             </a:ext>
           </a:extLst>
         </p:spPr>
@@ -4254,7 +4339,7 @@
           </a:bodyPr>
           <a:lstStyle>
             <a:lvl1pPr algn="ctr">
-              <a:defRPr b="1" sz="3200">
+              <a:defRPr sz="3200" b="1">
                 <a:solidFill>
                   <a:srgbClr val="FFFFFF"/>
                 </a:solidFill>
@@ -4262,7 +4347,6 @@
             </a:lvl1pPr>
           </a:lstStyle>
           <a:p>
-            <a:pPr/>
             <a:r>
               <a:t>3</a:t>
             </a:r>
@@ -4305,7 +4389,7 @@
             <a:effectLst/>
             <a:extLst>
               <a:ext uri="{C572A759-6A51-4108-AA02-DFA0A04FC94B}">
-                <ma14:wrappingTextBoxFlag xmlns:ma14="http://schemas.microsoft.com/office/mac/drawingml/2011/main" val="1"/>
+                <ma14:wrappingTextBoxFlag xmlns:ma14="http://schemas.microsoft.com/office/mac/drawingml/2011/main" xmlns:a14="http://schemas.microsoft.com/office/drawing/2010/main" xmlns:m="http://schemas.openxmlformats.org/officeDocument/2006/math" xmlns="" val="1"/>
               </a:ext>
             </a:extLst>
           </p:spPr>
@@ -4355,7 +4439,7 @@
             <a:effectLst/>
             <a:extLst>
               <a:ext uri="{C572A759-6A51-4108-AA02-DFA0A04FC94B}">
-                <ma14:wrappingTextBoxFlag xmlns:ma14="http://schemas.microsoft.com/office/mac/drawingml/2011/main" val="1"/>
+                <ma14:wrappingTextBoxFlag xmlns:ma14="http://schemas.microsoft.com/office/mac/drawingml/2011/main" xmlns:a14="http://schemas.microsoft.com/office/drawing/2010/main" xmlns:m="http://schemas.openxmlformats.org/officeDocument/2006/math" xmlns="" val="1"/>
               </a:ext>
             </a:extLst>
           </p:spPr>
@@ -4400,12 +4484,19 @@
   <p:clrMapOvr>
     <a:masterClrMapping/>
   </p:clrMapOvr>
-  <p:transition xmlns:p14="http://schemas.microsoft.com/office/powerpoint/2010/main" spd="med" advClick="1"/>
+  <p:transition spd="med"/>
+  <p:timing>
+    <p:tnLst>
+      <p:par>
+        <p:cTn id="1" dur="indefinite" restart="never" nodeType="tmRoot"/>
+      </p:par>
+    </p:tnLst>
+  </p:timing>
 </p:sld>
 </file>
 
 <file path=ppt/slides/slide12.xml><?xml version="1.0" encoding="utf-8"?>
-<p:sld xmlns:a="http://schemas.openxmlformats.org/drawingml/2006/main" xmlns:r="http://schemas.openxmlformats.org/officeDocument/2006/relationships" xmlns:p="http://schemas.openxmlformats.org/presentationml/2006/main" xmlns:m="http://schemas.openxmlformats.org/officeDocument/2006/math" xmlns:a14="http://schemas.microsoft.com/office/drawing/2010/main" showMasterSp="1" showMasterPhAnim="1">
+<p:sld xmlns:a="http://schemas.openxmlformats.org/drawingml/2006/main" xmlns:r="http://schemas.openxmlformats.org/officeDocument/2006/relationships" xmlns:p="http://schemas.openxmlformats.org/presentationml/2006/main">
   <p:cSld>
     <p:spTree>
       <p:nvGrpSpPr>
@@ -4440,7 +4531,7 @@
           </a:ln>
           <a:extLst>
             <a:ext uri="{C572A759-6A51-4108-AA02-DFA0A04FC94B}">
-              <ma14:wrappingTextBoxFlag xmlns:ma14="http://schemas.microsoft.com/office/mac/drawingml/2011/main" val="1"/>
+              <ma14:wrappingTextBoxFlag xmlns:ma14="http://schemas.microsoft.com/office/mac/drawingml/2011/main" xmlns:a14="http://schemas.microsoft.com/office/drawing/2010/main" xmlns:m="http://schemas.openxmlformats.org/officeDocument/2006/math" xmlns="" val="1"/>
             </a:ext>
           </a:extLst>
         </p:spPr>
@@ -4462,7 +4553,6 @@
             </a:lvl1pPr>
           </a:lstStyle>
           <a:p>
-            <a:pPr/>
             <a:r>
               <a:t>Copyrightⓒ. Saebyeol Yu. All Rights Reserved.</a:t>
             </a:r>
@@ -4494,7 +4584,7 @@
           <a:bodyPr lIns="45719" rIns="45719"/>
           <a:lstStyle/>
           <a:p>
-            <a:pPr/>
+            <a:endParaRPr/>
           </a:p>
         </p:txBody>
       </p:sp>
@@ -4530,6 +4620,7 @@
                 </a:solidFill>
               </a:defRPr>
             </a:pPr>
+            <a:endParaRPr/>
           </a:p>
         </p:txBody>
       </p:sp>
@@ -4552,7 +4643,7 @@
           </a:ln>
           <a:extLst>
             <a:ext uri="{C572A759-6A51-4108-AA02-DFA0A04FC94B}">
-              <ma14:wrappingTextBoxFlag xmlns:ma14="http://schemas.microsoft.com/office/mac/drawingml/2011/main" val="1"/>
+              <ma14:wrappingTextBoxFlag xmlns:ma14="http://schemas.microsoft.com/office/mac/drawingml/2011/main" xmlns:a14="http://schemas.microsoft.com/office/drawing/2010/main" xmlns:m="http://schemas.openxmlformats.org/officeDocument/2006/math" xmlns="" val="1"/>
             </a:ext>
           </a:extLst>
         </p:spPr>
@@ -4562,7 +4653,7 @@
           </a:bodyPr>
           <a:lstStyle>
             <a:lvl1pPr algn="ctr">
-              <a:defRPr b="1" sz="3200">
+              <a:defRPr sz="3200" b="1">
                 <a:solidFill>
                   <a:srgbClr val="FFFFFF"/>
                 </a:solidFill>
@@ -4570,7 +4661,6 @@
             </a:lvl1pPr>
           </a:lstStyle>
           <a:p>
-            <a:pPr/>
             <a:r>
               <a:t>3</a:t>
             </a:r>
@@ -4613,7 +4703,7 @@
             <a:effectLst/>
             <a:extLst>
               <a:ext uri="{C572A759-6A51-4108-AA02-DFA0A04FC94B}">
-                <ma14:wrappingTextBoxFlag xmlns:ma14="http://schemas.microsoft.com/office/mac/drawingml/2011/main" val="1"/>
+                <ma14:wrappingTextBoxFlag xmlns:ma14="http://schemas.microsoft.com/office/mac/drawingml/2011/main" xmlns:a14="http://schemas.microsoft.com/office/drawing/2010/main" xmlns:m="http://schemas.openxmlformats.org/officeDocument/2006/math" xmlns="" val="1"/>
               </a:ext>
             </a:extLst>
           </p:spPr>
@@ -4663,7 +4753,7 @@
             <a:effectLst/>
             <a:extLst>
               <a:ext uri="{C572A759-6A51-4108-AA02-DFA0A04FC94B}">
-                <ma14:wrappingTextBoxFlag xmlns:ma14="http://schemas.microsoft.com/office/mac/drawingml/2011/main" val="1"/>
+                <ma14:wrappingTextBoxFlag xmlns:ma14="http://schemas.microsoft.com/office/mac/drawingml/2011/main" xmlns:a14="http://schemas.microsoft.com/office/drawing/2010/main" xmlns:m="http://schemas.openxmlformats.org/officeDocument/2006/math" xmlns="" val="1"/>
               </a:ext>
             </a:extLst>
           </p:spPr>
@@ -4728,7 +4818,7 @@
           <a:bodyPr lIns="45719" rIns="45719"/>
           <a:lstStyle/>
           <a:p>
-            <a:pPr/>
+            <a:endParaRPr/>
           </a:p>
         </p:txBody>
       </p:sp>
@@ -4751,7 +4841,7 @@
           </a:ln>
           <a:extLst>
             <a:ext uri="{C572A759-6A51-4108-AA02-DFA0A04FC94B}">
-              <ma14:wrappingTextBoxFlag xmlns:ma14="http://schemas.microsoft.com/office/mac/drawingml/2011/main" val="1"/>
+              <ma14:wrappingTextBoxFlag xmlns:ma14="http://schemas.microsoft.com/office/mac/drawingml/2011/main" xmlns:a14="http://schemas.microsoft.com/office/drawing/2010/main" xmlns:m="http://schemas.openxmlformats.org/officeDocument/2006/math" xmlns="" val="1"/>
             </a:ext>
           </a:extLst>
         </p:spPr>
@@ -4762,7 +4852,7 @@
           <a:lstStyle/>
           <a:p>
             <a:pPr>
-              <a:defRPr b="1" sz="3200">
+              <a:defRPr sz="3200" b="1">
                 <a:solidFill>
                   <a:srgbClr val="5D5B5B"/>
                 </a:solidFill>
@@ -4802,7 +4892,7 @@
           </a:ln>
           <a:extLst>
             <a:ext uri="{C572A759-6A51-4108-AA02-DFA0A04FC94B}">
-              <ma14:wrappingTextBoxFlag xmlns:ma14="http://schemas.microsoft.com/office/mac/drawingml/2011/main" val="1"/>
+              <ma14:wrappingTextBoxFlag xmlns:ma14="http://schemas.microsoft.com/office/mac/drawingml/2011/main" xmlns:a14="http://schemas.microsoft.com/office/drawing/2010/main" xmlns:m="http://schemas.openxmlformats.org/officeDocument/2006/math" xmlns="" val="1"/>
             </a:ext>
           </a:extLst>
         </p:spPr>
@@ -4829,10 +4919,7 @@
               <a:t>원래 사용하려던 공공데이터 포털의</a:t>
             </a:r>
             <a:r>
-              <a:t> </a:t>
-            </a:r>
-            <a:r>
-              <a:t>API</a:t>
+              <a:t> API</a:t>
             </a:r>
             <a:r>
               <a:rPr>
@@ -4945,12 +5032,19 @@
   <p:clrMapOvr>
     <a:masterClrMapping/>
   </p:clrMapOvr>
-  <p:transition xmlns:p14="http://schemas.microsoft.com/office/powerpoint/2010/main" spd="med" advClick="1"/>
+  <p:transition spd="med"/>
+  <p:timing>
+    <p:tnLst>
+      <p:par>
+        <p:cTn id="1" dur="indefinite" restart="never" nodeType="tmRoot"/>
+      </p:par>
+    </p:tnLst>
+  </p:timing>
 </p:sld>
 </file>
 
 <file path=ppt/slides/slide13.xml><?xml version="1.0" encoding="utf-8"?>
-<p:sld xmlns:a="http://schemas.openxmlformats.org/drawingml/2006/main" xmlns:r="http://schemas.openxmlformats.org/officeDocument/2006/relationships" xmlns:p="http://schemas.openxmlformats.org/presentationml/2006/main" xmlns:m="http://schemas.openxmlformats.org/officeDocument/2006/math" xmlns:a14="http://schemas.microsoft.com/office/drawing/2010/main" showMasterSp="1" showMasterPhAnim="1">
+<p:sld xmlns:a="http://schemas.openxmlformats.org/drawingml/2006/main" xmlns:r="http://schemas.openxmlformats.org/officeDocument/2006/relationships" xmlns:p="http://schemas.openxmlformats.org/presentationml/2006/main">
   <p:cSld>
     <p:spTree>
       <p:nvGrpSpPr>
@@ -5002,7 +5096,7 @@
             <a:effectLst/>
             <a:extLst>
               <a:ext uri="{C572A759-6A51-4108-AA02-DFA0A04FC94B}">
-                <ma14:wrappingTextBoxFlag xmlns:ma14="http://schemas.microsoft.com/office/mac/drawingml/2011/main" val="1"/>
+                <ma14:wrappingTextBoxFlag xmlns:ma14="http://schemas.microsoft.com/office/mac/drawingml/2011/main" xmlns:a14="http://schemas.microsoft.com/office/drawing/2010/main" xmlns:m="http://schemas.openxmlformats.org/officeDocument/2006/math" xmlns="" val="1"/>
               </a:ext>
             </a:extLst>
           </p:spPr>
@@ -5012,7 +5106,7 @@
             </a:bodyPr>
             <a:lstStyle>
               <a:lvl1pPr>
-                <a:defRPr spc="-150" sz="41300">
+                <a:defRPr sz="41300" spc="-150">
                   <a:solidFill>
                     <a:schemeClr val="accent4">
                       <a:alpha val="20000"/>
@@ -5022,7 +5116,6 @@
               </a:lvl1pPr>
             </a:lstStyle>
             <a:p>
-              <a:pPr/>
               <a:r>
                 <a:t>A</a:t>
               </a:r>
@@ -5051,7 +5144,7 @@
             <a:effectLst/>
             <a:extLst>
               <a:ext uri="{C572A759-6A51-4108-AA02-DFA0A04FC94B}">
-                <ma14:wrappingTextBoxFlag xmlns:ma14="http://schemas.microsoft.com/office/mac/drawingml/2011/main" val="1"/>
+                <ma14:wrappingTextBoxFlag xmlns:ma14="http://schemas.microsoft.com/office/mac/drawingml/2011/main" xmlns:a14="http://schemas.microsoft.com/office/drawing/2010/main" xmlns:m="http://schemas.openxmlformats.org/officeDocument/2006/math" xmlns="" val="1"/>
               </a:ext>
             </a:extLst>
           </p:spPr>
@@ -5061,7 +5154,7 @@
             </a:bodyPr>
             <a:lstStyle>
               <a:lvl1pPr>
-                <a:defRPr spc="-150" sz="41300">
+                <a:defRPr sz="41300" spc="-150">
                   <a:solidFill>
                     <a:schemeClr val="accent2">
                       <a:alpha val="60000"/>
@@ -5071,7 +5164,6 @@
               </a:lvl1pPr>
             </a:lstStyle>
             <a:p>
-              <a:pPr/>
               <a:r>
                 <a:t>A</a:t>
               </a:r>
@@ -5098,7 +5190,7 @@
           </a:ln>
           <a:extLst>
             <a:ext uri="{C572A759-6A51-4108-AA02-DFA0A04FC94B}">
-              <ma14:wrappingTextBoxFlag xmlns:ma14="http://schemas.microsoft.com/office/mac/drawingml/2011/main" val="1"/>
+              <ma14:wrappingTextBoxFlag xmlns:ma14="http://schemas.microsoft.com/office/mac/drawingml/2011/main" xmlns:a14="http://schemas.microsoft.com/office/drawing/2010/main" xmlns:m="http://schemas.openxmlformats.org/officeDocument/2006/math" xmlns="" val="1"/>
             </a:ext>
           </a:extLst>
         </p:spPr>
@@ -5108,7 +5200,7 @@
           </a:bodyPr>
           <a:lstStyle>
             <a:lvl1pPr>
-              <a:defRPr b="1" sz="7200">
+              <a:defRPr sz="7200" b="1">
                 <a:solidFill>
                   <a:srgbClr val="5D5B5B"/>
                 </a:solidFill>
@@ -5116,7 +5208,6 @@
             </a:lvl1pPr>
           </a:lstStyle>
           <a:p>
-            <a:pPr/>
             <a:r>
               <a:t>005</a:t>
             </a:r>
@@ -5142,7 +5233,7 @@
           </a:ln>
           <a:extLst>
             <a:ext uri="{C572A759-6A51-4108-AA02-DFA0A04FC94B}">
-              <ma14:wrappingTextBoxFlag xmlns:ma14="http://schemas.microsoft.com/office/mac/drawingml/2011/main" val="1"/>
+              <ma14:wrappingTextBoxFlag xmlns:ma14="http://schemas.microsoft.com/office/mac/drawingml/2011/main" xmlns:a14="http://schemas.microsoft.com/office/drawing/2010/main" xmlns:m="http://schemas.openxmlformats.org/officeDocument/2006/math" xmlns="" val="1"/>
             </a:ext>
           </a:extLst>
         </p:spPr>
@@ -5152,7 +5243,7 @@
           </a:bodyPr>
           <a:lstStyle>
             <a:lvl1pPr>
-              <a:defRPr spc="-150" sz="3200">
+              <a:defRPr sz="3200" spc="-150">
                 <a:solidFill>
                   <a:srgbClr val="5D5B5B"/>
                 </a:solidFill>
@@ -5164,7 +5255,6 @@
             </a:lvl1pPr>
           </a:lstStyle>
           <a:p>
-            <a:pPr/>
             <a:r>
               <a:t>QnA</a:t>
             </a:r>
@@ -5190,7 +5280,7 @@
           </a:ln>
           <a:extLst>
             <a:ext uri="{C572A759-6A51-4108-AA02-DFA0A04FC94B}">
-              <ma14:wrappingTextBoxFlag xmlns:ma14="http://schemas.microsoft.com/office/mac/drawingml/2011/main" val="1"/>
+              <ma14:wrappingTextBoxFlag xmlns:ma14="http://schemas.microsoft.com/office/mac/drawingml/2011/main" xmlns:a14="http://schemas.microsoft.com/office/drawing/2010/main" xmlns:m="http://schemas.openxmlformats.org/officeDocument/2006/math" xmlns="" val="1"/>
             </a:ext>
           </a:extLst>
         </p:spPr>
@@ -5212,7 +5302,6 @@
             </a:lvl1pPr>
           </a:lstStyle>
           <a:p>
-            <a:pPr/>
             <a:r>
               <a:t>Copyrightⓒ. Saebyeol Yu. All Rights Reserved.</a:t>
             </a:r>
@@ -5244,7 +5333,7 @@
           <a:bodyPr lIns="45719" rIns="45719"/>
           <a:lstStyle/>
           <a:p>
-            <a:pPr/>
+            <a:endParaRPr/>
           </a:p>
         </p:txBody>
       </p:sp>
@@ -5257,7 +5346,7 @@
         <p:spPr>
           <a:xfrm>
             <a:off x="5175153" y="3090072"/>
-            <a:ext cx="2058998" cy="226986"/>
+            <a:ext cx="92396" cy="246221"/>
           </a:xfrm>
           <a:prstGeom prst="rect">
             <a:avLst/>
@@ -5267,7 +5356,7 @@
           </a:ln>
           <a:extLst>
             <a:ext uri="{C572A759-6A51-4108-AA02-DFA0A04FC94B}">
-              <ma14:wrappingTextBoxFlag xmlns:ma14="http://schemas.microsoft.com/office/mac/drawingml/2011/main" val="1"/>
+              <ma14:wrappingTextBoxFlag xmlns:ma14="http://schemas.microsoft.com/office/mac/drawingml/2011/main" xmlns:a14="http://schemas.microsoft.com/office/drawing/2010/main" xmlns:m="http://schemas.openxmlformats.org/officeDocument/2006/math" xmlns="" val="1"/>
             </a:ext>
           </a:extLst>
         </p:spPr>
@@ -5281,10 +5370,7 @@
             </a:lvl1pPr>
           </a:lstStyle>
           <a:p>
-            <a:pPr/>
-            <a:r>
-              <a:t>Lorem Ipsum is simply dummy text</a:t>
-            </a:r>
+            <a:endParaRPr dirty="0"/>
           </a:p>
         </p:txBody>
       </p:sp>
@@ -5293,12 +5379,19 @@
   <p:clrMapOvr>
     <a:masterClrMapping/>
   </p:clrMapOvr>
-  <p:transition xmlns:p14="http://schemas.microsoft.com/office/powerpoint/2010/main" spd="med" advClick="1"/>
+  <p:transition spd="med"/>
+  <p:timing>
+    <p:tnLst>
+      <p:par>
+        <p:cTn id="1" dur="indefinite" restart="never" nodeType="tmRoot"/>
+      </p:par>
+    </p:tnLst>
+  </p:timing>
 </p:sld>
 </file>
 
 <file path=ppt/slides/slide14.xml><?xml version="1.0" encoding="utf-8"?>
-<p:sld xmlns:a="http://schemas.openxmlformats.org/drawingml/2006/main" xmlns:r="http://schemas.openxmlformats.org/officeDocument/2006/relationships" xmlns:p="http://schemas.openxmlformats.org/presentationml/2006/main" xmlns:m="http://schemas.openxmlformats.org/officeDocument/2006/math" xmlns:a14="http://schemas.microsoft.com/office/drawing/2010/main" showMasterSp="1" showMasterPhAnim="1">
+<p:sld xmlns:a="http://schemas.openxmlformats.org/drawingml/2006/main" xmlns:r="http://schemas.openxmlformats.org/officeDocument/2006/relationships" xmlns:p="http://schemas.openxmlformats.org/presentationml/2006/main">
   <p:cSld>
     <p:spTree>
       <p:nvGrpSpPr>
@@ -5350,7 +5443,7 @@
             <a:effectLst/>
             <a:extLst>
               <a:ext uri="{C572A759-6A51-4108-AA02-DFA0A04FC94B}">
-                <ma14:wrappingTextBoxFlag xmlns:ma14="http://schemas.microsoft.com/office/mac/drawingml/2011/main" val="1"/>
+                <ma14:wrappingTextBoxFlag xmlns:ma14="http://schemas.microsoft.com/office/mac/drawingml/2011/main" xmlns:a14="http://schemas.microsoft.com/office/drawing/2010/main" xmlns:m="http://schemas.openxmlformats.org/officeDocument/2006/math" xmlns="" val="1"/>
               </a:ext>
             </a:extLst>
           </p:spPr>
@@ -5360,7 +5453,7 @@
             </a:bodyPr>
             <a:lstStyle>
               <a:lvl1pPr>
-                <a:defRPr spc="-150" sz="10000">
+                <a:defRPr sz="10000" spc="-150">
                   <a:solidFill>
                     <a:schemeClr val="accent4">
                       <a:alpha val="20000"/>
@@ -5416,7 +5509,7 @@
             <a:effectLst/>
             <a:extLst>
               <a:ext uri="{C572A759-6A51-4108-AA02-DFA0A04FC94B}">
-                <ma14:wrappingTextBoxFlag xmlns:ma14="http://schemas.microsoft.com/office/mac/drawingml/2011/main" val="1"/>
+                <ma14:wrappingTextBoxFlag xmlns:ma14="http://schemas.microsoft.com/office/mac/drawingml/2011/main" xmlns:a14="http://schemas.microsoft.com/office/drawing/2010/main" xmlns:m="http://schemas.openxmlformats.org/officeDocument/2006/math" xmlns="" val="1"/>
               </a:ext>
             </a:extLst>
           </p:spPr>
@@ -5426,7 +5519,7 @@
             </a:bodyPr>
             <a:lstStyle>
               <a:lvl1pPr>
-                <a:defRPr spc="-150" sz="10000">
+                <a:defRPr sz="10000" spc="-150">
                   <a:solidFill>
                     <a:schemeClr val="accent2">
                       <a:alpha val="60000"/>
@@ -5480,7 +5573,7 @@
           </a:ln>
           <a:extLst>
             <a:ext uri="{C572A759-6A51-4108-AA02-DFA0A04FC94B}">
-              <ma14:wrappingTextBoxFlag xmlns:ma14="http://schemas.microsoft.com/office/mac/drawingml/2011/main" val="1"/>
+              <ma14:wrappingTextBoxFlag xmlns:ma14="http://schemas.microsoft.com/office/mac/drawingml/2011/main" xmlns:a14="http://schemas.microsoft.com/office/drawing/2010/main" xmlns:m="http://schemas.openxmlformats.org/officeDocument/2006/math" xmlns="" val="1"/>
             </a:ext>
           </a:extLst>
         </p:spPr>
@@ -5502,7 +5595,6 @@
             </a:lvl1pPr>
           </a:lstStyle>
           <a:p>
-            <a:pPr/>
             <a:r>
               <a:t>Copyrightⓒ. Saebyeol Yu. All Rights Reserved.</a:t>
             </a:r>
@@ -5514,18 +5606,26 @@
   <p:clrMapOvr>
     <a:masterClrMapping/>
   </p:clrMapOvr>
-  <p:transition xmlns:p14="http://schemas.microsoft.com/office/powerpoint/2010/main" spd="med" advClick="1"/>
+  <p:transition spd="med"/>
+  <p:timing>
+    <p:tnLst>
+      <p:par>
+        <p:cTn id="1" dur="indefinite" restart="never" nodeType="tmRoot"/>
+      </p:par>
+    </p:tnLst>
+  </p:timing>
 </p:sld>
 </file>
 
 <file path=ppt/slides/slide2.xml><?xml version="1.0" encoding="utf-8"?>
-<p:sld xmlns:a="http://schemas.openxmlformats.org/drawingml/2006/main" xmlns:r="http://schemas.openxmlformats.org/officeDocument/2006/relationships" xmlns:p="http://schemas.openxmlformats.org/presentationml/2006/main" xmlns:m="http://schemas.openxmlformats.org/officeDocument/2006/math" xmlns:a14="http://schemas.microsoft.com/office/drawing/2010/main" showMasterSp="1" showMasterPhAnim="1">
+<p:sld xmlns:a="http://schemas.openxmlformats.org/drawingml/2006/main" xmlns:r="http://schemas.openxmlformats.org/officeDocument/2006/relationships" xmlns:p="http://schemas.openxmlformats.org/presentationml/2006/main">
   <p:cSld>
     <p:bg>
       <p:bgPr>
         <a:solidFill>
           <a:srgbClr val="5D5B5B"/>
         </a:solidFill>
+        <a:effectLst/>
       </p:bgPr>
     </p:bg>
     <p:spTree>
@@ -5561,7 +5661,7 @@
           </a:ln>
           <a:extLst>
             <a:ext uri="{C572A759-6A51-4108-AA02-DFA0A04FC94B}">
-              <ma14:wrappingTextBoxFlag xmlns:ma14="http://schemas.microsoft.com/office/mac/drawingml/2011/main" val="1"/>
+              <ma14:wrappingTextBoxFlag xmlns:ma14="http://schemas.microsoft.com/office/mac/drawingml/2011/main" xmlns:a14="http://schemas.microsoft.com/office/drawing/2010/main" xmlns:m="http://schemas.openxmlformats.org/officeDocument/2006/math" xmlns="" val="1"/>
             </a:ext>
           </a:extLst>
         </p:spPr>
@@ -5579,7 +5679,6 @@
             </a:lvl1pPr>
           </a:lstStyle>
           <a:p>
-            <a:pPr/>
             <a:r>
               <a:t>Contents</a:t>
             </a:r>
@@ -5622,7 +5721,7 @@
             <a:effectLst/>
             <a:extLst>
               <a:ext uri="{C572A759-6A51-4108-AA02-DFA0A04FC94B}">
-                <ma14:wrappingTextBoxFlag xmlns:ma14="http://schemas.microsoft.com/office/mac/drawingml/2011/main" val="1"/>
+                <ma14:wrappingTextBoxFlag xmlns:ma14="http://schemas.microsoft.com/office/mac/drawingml/2011/main" xmlns:a14="http://schemas.microsoft.com/office/drawing/2010/main" xmlns:m="http://schemas.openxmlformats.org/officeDocument/2006/math" xmlns="" val="1"/>
               </a:ext>
             </a:extLst>
           </p:spPr>
@@ -5638,7 +5737,7 @@
                 </a:lnSpc>
                 <a:buSzPct val="100000"/>
                 <a:buChar char="▪"/>
-                <a:defRPr spc="-150" sz="1400">
+                <a:defRPr sz="1400" spc="-150">
                   <a:solidFill>
                     <a:srgbClr val="FFFFFF"/>
                   </a:solidFill>
@@ -5659,7 +5758,7 @@
                 </a:lnSpc>
                 <a:buSzPct val="100000"/>
                 <a:buChar char="▪"/>
-                <a:defRPr spc="-150" sz="1400">
+                <a:defRPr sz="1400" spc="-150">
                   <a:solidFill>
                     <a:srgbClr val="FFFFFF"/>
                   </a:solidFill>
@@ -5697,7 +5796,7 @@
             <a:effectLst/>
             <a:extLst>
               <a:ext uri="{C572A759-6A51-4108-AA02-DFA0A04FC94B}">
-                <ma14:wrappingTextBoxFlag xmlns:ma14="http://schemas.microsoft.com/office/mac/drawingml/2011/main" val="1"/>
+                <ma14:wrappingTextBoxFlag xmlns:ma14="http://schemas.microsoft.com/office/mac/drawingml/2011/main" xmlns:a14="http://schemas.microsoft.com/office/drawing/2010/main" xmlns:m="http://schemas.openxmlformats.org/officeDocument/2006/math" xmlns="" val="1"/>
               </a:ext>
             </a:extLst>
           </p:spPr>
@@ -5713,7 +5812,7 @@
                 </a:lnSpc>
                 <a:buSzPct val="100000"/>
                 <a:buChar char="▪"/>
-                <a:defRPr spc="-150" sz="1400">
+                <a:defRPr sz="1400" spc="-150">
                   <a:solidFill>
                     <a:srgbClr val="FFFFFF"/>
                   </a:solidFill>
@@ -5734,7 +5833,7 @@
                 </a:lnSpc>
                 <a:buSzPct val="100000"/>
                 <a:buChar char="▪"/>
-                <a:defRPr spc="-150" sz="1400">
+                <a:defRPr sz="1400" spc="-150">
                   <a:solidFill>
                     <a:srgbClr val="FFFFFF"/>
                   </a:solidFill>
@@ -5786,7 +5885,7 @@
               <a:effectLst/>
               <a:extLst>
                 <a:ext uri="{C572A759-6A51-4108-AA02-DFA0A04FC94B}">
-                  <ma14:wrappingTextBoxFlag xmlns:ma14="http://schemas.microsoft.com/office/mac/drawingml/2011/main" val="1"/>
+                  <ma14:wrappingTextBoxFlag xmlns:ma14="http://schemas.microsoft.com/office/mac/drawingml/2011/main" xmlns:a14="http://schemas.microsoft.com/office/drawing/2010/main" xmlns:m="http://schemas.openxmlformats.org/officeDocument/2006/math" xmlns="" val="1"/>
                 </a:ext>
               </a:extLst>
             </p:spPr>
@@ -5804,7 +5903,6 @@
                 </a:lvl1pPr>
               </a:lstStyle>
               <a:p>
-                <a:pPr/>
                 <a:r>
                   <a:t>001</a:t>
                 </a:r>
@@ -5833,7 +5931,7 @@
               <a:effectLst/>
               <a:extLst>
                 <a:ext uri="{C572A759-6A51-4108-AA02-DFA0A04FC94B}">
-                  <ma14:wrappingTextBoxFlag xmlns:ma14="http://schemas.microsoft.com/office/mac/drawingml/2011/main" val="1"/>
+                  <ma14:wrappingTextBoxFlag xmlns:ma14="http://schemas.microsoft.com/office/mac/drawingml/2011/main" xmlns:a14="http://schemas.microsoft.com/office/drawing/2010/main" xmlns:m="http://schemas.openxmlformats.org/officeDocument/2006/math" xmlns="" val="1"/>
                 </a:ext>
               </a:extLst>
             </p:spPr>
@@ -5912,7 +6010,7 @@
               <a:effectLst/>
               <a:extLst>
                 <a:ext uri="{C572A759-6A51-4108-AA02-DFA0A04FC94B}">
-                  <ma14:wrappingTextBoxFlag xmlns:ma14="http://schemas.microsoft.com/office/mac/drawingml/2011/main" val="1"/>
+                  <ma14:wrappingTextBoxFlag xmlns:ma14="http://schemas.microsoft.com/office/mac/drawingml/2011/main" xmlns:a14="http://schemas.microsoft.com/office/drawing/2010/main" xmlns:m="http://schemas.openxmlformats.org/officeDocument/2006/math" xmlns="" val="1"/>
                 </a:ext>
               </a:extLst>
             </p:spPr>
@@ -5930,7 +6028,6 @@
                 </a:lvl1pPr>
               </a:lstStyle>
               <a:p>
-                <a:pPr/>
                 <a:r>
                   <a:t>002</a:t>
                 </a:r>
@@ -5959,7 +6056,7 @@
               <a:effectLst/>
               <a:extLst>
                 <a:ext uri="{C572A759-6A51-4108-AA02-DFA0A04FC94B}">
-                  <ma14:wrappingTextBoxFlag xmlns:ma14="http://schemas.microsoft.com/office/mac/drawingml/2011/main" val="1"/>
+                  <ma14:wrappingTextBoxFlag xmlns:ma14="http://schemas.microsoft.com/office/mac/drawingml/2011/main" xmlns:a14="http://schemas.microsoft.com/office/drawing/2010/main" xmlns:m="http://schemas.openxmlformats.org/officeDocument/2006/math" xmlns="" val="1"/>
                 </a:ext>
               </a:extLst>
             </p:spPr>
@@ -6038,7 +6135,7 @@
               <a:effectLst/>
               <a:extLst>
                 <a:ext uri="{C572A759-6A51-4108-AA02-DFA0A04FC94B}">
-                  <ma14:wrappingTextBoxFlag xmlns:ma14="http://schemas.microsoft.com/office/mac/drawingml/2011/main" val="1"/>
+                  <ma14:wrappingTextBoxFlag xmlns:ma14="http://schemas.microsoft.com/office/mac/drawingml/2011/main" xmlns:a14="http://schemas.microsoft.com/office/drawing/2010/main" xmlns:m="http://schemas.openxmlformats.org/officeDocument/2006/math" xmlns="" val="1"/>
                 </a:ext>
               </a:extLst>
             </p:spPr>
@@ -6056,7 +6153,6 @@
                 </a:lvl1pPr>
               </a:lstStyle>
               <a:p>
-                <a:pPr/>
                 <a:r>
                   <a:t>003</a:t>
                 </a:r>
@@ -6085,7 +6181,7 @@
               <a:effectLst/>
               <a:extLst>
                 <a:ext uri="{C572A759-6A51-4108-AA02-DFA0A04FC94B}">
-                  <ma14:wrappingTextBoxFlag xmlns:ma14="http://schemas.microsoft.com/office/mac/drawingml/2011/main" val="1"/>
+                  <ma14:wrappingTextBoxFlag xmlns:ma14="http://schemas.microsoft.com/office/mac/drawingml/2011/main" xmlns:a14="http://schemas.microsoft.com/office/drawing/2010/main" xmlns:m="http://schemas.openxmlformats.org/officeDocument/2006/math" xmlns="" val="1"/>
                 </a:ext>
               </a:extLst>
             </p:spPr>
@@ -6150,7 +6246,7 @@
             <a:effectLst/>
             <a:extLst>
               <a:ext uri="{C572A759-6A51-4108-AA02-DFA0A04FC94B}">
-                <ma14:wrappingTextBoxFlag xmlns:ma14="http://schemas.microsoft.com/office/mac/drawingml/2011/main" val="1"/>
+                <ma14:wrappingTextBoxFlag xmlns:ma14="http://schemas.microsoft.com/office/mac/drawingml/2011/main" xmlns:a14="http://schemas.microsoft.com/office/drawing/2010/main" xmlns:m="http://schemas.openxmlformats.org/officeDocument/2006/math" xmlns="" val="1"/>
               </a:ext>
             </a:extLst>
           </p:spPr>
@@ -6165,7 +6261,7 @@
                 </a:lnSpc>
                 <a:buSzPct val="100000"/>
                 <a:buChar char="▪"/>
-                <a:defRPr spc="-150" sz="1400">
+                <a:defRPr sz="1400" spc="-150">
                   <a:solidFill>
                     <a:srgbClr val="FFFFFF"/>
                   </a:solidFill>
@@ -6177,7 +6273,6 @@
               </a:lvl1pPr>
             </a:lstStyle>
             <a:p>
-              <a:pPr/>
               <a:r>
                 <a:t>제작 현황</a:t>
               </a:r>
@@ -6216,7 +6311,7 @@
             </a:cxnLst>
             <a:rect l="0" t="0" r="r" b="b"/>
             <a:pathLst>
-              <a:path w="21600" h="21600" fill="norm" stroke="1" extrusionOk="0">
+              <a:path w="21600" h="21600" extrusionOk="0">
                 <a:moveTo>
                   <a:pt x="0" y="21600"/>
                 </a:moveTo>
@@ -6248,6 +6343,7 @@
                 </a:solidFill>
               </a:defRPr>
             </a:pPr>
+            <a:endParaRPr/>
           </a:p>
         </p:txBody>
       </p:sp>
@@ -6282,7 +6378,7 @@
             </a:cxnLst>
             <a:rect l="0" t="0" r="r" b="b"/>
             <a:pathLst>
-              <a:path w="21600" h="21600" fill="norm" stroke="1" extrusionOk="0">
+              <a:path w="21600" h="21600" extrusionOk="0">
                 <a:moveTo>
                   <a:pt x="0" y="21600"/>
                 </a:moveTo>
@@ -6314,6 +6410,7 @@
                 </a:solidFill>
               </a:defRPr>
             </a:pPr>
+            <a:endParaRPr/>
           </a:p>
         </p:txBody>
       </p:sp>
@@ -6342,7 +6439,7 @@
           <a:bodyPr lIns="45719" rIns="45719"/>
           <a:lstStyle/>
           <a:p>
-            <a:pPr/>
+            <a:endParaRPr/>
           </a:p>
         </p:txBody>
       </p:sp>
@@ -6351,12 +6448,19 @@
   <p:clrMapOvr>
     <a:masterClrMapping/>
   </p:clrMapOvr>
-  <p:transition xmlns:p14="http://schemas.microsoft.com/office/powerpoint/2010/main" spd="med" advClick="1"/>
+  <p:transition spd="med"/>
+  <p:timing>
+    <p:tnLst>
+      <p:par>
+        <p:cTn id="1" dur="indefinite" restart="never" nodeType="tmRoot"/>
+      </p:par>
+    </p:tnLst>
+  </p:timing>
 </p:sld>
 </file>
 
 <file path=ppt/slides/slide3.xml><?xml version="1.0" encoding="utf-8"?>
-<p:sld xmlns:a="http://schemas.openxmlformats.org/drawingml/2006/main" xmlns:r="http://schemas.openxmlformats.org/officeDocument/2006/relationships" xmlns:p="http://schemas.openxmlformats.org/presentationml/2006/main" xmlns:m="http://schemas.openxmlformats.org/officeDocument/2006/math" xmlns:a14="http://schemas.microsoft.com/office/drawing/2010/main" showMasterSp="1" showMasterPhAnim="1">
+<p:sld xmlns:a="http://schemas.openxmlformats.org/drawingml/2006/main" xmlns:r="http://schemas.openxmlformats.org/officeDocument/2006/relationships" xmlns:p="http://schemas.openxmlformats.org/presentationml/2006/main">
   <p:cSld>
     <p:spTree>
       <p:nvGrpSpPr>
@@ -6391,7 +6495,7 @@
           </a:ln>
           <a:extLst>
             <a:ext uri="{C572A759-6A51-4108-AA02-DFA0A04FC94B}">
-              <ma14:wrappingTextBoxFlag xmlns:ma14="http://schemas.microsoft.com/office/mac/drawingml/2011/main" val="1"/>
+              <ma14:wrappingTextBoxFlag xmlns:ma14="http://schemas.microsoft.com/office/mac/drawingml/2011/main" xmlns:a14="http://schemas.microsoft.com/office/drawing/2010/main" xmlns:m="http://schemas.openxmlformats.org/officeDocument/2006/math" xmlns="" val="1"/>
             </a:ext>
           </a:extLst>
         </p:spPr>
@@ -6401,7 +6505,7 @@
           </a:bodyPr>
           <a:lstStyle>
             <a:lvl1pPr>
-              <a:defRPr b="1" sz="7200">
+              <a:defRPr sz="7200" b="1">
                 <a:solidFill>
                   <a:srgbClr val="5D5B5B"/>
                 </a:solidFill>
@@ -6409,7 +6513,6 @@
             </a:lvl1pPr>
           </a:lstStyle>
           <a:p>
-            <a:pPr/>
             <a:r>
               <a:t>001</a:t>
             </a:r>
@@ -6435,7 +6538,7 @@
           </a:ln>
           <a:extLst>
             <a:ext uri="{C572A759-6A51-4108-AA02-DFA0A04FC94B}">
-              <ma14:wrappingTextBoxFlag xmlns:ma14="http://schemas.microsoft.com/office/mac/drawingml/2011/main" val="1"/>
+              <ma14:wrappingTextBoxFlag xmlns:ma14="http://schemas.microsoft.com/office/mac/drawingml/2011/main" xmlns:a14="http://schemas.microsoft.com/office/drawing/2010/main" xmlns:m="http://schemas.openxmlformats.org/officeDocument/2006/math" xmlns="" val="1"/>
             </a:ext>
           </a:extLst>
         </p:spPr>
@@ -6445,7 +6548,7 @@
           </a:bodyPr>
           <a:lstStyle>
             <a:lvl1pPr>
-              <a:defRPr spc="-150" sz="3200">
+              <a:defRPr sz="3200" spc="-150">
                 <a:solidFill>
                   <a:srgbClr val="5D5B5B"/>
                 </a:solidFill>
@@ -6457,7 +6560,6 @@
             </a:lvl1pPr>
           </a:lstStyle>
           <a:p>
-            <a:pPr/>
             <a:r>
               <a:t>어플소개</a:t>
             </a:r>
@@ -6483,7 +6585,7 @@
           </a:ln>
           <a:extLst>
             <a:ext uri="{C572A759-6A51-4108-AA02-DFA0A04FC94B}">
-              <ma14:wrappingTextBoxFlag xmlns:ma14="http://schemas.microsoft.com/office/mac/drawingml/2011/main" val="1"/>
+              <ma14:wrappingTextBoxFlag xmlns:ma14="http://schemas.microsoft.com/office/mac/drawingml/2011/main" xmlns:a14="http://schemas.microsoft.com/office/drawing/2010/main" xmlns:m="http://schemas.openxmlformats.org/officeDocument/2006/math" xmlns="" val="1"/>
             </a:ext>
           </a:extLst>
         </p:spPr>
@@ -6505,7 +6607,6 @@
             </a:lvl1pPr>
           </a:lstStyle>
           <a:p>
-            <a:pPr/>
             <a:r>
               <a:t>Copyrightⓒ. Saebyeol Yu. All Rights Reserved.</a:t>
             </a:r>
@@ -6537,7 +6638,7 @@
           <a:bodyPr lIns="45719" rIns="45719"/>
           <a:lstStyle/>
           <a:p>
-            <a:pPr/>
+            <a:endParaRPr/>
           </a:p>
         </p:txBody>
       </p:sp>
@@ -6550,7 +6651,7 @@
         <p:spPr>
           <a:xfrm>
             <a:off x="5175153" y="3090072"/>
-            <a:ext cx="2058998" cy="226986"/>
+            <a:ext cx="92396" cy="246221"/>
           </a:xfrm>
           <a:prstGeom prst="rect">
             <a:avLst/>
@@ -6560,7 +6661,7 @@
           </a:ln>
           <a:extLst>
             <a:ext uri="{C572A759-6A51-4108-AA02-DFA0A04FC94B}">
-              <ma14:wrappingTextBoxFlag xmlns:ma14="http://schemas.microsoft.com/office/mac/drawingml/2011/main" val="1"/>
+              <ma14:wrappingTextBoxFlag xmlns:ma14="http://schemas.microsoft.com/office/mac/drawingml/2011/main" xmlns:a14="http://schemas.microsoft.com/office/drawing/2010/main" xmlns:m="http://schemas.openxmlformats.org/officeDocument/2006/math" xmlns="" val="1"/>
             </a:ext>
           </a:extLst>
         </p:spPr>
@@ -6574,10 +6675,7 @@
             </a:lvl1pPr>
           </a:lstStyle>
           <a:p>
-            <a:pPr/>
-            <a:r>
-              <a:t>Lorem Ipsum is simply dummy text</a:t>
-            </a:r>
+            <a:endParaRPr dirty="0"/>
           </a:p>
         </p:txBody>
       </p:sp>
@@ -6615,6 +6713,7 @@
                 </a:solidFill>
               </a:defRPr>
             </a:pPr>
+            <a:endParaRPr/>
           </a:p>
         </p:txBody>
       </p:sp>
@@ -6652,6 +6751,7 @@
                 </a:solidFill>
               </a:defRPr>
             </a:pPr>
+            <a:endParaRPr/>
           </a:p>
         </p:txBody>
       </p:sp>
@@ -6660,12 +6760,19 @@
   <p:clrMapOvr>
     <a:masterClrMapping/>
   </p:clrMapOvr>
-  <p:transition xmlns:p14="http://schemas.microsoft.com/office/powerpoint/2010/main" spd="med" advClick="1"/>
+  <p:transition spd="med"/>
+  <p:timing>
+    <p:tnLst>
+      <p:par>
+        <p:cTn id="1" dur="indefinite" restart="never" nodeType="tmRoot"/>
+      </p:par>
+    </p:tnLst>
+  </p:timing>
 </p:sld>
 </file>
 
 <file path=ppt/slides/slide4.xml><?xml version="1.0" encoding="utf-8"?>
-<p:sld xmlns:a="http://schemas.openxmlformats.org/drawingml/2006/main" xmlns:r="http://schemas.openxmlformats.org/officeDocument/2006/relationships" xmlns:p="http://schemas.openxmlformats.org/presentationml/2006/main" xmlns:m="http://schemas.openxmlformats.org/officeDocument/2006/math" xmlns:a14="http://schemas.microsoft.com/office/drawing/2010/main" showMasterSp="1" showMasterPhAnim="1">
+<p:sld xmlns:a="http://schemas.openxmlformats.org/drawingml/2006/main" xmlns:r="http://schemas.openxmlformats.org/officeDocument/2006/relationships" xmlns:p="http://schemas.openxmlformats.org/presentationml/2006/main">
   <p:cSld>
     <p:spTree>
       <p:nvGrpSpPr>
@@ -6735,6 +6842,7 @@
                   </a:solidFill>
                 </a:defRPr>
               </a:pPr>
+              <a:endParaRPr/>
             </a:p>
           </p:txBody>
         </p:sp>
@@ -6778,6 +6886,7 @@
                   </a:solidFill>
                 </a:defRPr>
               </a:pPr>
+              <a:endParaRPr/>
             </a:p>
           </p:txBody>
         </p:sp>
@@ -6821,6 +6930,7 @@
                   </a:solidFill>
                 </a:defRPr>
               </a:pPr>
+              <a:endParaRPr/>
             </a:p>
           </p:txBody>
         </p:sp>
@@ -6844,7 +6954,7 @@
           </a:ln>
           <a:extLst>
             <a:ext uri="{C572A759-6A51-4108-AA02-DFA0A04FC94B}">
-              <ma14:wrappingTextBoxFlag xmlns:ma14="http://schemas.microsoft.com/office/mac/drawingml/2011/main" val="1"/>
+              <ma14:wrappingTextBoxFlag xmlns:ma14="http://schemas.microsoft.com/office/mac/drawingml/2011/main" xmlns:a14="http://schemas.microsoft.com/office/drawing/2010/main" xmlns:m="http://schemas.openxmlformats.org/officeDocument/2006/math" xmlns="" val="1"/>
             </a:ext>
           </a:extLst>
         </p:spPr>
@@ -6905,7 +7015,7 @@
           </a:ln>
           <a:extLst>
             <a:ext uri="{C572A759-6A51-4108-AA02-DFA0A04FC94B}">
-              <ma14:wrappingTextBoxFlag xmlns:ma14="http://schemas.microsoft.com/office/mac/drawingml/2011/main" val="1"/>
+              <ma14:wrappingTextBoxFlag xmlns:ma14="http://schemas.microsoft.com/office/mac/drawingml/2011/main" xmlns:a14="http://schemas.microsoft.com/office/drawing/2010/main" xmlns:m="http://schemas.openxmlformats.org/officeDocument/2006/math" xmlns="" val="1"/>
             </a:ext>
           </a:extLst>
         </p:spPr>
@@ -6966,7 +7076,7 @@
           </a:ln>
           <a:extLst>
             <a:ext uri="{C572A759-6A51-4108-AA02-DFA0A04FC94B}">
-              <ma14:wrappingTextBoxFlag xmlns:ma14="http://schemas.microsoft.com/office/mac/drawingml/2011/main" val="1"/>
+              <ma14:wrappingTextBoxFlag xmlns:ma14="http://schemas.microsoft.com/office/mac/drawingml/2011/main" xmlns:a14="http://schemas.microsoft.com/office/drawing/2010/main" xmlns:m="http://schemas.openxmlformats.org/officeDocument/2006/math" xmlns="" val="1"/>
             </a:ext>
           </a:extLst>
         </p:spPr>
@@ -7034,7 +7144,7 @@
           <a:bodyPr lIns="45719" rIns="45719"/>
           <a:lstStyle/>
           <a:p>
-            <a:pPr/>
+            <a:endParaRPr/>
           </a:p>
         </p:txBody>
       </p:sp>
@@ -7064,7 +7174,7 @@
           <a:bodyPr lIns="45719" rIns="45719"/>
           <a:lstStyle/>
           <a:p>
-            <a:pPr/>
+            <a:endParaRPr/>
           </a:p>
         </p:txBody>
       </p:sp>
@@ -7087,7 +7197,7 @@
           </a:ln>
           <a:extLst>
             <a:ext uri="{C572A759-6A51-4108-AA02-DFA0A04FC94B}">
-              <ma14:wrappingTextBoxFlag xmlns:ma14="http://schemas.microsoft.com/office/mac/drawingml/2011/main" val="1"/>
+              <ma14:wrappingTextBoxFlag xmlns:ma14="http://schemas.microsoft.com/office/mac/drawingml/2011/main" xmlns:a14="http://schemas.microsoft.com/office/drawing/2010/main" xmlns:m="http://schemas.openxmlformats.org/officeDocument/2006/math" xmlns="" val="1"/>
             </a:ext>
           </a:extLst>
         </p:spPr>
@@ -7162,7 +7272,7 @@
           </a:ln>
           <a:extLst>
             <a:ext uri="{C572A759-6A51-4108-AA02-DFA0A04FC94B}">
-              <ma14:wrappingTextBoxFlag xmlns:ma14="http://schemas.microsoft.com/office/mac/drawingml/2011/main" val="1"/>
+              <ma14:wrappingTextBoxFlag xmlns:ma14="http://schemas.microsoft.com/office/mac/drawingml/2011/main" xmlns:a14="http://schemas.microsoft.com/office/drawing/2010/main" xmlns:m="http://schemas.openxmlformats.org/officeDocument/2006/math" xmlns="" val="1"/>
             </a:ext>
           </a:extLst>
         </p:spPr>
@@ -7213,7 +7323,7 @@
           </a:ln>
           <a:extLst>
             <a:ext uri="{C572A759-6A51-4108-AA02-DFA0A04FC94B}">
-              <ma14:wrappingTextBoxFlag xmlns:ma14="http://schemas.microsoft.com/office/mac/drawingml/2011/main" val="1"/>
+              <ma14:wrappingTextBoxFlag xmlns:ma14="http://schemas.microsoft.com/office/mac/drawingml/2011/main" xmlns:a14="http://schemas.microsoft.com/office/drawing/2010/main" xmlns:m="http://schemas.openxmlformats.org/officeDocument/2006/math" xmlns="" val="1"/>
             </a:ext>
           </a:extLst>
         </p:spPr>
@@ -7282,7 +7392,7 @@
           <a:bodyPr lIns="45719" rIns="45719"/>
           <a:lstStyle/>
           <a:p>
-            <a:pPr/>
+            <a:endParaRPr/>
           </a:p>
         </p:txBody>
       </p:sp>
@@ -7318,6 +7428,7 @@
                 </a:solidFill>
               </a:defRPr>
             </a:pPr>
+            <a:endParaRPr/>
           </a:p>
         </p:txBody>
       </p:sp>
@@ -7340,7 +7451,7 @@
           </a:ln>
           <a:extLst>
             <a:ext uri="{C572A759-6A51-4108-AA02-DFA0A04FC94B}">
-              <ma14:wrappingTextBoxFlag xmlns:ma14="http://schemas.microsoft.com/office/mac/drawingml/2011/main" val="1"/>
+              <ma14:wrappingTextBoxFlag xmlns:ma14="http://schemas.microsoft.com/office/mac/drawingml/2011/main" xmlns:a14="http://schemas.microsoft.com/office/drawing/2010/main" xmlns:m="http://schemas.openxmlformats.org/officeDocument/2006/math" xmlns="" val="1"/>
             </a:ext>
           </a:extLst>
         </p:spPr>
@@ -7350,7 +7461,7 @@
           </a:bodyPr>
           <a:lstStyle>
             <a:lvl1pPr algn="ctr">
-              <a:defRPr b="1" sz="3200">
+              <a:defRPr sz="3200" b="1">
                 <a:solidFill>
                   <a:srgbClr val="FFFFFF"/>
                 </a:solidFill>
@@ -7358,7 +7469,6 @@
             </a:lvl1pPr>
           </a:lstStyle>
           <a:p>
-            <a:pPr/>
             <a:r>
               <a:t>1</a:t>
             </a:r>
@@ -7401,7 +7511,7 @@
             <a:effectLst/>
             <a:extLst>
               <a:ext uri="{C572A759-6A51-4108-AA02-DFA0A04FC94B}">
-                <ma14:wrappingTextBoxFlag xmlns:ma14="http://schemas.microsoft.com/office/mac/drawingml/2011/main" val="1"/>
+                <ma14:wrappingTextBoxFlag xmlns:ma14="http://schemas.microsoft.com/office/mac/drawingml/2011/main" xmlns:a14="http://schemas.microsoft.com/office/drawing/2010/main" xmlns:m="http://schemas.openxmlformats.org/officeDocument/2006/math" xmlns="" val="1"/>
               </a:ext>
             </a:extLst>
           </p:spPr>
@@ -7451,7 +7561,7 @@
             <a:effectLst/>
             <a:extLst>
               <a:ext uri="{C572A759-6A51-4108-AA02-DFA0A04FC94B}">
-                <ma14:wrappingTextBoxFlag xmlns:ma14="http://schemas.microsoft.com/office/mac/drawingml/2011/main" val="1"/>
+                <ma14:wrappingTextBoxFlag xmlns:ma14="http://schemas.microsoft.com/office/mac/drawingml/2011/main" xmlns:a14="http://schemas.microsoft.com/office/drawing/2010/main" xmlns:m="http://schemas.openxmlformats.org/officeDocument/2006/math" xmlns="" val="1"/>
               </a:ext>
             </a:extLst>
           </p:spPr>
@@ -7510,7 +7620,7 @@
           </a:ln>
           <a:extLst>
             <a:ext uri="{C572A759-6A51-4108-AA02-DFA0A04FC94B}">
-              <ma14:wrappingTextBoxFlag xmlns:ma14="http://schemas.microsoft.com/office/mac/drawingml/2011/main" val="1"/>
+              <ma14:wrappingTextBoxFlag xmlns:ma14="http://schemas.microsoft.com/office/mac/drawingml/2011/main" xmlns:a14="http://schemas.microsoft.com/office/drawing/2010/main" xmlns:m="http://schemas.openxmlformats.org/officeDocument/2006/math" xmlns="" val="1"/>
             </a:ext>
           </a:extLst>
         </p:spPr>
@@ -7520,7 +7630,7 @@
           </a:bodyPr>
           <a:lstStyle>
             <a:lvl1pPr algn="ctr">
-              <a:defRPr b="1" sz="2800">
+              <a:defRPr sz="2800" b="1">
                 <a:solidFill>
                   <a:srgbClr val="FFFFFF"/>
                 </a:solidFill>
@@ -7528,7 +7638,6 @@
             </a:lvl1pPr>
           </a:lstStyle>
           <a:p>
-            <a:pPr/>
             <a:r>
               <a:t>Step1</a:t>
             </a:r>
@@ -7554,7 +7663,7 @@
           </a:ln>
           <a:extLst>
             <a:ext uri="{C572A759-6A51-4108-AA02-DFA0A04FC94B}">
-              <ma14:wrappingTextBoxFlag xmlns:ma14="http://schemas.microsoft.com/office/mac/drawingml/2011/main" val="1"/>
+              <ma14:wrappingTextBoxFlag xmlns:ma14="http://schemas.microsoft.com/office/mac/drawingml/2011/main" xmlns:a14="http://schemas.microsoft.com/office/drawing/2010/main" xmlns:m="http://schemas.openxmlformats.org/officeDocument/2006/math" xmlns="" val="1"/>
             </a:ext>
           </a:extLst>
         </p:spPr>
@@ -7564,7 +7673,7 @@
           </a:bodyPr>
           <a:lstStyle>
             <a:lvl1pPr algn="ctr">
-              <a:defRPr b="1" sz="2800">
+              <a:defRPr sz="2800" b="1">
                 <a:solidFill>
                   <a:srgbClr val="FFFFFF"/>
                 </a:solidFill>
@@ -7572,7 +7681,6 @@
             </a:lvl1pPr>
           </a:lstStyle>
           <a:p>
-            <a:pPr/>
             <a:r>
               <a:t>Step2</a:t>
             </a:r>
@@ -7598,7 +7706,7 @@
           </a:ln>
           <a:extLst>
             <a:ext uri="{C572A759-6A51-4108-AA02-DFA0A04FC94B}">
-              <ma14:wrappingTextBoxFlag xmlns:ma14="http://schemas.microsoft.com/office/mac/drawingml/2011/main" val="1"/>
+              <ma14:wrappingTextBoxFlag xmlns:ma14="http://schemas.microsoft.com/office/mac/drawingml/2011/main" xmlns:a14="http://schemas.microsoft.com/office/drawing/2010/main" xmlns:m="http://schemas.openxmlformats.org/officeDocument/2006/math" xmlns="" val="1"/>
             </a:ext>
           </a:extLst>
         </p:spPr>
@@ -7608,7 +7716,7 @@
           </a:bodyPr>
           <a:lstStyle>
             <a:lvl1pPr algn="ctr">
-              <a:defRPr b="1" sz="2800">
+              <a:defRPr sz="2800" b="1">
                 <a:solidFill>
                   <a:srgbClr val="FFFFFF"/>
                 </a:solidFill>
@@ -7616,7 +7724,6 @@
             </a:lvl1pPr>
           </a:lstStyle>
           <a:p>
-            <a:pPr/>
             <a:r>
               <a:t>Step3</a:t>
             </a:r>
@@ -7628,12 +7735,19 @@
   <p:clrMapOvr>
     <a:masterClrMapping/>
   </p:clrMapOvr>
-  <p:transition xmlns:p14="http://schemas.microsoft.com/office/powerpoint/2010/main" spd="med" advClick="1"/>
+  <p:transition spd="med"/>
+  <p:timing>
+    <p:tnLst>
+      <p:par>
+        <p:cTn id="1" dur="indefinite" restart="never" nodeType="tmRoot"/>
+      </p:par>
+    </p:tnLst>
+  </p:timing>
 </p:sld>
 </file>
 
 <file path=ppt/slides/slide5.xml><?xml version="1.0" encoding="utf-8"?>
-<p:sld xmlns:a="http://schemas.openxmlformats.org/drawingml/2006/main" xmlns:r="http://schemas.openxmlformats.org/officeDocument/2006/relationships" xmlns:p="http://schemas.openxmlformats.org/presentationml/2006/main" xmlns:m="http://schemas.openxmlformats.org/officeDocument/2006/math" xmlns:a14="http://schemas.microsoft.com/office/drawing/2010/main" showMasterSp="1" showMasterPhAnim="1">
+<p:sld xmlns:a="http://schemas.openxmlformats.org/drawingml/2006/main" xmlns:r="http://schemas.openxmlformats.org/officeDocument/2006/relationships" xmlns:p="http://schemas.openxmlformats.org/presentationml/2006/main">
   <p:cSld>
     <p:spTree>
       <p:nvGrpSpPr>
@@ -7674,7 +7788,7 @@
           <a:bodyPr lIns="45719" rIns="45719"/>
           <a:lstStyle/>
           <a:p>
-            <a:pPr/>
+            <a:endParaRPr/>
           </a:p>
         </p:txBody>
       </p:sp>
@@ -7697,7 +7811,7 @@
           </a:ln>
           <a:extLst>
             <a:ext uri="{C572A759-6A51-4108-AA02-DFA0A04FC94B}">
-              <ma14:wrappingTextBoxFlag xmlns:ma14="http://schemas.microsoft.com/office/mac/drawingml/2011/main" val="1"/>
+              <ma14:wrappingTextBoxFlag xmlns:ma14="http://schemas.microsoft.com/office/mac/drawingml/2011/main" xmlns:a14="http://schemas.microsoft.com/office/drawing/2010/main" xmlns:m="http://schemas.openxmlformats.org/officeDocument/2006/math" xmlns="" val="1"/>
             </a:ext>
           </a:extLst>
         </p:spPr>
@@ -7707,7 +7821,7 @@
           </a:bodyPr>
           <a:lstStyle>
             <a:lvl1pPr>
-              <a:defRPr b="1" sz="3200">
+              <a:defRPr sz="3200" b="1">
                 <a:solidFill>
                   <a:srgbClr val="5D5B5B"/>
                 </a:solidFill>
@@ -7758,7 +7872,7 @@
           </a:ln>
           <a:extLst>
             <a:ext uri="{C572A759-6A51-4108-AA02-DFA0A04FC94B}">
-              <ma14:wrappingTextBoxFlag xmlns:ma14="http://schemas.microsoft.com/office/mac/drawingml/2011/main" val="1"/>
+              <ma14:wrappingTextBoxFlag xmlns:ma14="http://schemas.microsoft.com/office/mac/drawingml/2011/main" xmlns:a14="http://schemas.microsoft.com/office/drawing/2010/main" xmlns:m="http://schemas.openxmlformats.org/officeDocument/2006/math" xmlns="" val="1"/>
             </a:ext>
           </a:extLst>
         </p:spPr>
@@ -7829,6 +7943,7 @@
                 </a:solidFill>
               </a:defRPr>
             </a:pPr>
+            <a:endParaRPr/>
           </a:p>
           <a:p>
             <a:pPr algn="just">
@@ -7896,7 +8011,7 @@
           </a:ln>
           <a:extLst>
             <a:ext uri="{C572A759-6A51-4108-AA02-DFA0A04FC94B}">
-              <ma14:wrappingTextBoxFlag xmlns:ma14="http://schemas.microsoft.com/office/mac/drawingml/2011/main" val="1"/>
+              <ma14:wrappingTextBoxFlag xmlns:ma14="http://schemas.microsoft.com/office/mac/drawingml/2011/main" xmlns:a14="http://schemas.microsoft.com/office/drawing/2010/main" xmlns:m="http://schemas.openxmlformats.org/officeDocument/2006/math" xmlns="" val="1"/>
             </a:ext>
           </a:extLst>
         </p:spPr>
@@ -7918,7 +8033,6 @@
             </a:lvl1pPr>
           </a:lstStyle>
           <a:p>
-            <a:pPr/>
             <a:r>
               <a:t>Copyrightⓒ. Saebyeol Yu. All Rights Reserved.</a:t>
             </a:r>
@@ -7950,7 +8064,7 @@
           <a:bodyPr lIns="45719" rIns="45719"/>
           <a:lstStyle/>
           <a:p>
-            <a:pPr/>
+            <a:endParaRPr/>
           </a:p>
         </p:txBody>
       </p:sp>
@@ -7986,6 +8100,7 @@
                 </a:solidFill>
               </a:defRPr>
             </a:pPr>
+            <a:endParaRPr/>
           </a:p>
         </p:txBody>
       </p:sp>
@@ -8008,7 +8123,7 @@
           </a:ln>
           <a:extLst>
             <a:ext uri="{C572A759-6A51-4108-AA02-DFA0A04FC94B}">
-              <ma14:wrappingTextBoxFlag xmlns:ma14="http://schemas.microsoft.com/office/mac/drawingml/2011/main" val="1"/>
+              <ma14:wrappingTextBoxFlag xmlns:ma14="http://schemas.microsoft.com/office/mac/drawingml/2011/main" xmlns:a14="http://schemas.microsoft.com/office/drawing/2010/main" xmlns:m="http://schemas.openxmlformats.org/officeDocument/2006/math" xmlns="" val="1"/>
             </a:ext>
           </a:extLst>
         </p:spPr>
@@ -8018,7 +8133,7 @@
           </a:bodyPr>
           <a:lstStyle>
             <a:lvl1pPr algn="ctr">
-              <a:defRPr b="1" sz="3200">
+              <a:defRPr sz="3200" b="1">
                 <a:solidFill>
                   <a:srgbClr val="FFFFFF"/>
                 </a:solidFill>
@@ -8026,7 +8141,6 @@
             </a:lvl1pPr>
           </a:lstStyle>
           <a:p>
-            <a:pPr/>
             <a:r>
               <a:t>1</a:t>
             </a:r>
@@ -8069,7 +8183,7 @@
             <a:effectLst/>
             <a:extLst>
               <a:ext uri="{C572A759-6A51-4108-AA02-DFA0A04FC94B}">
-                <ma14:wrappingTextBoxFlag xmlns:ma14="http://schemas.microsoft.com/office/mac/drawingml/2011/main" val="1"/>
+                <ma14:wrappingTextBoxFlag xmlns:ma14="http://schemas.microsoft.com/office/mac/drawingml/2011/main" xmlns:a14="http://schemas.microsoft.com/office/drawing/2010/main" xmlns:m="http://schemas.openxmlformats.org/officeDocument/2006/math" xmlns="" val="1"/>
               </a:ext>
             </a:extLst>
           </p:spPr>
@@ -8119,7 +8233,7 @@
             <a:effectLst/>
             <a:extLst>
               <a:ext uri="{C572A759-6A51-4108-AA02-DFA0A04FC94B}">
-                <ma14:wrappingTextBoxFlag xmlns:ma14="http://schemas.microsoft.com/office/mac/drawingml/2011/main" val="1"/>
+                <ma14:wrappingTextBoxFlag xmlns:ma14="http://schemas.microsoft.com/office/mac/drawingml/2011/main" xmlns:a14="http://schemas.microsoft.com/office/drawing/2010/main" xmlns:m="http://schemas.openxmlformats.org/officeDocument/2006/math" xmlns="" val="1"/>
               </a:ext>
             </a:extLst>
           </p:spPr>
@@ -8178,7 +8292,7 @@
           </a:ln>
           <a:extLst>
             <a:ext uri="{C572A759-6A51-4108-AA02-DFA0A04FC94B}">
-              <ma14:wrappingTextBoxFlag xmlns:ma14="http://schemas.microsoft.com/office/mac/drawingml/2011/main" val="1"/>
+              <ma14:wrappingTextBoxFlag xmlns:ma14="http://schemas.microsoft.com/office/mac/drawingml/2011/main" xmlns:a14="http://schemas.microsoft.com/office/drawing/2010/main" xmlns:m="http://schemas.openxmlformats.org/officeDocument/2006/math" xmlns="" val="1"/>
             </a:ext>
           </a:extLst>
         </p:spPr>
@@ -8188,7 +8302,6 @@
           </a:bodyPr>
           <a:lstStyle/>
           <a:p>
-            <a:pPr/>
             <a:r>
               <a:rPr>
                 <a:latin typeface="나눔스퀘어라운드 Regular"/>
@@ -8200,7 +8313,6 @@
             </a:r>
           </a:p>
           <a:p>
-            <a:pPr/>
             <a:r>
               <a:rPr>
                 <a:latin typeface="나눔스퀘어라운드 Regular"/>
@@ -8247,12 +8359,19 @@
   <p:clrMapOvr>
     <a:masterClrMapping/>
   </p:clrMapOvr>
-  <p:transition xmlns:p14="http://schemas.microsoft.com/office/powerpoint/2010/main" spd="med" advClick="1"/>
+  <p:transition spd="med"/>
+  <p:timing>
+    <p:tnLst>
+      <p:par>
+        <p:cTn id="1" dur="indefinite" restart="never" nodeType="tmRoot"/>
+      </p:par>
+    </p:tnLst>
+  </p:timing>
 </p:sld>
 </file>
 
 <file path=ppt/slides/slide6.xml><?xml version="1.0" encoding="utf-8"?>
-<p:sld xmlns:a="http://schemas.openxmlformats.org/drawingml/2006/main" xmlns:r="http://schemas.openxmlformats.org/officeDocument/2006/relationships" xmlns:p="http://schemas.openxmlformats.org/presentationml/2006/main" xmlns:m="http://schemas.openxmlformats.org/officeDocument/2006/math" xmlns:a14="http://schemas.microsoft.com/office/drawing/2010/main" showMasterSp="1" showMasterPhAnim="1">
+<p:sld xmlns:a="http://schemas.openxmlformats.org/drawingml/2006/main" xmlns:r="http://schemas.openxmlformats.org/officeDocument/2006/relationships" xmlns:p="http://schemas.openxmlformats.org/presentationml/2006/main">
   <p:cSld>
     <p:spTree>
       <p:nvGrpSpPr>
@@ -8293,7 +8412,7 @@
           <a:bodyPr lIns="45719" rIns="45719"/>
           <a:lstStyle/>
           <a:p>
-            <a:pPr/>
+            <a:endParaRPr/>
           </a:p>
         </p:txBody>
       </p:sp>
@@ -8329,6 +8448,7 @@
                 </a:solidFill>
               </a:defRPr>
             </a:pPr>
+            <a:endParaRPr/>
           </a:p>
         </p:txBody>
       </p:sp>
@@ -8351,7 +8471,7 @@
           </a:ln>
           <a:extLst>
             <a:ext uri="{C572A759-6A51-4108-AA02-DFA0A04FC94B}">
-              <ma14:wrappingTextBoxFlag xmlns:ma14="http://schemas.microsoft.com/office/mac/drawingml/2011/main" val="1"/>
+              <ma14:wrappingTextBoxFlag xmlns:ma14="http://schemas.microsoft.com/office/mac/drawingml/2011/main" xmlns:a14="http://schemas.microsoft.com/office/drawing/2010/main" xmlns:m="http://schemas.openxmlformats.org/officeDocument/2006/math" xmlns="" val="1"/>
             </a:ext>
           </a:extLst>
         </p:spPr>
@@ -8361,7 +8481,7 @@
           </a:bodyPr>
           <a:lstStyle>
             <a:lvl1pPr algn="ctr">
-              <a:defRPr b="1" sz="3200">
+              <a:defRPr sz="3200" b="1">
                 <a:solidFill>
                   <a:srgbClr val="FFFFFF"/>
                 </a:solidFill>
@@ -8369,7 +8489,6 @@
             </a:lvl1pPr>
           </a:lstStyle>
           <a:p>
-            <a:pPr/>
             <a:r>
               <a:t>2</a:t>
             </a:r>
@@ -8412,7 +8531,7 @@
             <a:effectLst/>
             <a:extLst>
               <a:ext uri="{C572A759-6A51-4108-AA02-DFA0A04FC94B}">
-                <ma14:wrappingTextBoxFlag xmlns:ma14="http://schemas.microsoft.com/office/mac/drawingml/2011/main" val="1"/>
+                <ma14:wrappingTextBoxFlag xmlns:ma14="http://schemas.microsoft.com/office/mac/drawingml/2011/main" xmlns:a14="http://schemas.microsoft.com/office/drawing/2010/main" xmlns:m="http://schemas.openxmlformats.org/officeDocument/2006/math" xmlns="" val="1"/>
               </a:ext>
             </a:extLst>
           </p:spPr>
@@ -8462,7 +8581,7 @@
             <a:effectLst/>
             <a:extLst>
               <a:ext uri="{C572A759-6A51-4108-AA02-DFA0A04FC94B}">
-                <ma14:wrappingTextBoxFlag xmlns:ma14="http://schemas.microsoft.com/office/mac/drawingml/2011/main" val="1"/>
+                <ma14:wrappingTextBoxFlag xmlns:ma14="http://schemas.microsoft.com/office/mac/drawingml/2011/main" xmlns:a14="http://schemas.microsoft.com/office/drawing/2010/main" xmlns:m="http://schemas.openxmlformats.org/officeDocument/2006/math" xmlns="" val="1"/>
               </a:ext>
             </a:extLst>
           </p:spPr>
@@ -8532,7 +8651,7 @@
             </a:prstGeom>
             <a:blipFill rotWithShape="1">
               <a:blip r:embed="rId2"/>
-              <a:srcRect l="0" t="0" r="0" b="0"/>
+              <a:srcRect/>
               <a:tile tx="0" ty="0" sx="100000" sy="100000" flip="none" algn="tl"/>
             </a:blipFill>
             <a:ln w="12700" cap="flat">
@@ -8554,6 +8673,7 @@
                   </a:solidFill>
                 </a:defRPr>
               </a:pPr>
+              <a:endParaRPr/>
             </a:p>
           </p:txBody>
         </p:sp>
@@ -8595,6 +8715,7 @@
                   </a:solidFill>
                 </a:defRPr>
               </a:pPr>
+              <a:endParaRPr/>
             </a:p>
           </p:txBody>
         </p:sp>
@@ -8636,6 +8757,7 @@
                   </a:solidFill>
                 </a:defRPr>
               </a:pPr>
+              <a:endParaRPr/>
             </a:p>
           </p:txBody>
         </p:sp>
@@ -8676,7 +8798,7 @@
             <a:effectLst/>
             <a:extLst>
               <a:ext uri="{C572A759-6A51-4108-AA02-DFA0A04FC94B}">
-                <ma14:wrappingTextBoxFlag xmlns:ma14="http://schemas.microsoft.com/office/mac/drawingml/2011/main" val="1"/>
+                <ma14:wrappingTextBoxFlag xmlns:ma14="http://schemas.microsoft.com/office/mac/drawingml/2011/main" xmlns:a14="http://schemas.microsoft.com/office/drawing/2010/main" xmlns:m="http://schemas.openxmlformats.org/officeDocument/2006/math" xmlns="" val="1"/>
               </a:ext>
             </a:extLst>
           </p:spPr>
@@ -8686,7 +8808,7 @@
             </a:bodyPr>
             <a:lstStyle>
               <a:lvl1pPr>
-                <a:defRPr b="1" sz="2400">
+                <a:defRPr sz="2400" b="1">
                   <a:solidFill>
                     <a:srgbClr val="5D5B5B"/>
                   </a:solidFill>
@@ -8740,7 +8862,7 @@
             <a:effectLst/>
             <a:extLst>
               <a:ext uri="{C572A759-6A51-4108-AA02-DFA0A04FC94B}">
-                <ma14:wrappingTextBoxFlag xmlns:ma14="http://schemas.microsoft.com/office/mac/drawingml/2011/main" val="1"/>
+                <ma14:wrappingTextBoxFlag xmlns:ma14="http://schemas.microsoft.com/office/mac/drawingml/2011/main" xmlns:a14="http://schemas.microsoft.com/office/drawing/2010/main" xmlns:m="http://schemas.openxmlformats.org/officeDocument/2006/math" xmlns="" val="1"/>
               </a:ext>
             </a:extLst>
           </p:spPr>
@@ -8809,7 +8931,7 @@
             <a:effectLst/>
             <a:extLst>
               <a:ext uri="{C572A759-6A51-4108-AA02-DFA0A04FC94B}">
-                <ma14:wrappingTextBoxFlag xmlns:ma14="http://schemas.microsoft.com/office/mac/drawingml/2011/main" val="1"/>
+                <ma14:wrappingTextBoxFlag xmlns:ma14="http://schemas.microsoft.com/office/mac/drawingml/2011/main" xmlns:a14="http://schemas.microsoft.com/office/drawing/2010/main" xmlns:m="http://schemas.openxmlformats.org/officeDocument/2006/math" xmlns="" val="1"/>
               </a:ext>
             </a:extLst>
           </p:spPr>
@@ -8863,7 +8985,7 @@
             <a:effectLst/>
             <a:extLst>
               <a:ext uri="{C572A759-6A51-4108-AA02-DFA0A04FC94B}">
-                <ma14:wrappingTextBoxFlag xmlns:ma14="http://schemas.microsoft.com/office/mac/drawingml/2011/main" val="1"/>
+                <ma14:wrappingTextBoxFlag xmlns:ma14="http://schemas.microsoft.com/office/mac/drawingml/2011/main" xmlns:a14="http://schemas.microsoft.com/office/drawing/2010/main" xmlns:m="http://schemas.openxmlformats.org/officeDocument/2006/math" xmlns="" val="1"/>
               </a:ext>
             </a:extLst>
           </p:spPr>
@@ -8923,10 +9045,7 @@
                 <a:t>네이버</a:t>
               </a:r>
               <a:r>
-                <a:t> </a:t>
-              </a:r>
-              <a:r>
-                <a:t>API</a:t>
+                <a:t> API</a:t>
               </a:r>
               <a:r>
                 <a:rPr>
@@ -8997,7 +9116,7 @@
             <a:effectLst/>
             <a:extLst>
               <a:ext uri="{C572A759-6A51-4108-AA02-DFA0A04FC94B}">
-                <ma14:wrappingTextBoxFlag xmlns:ma14="http://schemas.microsoft.com/office/mac/drawingml/2011/main" val="1"/>
+                <ma14:wrappingTextBoxFlag xmlns:ma14="http://schemas.microsoft.com/office/mac/drawingml/2011/main" xmlns:a14="http://schemas.microsoft.com/office/drawing/2010/main" xmlns:m="http://schemas.openxmlformats.org/officeDocument/2006/math" xmlns="" val="1"/>
               </a:ext>
             </a:extLst>
           </p:spPr>
@@ -9051,7 +9170,7 @@
             <a:effectLst/>
             <a:extLst>
               <a:ext uri="{C572A759-6A51-4108-AA02-DFA0A04FC94B}">
-                <ma14:wrappingTextBoxFlag xmlns:ma14="http://schemas.microsoft.com/office/mac/drawingml/2011/main" val="1"/>
+                <ma14:wrappingTextBoxFlag xmlns:ma14="http://schemas.microsoft.com/office/mac/drawingml/2011/main" xmlns:a14="http://schemas.microsoft.com/office/drawing/2010/main" xmlns:m="http://schemas.openxmlformats.org/officeDocument/2006/math" xmlns="" val="1"/>
               </a:ext>
             </a:extLst>
           </p:spPr>
@@ -9124,7 +9243,7 @@
           <a:bodyPr lIns="45719" rIns="45719"/>
           <a:lstStyle/>
           <a:p>
-            <a:pPr/>
+            <a:endParaRPr/>
           </a:p>
         </p:txBody>
       </p:sp>
@@ -9153,7 +9272,7 @@
           <a:bodyPr lIns="45719" rIns="45719"/>
           <a:lstStyle/>
           <a:p>
-            <a:pPr/>
+            <a:endParaRPr/>
           </a:p>
         </p:txBody>
       </p:sp>
@@ -9182,7 +9301,7 @@
           <a:bodyPr lIns="45719" rIns="45719"/>
           <a:lstStyle/>
           <a:p>
-            <a:pPr/>
+            <a:endParaRPr/>
           </a:p>
         </p:txBody>
       </p:sp>
@@ -9205,7 +9324,7 @@
           </a:ln>
           <a:extLst>
             <a:ext uri="{C572A759-6A51-4108-AA02-DFA0A04FC94B}">
-              <ma14:wrappingTextBoxFlag xmlns:ma14="http://schemas.microsoft.com/office/mac/drawingml/2011/main" val="1"/>
+              <ma14:wrappingTextBoxFlag xmlns:ma14="http://schemas.microsoft.com/office/mac/drawingml/2011/main" xmlns:a14="http://schemas.microsoft.com/office/drawing/2010/main" xmlns:m="http://schemas.openxmlformats.org/officeDocument/2006/math" xmlns="" val="1"/>
             </a:ext>
           </a:extLst>
         </p:spPr>
@@ -9227,7 +9346,6 @@
             </a:lvl1pPr>
           </a:lstStyle>
           <a:p>
-            <a:pPr/>
             <a:r>
               <a:t>Copyrightⓒ. Saebyeol Yu. All Rights Reserved.</a:t>
             </a:r>
@@ -9239,12 +9357,19 @@
   <p:clrMapOvr>
     <a:masterClrMapping/>
   </p:clrMapOvr>
-  <p:transition xmlns:p14="http://schemas.microsoft.com/office/powerpoint/2010/main" spd="med" advClick="1"/>
+  <p:transition spd="med"/>
+  <p:timing>
+    <p:tnLst>
+      <p:par>
+        <p:cTn id="1" dur="indefinite" restart="never" nodeType="tmRoot"/>
+      </p:par>
+    </p:tnLst>
+  </p:timing>
 </p:sld>
 </file>
 
 <file path=ppt/slides/slide7.xml><?xml version="1.0" encoding="utf-8"?>
-<p:sld xmlns:a="http://schemas.openxmlformats.org/drawingml/2006/main" xmlns:r="http://schemas.openxmlformats.org/officeDocument/2006/relationships" xmlns:p="http://schemas.openxmlformats.org/presentationml/2006/main" xmlns:m="http://schemas.openxmlformats.org/officeDocument/2006/math" xmlns:a14="http://schemas.microsoft.com/office/drawing/2010/main" showMasterSp="1" showMasterPhAnim="1">
+<p:sld xmlns:a="http://schemas.openxmlformats.org/drawingml/2006/main" xmlns:r="http://schemas.openxmlformats.org/officeDocument/2006/relationships" xmlns:p="http://schemas.openxmlformats.org/presentationml/2006/main">
   <p:cSld>
     <p:spTree>
       <p:nvGrpSpPr>
@@ -9279,7 +9404,7 @@
           </a:ln>
           <a:extLst>
             <a:ext uri="{C572A759-6A51-4108-AA02-DFA0A04FC94B}">
-              <ma14:wrappingTextBoxFlag xmlns:ma14="http://schemas.microsoft.com/office/mac/drawingml/2011/main" val="1"/>
+              <ma14:wrappingTextBoxFlag xmlns:ma14="http://schemas.microsoft.com/office/mac/drawingml/2011/main" xmlns:a14="http://schemas.microsoft.com/office/drawing/2010/main" xmlns:m="http://schemas.openxmlformats.org/officeDocument/2006/math" xmlns="" val="1"/>
             </a:ext>
           </a:extLst>
         </p:spPr>
@@ -9289,7 +9414,7 @@
           </a:bodyPr>
           <a:lstStyle>
             <a:lvl1pPr>
-              <a:defRPr b="1" sz="7200">
+              <a:defRPr sz="7200" b="1">
                 <a:solidFill>
                   <a:srgbClr val="5D5B5B"/>
                 </a:solidFill>
@@ -9297,7 +9422,6 @@
             </a:lvl1pPr>
           </a:lstStyle>
           <a:p>
-            <a:pPr/>
             <a:r>
               <a:t>002</a:t>
             </a:r>
@@ -9323,7 +9447,7 @@
           </a:ln>
           <a:extLst>
             <a:ext uri="{C572A759-6A51-4108-AA02-DFA0A04FC94B}">
-              <ma14:wrappingTextBoxFlag xmlns:ma14="http://schemas.microsoft.com/office/mac/drawingml/2011/main" val="1"/>
+              <ma14:wrappingTextBoxFlag xmlns:ma14="http://schemas.microsoft.com/office/mac/drawingml/2011/main" xmlns:a14="http://schemas.microsoft.com/office/drawing/2010/main" xmlns:m="http://schemas.openxmlformats.org/officeDocument/2006/math" xmlns="" val="1"/>
             </a:ext>
           </a:extLst>
         </p:spPr>
@@ -9333,7 +9457,7 @@
           </a:bodyPr>
           <a:lstStyle>
             <a:lvl1pPr>
-              <a:defRPr spc="-150" sz="3200">
+              <a:defRPr sz="3200" spc="-150">
                 <a:solidFill>
                   <a:srgbClr val="5D5B5B"/>
                 </a:solidFill>
@@ -9345,7 +9469,6 @@
             </a:lvl1pPr>
           </a:lstStyle>
           <a:p>
-            <a:pPr/>
             <a:r>
               <a:t>제작현황</a:t>
             </a:r>
@@ -9371,7 +9494,7 @@
           </a:ln>
           <a:extLst>
             <a:ext uri="{C572A759-6A51-4108-AA02-DFA0A04FC94B}">
-              <ma14:wrappingTextBoxFlag xmlns:ma14="http://schemas.microsoft.com/office/mac/drawingml/2011/main" val="1"/>
+              <ma14:wrappingTextBoxFlag xmlns:ma14="http://schemas.microsoft.com/office/mac/drawingml/2011/main" xmlns:a14="http://schemas.microsoft.com/office/drawing/2010/main" xmlns:m="http://schemas.openxmlformats.org/officeDocument/2006/math" xmlns="" val="1"/>
             </a:ext>
           </a:extLst>
         </p:spPr>
@@ -9393,7 +9516,6 @@
             </a:lvl1pPr>
           </a:lstStyle>
           <a:p>
-            <a:pPr/>
             <a:r>
               <a:t>Copyrightⓒ. Saebyeol Yu. All Rights Reserved.</a:t>
             </a:r>
@@ -9425,7 +9547,7 @@
           <a:bodyPr lIns="45719" rIns="45719"/>
           <a:lstStyle/>
           <a:p>
-            <a:pPr/>
+            <a:endParaRPr/>
           </a:p>
         </p:txBody>
       </p:sp>
@@ -9438,7 +9560,7 @@
         <p:spPr>
           <a:xfrm>
             <a:off x="5175153" y="3090072"/>
-            <a:ext cx="2058998" cy="226986"/>
+            <a:ext cx="92396" cy="246221"/>
           </a:xfrm>
           <a:prstGeom prst="rect">
             <a:avLst/>
@@ -9448,7 +9570,7 @@
           </a:ln>
           <a:extLst>
             <a:ext uri="{C572A759-6A51-4108-AA02-DFA0A04FC94B}">
-              <ma14:wrappingTextBoxFlag xmlns:ma14="http://schemas.microsoft.com/office/mac/drawingml/2011/main" val="1"/>
+              <ma14:wrappingTextBoxFlag xmlns:ma14="http://schemas.microsoft.com/office/mac/drawingml/2011/main" xmlns:a14="http://schemas.microsoft.com/office/drawing/2010/main" xmlns:m="http://schemas.openxmlformats.org/officeDocument/2006/math" xmlns="" val="1"/>
             </a:ext>
           </a:extLst>
         </p:spPr>
@@ -9462,10 +9584,7 @@
             </a:lvl1pPr>
           </a:lstStyle>
           <a:p>
-            <a:pPr/>
-            <a:r>
-              <a:t>Lorem Ipsum is simply dummy text</a:t>
-            </a:r>
+            <a:endParaRPr dirty="0"/>
           </a:p>
         </p:txBody>
       </p:sp>
@@ -9503,6 +9622,7 @@
                 </a:solidFill>
               </a:defRPr>
             </a:pPr>
+            <a:endParaRPr/>
           </a:p>
         </p:txBody>
       </p:sp>
@@ -9540,6 +9660,7 @@
                 </a:solidFill>
               </a:defRPr>
             </a:pPr>
+            <a:endParaRPr/>
           </a:p>
         </p:txBody>
       </p:sp>
@@ -9548,12 +9669,19 @@
   <p:clrMapOvr>
     <a:masterClrMapping/>
   </p:clrMapOvr>
-  <p:transition xmlns:p14="http://schemas.microsoft.com/office/powerpoint/2010/main" spd="med" advClick="1"/>
+  <p:transition spd="med"/>
+  <p:timing>
+    <p:tnLst>
+      <p:par>
+        <p:cTn id="1" dur="indefinite" restart="never" nodeType="tmRoot"/>
+      </p:par>
+    </p:tnLst>
+  </p:timing>
 </p:sld>
 </file>
 
 <file path=ppt/slides/slide8.xml><?xml version="1.0" encoding="utf-8"?>
-<p:sld xmlns:a="http://schemas.openxmlformats.org/drawingml/2006/main" xmlns:r="http://schemas.openxmlformats.org/officeDocument/2006/relationships" xmlns:p="http://schemas.openxmlformats.org/presentationml/2006/main" xmlns:m="http://schemas.openxmlformats.org/officeDocument/2006/math" xmlns:a14="http://schemas.microsoft.com/office/drawing/2010/main" showMasterSp="1" showMasterPhAnim="1">
+<p:sld xmlns:a="http://schemas.openxmlformats.org/drawingml/2006/main" xmlns:r="http://schemas.openxmlformats.org/officeDocument/2006/relationships" xmlns:p="http://schemas.openxmlformats.org/presentationml/2006/main">
   <p:cSld>
     <p:spTree>
       <p:nvGrpSpPr>
@@ -9675,7 +9803,7 @@
           </a:ln>
           <a:extLst>
             <a:ext uri="{C572A759-6A51-4108-AA02-DFA0A04FC94B}">
-              <ma14:wrappingTextBoxFlag xmlns:ma14="http://schemas.microsoft.com/office/mac/drawingml/2011/main" val="1"/>
+              <ma14:wrappingTextBoxFlag xmlns:ma14="http://schemas.microsoft.com/office/mac/drawingml/2011/main" xmlns:a14="http://schemas.microsoft.com/office/drawing/2010/main" xmlns:m="http://schemas.openxmlformats.org/officeDocument/2006/math" xmlns="" val="1"/>
             </a:ext>
           </a:extLst>
         </p:spPr>
@@ -9697,7 +9825,6 @@
             </a:lvl1pPr>
           </a:lstStyle>
           <a:p>
-            <a:pPr/>
             <a:r>
               <a:t>Copyrightⓒ. Saebyeol Yu. All Rights Reserved.</a:t>
             </a:r>
@@ -9729,7 +9856,7 @@
           <a:bodyPr lIns="45719" rIns="45719"/>
           <a:lstStyle/>
           <a:p>
-            <a:pPr/>
+            <a:endParaRPr/>
           </a:p>
         </p:txBody>
       </p:sp>
@@ -9765,6 +9892,7 @@
                 </a:solidFill>
               </a:defRPr>
             </a:pPr>
+            <a:endParaRPr/>
           </a:p>
         </p:txBody>
       </p:sp>
@@ -9787,7 +9915,7 @@
           </a:ln>
           <a:extLst>
             <a:ext uri="{C572A759-6A51-4108-AA02-DFA0A04FC94B}">
-              <ma14:wrappingTextBoxFlag xmlns:ma14="http://schemas.microsoft.com/office/mac/drawingml/2011/main" val="1"/>
+              <ma14:wrappingTextBoxFlag xmlns:ma14="http://schemas.microsoft.com/office/mac/drawingml/2011/main" xmlns:a14="http://schemas.microsoft.com/office/drawing/2010/main" xmlns:m="http://schemas.openxmlformats.org/officeDocument/2006/math" xmlns="" val="1"/>
             </a:ext>
           </a:extLst>
         </p:spPr>
@@ -9797,7 +9925,7 @@
           </a:bodyPr>
           <a:lstStyle>
             <a:lvl1pPr algn="ctr">
-              <a:defRPr b="1" sz="3200">
+              <a:defRPr sz="3200" b="1">
                 <a:solidFill>
                   <a:srgbClr val="FFFFFF"/>
                 </a:solidFill>
@@ -9805,7 +9933,6 @@
             </a:lvl1pPr>
           </a:lstStyle>
           <a:p>
-            <a:pPr/>
             <a:r>
               <a:t>2</a:t>
             </a:r>
@@ -9848,7 +9975,7 @@
             <a:effectLst/>
             <a:extLst>
               <a:ext uri="{C572A759-6A51-4108-AA02-DFA0A04FC94B}">
-                <ma14:wrappingTextBoxFlag xmlns:ma14="http://schemas.microsoft.com/office/mac/drawingml/2011/main" val="1"/>
+                <ma14:wrappingTextBoxFlag xmlns:ma14="http://schemas.microsoft.com/office/mac/drawingml/2011/main" xmlns:a14="http://schemas.microsoft.com/office/drawing/2010/main" xmlns:m="http://schemas.openxmlformats.org/officeDocument/2006/math" xmlns="" val="1"/>
               </a:ext>
             </a:extLst>
           </p:spPr>
@@ -9898,7 +10025,7 @@
             <a:effectLst/>
             <a:extLst>
               <a:ext uri="{C572A759-6A51-4108-AA02-DFA0A04FC94B}">
-                <ma14:wrappingTextBoxFlag xmlns:ma14="http://schemas.microsoft.com/office/mac/drawingml/2011/main" val="1"/>
+                <ma14:wrappingTextBoxFlag xmlns:ma14="http://schemas.microsoft.com/office/mac/drawingml/2011/main" xmlns:a14="http://schemas.microsoft.com/office/drawing/2010/main" xmlns:m="http://schemas.openxmlformats.org/officeDocument/2006/math" xmlns="" val="1"/>
               </a:ext>
             </a:extLst>
           </p:spPr>
@@ -9957,7 +10084,7 @@
           </a:ln>
           <a:extLst>
             <a:ext uri="{C572A759-6A51-4108-AA02-DFA0A04FC94B}">
-              <ma14:wrappingTextBoxFlag xmlns:ma14="http://schemas.microsoft.com/office/mac/drawingml/2011/main" val="1"/>
+              <ma14:wrappingTextBoxFlag xmlns:ma14="http://schemas.microsoft.com/office/mac/drawingml/2011/main" xmlns:a14="http://schemas.microsoft.com/office/drawing/2010/main" xmlns:m="http://schemas.openxmlformats.org/officeDocument/2006/math" xmlns="" val="1"/>
             </a:ext>
           </a:extLst>
         </p:spPr>
@@ -10015,7 +10142,7 @@
           </a:ln>
           <a:extLst>
             <a:ext uri="{C572A759-6A51-4108-AA02-DFA0A04FC94B}">
-              <ma14:wrappingTextBoxFlag xmlns:ma14="http://schemas.microsoft.com/office/mac/drawingml/2011/main" val="1"/>
+              <ma14:wrappingTextBoxFlag xmlns:ma14="http://schemas.microsoft.com/office/mac/drawingml/2011/main" xmlns:a14="http://schemas.microsoft.com/office/drawing/2010/main" xmlns:m="http://schemas.openxmlformats.org/officeDocument/2006/math" xmlns="" val="1"/>
             </a:ext>
           </a:extLst>
         </p:spPr>
@@ -10073,7 +10200,7 @@
           </a:ln>
           <a:extLst>
             <a:ext uri="{C572A759-6A51-4108-AA02-DFA0A04FC94B}">
-              <ma14:wrappingTextBoxFlag xmlns:ma14="http://schemas.microsoft.com/office/mac/drawingml/2011/main" val="1"/>
+              <ma14:wrappingTextBoxFlag xmlns:ma14="http://schemas.microsoft.com/office/mac/drawingml/2011/main" xmlns:a14="http://schemas.microsoft.com/office/drawing/2010/main" xmlns:m="http://schemas.openxmlformats.org/officeDocument/2006/math" xmlns="" val="1"/>
             </a:ext>
           </a:extLst>
         </p:spPr>
@@ -10117,12 +10244,19 @@
   <p:clrMapOvr>
     <a:masterClrMapping/>
   </p:clrMapOvr>
-  <p:transition xmlns:p14="http://schemas.microsoft.com/office/powerpoint/2010/main" spd="med" advClick="1"/>
+  <p:transition spd="med"/>
+  <p:timing>
+    <p:tnLst>
+      <p:par>
+        <p:cTn id="1" dur="indefinite" restart="never" nodeType="tmRoot"/>
+      </p:par>
+    </p:tnLst>
+  </p:timing>
 </p:sld>
 </file>
 
 <file path=ppt/slides/slide9.xml><?xml version="1.0" encoding="utf-8"?>
-<p:sld xmlns:a="http://schemas.openxmlformats.org/drawingml/2006/main" xmlns:r="http://schemas.openxmlformats.org/officeDocument/2006/relationships" xmlns:p="http://schemas.openxmlformats.org/presentationml/2006/main" xmlns:m="http://schemas.openxmlformats.org/officeDocument/2006/math" xmlns:a14="http://schemas.microsoft.com/office/drawing/2010/main" showMasterSp="1" showMasterPhAnim="1">
+<p:sld xmlns:a="http://schemas.openxmlformats.org/drawingml/2006/main" xmlns:r="http://schemas.openxmlformats.org/officeDocument/2006/relationships" xmlns:p="http://schemas.openxmlformats.org/presentationml/2006/main">
   <p:cSld>
     <p:spTree>
       <p:nvGrpSpPr>
@@ -10215,7 +10349,7 @@
           </a:ln>
           <a:extLst>
             <a:ext uri="{C572A759-6A51-4108-AA02-DFA0A04FC94B}">
-              <ma14:wrappingTextBoxFlag xmlns:ma14="http://schemas.microsoft.com/office/mac/drawingml/2011/main" val="1"/>
+              <ma14:wrappingTextBoxFlag xmlns:ma14="http://schemas.microsoft.com/office/mac/drawingml/2011/main" xmlns:a14="http://schemas.microsoft.com/office/drawing/2010/main" xmlns:m="http://schemas.openxmlformats.org/officeDocument/2006/math" xmlns="" val="1"/>
             </a:ext>
           </a:extLst>
         </p:spPr>
@@ -10237,7 +10371,6 @@
             </a:lvl1pPr>
           </a:lstStyle>
           <a:p>
-            <a:pPr/>
             <a:r>
               <a:t>Copyrightⓒ. Saebyeol Yu. All Rights Reserved.</a:t>
             </a:r>
@@ -10269,7 +10402,7 @@
           <a:bodyPr lIns="45719" rIns="45719"/>
           <a:lstStyle/>
           <a:p>
-            <a:pPr/>
+            <a:endParaRPr/>
           </a:p>
         </p:txBody>
       </p:sp>
@@ -10305,6 +10438,7 @@
                 </a:solidFill>
               </a:defRPr>
             </a:pPr>
+            <a:endParaRPr/>
           </a:p>
         </p:txBody>
       </p:sp>
@@ -10327,7 +10461,7 @@
           </a:ln>
           <a:extLst>
             <a:ext uri="{C572A759-6A51-4108-AA02-DFA0A04FC94B}">
-              <ma14:wrappingTextBoxFlag xmlns:ma14="http://schemas.microsoft.com/office/mac/drawingml/2011/main" val="1"/>
+              <ma14:wrappingTextBoxFlag xmlns:ma14="http://schemas.microsoft.com/office/mac/drawingml/2011/main" xmlns:a14="http://schemas.microsoft.com/office/drawing/2010/main" xmlns:m="http://schemas.openxmlformats.org/officeDocument/2006/math" xmlns="" val="1"/>
             </a:ext>
           </a:extLst>
         </p:spPr>
@@ -10337,7 +10471,7 @@
           </a:bodyPr>
           <a:lstStyle>
             <a:lvl1pPr algn="ctr">
-              <a:defRPr b="1" sz="3200">
+              <a:defRPr sz="3200" b="1">
                 <a:solidFill>
                   <a:srgbClr val="FFFFFF"/>
                 </a:solidFill>
@@ -10345,7 +10479,6 @@
             </a:lvl1pPr>
           </a:lstStyle>
           <a:p>
-            <a:pPr/>
             <a:r>
               <a:t>2</a:t>
             </a:r>
@@ -10388,7 +10521,7 @@
             <a:effectLst/>
             <a:extLst>
               <a:ext uri="{C572A759-6A51-4108-AA02-DFA0A04FC94B}">
-                <ma14:wrappingTextBoxFlag xmlns:ma14="http://schemas.microsoft.com/office/mac/drawingml/2011/main" val="1"/>
+                <ma14:wrappingTextBoxFlag xmlns:ma14="http://schemas.microsoft.com/office/mac/drawingml/2011/main" xmlns:a14="http://schemas.microsoft.com/office/drawing/2010/main" xmlns:m="http://schemas.openxmlformats.org/officeDocument/2006/math" xmlns="" val="1"/>
               </a:ext>
             </a:extLst>
           </p:spPr>
@@ -10438,7 +10571,7 @@
             <a:effectLst/>
             <a:extLst>
               <a:ext uri="{C572A759-6A51-4108-AA02-DFA0A04FC94B}">
-                <ma14:wrappingTextBoxFlag xmlns:ma14="http://schemas.microsoft.com/office/mac/drawingml/2011/main" val="1"/>
+                <ma14:wrappingTextBoxFlag xmlns:ma14="http://schemas.microsoft.com/office/mac/drawingml/2011/main" xmlns:a14="http://schemas.microsoft.com/office/drawing/2010/main" xmlns:m="http://schemas.openxmlformats.org/officeDocument/2006/math" xmlns="" val="1"/>
               </a:ext>
             </a:extLst>
           </p:spPr>
@@ -10497,7 +10630,7 @@
           </a:ln>
           <a:extLst>
             <a:ext uri="{C572A759-6A51-4108-AA02-DFA0A04FC94B}">
-              <ma14:wrappingTextBoxFlag xmlns:ma14="http://schemas.microsoft.com/office/mac/drawingml/2011/main" val="1"/>
+              <ma14:wrappingTextBoxFlag xmlns:ma14="http://schemas.microsoft.com/office/mac/drawingml/2011/main" xmlns:a14="http://schemas.microsoft.com/office/drawing/2010/main" xmlns:m="http://schemas.openxmlformats.org/officeDocument/2006/math" xmlns="" val="1"/>
             </a:ext>
           </a:extLst>
         </p:spPr>
@@ -10555,7 +10688,7 @@
           </a:ln>
           <a:extLst>
             <a:ext uri="{C572A759-6A51-4108-AA02-DFA0A04FC94B}">
-              <ma14:wrappingTextBoxFlag xmlns:ma14="http://schemas.microsoft.com/office/mac/drawingml/2011/main" val="1"/>
+              <ma14:wrappingTextBoxFlag xmlns:ma14="http://schemas.microsoft.com/office/mac/drawingml/2011/main" xmlns:a14="http://schemas.microsoft.com/office/drawing/2010/main" xmlns:m="http://schemas.openxmlformats.org/officeDocument/2006/math" xmlns="" val="1"/>
             </a:ext>
           </a:extLst>
         </p:spPr>
@@ -10599,12 +10732,19 @@
   <p:clrMapOvr>
     <a:masterClrMapping/>
   </p:clrMapOvr>
-  <p:transition xmlns:p14="http://schemas.microsoft.com/office/powerpoint/2010/main" spd="med" advClick="1"/>
+  <p:transition spd="med"/>
+  <p:timing>
+    <p:tnLst>
+      <p:par>
+        <p:cTn id="1" dur="indefinite" restart="never" nodeType="tmRoot"/>
+      </p:par>
+    </p:tnLst>
+  </p:timing>
 </p:sld>
 </file>
 
 <file path=ppt/theme/theme1.xml><?xml version="1.0" encoding="utf-8"?>
-<a:theme xmlns:a="http://schemas.openxmlformats.org/drawingml/2006/main" xmlns:r="http://schemas.openxmlformats.org/officeDocument/2006/relationships" name="Office Theme">
+<a:theme xmlns:a="http://schemas.openxmlformats.org/drawingml/2006/main" name="Office Theme">
   <a:themeElements>
     <a:clrScheme name="Office Theme">
       <a:dk1>
@@ -10806,7 +10946,7 @@
         <a:effectLst/>
         <a:sp3d/>
       </a:spPr>
-      <a:bodyPr rot="0" spcFirstLastPara="1" vertOverflow="overflow" horzOverflow="overflow" vert="horz" wrap="square" lIns="45719" tIns="45719" rIns="45719" bIns="45719" numCol="1" spcCol="38100" rtlCol="0" anchor="ctr" upright="0">
+      <a:bodyPr rot="0" spcFirstLastPara="1" vertOverflow="overflow" horzOverflow="overflow" vert="horz" wrap="square" lIns="45719" tIns="45719" rIns="45719" bIns="45719" numCol="1" spcCol="38100" rtlCol="0" anchor="ctr">
         <a:spAutoFit/>
       </a:bodyPr>
       <a:lstStyle>
@@ -10825,7 +10965,7 @@
           <a:buFontTx/>
           <a:buNone/>
           <a:tabLst/>
-          <a:defRPr b="0" baseline="0" cap="none" i="0" spc="0" strike="noStrike" sz="1800" u="none" kumimoji="0" normalizeH="0">
+          <a:defRPr kumimoji="0" sz="1800" b="0" i="0" u="none" strike="noStrike" cap="none" spc="0" normalizeH="0" baseline="0">
             <a:ln>
               <a:noFill/>
             </a:ln>
@@ -10855,7 +10995,7 @@
           <a:buFontTx/>
           <a:buNone/>
           <a:tabLst/>
-          <a:defRPr b="0" baseline="0" cap="none" i="0" spc="0" strike="noStrike" sz="1800" u="none" kumimoji="0" normalizeH="0">
+          <a:defRPr kumimoji="0" sz="1800" b="0" i="0" u="none" strike="noStrike" cap="none" spc="0" normalizeH="0" baseline="0">
             <a:ln>
               <a:noFill/>
             </a:ln>
@@ -10881,7 +11021,7 @@
           <a:buFontTx/>
           <a:buNone/>
           <a:tabLst/>
-          <a:defRPr b="0" baseline="0" cap="none" i="0" spc="0" strike="noStrike" sz="1800" u="none" kumimoji="0" normalizeH="0">
+          <a:defRPr kumimoji="0" sz="1800" b="0" i="0" u="none" strike="noStrike" cap="none" spc="0" normalizeH="0" baseline="0">
             <a:ln>
               <a:noFill/>
             </a:ln>
@@ -10907,7 +11047,7 @@
           <a:buFontTx/>
           <a:buNone/>
           <a:tabLst/>
-          <a:defRPr b="0" baseline="0" cap="none" i="0" spc="0" strike="noStrike" sz="1800" u="none" kumimoji="0" normalizeH="0">
+          <a:defRPr kumimoji="0" sz="1800" b="0" i="0" u="none" strike="noStrike" cap="none" spc="0" normalizeH="0" baseline="0">
             <a:ln>
               <a:noFill/>
             </a:ln>
@@ -10933,7 +11073,7 @@
           <a:buFontTx/>
           <a:buNone/>
           <a:tabLst/>
-          <a:defRPr b="0" baseline="0" cap="none" i="0" spc="0" strike="noStrike" sz="1800" u="none" kumimoji="0" normalizeH="0">
+          <a:defRPr kumimoji="0" sz="1800" b="0" i="0" u="none" strike="noStrike" cap="none" spc="0" normalizeH="0" baseline="0">
             <a:ln>
               <a:noFill/>
             </a:ln>
@@ -10959,7 +11099,7 @@
           <a:buFontTx/>
           <a:buNone/>
           <a:tabLst/>
-          <a:defRPr b="0" baseline="0" cap="none" i="0" spc="0" strike="noStrike" sz="1800" u="none" kumimoji="0" normalizeH="0">
+          <a:defRPr kumimoji="0" sz="1800" b="0" i="0" u="none" strike="noStrike" cap="none" spc="0" normalizeH="0" baseline="0">
             <a:ln>
               <a:noFill/>
             </a:ln>
@@ -10985,7 +11125,7 @@
           <a:buFontTx/>
           <a:buNone/>
           <a:tabLst/>
-          <a:defRPr b="0" baseline="0" cap="none" i="0" spc="0" strike="noStrike" sz="1800" u="none" kumimoji="0" normalizeH="0">
+          <a:defRPr kumimoji="0" sz="1800" b="0" i="0" u="none" strike="noStrike" cap="none" spc="0" normalizeH="0" baseline="0">
             <a:ln>
               <a:noFill/>
             </a:ln>
@@ -11011,7 +11151,7 @@
           <a:buFontTx/>
           <a:buNone/>
           <a:tabLst/>
-          <a:defRPr b="0" baseline="0" cap="none" i="0" spc="0" strike="noStrike" sz="1800" u="none" kumimoji="0" normalizeH="0">
+          <a:defRPr kumimoji="0" sz="1800" b="0" i="0" u="none" strike="noStrike" cap="none" spc="0" normalizeH="0" baseline="0">
             <a:ln>
               <a:noFill/>
             </a:ln>
@@ -11037,7 +11177,7 @@
           <a:buFontTx/>
           <a:buNone/>
           <a:tabLst/>
-          <a:defRPr b="0" baseline="0" cap="none" i="0" spc="0" strike="noStrike" sz="1800" u="none" kumimoji="0" normalizeH="0">
+          <a:defRPr kumimoji="0" sz="1800" b="0" i="0" u="none" strike="noStrike" cap="none" spc="0" normalizeH="0" baseline="0">
             <a:ln>
               <a:noFill/>
             </a:ln>
@@ -11063,7 +11203,7 @@
           <a:buFontTx/>
           <a:buNone/>
           <a:tabLst/>
-          <a:defRPr b="0" baseline="0" cap="none" i="0" spc="0" strike="noStrike" sz="1800" u="none" kumimoji="0" normalizeH="0">
+          <a:defRPr kumimoji="0" sz="1800" b="0" i="0" u="none" strike="noStrike" cap="none" spc="0" normalizeH="0" baseline="0">
             <a:ln>
               <a:noFill/>
             </a:ln>
@@ -11076,9 +11216,15 @@
         </a:lvl9pPr>
       </a:lstStyle>
       <a:style>
-        <a:lnRef idx="0"/>
-        <a:fillRef idx="0"/>
-        <a:effectRef idx="0"/>
+        <a:lnRef idx="0">
+          <a:scrgbClr r="0" g="0" b="0"/>
+        </a:lnRef>
+        <a:fillRef idx="0">
+          <a:scrgbClr r="0" g="0" b="0"/>
+        </a:fillRef>
+        <a:effectRef idx="0">
+          <a:scrgbClr r="0" g="0" b="0"/>
+        </a:effectRef>
         <a:fontRef idx="none"/>
       </a:style>
     </a:spDef>
@@ -11095,7 +11241,7 @@
         <a:effectLst/>
         <a:sp3d/>
       </a:spPr>
-      <a:bodyPr rot="0" spcFirstLastPara="1" vertOverflow="overflow" horzOverflow="overflow" vert="horz" wrap="square" lIns="91439" tIns="45719" rIns="91439" bIns="45719" numCol="1" spcCol="38100" rtlCol="0" anchor="t" upright="0">
+      <a:bodyPr rot="0" spcFirstLastPara="1" vertOverflow="overflow" horzOverflow="overflow" vert="horz" wrap="square" lIns="91439" tIns="45719" rIns="91439" bIns="45719" numCol="1" spcCol="38100" rtlCol="0" anchor="t">
         <a:noAutofit/>
       </a:bodyPr>
       <a:lstStyle>
@@ -11114,7 +11260,7 @@
           <a:buFontTx/>
           <a:buNone/>
           <a:tabLst/>
-          <a:defRPr b="0" baseline="0" cap="none" i="0" spc="0" strike="noStrike" sz="1800" u="none" kumimoji="0" normalizeH="0">
+          <a:defRPr kumimoji="0" sz="1800" b="0" i="0" u="none" strike="noStrike" cap="none" spc="0" normalizeH="0" baseline="0">
             <a:ln>
               <a:noFill/>
             </a:ln>
@@ -11140,7 +11286,7 @@
           <a:buFontTx/>
           <a:buNone/>
           <a:tabLst/>
-          <a:defRPr b="0" baseline="0" cap="none" i="0" spc="0" strike="noStrike" sz="1800" u="none" kumimoji="0" normalizeH="0">
+          <a:defRPr kumimoji="0" sz="1800" b="0" i="0" u="none" strike="noStrike" cap="none" spc="0" normalizeH="0" baseline="0">
             <a:ln>
               <a:noFill/>
             </a:ln>
@@ -11166,7 +11312,7 @@
           <a:buFontTx/>
           <a:buNone/>
           <a:tabLst/>
-          <a:defRPr b="0" baseline="0" cap="none" i="0" spc="0" strike="noStrike" sz="1800" u="none" kumimoji="0" normalizeH="0">
+          <a:defRPr kumimoji="0" sz="1800" b="0" i="0" u="none" strike="noStrike" cap="none" spc="0" normalizeH="0" baseline="0">
             <a:ln>
               <a:noFill/>
             </a:ln>
@@ -11192,7 +11338,7 @@
           <a:buFontTx/>
           <a:buNone/>
           <a:tabLst/>
-          <a:defRPr b="0" baseline="0" cap="none" i="0" spc="0" strike="noStrike" sz="1800" u="none" kumimoji="0" normalizeH="0">
+          <a:defRPr kumimoji="0" sz="1800" b="0" i="0" u="none" strike="noStrike" cap="none" spc="0" normalizeH="0" baseline="0">
             <a:ln>
               <a:noFill/>
             </a:ln>
@@ -11218,7 +11364,7 @@
           <a:buFontTx/>
           <a:buNone/>
           <a:tabLst/>
-          <a:defRPr b="0" baseline="0" cap="none" i="0" spc="0" strike="noStrike" sz="1800" u="none" kumimoji="0" normalizeH="0">
+          <a:defRPr kumimoji="0" sz="1800" b="0" i="0" u="none" strike="noStrike" cap="none" spc="0" normalizeH="0" baseline="0">
             <a:ln>
               <a:noFill/>
             </a:ln>
@@ -11244,7 +11390,7 @@
           <a:buFontTx/>
           <a:buNone/>
           <a:tabLst/>
-          <a:defRPr b="0" baseline="0" cap="none" i="0" spc="0" strike="noStrike" sz="1800" u="none" kumimoji="0" normalizeH="0">
+          <a:defRPr kumimoji="0" sz="1800" b="0" i="0" u="none" strike="noStrike" cap="none" spc="0" normalizeH="0" baseline="0">
             <a:ln>
               <a:noFill/>
             </a:ln>
@@ -11270,7 +11416,7 @@
           <a:buFontTx/>
           <a:buNone/>
           <a:tabLst/>
-          <a:defRPr b="0" baseline="0" cap="none" i="0" spc="0" strike="noStrike" sz="1800" u="none" kumimoji="0" normalizeH="0">
+          <a:defRPr kumimoji="0" sz="1800" b="0" i="0" u="none" strike="noStrike" cap="none" spc="0" normalizeH="0" baseline="0">
             <a:ln>
               <a:noFill/>
             </a:ln>
@@ -11296,7 +11442,7 @@
           <a:buFontTx/>
           <a:buNone/>
           <a:tabLst/>
-          <a:defRPr b="0" baseline="0" cap="none" i="0" spc="0" strike="noStrike" sz="1800" u="none" kumimoji="0" normalizeH="0">
+          <a:defRPr kumimoji="0" sz="1800" b="0" i="0" u="none" strike="noStrike" cap="none" spc="0" normalizeH="0" baseline="0">
             <a:ln>
               <a:noFill/>
             </a:ln>
@@ -11322,7 +11468,7 @@
           <a:buFontTx/>
           <a:buNone/>
           <a:tabLst/>
-          <a:defRPr b="0" baseline="0" cap="none" i="0" spc="0" strike="noStrike" sz="1800" u="none" kumimoji="0" normalizeH="0">
+          <a:defRPr kumimoji="0" sz="1800" b="0" i="0" u="none" strike="noStrike" cap="none" spc="0" normalizeH="0" baseline="0">
             <a:ln>
               <a:noFill/>
             </a:ln>
@@ -11348,7 +11494,7 @@
           <a:buFontTx/>
           <a:buNone/>
           <a:tabLst/>
-          <a:defRPr b="0" baseline="0" cap="none" i="0" spc="0" strike="noStrike" sz="1800" u="none" kumimoji="0" normalizeH="0">
+          <a:defRPr kumimoji="0" sz="1800" b="0" i="0" u="none" strike="noStrike" cap="none" spc="0" normalizeH="0" baseline="0">
             <a:ln>
               <a:noFill/>
             </a:ln>
@@ -11361,9 +11507,15 @@
         </a:lvl9pPr>
       </a:lstStyle>
       <a:style>
-        <a:lnRef idx="0"/>
-        <a:fillRef idx="0"/>
-        <a:effectRef idx="0"/>
+        <a:lnRef idx="0">
+          <a:scrgbClr r="0" g="0" b="0"/>
+        </a:lnRef>
+        <a:fillRef idx="0">
+          <a:scrgbClr r="0" g="0" b="0"/>
+        </a:fillRef>
+        <a:effectRef idx="0">
+          <a:scrgbClr r="0" g="0" b="0"/>
+        </a:effectRef>
         <a:fontRef idx="none"/>
       </a:style>
     </a:lnDef>
@@ -11377,7 +11529,7 @@
         <a:effectLst/>
         <a:sp3d/>
       </a:spPr>
-      <a:bodyPr rot="0" spcFirstLastPara="1" vertOverflow="overflow" horzOverflow="overflow" vert="horz" wrap="square" lIns="45719" tIns="45719" rIns="45719" bIns="45719" numCol="1" spcCol="38100" rtlCol="0" anchor="t" upright="0">
+      <a:bodyPr rot="0" spcFirstLastPara="1" vertOverflow="overflow" horzOverflow="overflow" vert="horz" wrap="square" lIns="45719" tIns="45719" rIns="45719" bIns="45719" numCol="1" spcCol="38100" rtlCol="0" anchor="t">
         <a:spAutoFit/>
       </a:bodyPr>
       <a:lstStyle>
@@ -11396,7 +11548,7 @@
           <a:buFontTx/>
           <a:buNone/>
           <a:tabLst/>
-          <a:defRPr b="0" baseline="0" cap="none" i="0" spc="0" strike="noStrike" sz="1800" u="none" kumimoji="0" normalizeH="0">
+          <a:defRPr kumimoji="0" sz="1800" b="0" i="0" u="none" strike="noStrike" cap="none" spc="0" normalizeH="0" baseline="0">
             <a:ln>
               <a:noFill/>
             </a:ln>
@@ -11426,7 +11578,7 @@
           <a:buFontTx/>
           <a:buNone/>
           <a:tabLst/>
-          <a:defRPr b="0" baseline="0" cap="none" i="0" spc="0" strike="noStrike" sz="1800" u="none" kumimoji="0" normalizeH="0">
+          <a:defRPr kumimoji="0" sz="1800" b="0" i="0" u="none" strike="noStrike" cap="none" spc="0" normalizeH="0" baseline="0">
             <a:ln>
               <a:noFill/>
             </a:ln>
@@ -11452,7 +11604,7 @@
           <a:buFontTx/>
           <a:buNone/>
           <a:tabLst/>
-          <a:defRPr b="0" baseline="0" cap="none" i="0" spc="0" strike="noStrike" sz="1800" u="none" kumimoji="0" normalizeH="0">
+          <a:defRPr kumimoji="0" sz="1800" b="0" i="0" u="none" strike="noStrike" cap="none" spc="0" normalizeH="0" baseline="0">
             <a:ln>
               <a:noFill/>
             </a:ln>
@@ -11478,7 +11630,7 @@
           <a:buFontTx/>
           <a:buNone/>
           <a:tabLst/>
-          <a:defRPr b="0" baseline="0" cap="none" i="0" spc="0" strike="noStrike" sz="1800" u="none" kumimoji="0" normalizeH="0">
+          <a:defRPr kumimoji="0" sz="1800" b="0" i="0" u="none" strike="noStrike" cap="none" spc="0" normalizeH="0" baseline="0">
             <a:ln>
               <a:noFill/>
             </a:ln>
@@ -11504,7 +11656,7 @@
           <a:buFontTx/>
           <a:buNone/>
           <a:tabLst/>
-          <a:defRPr b="0" baseline="0" cap="none" i="0" spc="0" strike="noStrike" sz="1800" u="none" kumimoji="0" normalizeH="0">
+          <a:defRPr kumimoji="0" sz="1800" b="0" i="0" u="none" strike="noStrike" cap="none" spc="0" normalizeH="0" baseline="0">
             <a:ln>
               <a:noFill/>
             </a:ln>
@@ -11530,7 +11682,7 @@
           <a:buFontTx/>
           <a:buNone/>
           <a:tabLst/>
-          <a:defRPr b="0" baseline="0" cap="none" i="0" spc="0" strike="noStrike" sz="1800" u="none" kumimoji="0" normalizeH="0">
+          <a:defRPr kumimoji="0" sz="1800" b="0" i="0" u="none" strike="noStrike" cap="none" spc="0" normalizeH="0" baseline="0">
             <a:ln>
               <a:noFill/>
             </a:ln>
@@ -11556,7 +11708,7 @@
           <a:buFontTx/>
           <a:buNone/>
           <a:tabLst/>
-          <a:defRPr b="0" baseline="0" cap="none" i="0" spc="0" strike="noStrike" sz="1800" u="none" kumimoji="0" normalizeH="0">
+          <a:defRPr kumimoji="0" sz="1800" b="0" i="0" u="none" strike="noStrike" cap="none" spc="0" normalizeH="0" baseline="0">
             <a:ln>
               <a:noFill/>
             </a:ln>
@@ -11582,7 +11734,7 @@
           <a:buFontTx/>
           <a:buNone/>
           <a:tabLst/>
-          <a:defRPr b="0" baseline="0" cap="none" i="0" spc="0" strike="noStrike" sz="1800" u="none" kumimoji="0" normalizeH="0">
+          <a:defRPr kumimoji="0" sz="1800" b="0" i="0" u="none" strike="noStrike" cap="none" spc="0" normalizeH="0" baseline="0">
             <a:ln>
               <a:noFill/>
             </a:ln>
@@ -11608,7 +11760,7 @@
           <a:buFontTx/>
           <a:buNone/>
           <a:tabLst/>
-          <a:defRPr b="0" baseline="0" cap="none" i="0" spc="0" strike="noStrike" sz="1800" u="none" kumimoji="0" normalizeH="0">
+          <a:defRPr kumimoji="0" sz="1800" b="0" i="0" u="none" strike="noStrike" cap="none" spc="0" normalizeH="0" baseline="0">
             <a:ln>
               <a:noFill/>
             </a:ln>
@@ -11634,7 +11786,7 @@
           <a:buFontTx/>
           <a:buNone/>
           <a:tabLst/>
-          <a:defRPr b="0" baseline="0" cap="none" i="0" spc="0" strike="noStrike" sz="1800" u="none" kumimoji="0" normalizeH="0">
+          <a:defRPr kumimoji="0" sz="1800" b="0" i="0" u="none" strike="noStrike" cap="none" spc="0" normalizeH="0" baseline="0">
             <a:ln>
               <a:noFill/>
             </a:ln>
@@ -11647,18 +11799,25 @@
         </a:lvl9pPr>
       </a:lstStyle>
       <a:style>
-        <a:lnRef idx="0"/>
-        <a:fillRef idx="0"/>
-        <a:effectRef idx="0"/>
+        <a:lnRef idx="0">
+          <a:scrgbClr r="0" g="0" b="0"/>
+        </a:lnRef>
+        <a:fillRef idx="0">
+          <a:scrgbClr r="0" g="0" b="0"/>
+        </a:fillRef>
+        <a:effectRef idx="0">
+          <a:scrgbClr r="0" g="0" b="0"/>
+        </a:effectRef>
         <a:fontRef idx="none"/>
       </a:style>
     </a:txDef>
   </a:objectDefaults>
+  <a:extraClrSchemeLst/>
 </a:theme>
 </file>
 
 <file path=ppt/theme/theme2.xml><?xml version="1.0" encoding="utf-8"?>
-<a:theme xmlns:a="http://schemas.openxmlformats.org/drawingml/2006/main" xmlns:r="http://schemas.openxmlformats.org/officeDocument/2006/relationships" name="Office Theme">
+<a:theme xmlns:a="http://schemas.openxmlformats.org/drawingml/2006/main" name="Office Theme">
   <a:themeElements>
     <a:clrScheme name="Office Theme">
       <a:dk1>
@@ -11860,7 +12019,7 @@
         <a:effectLst/>
         <a:sp3d/>
       </a:spPr>
-      <a:bodyPr rot="0" spcFirstLastPara="1" vertOverflow="overflow" horzOverflow="overflow" vert="horz" wrap="square" lIns="45719" tIns="45719" rIns="45719" bIns="45719" numCol="1" spcCol="38100" rtlCol="0" anchor="ctr" upright="0">
+      <a:bodyPr rot="0" spcFirstLastPara="1" vertOverflow="overflow" horzOverflow="overflow" vert="horz" wrap="square" lIns="45719" tIns="45719" rIns="45719" bIns="45719" numCol="1" spcCol="38100" rtlCol="0" anchor="ctr">
         <a:spAutoFit/>
       </a:bodyPr>
       <a:lstStyle>
@@ -11879,7 +12038,7 @@
           <a:buFontTx/>
           <a:buNone/>
           <a:tabLst/>
-          <a:defRPr b="0" baseline="0" cap="none" i="0" spc="0" strike="noStrike" sz="1800" u="none" kumimoji="0" normalizeH="0">
+          <a:defRPr kumimoji="0" sz="1800" b="0" i="0" u="none" strike="noStrike" cap="none" spc="0" normalizeH="0" baseline="0">
             <a:ln>
               <a:noFill/>
             </a:ln>
@@ -11909,7 +12068,7 @@
           <a:buFontTx/>
           <a:buNone/>
           <a:tabLst/>
-          <a:defRPr b="0" baseline="0" cap="none" i="0" spc="0" strike="noStrike" sz="1800" u="none" kumimoji="0" normalizeH="0">
+          <a:defRPr kumimoji="0" sz="1800" b="0" i="0" u="none" strike="noStrike" cap="none" spc="0" normalizeH="0" baseline="0">
             <a:ln>
               <a:noFill/>
             </a:ln>
@@ -11935,7 +12094,7 @@
           <a:buFontTx/>
           <a:buNone/>
           <a:tabLst/>
-          <a:defRPr b="0" baseline="0" cap="none" i="0" spc="0" strike="noStrike" sz="1800" u="none" kumimoji="0" normalizeH="0">
+          <a:defRPr kumimoji="0" sz="1800" b="0" i="0" u="none" strike="noStrike" cap="none" spc="0" normalizeH="0" baseline="0">
             <a:ln>
               <a:noFill/>
             </a:ln>
@@ -11961,7 +12120,7 @@
           <a:buFontTx/>
           <a:buNone/>
           <a:tabLst/>
-          <a:defRPr b="0" baseline="0" cap="none" i="0" spc="0" strike="noStrike" sz="1800" u="none" kumimoji="0" normalizeH="0">
+          <a:defRPr kumimoji="0" sz="1800" b="0" i="0" u="none" strike="noStrike" cap="none" spc="0" normalizeH="0" baseline="0">
             <a:ln>
               <a:noFill/>
             </a:ln>
@@ -11987,7 +12146,7 @@
           <a:buFontTx/>
           <a:buNone/>
           <a:tabLst/>
-          <a:defRPr b="0" baseline="0" cap="none" i="0" spc="0" strike="noStrike" sz="1800" u="none" kumimoji="0" normalizeH="0">
+          <a:defRPr kumimoji="0" sz="1800" b="0" i="0" u="none" strike="noStrike" cap="none" spc="0" normalizeH="0" baseline="0">
             <a:ln>
               <a:noFill/>
             </a:ln>
@@ -12013,7 +12172,7 @@
           <a:buFontTx/>
           <a:buNone/>
           <a:tabLst/>
-          <a:defRPr b="0" baseline="0" cap="none" i="0" spc="0" strike="noStrike" sz="1800" u="none" kumimoji="0" normalizeH="0">
+          <a:defRPr kumimoji="0" sz="1800" b="0" i="0" u="none" strike="noStrike" cap="none" spc="0" normalizeH="0" baseline="0">
             <a:ln>
               <a:noFill/>
             </a:ln>
@@ -12039,7 +12198,7 @@
           <a:buFontTx/>
           <a:buNone/>
           <a:tabLst/>
-          <a:defRPr b="0" baseline="0" cap="none" i="0" spc="0" strike="noStrike" sz="1800" u="none" kumimoji="0" normalizeH="0">
+          <a:defRPr kumimoji="0" sz="1800" b="0" i="0" u="none" strike="noStrike" cap="none" spc="0" normalizeH="0" baseline="0">
             <a:ln>
               <a:noFill/>
             </a:ln>
@@ -12065,7 +12224,7 @@
           <a:buFontTx/>
           <a:buNone/>
           <a:tabLst/>
-          <a:defRPr b="0" baseline="0" cap="none" i="0" spc="0" strike="noStrike" sz="1800" u="none" kumimoji="0" normalizeH="0">
+          <a:defRPr kumimoji="0" sz="1800" b="0" i="0" u="none" strike="noStrike" cap="none" spc="0" normalizeH="0" baseline="0">
             <a:ln>
               <a:noFill/>
             </a:ln>
@@ -12091,7 +12250,7 @@
           <a:buFontTx/>
           <a:buNone/>
           <a:tabLst/>
-          <a:defRPr b="0" baseline="0" cap="none" i="0" spc="0" strike="noStrike" sz="1800" u="none" kumimoji="0" normalizeH="0">
+          <a:defRPr kumimoji="0" sz="1800" b="0" i="0" u="none" strike="noStrike" cap="none" spc="0" normalizeH="0" baseline="0">
             <a:ln>
               <a:noFill/>
             </a:ln>
@@ -12117,7 +12276,7 @@
           <a:buFontTx/>
           <a:buNone/>
           <a:tabLst/>
-          <a:defRPr b="0" baseline="0" cap="none" i="0" spc="0" strike="noStrike" sz="1800" u="none" kumimoji="0" normalizeH="0">
+          <a:defRPr kumimoji="0" sz="1800" b="0" i="0" u="none" strike="noStrike" cap="none" spc="0" normalizeH="0" baseline="0">
             <a:ln>
               <a:noFill/>
             </a:ln>
@@ -12130,9 +12289,15 @@
         </a:lvl9pPr>
       </a:lstStyle>
       <a:style>
-        <a:lnRef idx="0"/>
-        <a:fillRef idx="0"/>
-        <a:effectRef idx="0"/>
+        <a:lnRef idx="0">
+          <a:scrgbClr r="0" g="0" b="0"/>
+        </a:lnRef>
+        <a:fillRef idx="0">
+          <a:scrgbClr r="0" g="0" b="0"/>
+        </a:fillRef>
+        <a:effectRef idx="0">
+          <a:scrgbClr r="0" g="0" b="0"/>
+        </a:effectRef>
         <a:fontRef idx="none"/>
       </a:style>
     </a:spDef>
@@ -12149,7 +12314,7 @@
         <a:effectLst/>
         <a:sp3d/>
       </a:spPr>
-      <a:bodyPr rot="0" spcFirstLastPara="1" vertOverflow="overflow" horzOverflow="overflow" vert="horz" wrap="square" lIns="91439" tIns="45719" rIns="91439" bIns="45719" numCol="1" spcCol="38100" rtlCol="0" anchor="t" upright="0">
+      <a:bodyPr rot="0" spcFirstLastPara="1" vertOverflow="overflow" horzOverflow="overflow" vert="horz" wrap="square" lIns="91439" tIns="45719" rIns="91439" bIns="45719" numCol="1" spcCol="38100" rtlCol="0" anchor="t">
         <a:noAutofit/>
       </a:bodyPr>
       <a:lstStyle>
@@ -12168,7 +12333,7 @@
           <a:buFontTx/>
           <a:buNone/>
           <a:tabLst/>
-          <a:defRPr b="0" baseline="0" cap="none" i="0" spc="0" strike="noStrike" sz="1800" u="none" kumimoji="0" normalizeH="0">
+          <a:defRPr kumimoji="0" sz="1800" b="0" i="0" u="none" strike="noStrike" cap="none" spc="0" normalizeH="0" baseline="0">
             <a:ln>
               <a:noFill/>
             </a:ln>
@@ -12194,7 +12359,7 @@
           <a:buFontTx/>
           <a:buNone/>
           <a:tabLst/>
-          <a:defRPr b="0" baseline="0" cap="none" i="0" spc="0" strike="noStrike" sz="1800" u="none" kumimoji="0" normalizeH="0">
+          <a:defRPr kumimoji="0" sz="1800" b="0" i="0" u="none" strike="noStrike" cap="none" spc="0" normalizeH="0" baseline="0">
             <a:ln>
               <a:noFill/>
             </a:ln>
@@ -12220,7 +12385,7 @@
           <a:buFontTx/>
           <a:buNone/>
           <a:tabLst/>
-          <a:defRPr b="0" baseline="0" cap="none" i="0" spc="0" strike="noStrike" sz="1800" u="none" kumimoji="0" normalizeH="0">
+          <a:defRPr kumimoji="0" sz="1800" b="0" i="0" u="none" strike="noStrike" cap="none" spc="0" normalizeH="0" baseline="0">
             <a:ln>
               <a:noFill/>
             </a:ln>
@@ -12246,7 +12411,7 @@
           <a:buFontTx/>
           <a:buNone/>
           <a:tabLst/>
-          <a:defRPr b="0" baseline="0" cap="none" i="0" spc="0" strike="noStrike" sz="1800" u="none" kumimoji="0" normalizeH="0">
+          <a:defRPr kumimoji="0" sz="1800" b="0" i="0" u="none" strike="noStrike" cap="none" spc="0" normalizeH="0" baseline="0">
             <a:ln>
               <a:noFill/>
             </a:ln>
@@ -12272,7 +12437,7 @@
           <a:buFontTx/>
           <a:buNone/>
           <a:tabLst/>
-          <a:defRPr b="0" baseline="0" cap="none" i="0" spc="0" strike="noStrike" sz="1800" u="none" kumimoji="0" normalizeH="0">
+          <a:defRPr kumimoji="0" sz="1800" b="0" i="0" u="none" strike="noStrike" cap="none" spc="0" normalizeH="0" baseline="0">
             <a:ln>
               <a:noFill/>
             </a:ln>
@@ -12298,7 +12463,7 @@
           <a:buFontTx/>
           <a:buNone/>
           <a:tabLst/>
-          <a:defRPr b="0" baseline="0" cap="none" i="0" spc="0" strike="noStrike" sz="1800" u="none" kumimoji="0" normalizeH="0">
+          <a:defRPr kumimoji="0" sz="1800" b="0" i="0" u="none" strike="noStrike" cap="none" spc="0" normalizeH="0" baseline="0">
             <a:ln>
               <a:noFill/>
             </a:ln>
@@ -12324,7 +12489,7 @@
           <a:buFontTx/>
           <a:buNone/>
           <a:tabLst/>
-          <a:defRPr b="0" baseline="0" cap="none" i="0" spc="0" strike="noStrike" sz="1800" u="none" kumimoji="0" normalizeH="0">
+          <a:defRPr kumimoji="0" sz="1800" b="0" i="0" u="none" strike="noStrike" cap="none" spc="0" normalizeH="0" baseline="0">
             <a:ln>
               <a:noFill/>
             </a:ln>
@@ -12350,7 +12515,7 @@
           <a:buFontTx/>
           <a:buNone/>
           <a:tabLst/>
-          <a:defRPr b="0" baseline="0" cap="none" i="0" spc="0" strike="noStrike" sz="1800" u="none" kumimoji="0" normalizeH="0">
+          <a:defRPr kumimoji="0" sz="1800" b="0" i="0" u="none" strike="noStrike" cap="none" spc="0" normalizeH="0" baseline="0">
             <a:ln>
               <a:noFill/>
             </a:ln>
@@ -12376,7 +12541,7 @@
           <a:buFontTx/>
           <a:buNone/>
           <a:tabLst/>
-          <a:defRPr b="0" baseline="0" cap="none" i="0" spc="0" strike="noStrike" sz="1800" u="none" kumimoji="0" normalizeH="0">
+          <a:defRPr kumimoji="0" sz="1800" b="0" i="0" u="none" strike="noStrike" cap="none" spc="0" normalizeH="0" baseline="0">
             <a:ln>
               <a:noFill/>
             </a:ln>
@@ -12402,7 +12567,7 @@
           <a:buFontTx/>
           <a:buNone/>
           <a:tabLst/>
-          <a:defRPr b="0" baseline="0" cap="none" i="0" spc="0" strike="noStrike" sz="1800" u="none" kumimoji="0" normalizeH="0">
+          <a:defRPr kumimoji="0" sz="1800" b="0" i="0" u="none" strike="noStrike" cap="none" spc="0" normalizeH="0" baseline="0">
             <a:ln>
               <a:noFill/>
             </a:ln>
@@ -12415,9 +12580,15 @@
         </a:lvl9pPr>
       </a:lstStyle>
       <a:style>
-        <a:lnRef idx="0"/>
-        <a:fillRef idx="0"/>
-        <a:effectRef idx="0"/>
+        <a:lnRef idx="0">
+          <a:scrgbClr r="0" g="0" b="0"/>
+        </a:lnRef>
+        <a:fillRef idx="0">
+          <a:scrgbClr r="0" g="0" b="0"/>
+        </a:fillRef>
+        <a:effectRef idx="0">
+          <a:scrgbClr r="0" g="0" b="0"/>
+        </a:effectRef>
         <a:fontRef idx="none"/>
       </a:style>
     </a:lnDef>
@@ -12431,7 +12602,7 @@
         <a:effectLst/>
         <a:sp3d/>
       </a:spPr>
-      <a:bodyPr rot="0" spcFirstLastPara="1" vertOverflow="overflow" horzOverflow="overflow" vert="horz" wrap="square" lIns="45719" tIns="45719" rIns="45719" bIns="45719" numCol="1" spcCol="38100" rtlCol="0" anchor="t" upright="0">
+      <a:bodyPr rot="0" spcFirstLastPara="1" vertOverflow="overflow" horzOverflow="overflow" vert="horz" wrap="square" lIns="45719" tIns="45719" rIns="45719" bIns="45719" numCol="1" spcCol="38100" rtlCol="0" anchor="t">
         <a:spAutoFit/>
       </a:bodyPr>
       <a:lstStyle>
@@ -12450,7 +12621,7 @@
           <a:buFontTx/>
           <a:buNone/>
           <a:tabLst/>
-          <a:defRPr b="0" baseline="0" cap="none" i="0" spc="0" strike="noStrike" sz="1800" u="none" kumimoji="0" normalizeH="0">
+          <a:defRPr kumimoji="0" sz="1800" b="0" i="0" u="none" strike="noStrike" cap="none" spc="0" normalizeH="0" baseline="0">
             <a:ln>
               <a:noFill/>
             </a:ln>
@@ -12480,7 +12651,7 @@
           <a:buFontTx/>
           <a:buNone/>
           <a:tabLst/>
-          <a:defRPr b="0" baseline="0" cap="none" i="0" spc="0" strike="noStrike" sz="1800" u="none" kumimoji="0" normalizeH="0">
+          <a:defRPr kumimoji="0" sz="1800" b="0" i="0" u="none" strike="noStrike" cap="none" spc="0" normalizeH="0" baseline="0">
             <a:ln>
               <a:noFill/>
             </a:ln>
@@ -12506,7 +12677,7 @@
           <a:buFontTx/>
           <a:buNone/>
           <a:tabLst/>
-          <a:defRPr b="0" baseline="0" cap="none" i="0" spc="0" strike="noStrike" sz="1800" u="none" kumimoji="0" normalizeH="0">
+          <a:defRPr kumimoji="0" sz="1800" b="0" i="0" u="none" strike="noStrike" cap="none" spc="0" normalizeH="0" baseline="0">
             <a:ln>
               <a:noFill/>
             </a:ln>
@@ -12532,7 +12703,7 @@
           <a:buFontTx/>
           <a:buNone/>
           <a:tabLst/>
-          <a:defRPr b="0" baseline="0" cap="none" i="0" spc="0" strike="noStrike" sz="1800" u="none" kumimoji="0" normalizeH="0">
+          <a:defRPr kumimoji="0" sz="1800" b="0" i="0" u="none" strike="noStrike" cap="none" spc="0" normalizeH="0" baseline="0">
             <a:ln>
               <a:noFill/>
             </a:ln>
@@ -12558,7 +12729,7 @@
           <a:buFontTx/>
           <a:buNone/>
           <a:tabLst/>
-          <a:defRPr b="0" baseline="0" cap="none" i="0" spc="0" strike="noStrike" sz="1800" u="none" kumimoji="0" normalizeH="0">
+          <a:defRPr kumimoji="0" sz="1800" b="0" i="0" u="none" strike="noStrike" cap="none" spc="0" normalizeH="0" baseline="0">
             <a:ln>
               <a:noFill/>
             </a:ln>
@@ -12584,7 +12755,7 @@
           <a:buFontTx/>
           <a:buNone/>
           <a:tabLst/>
-          <a:defRPr b="0" baseline="0" cap="none" i="0" spc="0" strike="noStrike" sz="1800" u="none" kumimoji="0" normalizeH="0">
+          <a:defRPr kumimoji="0" sz="1800" b="0" i="0" u="none" strike="noStrike" cap="none" spc="0" normalizeH="0" baseline="0">
             <a:ln>
               <a:noFill/>
             </a:ln>
@@ -12610,7 +12781,7 @@
           <a:buFontTx/>
           <a:buNone/>
           <a:tabLst/>
-          <a:defRPr b="0" baseline="0" cap="none" i="0" spc="0" strike="noStrike" sz="1800" u="none" kumimoji="0" normalizeH="0">
+          <a:defRPr kumimoji="0" sz="1800" b="0" i="0" u="none" strike="noStrike" cap="none" spc="0" normalizeH="0" baseline="0">
             <a:ln>
               <a:noFill/>
             </a:ln>
@@ -12636,7 +12807,7 @@
           <a:buFontTx/>
           <a:buNone/>
           <a:tabLst/>
-          <a:defRPr b="0" baseline="0" cap="none" i="0" spc="0" strike="noStrike" sz="1800" u="none" kumimoji="0" normalizeH="0">
+          <a:defRPr kumimoji="0" sz="1800" b="0" i="0" u="none" strike="noStrike" cap="none" spc="0" normalizeH="0" baseline="0">
             <a:ln>
               <a:noFill/>
             </a:ln>
@@ -12662,7 +12833,7 @@
           <a:buFontTx/>
           <a:buNone/>
           <a:tabLst/>
-          <a:defRPr b="0" baseline="0" cap="none" i="0" spc="0" strike="noStrike" sz="1800" u="none" kumimoji="0" normalizeH="0">
+          <a:defRPr kumimoji="0" sz="1800" b="0" i="0" u="none" strike="noStrike" cap="none" spc="0" normalizeH="0" baseline="0">
             <a:ln>
               <a:noFill/>
             </a:ln>
@@ -12688,7 +12859,7 @@
           <a:buFontTx/>
           <a:buNone/>
           <a:tabLst/>
-          <a:defRPr b="0" baseline="0" cap="none" i="0" spc="0" strike="noStrike" sz="1800" u="none" kumimoji="0" normalizeH="0">
+          <a:defRPr kumimoji="0" sz="1800" b="0" i="0" u="none" strike="noStrike" cap="none" spc="0" normalizeH="0" baseline="0">
             <a:ln>
               <a:noFill/>
             </a:ln>
@@ -12701,12 +12872,19 @@
         </a:lvl9pPr>
       </a:lstStyle>
       <a:style>
-        <a:lnRef idx="0"/>
-        <a:fillRef idx="0"/>
-        <a:effectRef idx="0"/>
+        <a:lnRef idx="0">
+          <a:scrgbClr r="0" g="0" b="0"/>
+        </a:lnRef>
+        <a:fillRef idx="0">
+          <a:scrgbClr r="0" g="0" b="0"/>
+        </a:fillRef>
+        <a:effectRef idx="0">
+          <a:scrgbClr r="0" g="0" b="0"/>
+        </a:effectRef>
         <a:fontRef idx="none"/>
       </a:style>
     </a:txDef>
   </a:objectDefaults>
+  <a:extraClrSchemeLst/>
 </a:theme>
 </file>
--- a/발표자료.pptx
+++ b/발표자료.pptx
@@ -5,23 +5,24 @@
     <p:sldMasterId id="2147483648" r:id="rId1"/>
   </p:sldMasterIdLst>
   <p:notesMasterIdLst>
-    <p:notesMasterId r:id="rId16"/>
+    <p:notesMasterId r:id="rId17"/>
   </p:notesMasterIdLst>
   <p:sldIdLst>
     <p:sldId id="256" r:id="rId2"/>
     <p:sldId id="257" r:id="rId3"/>
     <p:sldId id="258" r:id="rId4"/>
-    <p:sldId id="259" r:id="rId5"/>
-    <p:sldId id="260" r:id="rId6"/>
-    <p:sldId id="261" r:id="rId7"/>
-    <p:sldId id="262" r:id="rId8"/>
-    <p:sldId id="263" r:id="rId9"/>
-    <p:sldId id="264" r:id="rId10"/>
-    <p:sldId id="265" r:id="rId11"/>
-    <p:sldId id="266" r:id="rId12"/>
-    <p:sldId id="267" r:id="rId13"/>
-    <p:sldId id="268" r:id="rId14"/>
-    <p:sldId id="269" r:id="rId15"/>
+    <p:sldId id="271" r:id="rId5"/>
+    <p:sldId id="259" r:id="rId6"/>
+    <p:sldId id="260" r:id="rId7"/>
+    <p:sldId id="261" r:id="rId8"/>
+    <p:sldId id="262" r:id="rId9"/>
+    <p:sldId id="263" r:id="rId10"/>
+    <p:sldId id="264" r:id="rId11"/>
+    <p:sldId id="265" r:id="rId12"/>
+    <p:sldId id="266" r:id="rId13"/>
+    <p:sldId id="267" r:id="rId14"/>
+    <p:sldId id="268" r:id="rId15"/>
+    <p:sldId id="269" r:id="rId16"/>
   </p:sldIdLst>
   <p:sldSz cx="12192000" cy="6858000"/>
   <p:notesSz cx="6858000" cy="9144000"/>
@@ -323,6 +324,11 @@
       </a:defRPr>
     </a:lvl9pPr>
   </p:defaultTextStyle>
+  <p:extLst>
+    <p:ext uri="{EFAFB233-063F-42B5-8137-9DF3F51BA10A}">
+      <p15:sldGuideLst xmlns:p15="http://schemas.microsoft.com/office/powerpoint/2012/main"/>
+    </p:ext>
+  </p:extLst>
 </p:presentation>
 </file>
 
@@ -1857,7 +1863,7 @@
           </a:ln>
           <a:extLst>
             <a:ext uri="{C572A759-6A51-4108-AA02-DFA0A04FC94B}">
-              <ma14:wrappingTextBoxFlag xmlns:ma14="http://schemas.microsoft.com/office/mac/drawingml/2011/main" xmlns:a14="http://schemas.microsoft.com/office/drawing/2010/main" xmlns:m="http://schemas.openxmlformats.org/officeDocument/2006/math" xmlns="" val="1"/>
+              <ma14:wrappingTextBoxFlag xmlns="" xmlns:m="http://schemas.openxmlformats.org/officeDocument/2006/math" xmlns:a14="http://schemas.microsoft.com/office/drawing/2010/main" xmlns:ma14="http://schemas.microsoft.com/office/mac/drawingml/2011/main" val="1"/>
             </a:ext>
           </a:extLst>
         </p:spPr>
@@ -1908,7 +1914,7 @@
           </a:ln>
           <a:extLst>
             <a:ext uri="{C572A759-6A51-4108-AA02-DFA0A04FC94B}">
-              <ma14:wrappingTextBoxFlag xmlns:ma14="http://schemas.microsoft.com/office/mac/drawingml/2011/main" xmlns:a14="http://schemas.microsoft.com/office/drawing/2010/main" xmlns:m="http://schemas.openxmlformats.org/officeDocument/2006/math" xmlns="" val="1"/>
+              <ma14:wrappingTextBoxFlag xmlns="" xmlns:m="http://schemas.openxmlformats.org/officeDocument/2006/math" xmlns:a14="http://schemas.microsoft.com/office/drawing/2010/main" xmlns:ma14="http://schemas.microsoft.com/office/mac/drawingml/2011/main" val="1"/>
             </a:ext>
           </a:extLst>
         </p:spPr>
@@ -1947,7 +1953,7 @@
           </a:ln>
           <a:extLst>
             <a:ext uri="{C572A759-6A51-4108-AA02-DFA0A04FC94B}">
-              <ma14:wrappingTextBoxFlag xmlns:ma14="http://schemas.microsoft.com/office/mac/drawingml/2011/main" xmlns:a14="http://schemas.microsoft.com/office/drawing/2010/main" xmlns:m="http://schemas.openxmlformats.org/officeDocument/2006/math" xmlns="" val="1"/>
+              <ma14:wrappingTextBoxFlag xmlns="" xmlns:m="http://schemas.openxmlformats.org/officeDocument/2006/math" xmlns:a14="http://schemas.microsoft.com/office/drawing/2010/main" xmlns:ma14="http://schemas.microsoft.com/office/mac/drawingml/2011/main" val="1"/>
             </a:ext>
           </a:extLst>
         </p:spPr>
@@ -2892,7 +2898,7 @@
             <a:effectLst/>
             <a:extLst>
               <a:ext uri="{C572A759-6A51-4108-AA02-DFA0A04FC94B}">
-                <ma14:wrappingTextBoxFlag xmlns:ma14="http://schemas.microsoft.com/office/mac/drawingml/2011/main" xmlns:a14="http://schemas.microsoft.com/office/drawing/2010/main" xmlns:m="http://schemas.openxmlformats.org/officeDocument/2006/math" xmlns="" val="1"/>
+                <ma14:wrappingTextBoxFlag xmlns="" xmlns:m="http://schemas.openxmlformats.org/officeDocument/2006/math" xmlns:a14="http://schemas.microsoft.com/office/drawing/2010/main" xmlns:ma14="http://schemas.microsoft.com/office/mac/drawingml/2011/main" val="1"/>
               </a:ext>
             </a:extLst>
           </p:spPr>
@@ -2985,7 +2991,7 @@
             <a:effectLst/>
             <a:extLst>
               <a:ext uri="{C572A759-6A51-4108-AA02-DFA0A04FC94B}">
-                <ma14:wrappingTextBoxFlag xmlns:ma14="http://schemas.microsoft.com/office/mac/drawingml/2011/main" xmlns:a14="http://schemas.microsoft.com/office/drawing/2010/main" xmlns:m="http://schemas.openxmlformats.org/officeDocument/2006/math" xmlns="" val="1"/>
+                <ma14:wrappingTextBoxFlag xmlns="" xmlns:m="http://schemas.openxmlformats.org/officeDocument/2006/math" xmlns:a14="http://schemas.microsoft.com/office/drawing/2010/main" xmlns:ma14="http://schemas.microsoft.com/office/mac/drawingml/2011/main" val="1"/>
               </a:ext>
             </a:extLst>
           </p:spPr>
@@ -3079,7 +3085,7 @@
           </a:ln>
           <a:extLst>
             <a:ext uri="{C572A759-6A51-4108-AA02-DFA0A04FC94B}">
-              <ma14:wrappingTextBoxFlag xmlns:ma14="http://schemas.microsoft.com/office/mac/drawingml/2011/main" xmlns:a14="http://schemas.microsoft.com/office/drawing/2010/main" xmlns:m="http://schemas.openxmlformats.org/officeDocument/2006/math" xmlns="" val="1"/>
+              <ma14:wrappingTextBoxFlag xmlns="" xmlns:m="http://schemas.openxmlformats.org/officeDocument/2006/math" xmlns:a14="http://schemas.microsoft.com/office/drawing/2010/main" xmlns:ma14="http://schemas.microsoft.com/office/mac/drawingml/2011/main" val="1"/>
             </a:ext>
           </a:extLst>
         </p:spPr>
@@ -3225,7 +3231,7 @@
           </a:ln>
           <a:extLst>
             <a:ext uri="{C572A759-6A51-4108-AA02-DFA0A04FC94B}">
-              <ma14:wrappingTextBoxFlag xmlns:ma14="http://schemas.microsoft.com/office/mac/drawingml/2011/main" xmlns:a14="http://schemas.microsoft.com/office/drawing/2010/main" xmlns:m="http://schemas.openxmlformats.org/officeDocument/2006/math" xmlns="" val="1"/>
+              <ma14:wrappingTextBoxFlag xmlns="" xmlns:m="http://schemas.openxmlformats.org/officeDocument/2006/math" xmlns:a14="http://schemas.microsoft.com/office/drawing/2010/main" xmlns:ma14="http://schemas.microsoft.com/office/mac/drawingml/2011/main" val="1"/>
             </a:ext>
           </a:extLst>
         </p:spPr>
@@ -3285,16 +3291,74 @@
           <a:chExt cx="0" cy="0"/>
         </a:xfrm>
       </p:grpSpPr>
-      <p:sp>
-        <p:nvSpPr>
-          <p:cNvPr id="223" name="TextBox 5"/>
+      <p:pic>
+        <p:nvPicPr>
+          <p:cNvPr id="211" name="스크린샷 2019-04-24 오후 12.33.54.png" descr="스크린샷 2019-04-24 오후 12.33.54.png"/>
+          <p:cNvPicPr>
+            <a:picLocks noChangeAspect="1"/>
+          </p:cNvPicPr>
+          <p:nvPr/>
+        </p:nvPicPr>
+        <p:blipFill>
+          <a:blip r:embed="rId2">
+            <a:extLst/>
+          </a:blip>
+          <a:stretch>
+            <a:fillRect/>
+          </a:stretch>
+        </p:blipFill>
+        <p:spPr>
+          <a:xfrm>
+            <a:off x="2235899" y="570624"/>
+            <a:ext cx="3097041" cy="4778429"/>
+          </a:xfrm>
+          <a:prstGeom prst="rect">
+            <a:avLst/>
+          </a:prstGeom>
+          <a:ln w="12700">
+            <a:miter lim="400000"/>
+          </a:ln>
+        </p:spPr>
+      </p:pic>
+      <p:pic>
+        <p:nvPicPr>
+          <p:cNvPr id="212" name="스크린샷 2019-04-24 오후 12.33.46.png" descr="스크린샷 2019-04-24 오후 12.33.46.png"/>
+          <p:cNvPicPr>
+            <a:picLocks noChangeAspect="1"/>
+          </p:cNvPicPr>
+          <p:nvPr/>
+        </p:nvPicPr>
+        <p:blipFill>
+          <a:blip r:embed="rId3">
+            <a:extLst/>
+          </a:blip>
+          <a:stretch>
+            <a:fillRect/>
+          </a:stretch>
+        </p:blipFill>
+        <p:spPr>
+          <a:xfrm>
+            <a:off x="6827225" y="570449"/>
+            <a:ext cx="3097233" cy="4778726"/>
+          </a:xfrm>
+          <a:prstGeom prst="rect">
+            <a:avLst/>
+          </a:prstGeom>
+          <a:ln w="12700">
+            <a:miter lim="400000"/>
+          </a:ln>
+        </p:spPr>
+      </p:pic>
+      <p:sp>
+        <p:nvSpPr>
+          <p:cNvPr id="213" name="TextBox 15"/>
           <p:cNvSpPr txBox="1"/>
           <p:nvPr/>
         </p:nvSpPr>
         <p:spPr>
           <a:xfrm>
-            <a:off x="489352" y="2285885"/>
-            <a:ext cx="1629778" cy="1102926"/>
+            <a:off x="9885601" y="6505575"/>
+            <a:ext cx="2236328" cy="239048"/>
           </a:xfrm>
           <a:prstGeom prst="rect">
             <a:avLst/>
@@ -3304,97 +3368,7 @@
           </a:ln>
           <a:extLst>
             <a:ext uri="{C572A759-6A51-4108-AA02-DFA0A04FC94B}">
-              <ma14:wrappingTextBoxFlag xmlns:ma14="http://schemas.microsoft.com/office/mac/drawingml/2011/main" xmlns:a14="http://schemas.microsoft.com/office/drawing/2010/main" xmlns:m="http://schemas.openxmlformats.org/officeDocument/2006/math" xmlns="" val="1"/>
-            </a:ext>
-          </a:extLst>
-        </p:spPr>
-        <p:txBody>
-          <a:bodyPr wrap="none" lIns="45719" rIns="45719">
-            <a:spAutoFit/>
-          </a:bodyPr>
-          <a:lstStyle>
-            <a:lvl1pPr>
-              <a:defRPr sz="7200" b="1">
-                <a:solidFill>
-                  <a:srgbClr val="5D5B5B"/>
-                </a:solidFill>
-              </a:defRPr>
-            </a:lvl1pPr>
-          </a:lstStyle>
-          <a:p>
-            <a:r>
-              <a:t>003</a:t>
-            </a:r>
-          </a:p>
-        </p:txBody>
-      </p:sp>
-      <p:sp>
-        <p:nvSpPr>
-          <p:cNvPr id="224" name="TextBox 8"/>
-          <p:cNvSpPr txBox="1"/>
-          <p:nvPr/>
-        </p:nvSpPr>
-        <p:spPr>
-          <a:xfrm>
-            <a:off x="533434" y="3549401"/>
-            <a:ext cx="1434085" cy="586741"/>
-          </a:xfrm>
-          <a:prstGeom prst="rect">
-            <a:avLst/>
-          </a:prstGeom>
-          <a:ln w="12700">
-            <a:miter lim="400000"/>
-          </a:ln>
-          <a:extLst>
-            <a:ext uri="{C572A759-6A51-4108-AA02-DFA0A04FC94B}">
-              <ma14:wrappingTextBoxFlag xmlns:ma14="http://schemas.microsoft.com/office/mac/drawingml/2011/main" xmlns:a14="http://schemas.microsoft.com/office/drawing/2010/main" xmlns:m="http://schemas.openxmlformats.org/officeDocument/2006/math" xmlns="" val="1"/>
-            </a:ext>
-          </a:extLst>
-        </p:spPr>
-        <p:txBody>
-          <a:bodyPr wrap="none" lIns="45719" rIns="45719">
-            <a:spAutoFit/>
-          </a:bodyPr>
-          <a:lstStyle>
-            <a:lvl1pPr>
-              <a:defRPr sz="3200" spc="-150">
-                <a:solidFill>
-                  <a:srgbClr val="5D5B5B"/>
-                </a:solidFill>
-                <a:latin typeface="나눔스퀘어라운드 Regular"/>
-                <a:ea typeface="나눔스퀘어라운드 Regular"/>
-                <a:cs typeface="나눔스퀘어라운드 Regular"/>
-                <a:sym typeface="나눔스퀘어라운드 Regular"/>
-              </a:defRPr>
-            </a:lvl1pPr>
-          </a:lstStyle>
-          <a:p>
-            <a:r>
-              <a:t>추후개발</a:t>
-            </a:r>
-          </a:p>
-        </p:txBody>
-      </p:sp>
-      <p:sp>
-        <p:nvSpPr>
-          <p:cNvPr id="225" name="TextBox 9"/>
-          <p:cNvSpPr txBox="1"/>
-          <p:nvPr/>
-        </p:nvSpPr>
-        <p:spPr>
-          <a:xfrm>
-            <a:off x="9885601" y="6505575"/>
-            <a:ext cx="2236328" cy="239048"/>
-          </a:xfrm>
-          <a:prstGeom prst="rect">
-            <a:avLst/>
-          </a:prstGeom>
-          <a:ln w="12700">
-            <a:miter lim="400000"/>
-          </a:ln>
-          <a:extLst>
-            <a:ext uri="{C572A759-6A51-4108-AA02-DFA0A04FC94B}">
-              <ma14:wrappingTextBoxFlag xmlns:ma14="http://schemas.microsoft.com/office/mac/drawingml/2011/main" xmlns:a14="http://schemas.microsoft.com/office/drawing/2010/main" xmlns:m="http://schemas.openxmlformats.org/officeDocument/2006/math" xmlns="" val="1"/>
+              <ma14:wrappingTextBoxFlag xmlns="" xmlns:m="http://schemas.openxmlformats.org/officeDocument/2006/math" xmlns:a14="http://schemas.microsoft.com/office/drawing/2010/main" xmlns:ma14="http://schemas.microsoft.com/office/mac/drawingml/2011/main" val="1"/>
             </a:ext>
           </a:extLst>
         </p:spPr>
@@ -3424,19 +3398,19 @@
       </p:sp>
       <p:sp>
         <p:nvSpPr>
-          <p:cNvPr id="226" name="직선 연결선 17"/>
+          <p:cNvPr id="214" name="직선 연결선 22"/>
           <p:cNvSpPr/>
           <p:nvPr/>
         </p:nvSpPr>
         <p:spPr>
           <a:xfrm>
-            <a:off x="489352" y="3392487"/>
-            <a:ext cx="6974703" cy="1"/>
+            <a:off x="1188881" y="273124"/>
+            <a:ext cx="10666422" cy="1"/>
           </a:xfrm>
           <a:prstGeom prst="line">
             <a:avLst/>
           </a:prstGeom>
-          <a:ln w="6350">
+          <a:ln w="19050">
             <a:solidFill>
               <a:schemeClr val="accent6"/>
             </a:solidFill>
@@ -3453,59 +3427,20 @@
       </p:sp>
       <p:sp>
         <p:nvSpPr>
-          <p:cNvPr id="227" name="TextBox 21"/>
-          <p:cNvSpPr txBox="1"/>
-          <p:nvPr/>
-        </p:nvSpPr>
-        <p:spPr>
-          <a:xfrm>
-            <a:off x="5175153" y="3090072"/>
-            <a:ext cx="92396" cy="246221"/>
-          </a:xfrm>
-          <a:prstGeom prst="rect">
-            <a:avLst/>
-          </a:prstGeom>
-          <a:ln w="12700">
-            <a:miter lim="400000"/>
-          </a:ln>
-          <a:extLst>
-            <a:ext uri="{C572A759-6A51-4108-AA02-DFA0A04FC94B}">
-              <ma14:wrappingTextBoxFlag xmlns:ma14="http://schemas.microsoft.com/office/mac/drawingml/2011/main" xmlns:a14="http://schemas.microsoft.com/office/drawing/2010/main" xmlns:m="http://schemas.openxmlformats.org/officeDocument/2006/math" xmlns="" val="1"/>
-            </a:ext>
-          </a:extLst>
-        </p:spPr>
-        <p:txBody>
-          <a:bodyPr wrap="none" lIns="45719" rIns="45719">
-            <a:spAutoFit/>
-          </a:bodyPr>
-          <a:lstStyle>
-            <a:lvl1pPr>
-              <a:defRPr sz="1000"/>
-            </a:lvl1pPr>
-          </a:lstStyle>
-          <a:p>
-            <a:endParaRPr dirty="0"/>
-          </a:p>
-        </p:txBody>
-      </p:sp>
-      <p:sp>
-        <p:nvSpPr>
-          <p:cNvPr id="228" name="이등변 삼각형 10"/>
+          <p:cNvPr id="215" name="직사각형 23"/>
           <p:cNvSpPr/>
           <p:nvPr/>
         </p:nvSpPr>
         <p:spPr>
           <a:xfrm>
-            <a:off x="6688066" y="919926"/>
-            <a:ext cx="3334367" cy="4594206"/>
-          </a:xfrm>
-          <a:prstGeom prst="triangle">
+            <a:off x="265814" y="244548"/>
+            <a:ext cx="720001" cy="720001"/>
+          </a:xfrm>
+          <a:prstGeom prst="rect">
             <a:avLst/>
           </a:prstGeom>
           <a:solidFill>
-            <a:schemeClr val="accent1">
-              <a:alpha val="50000"/>
-            </a:schemeClr>
+            <a:srgbClr val="B8BCBB"/>
           </a:solidFill>
           <a:ln w="12700">
             <a:miter lim="400000"/>
@@ -3528,39 +3463,299 @@
       </p:sp>
       <p:sp>
         <p:nvSpPr>
-          <p:cNvPr id="229" name="이등변 삼각형 11"/>
-          <p:cNvSpPr/>
+          <p:cNvPr id="216" name="TextBox 24"/>
+          <p:cNvSpPr txBox="1"/>
           <p:nvPr/>
         </p:nvSpPr>
         <p:spPr>
           <a:xfrm>
-            <a:off x="8552835" y="919926"/>
-            <a:ext cx="3334366" cy="4594206"/>
-          </a:xfrm>
-          <a:prstGeom prst="triangle">
-            <a:avLst/>
-          </a:prstGeom>
-          <a:solidFill>
-            <a:schemeClr val="accent4">
-              <a:alpha val="20000"/>
-            </a:schemeClr>
-          </a:solidFill>
+            <a:off x="490138" y="323244"/>
+            <a:ext cx="259303" cy="548045"/>
+          </a:xfrm>
+          <a:prstGeom prst="rect">
+            <a:avLst/>
+          </a:prstGeom>
           <a:ln w="12700">
             <a:miter lim="400000"/>
           </a:ln>
-        </p:spPr>
-        <p:txBody>
-          <a:bodyPr lIns="45719" rIns="45719" anchor="ctr"/>
-          <a:lstStyle/>
-          <a:p>
-            <a:pPr algn="ctr">
-              <a:defRPr>
+          <a:extLst>
+            <a:ext uri="{C572A759-6A51-4108-AA02-DFA0A04FC94B}">
+              <ma14:wrappingTextBoxFlag xmlns="" xmlns:m="http://schemas.openxmlformats.org/officeDocument/2006/math" xmlns:a14="http://schemas.microsoft.com/office/drawing/2010/main" xmlns:ma14="http://schemas.microsoft.com/office/mac/drawingml/2011/main" val="1"/>
+            </a:ext>
+          </a:extLst>
+        </p:spPr>
+        <p:txBody>
+          <a:bodyPr lIns="45719" rIns="45719">
+            <a:spAutoFit/>
+          </a:bodyPr>
+          <a:lstStyle>
+            <a:lvl1pPr algn="ctr">
+              <a:defRPr sz="3200" b="1">
                 <a:solidFill>
                   <a:srgbClr val="FFFFFF"/>
                 </a:solidFill>
               </a:defRPr>
+            </a:lvl1pPr>
+          </a:lstStyle>
+          <a:p>
+            <a:r>
+              <a:t>2</a:t>
+            </a:r>
+          </a:p>
+        </p:txBody>
+      </p:sp>
+      <p:grpSp>
+        <p:nvGrpSpPr>
+          <p:cNvPr id="219" name="그룹 25"/>
+          <p:cNvGrpSpPr/>
+          <p:nvPr/>
+        </p:nvGrpSpPr>
+        <p:grpSpPr>
+          <a:xfrm>
+            <a:off x="1188881" y="351818"/>
+            <a:ext cx="1070865" cy="663884"/>
+            <a:chOff x="0" y="0"/>
+            <a:chExt cx="1070864" cy="663882"/>
+          </a:xfrm>
+        </p:grpSpPr>
+        <p:sp>
+          <p:nvSpPr>
+            <p:cNvPr id="217" name="TextBox 26"/>
+            <p:cNvSpPr txBox="1"/>
+            <p:nvPr/>
+          </p:nvSpPr>
+          <p:spPr>
+            <a:xfrm>
+              <a:off x="0" y="0"/>
+              <a:ext cx="928059" cy="281940"/>
+            </a:xfrm>
+            <a:prstGeom prst="rect">
+              <a:avLst/>
+            </a:prstGeom>
+            <a:noFill/>
+            <a:ln w="12700" cap="flat">
+              <a:noFill/>
+              <a:miter lim="400000"/>
+            </a:ln>
+            <a:effectLst/>
+            <a:extLst>
+              <a:ext uri="{C572A759-6A51-4108-AA02-DFA0A04FC94B}">
+                <ma14:wrappingTextBoxFlag xmlns="" xmlns:m="http://schemas.openxmlformats.org/officeDocument/2006/math" xmlns:a14="http://schemas.microsoft.com/office/drawing/2010/main" xmlns:ma14="http://schemas.microsoft.com/office/mac/drawingml/2011/main" val="1"/>
+              </a:ext>
+            </a:extLst>
+          </p:spPr>
+          <p:txBody>
+            <a:bodyPr wrap="none" lIns="45719" tIns="45719" rIns="45719" bIns="45719" numCol="1" anchor="t">
+              <a:spAutoFit/>
+            </a:bodyPr>
+            <a:lstStyle/>
+            <a:p>
+              <a:pPr>
+                <a:defRPr sz="1200"/>
+              </a:pPr>
+              <a:r>
+                <a:rPr dirty="0"/>
+                <a:t>002 </a:t>
+              </a:r>
+              <a:r>
+                <a:rPr dirty="0" err="1">
+                  <a:latin typeface="나눔스퀘어라운드 Regular"/>
+                  <a:ea typeface="나눔스퀘어라운드 Regular"/>
+                  <a:cs typeface="나눔스퀘어라운드 Regular"/>
+                  <a:sym typeface="나눔스퀘어라운드 Regular"/>
+                </a:rPr>
+                <a:t>제작현황</a:t>
+              </a:r>
+              <a:endParaRPr dirty="0">
+                <a:latin typeface="나눔스퀘어라운드 Regular"/>
+                <a:ea typeface="나눔스퀘어라운드 Regular"/>
+                <a:cs typeface="나눔스퀘어라운드 Regular"/>
+                <a:sym typeface="나눔스퀘어라운드 Regular"/>
+              </a:endParaRPr>
+            </a:p>
+          </p:txBody>
+        </p:sp>
+        <p:sp>
+          <p:nvSpPr>
+            <p:cNvPr id="218" name="TextBox 27"/>
+            <p:cNvSpPr txBox="1"/>
+            <p:nvPr/>
+          </p:nvSpPr>
+          <p:spPr>
+            <a:xfrm>
+              <a:off x="0" y="229541"/>
+              <a:ext cx="1070864" cy="434341"/>
+            </a:xfrm>
+            <a:prstGeom prst="rect">
+              <a:avLst/>
+            </a:prstGeom>
+            <a:noFill/>
+            <a:ln w="12700" cap="flat">
+              <a:noFill/>
+              <a:miter lim="400000"/>
+            </a:ln>
+            <a:effectLst/>
+            <a:extLst>
+              <a:ext uri="{C572A759-6A51-4108-AA02-DFA0A04FC94B}">
+                <ma14:wrappingTextBoxFlag xmlns="" xmlns:m="http://schemas.openxmlformats.org/officeDocument/2006/math" xmlns:a14="http://schemas.microsoft.com/office/drawing/2010/main" xmlns:ma14="http://schemas.microsoft.com/office/mac/drawingml/2011/main" val="1"/>
+              </a:ext>
+            </a:extLst>
+          </p:spPr>
+          <p:txBody>
+            <a:bodyPr wrap="none" lIns="45719" tIns="45719" rIns="45719" bIns="45719" numCol="1" anchor="t">
+              <a:spAutoFit/>
+            </a:bodyPr>
+            <a:lstStyle>
+              <a:lvl1pPr>
+                <a:defRPr sz="2200">
+                  <a:latin typeface="나눔스퀘어라운드 Regular"/>
+                  <a:ea typeface="나눔스퀘어라운드 Regular"/>
+                  <a:cs typeface="나눔스퀘어라운드 Regular"/>
+                  <a:sym typeface="나눔스퀘어라운드 Regular"/>
+                </a:defRPr>
+              </a:lvl1pPr>
+            </a:lstStyle>
+            <a:p>
+              <a:pPr>
+                <a:defRPr>
+                  <a:latin typeface="Arial"/>
+                  <a:ea typeface="Arial"/>
+                  <a:cs typeface="Arial"/>
+                  <a:sym typeface="Arial"/>
+                </a:defRPr>
+              </a:pPr>
+              <a:r>
+                <a:rPr dirty="0" err="1">
+                  <a:latin typeface="나눔스퀘어라운드 Regular"/>
+                  <a:ea typeface="나눔스퀘어라운드 Regular"/>
+                  <a:cs typeface="나눔스퀘어라운드 Regular"/>
+                  <a:sym typeface="나눔스퀘어라운드 Regular"/>
+                </a:rPr>
+                <a:t>제작현황</a:t>
+              </a:r>
+              <a:endParaRPr dirty="0">
+                <a:latin typeface="나눔스퀘어라운드 Regular"/>
+                <a:ea typeface="나눔스퀘어라운드 Regular"/>
+                <a:cs typeface="나눔스퀘어라운드 Regular"/>
+                <a:sym typeface="나눔스퀘어라운드 Regular"/>
+              </a:endParaRPr>
+            </a:p>
+          </p:txBody>
+        </p:sp>
+      </p:grpSp>
+      <p:sp>
+        <p:nvSpPr>
+          <p:cNvPr id="220" name="TextBox 9"/>
+          <p:cNvSpPr txBox="1"/>
+          <p:nvPr/>
+        </p:nvSpPr>
+        <p:spPr>
+          <a:xfrm>
+            <a:off x="3083031" y="5106141"/>
+            <a:ext cx="1156349" cy="426734"/>
+          </a:xfrm>
+          <a:prstGeom prst="rect">
+            <a:avLst/>
+          </a:prstGeom>
+          <a:ln w="12700">
+            <a:miter lim="400000"/>
+          </a:ln>
+          <a:extLst>
+            <a:ext uri="{C572A759-6A51-4108-AA02-DFA0A04FC94B}">
+              <ma14:wrappingTextBoxFlag xmlns="" xmlns:m="http://schemas.openxmlformats.org/officeDocument/2006/math" xmlns:a14="http://schemas.microsoft.com/office/drawing/2010/main" xmlns:ma14="http://schemas.microsoft.com/office/mac/drawingml/2011/main" val="1"/>
+            </a:ext>
+          </a:extLst>
+        </p:spPr>
+        <p:txBody>
+          <a:bodyPr wrap="none" lIns="45719" rIns="45719">
+            <a:spAutoFit/>
+          </a:bodyPr>
+          <a:lstStyle>
+            <a:lvl1pPr>
+              <a:defRPr>
+                <a:latin typeface="나눔스퀘어라운드 Regular"/>
+                <a:ea typeface="나눔스퀘어라운드 Regular"/>
+                <a:cs typeface="나눔스퀘어라운드 Regular"/>
+                <a:sym typeface="나눔스퀘어라운드 Regular"/>
+              </a:defRPr>
+            </a:lvl1pPr>
+          </a:lstStyle>
+          <a:p>
+            <a:pPr>
+              <a:defRPr>
+                <a:latin typeface="Arial"/>
+                <a:ea typeface="Arial"/>
+                <a:cs typeface="Arial"/>
+                <a:sym typeface="Arial"/>
+              </a:defRPr>
             </a:pPr>
-            <a:endParaRPr/>
+            <a:r>
+              <a:rPr>
+                <a:latin typeface="나눔스퀘어라운드 Regular"/>
+                <a:ea typeface="나눔스퀘어라운드 Regular"/>
+                <a:cs typeface="나눔스퀘어라운드 Regular"/>
+                <a:sym typeface="나눔스퀘어라운드 Regular"/>
+              </a:rPr>
+              <a:t>드로어 화면</a:t>
+            </a:r>
+          </a:p>
+        </p:txBody>
+      </p:sp>
+      <p:sp>
+        <p:nvSpPr>
+          <p:cNvPr id="221" name="TextBox 36"/>
+          <p:cNvSpPr txBox="1"/>
+          <p:nvPr/>
+        </p:nvSpPr>
+        <p:spPr>
+          <a:xfrm>
+            <a:off x="7674367" y="5198076"/>
+            <a:ext cx="1156349" cy="426734"/>
+          </a:xfrm>
+          <a:prstGeom prst="rect">
+            <a:avLst/>
+          </a:prstGeom>
+          <a:ln w="12700">
+            <a:miter lim="400000"/>
+          </a:ln>
+          <a:extLst>
+            <a:ext uri="{C572A759-6A51-4108-AA02-DFA0A04FC94B}">
+              <ma14:wrappingTextBoxFlag xmlns="" xmlns:m="http://schemas.openxmlformats.org/officeDocument/2006/math" xmlns:a14="http://schemas.microsoft.com/office/drawing/2010/main" xmlns:ma14="http://schemas.microsoft.com/office/mac/drawingml/2011/main" val="1"/>
+            </a:ext>
+          </a:extLst>
+        </p:spPr>
+        <p:txBody>
+          <a:bodyPr wrap="none" lIns="45719" rIns="45719">
+            <a:spAutoFit/>
+          </a:bodyPr>
+          <a:lstStyle>
+            <a:lvl1pPr>
+              <a:defRPr>
+                <a:latin typeface="나눔스퀘어라운드 Regular"/>
+                <a:ea typeface="나눔스퀘어라운드 Regular"/>
+                <a:cs typeface="나눔스퀘어라운드 Regular"/>
+                <a:sym typeface="나눔스퀘어라운드 Regular"/>
+              </a:defRPr>
+            </a:lvl1pPr>
+          </a:lstStyle>
+          <a:p>
+            <a:pPr>
+              <a:defRPr>
+                <a:latin typeface="Arial"/>
+                <a:ea typeface="Arial"/>
+                <a:cs typeface="Arial"/>
+                <a:sym typeface="Arial"/>
+              </a:defRPr>
+            </a:pPr>
+            <a:r>
+              <a:rPr>
+                <a:latin typeface="나눔스퀘어라운드 Regular"/>
+                <a:ea typeface="나눔스퀘어라운드 Regular"/>
+                <a:cs typeface="나눔스퀘어라운드 Regular"/>
+                <a:sym typeface="나눔스퀘어라운드 Regular"/>
+              </a:rPr>
+              <a:t>캘린더 화면</a:t>
+            </a:r>
           </a:p>
         </p:txBody>
       </p:sp>
@@ -3599,12 +3794,102 @@
       </p:grpSpPr>
       <p:sp>
         <p:nvSpPr>
-          <p:cNvPr id="231" name="TextBox 15"/>
+          <p:cNvPr id="223" name="TextBox 5"/>
           <p:cNvSpPr txBox="1"/>
           <p:nvPr/>
         </p:nvSpPr>
         <p:spPr>
           <a:xfrm>
+            <a:off x="489352" y="2285885"/>
+            <a:ext cx="1629778" cy="1102926"/>
+          </a:xfrm>
+          <a:prstGeom prst="rect">
+            <a:avLst/>
+          </a:prstGeom>
+          <a:ln w="12700">
+            <a:miter lim="400000"/>
+          </a:ln>
+          <a:extLst>
+            <a:ext uri="{C572A759-6A51-4108-AA02-DFA0A04FC94B}">
+              <ma14:wrappingTextBoxFlag xmlns="" xmlns:m="http://schemas.openxmlformats.org/officeDocument/2006/math" xmlns:a14="http://schemas.microsoft.com/office/drawing/2010/main" xmlns:ma14="http://schemas.microsoft.com/office/mac/drawingml/2011/main" val="1"/>
+            </a:ext>
+          </a:extLst>
+        </p:spPr>
+        <p:txBody>
+          <a:bodyPr wrap="none" lIns="45719" rIns="45719">
+            <a:spAutoFit/>
+          </a:bodyPr>
+          <a:lstStyle>
+            <a:lvl1pPr>
+              <a:defRPr sz="7200" b="1">
+                <a:solidFill>
+                  <a:srgbClr val="5D5B5B"/>
+                </a:solidFill>
+              </a:defRPr>
+            </a:lvl1pPr>
+          </a:lstStyle>
+          <a:p>
+            <a:r>
+              <a:t>003</a:t>
+            </a:r>
+          </a:p>
+        </p:txBody>
+      </p:sp>
+      <p:sp>
+        <p:nvSpPr>
+          <p:cNvPr id="224" name="TextBox 8"/>
+          <p:cNvSpPr txBox="1"/>
+          <p:nvPr/>
+        </p:nvSpPr>
+        <p:spPr>
+          <a:xfrm>
+            <a:off x="533434" y="3549401"/>
+            <a:ext cx="1434085" cy="586741"/>
+          </a:xfrm>
+          <a:prstGeom prst="rect">
+            <a:avLst/>
+          </a:prstGeom>
+          <a:ln w="12700">
+            <a:miter lim="400000"/>
+          </a:ln>
+          <a:extLst>
+            <a:ext uri="{C572A759-6A51-4108-AA02-DFA0A04FC94B}">
+              <ma14:wrappingTextBoxFlag xmlns="" xmlns:m="http://schemas.openxmlformats.org/officeDocument/2006/math" xmlns:a14="http://schemas.microsoft.com/office/drawing/2010/main" xmlns:ma14="http://schemas.microsoft.com/office/mac/drawingml/2011/main" val="1"/>
+            </a:ext>
+          </a:extLst>
+        </p:spPr>
+        <p:txBody>
+          <a:bodyPr wrap="none" lIns="45719" rIns="45719">
+            <a:spAutoFit/>
+          </a:bodyPr>
+          <a:lstStyle>
+            <a:lvl1pPr>
+              <a:defRPr sz="3200" spc="-150">
+                <a:solidFill>
+                  <a:srgbClr val="5D5B5B"/>
+                </a:solidFill>
+                <a:latin typeface="나눔스퀘어라운드 Regular"/>
+                <a:ea typeface="나눔스퀘어라운드 Regular"/>
+                <a:cs typeface="나눔스퀘어라운드 Regular"/>
+                <a:sym typeface="나눔스퀘어라운드 Regular"/>
+              </a:defRPr>
+            </a:lvl1pPr>
+          </a:lstStyle>
+          <a:p>
+            <a:r>
+              <a:t>추후개발</a:t>
+            </a:r>
+          </a:p>
+        </p:txBody>
+      </p:sp>
+      <p:sp>
+        <p:nvSpPr>
+          <p:cNvPr id="225" name="TextBox 9"/>
+          <p:cNvSpPr txBox="1"/>
+          <p:nvPr/>
+        </p:nvSpPr>
+        <p:spPr>
+          <a:xfrm>
             <a:off x="9885601" y="6505575"/>
             <a:ext cx="2236328" cy="239048"/>
           </a:xfrm>
@@ -3616,7 +3901,7 @@
           </a:ln>
           <a:extLst>
             <a:ext uri="{C572A759-6A51-4108-AA02-DFA0A04FC94B}">
-              <ma14:wrappingTextBoxFlag xmlns:ma14="http://schemas.microsoft.com/office/mac/drawingml/2011/main" xmlns:a14="http://schemas.microsoft.com/office/drawing/2010/main" xmlns:m="http://schemas.openxmlformats.org/officeDocument/2006/math" xmlns="" val="1"/>
+              <ma14:wrappingTextBoxFlag xmlns="" xmlns:m="http://schemas.openxmlformats.org/officeDocument/2006/math" xmlns:a14="http://schemas.microsoft.com/office/drawing/2010/main" xmlns:ma14="http://schemas.microsoft.com/office/mac/drawingml/2011/main" val="1"/>
             </a:ext>
           </a:extLst>
         </p:spPr>
@@ -3646,6 +3931,228 @@
       </p:sp>
       <p:sp>
         <p:nvSpPr>
+          <p:cNvPr id="226" name="직선 연결선 17"/>
+          <p:cNvSpPr/>
+          <p:nvPr/>
+        </p:nvSpPr>
+        <p:spPr>
+          <a:xfrm>
+            <a:off x="489352" y="3392487"/>
+            <a:ext cx="6974703" cy="1"/>
+          </a:xfrm>
+          <a:prstGeom prst="line">
+            <a:avLst/>
+          </a:prstGeom>
+          <a:ln w="6350">
+            <a:solidFill>
+              <a:schemeClr val="accent6"/>
+            </a:solidFill>
+            <a:miter/>
+          </a:ln>
+        </p:spPr>
+        <p:txBody>
+          <a:bodyPr lIns="45719" rIns="45719"/>
+          <a:lstStyle/>
+          <a:p>
+            <a:endParaRPr/>
+          </a:p>
+        </p:txBody>
+      </p:sp>
+      <p:sp>
+        <p:nvSpPr>
+          <p:cNvPr id="227" name="TextBox 21"/>
+          <p:cNvSpPr txBox="1"/>
+          <p:nvPr/>
+        </p:nvSpPr>
+        <p:spPr>
+          <a:xfrm>
+            <a:off x="5175153" y="3090072"/>
+            <a:ext cx="92396" cy="246221"/>
+          </a:xfrm>
+          <a:prstGeom prst="rect">
+            <a:avLst/>
+          </a:prstGeom>
+          <a:ln w="12700">
+            <a:miter lim="400000"/>
+          </a:ln>
+          <a:extLst>
+            <a:ext uri="{C572A759-6A51-4108-AA02-DFA0A04FC94B}">
+              <ma14:wrappingTextBoxFlag xmlns="" xmlns:m="http://schemas.openxmlformats.org/officeDocument/2006/math" xmlns:a14="http://schemas.microsoft.com/office/drawing/2010/main" xmlns:ma14="http://schemas.microsoft.com/office/mac/drawingml/2011/main" val="1"/>
+            </a:ext>
+          </a:extLst>
+        </p:spPr>
+        <p:txBody>
+          <a:bodyPr wrap="none" lIns="45719" rIns="45719">
+            <a:spAutoFit/>
+          </a:bodyPr>
+          <a:lstStyle>
+            <a:lvl1pPr>
+              <a:defRPr sz="1000"/>
+            </a:lvl1pPr>
+          </a:lstStyle>
+          <a:p>
+            <a:endParaRPr dirty="0"/>
+          </a:p>
+        </p:txBody>
+      </p:sp>
+      <p:sp>
+        <p:nvSpPr>
+          <p:cNvPr id="228" name="이등변 삼각형 10"/>
+          <p:cNvSpPr/>
+          <p:nvPr/>
+        </p:nvSpPr>
+        <p:spPr>
+          <a:xfrm>
+            <a:off x="6688066" y="919926"/>
+            <a:ext cx="3334367" cy="4594206"/>
+          </a:xfrm>
+          <a:prstGeom prst="triangle">
+            <a:avLst/>
+          </a:prstGeom>
+          <a:solidFill>
+            <a:schemeClr val="accent1">
+              <a:alpha val="50000"/>
+            </a:schemeClr>
+          </a:solidFill>
+          <a:ln w="12700">
+            <a:miter lim="400000"/>
+          </a:ln>
+        </p:spPr>
+        <p:txBody>
+          <a:bodyPr lIns="45719" rIns="45719" anchor="ctr"/>
+          <a:lstStyle/>
+          <a:p>
+            <a:pPr algn="ctr">
+              <a:defRPr>
+                <a:solidFill>
+                  <a:srgbClr val="FFFFFF"/>
+                </a:solidFill>
+              </a:defRPr>
+            </a:pPr>
+            <a:endParaRPr/>
+          </a:p>
+        </p:txBody>
+      </p:sp>
+      <p:sp>
+        <p:nvSpPr>
+          <p:cNvPr id="229" name="이등변 삼각형 11"/>
+          <p:cNvSpPr/>
+          <p:nvPr/>
+        </p:nvSpPr>
+        <p:spPr>
+          <a:xfrm>
+            <a:off x="8552835" y="919926"/>
+            <a:ext cx="3334366" cy="4594206"/>
+          </a:xfrm>
+          <a:prstGeom prst="triangle">
+            <a:avLst/>
+          </a:prstGeom>
+          <a:solidFill>
+            <a:schemeClr val="accent4">
+              <a:alpha val="20000"/>
+            </a:schemeClr>
+          </a:solidFill>
+          <a:ln w="12700">
+            <a:miter lim="400000"/>
+          </a:ln>
+        </p:spPr>
+        <p:txBody>
+          <a:bodyPr lIns="45719" rIns="45719" anchor="ctr"/>
+          <a:lstStyle/>
+          <a:p>
+            <a:pPr algn="ctr">
+              <a:defRPr>
+                <a:solidFill>
+                  <a:srgbClr val="FFFFFF"/>
+                </a:solidFill>
+              </a:defRPr>
+            </a:pPr>
+            <a:endParaRPr/>
+          </a:p>
+        </p:txBody>
+      </p:sp>
+    </p:spTree>
+  </p:cSld>
+  <p:clrMapOvr>
+    <a:masterClrMapping/>
+  </p:clrMapOvr>
+  <p:transition spd="med"/>
+  <p:timing>
+    <p:tnLst>
+      <p:par>
+        <p:cTn id="1" dur="indefinite" restart="never" nodeType="tmRoot"/>
+      </p:par>
+    </p:tnLst>
+  </p:timing>
+</p:sld>
+</file>
+
+<file path=ppt/slides/slide12.xml><?xml version="1.0" encoding="utf-8"?>
+<p:sld xmlns:a="http://schemas.openxmlformats.org/drawingml/2006/main" xmlns:r="http://schemas.openxmlformats.org/officeDocument/2006/relationships" xmlns:p="http://schemas.openxmlformats.org/presentationml/2006/main">
+  <p:cSld>
+    <p:spTree>
+      <p:nvGrpSpPr>
+        <p:cNvPr id="1" name=""/>
+        <p:cNvGrpSpPr/>
+        <p:nvPr/>
+      </p:nvGrpSpPr>
+      <p:grpSpPr>
+        <a:xfrm>
+          <a:off x="0" y="0"/>
+          <a:ext cx="0" cy="0"/>
+          <a:chOff x="0" y="0"/>
+          <a:chExt cx="0" cy="0"/>
+        </a:xfrm>
+      </p:grpSpPr>
+      <p:sp>
+        <p:nvSpPr>
+          <p:cNvPr id="231" name="TextBox 15"/>
+          <p:cNvSpPr txBox="1"/>
+          <p:nvPr/>
+        </p:nvSpPr>
+        <p:spPr>
+          <a:xfrm>
+            <a:off x="9885601" y="6505575"/>
+            <a:ext cx="2236328" cy="239048"/>
+          </a:xfrm>
+          <a:prstGeom prst="rect">
+            <a:avLst/>
+          </a:prstGeom>
+          <a:ln w="12700">
+            <a:miter lim="400000"/>
+          </a:ln>
+          <a:extLst>
+            <a:ext uri="{C572A759-6A51-4108-AA02-DFA0A04FC94B}">
+              <ma14:wrappingTextBoxFlag xmlns="" xmlns:m="http://schemas.openxmlformats.org/officeDocument/2006/math" xmlns:a14="http://schemas.microsoft.com/office/drawing/2010/main" xmlns:ma14="http://schemas.microsoft.com/office/mac/drawingml/2011/main" val="1"/>
+            </a:ext>
+          </a:extLst>
+        </p:spPr>
+        <p:txBody>
+          <a:bodyPr wrap="none" lIns="45719" rIns="45719">
+            <a:spAutoFit/>
+          </a:bodyPr>
+          <a:lstStyle>
+            <a:lvl1pPr algn="r">
+              <a:defRPr sz="800">
+                <a:solidFill>
+                  <a:schemeClr val="accent6"/>
+                </a:solidFill>
+                <a:latin typeface="나눔스퀘어라운드 Regular"/>
+                <a:ea typeface="나눔스퀘어라운드 Regular"/>
+                <a:cs typeface="나눔스퀘어라운드 Regular"/>
+                <a:sym typeface="나눔스퀘어라운드 Regular"/>
+              </a:defRPr>
+            </a:lvl1pPr>
+          </a:lstStyle>
+          <a:p>
+            <a:r>
+              <a:t>Copyrightⓒ. Saebyeol Yu. All Rights Reserved.</a:t>
+            </a:r>
+          </a:p>
+        </p:txBody>
+      </p:sp>
+      <p:sp>
+        <p:nvSpPr>
           <p:cNvPr id="232" name="다이아몬드 22"/>
           <p:cNvSpPr/>
           <p:nvPr/>
@@ -3862,7 +4369,7 @@
           </a:ln>
           <a:extLst>
             <a:ext uri="{C572A759-6A51-4108-AA02-DFA0A04FC94B}">
-              <ma14:wrappingTextBoxFlag xmlns:ma14="http://schemas.microsoft.com/office/mac/drawingml/2011/main" xmlns:a14="http://schemas.microsoft.com/office/drawing/2010/main" xmlns:m="http://schemas.openxmlformats.org/officeDocument/2006/math" xmlns="" val="1"/>
+              <ma14:wrappingTextBoxFlag xmlns="" xmlns:m="http://schemas.openxmlformats.org/officeDocument/2006/math" xmlns:a14="http://schemas.microsoft.com/office/drawing/2010/main" xmlns:ma14="http://schemas.microsoft.com/office/mac/drawingml/2011/main" val="1"/>
             </a:ext>
           </a:extLst>
         </p:spPr>
@@ -3928,7 +4435,7 @@
           </a:ln>
           <a:extLst>
             <a:ext uri="{C572A759-6A51-4108-AA02-DFA0A04FC94B}">
-              <ma14:wrappingTextBoxFlag xmlns:ma14="http://schemas.microsoft.com/office/mac/drawingml/2011/main" xmlns:a14="http://schemas.microsoft.com/office/drawing/2010/main" xmlns:m="http://schemas.openxmlformats.org/officeDocument/2006/math" xmlns="" val="1"/>
+              <ma14:wrappingTextBoxFlag xmlns="" xmlns:m="http://schemas.openxmlformats.org/officeDocument/2006/math" xmlns:a14="http://schemas.microsoft.com/office/drawing/2010/main" xmlns:ma14="http://schemas.microsoft.com/office/mac/drawingml/2011/main" val="1"/>
             </a:ext>
           </a:extLst>
         </p:spPr>
@@ -3994,7 +4501,7 @@
           </a:ln>
           <a:extLst>
             <a:ext uri="{C572A759-6A51-4108-AA02-DFA0A04FC94B}">
-              <ma14:wrappingTextBoxFlag xmlns:ma14="http://schemas.microsoft.com/office/mac/drawingml/2011/main" xmlns:a14="http://schemas.microsoft.com/office/drawing/2010/main" xmlns:m="http://schemas.openxmlformats.org/officeDocument/2006/math" xmlns="" val="1"/>
+              <ma14:wrappingTextBoxFlag xmlns="" xmlns:m="http://schemas.openxmlformats.org/officeDocument/2006/math" xmlns:a14="http://schemas.microsoft.com/office/drawing/2010/main" xmlns:ma14="http://schemas.microsoft.com/office/mac/drawingml/2011/main" val="1"/>
             </a:ext>
           </a:extLst>
         </p:spPr>
@@ -4063,7 +4570,7 @@
           </a:ln>
           <a:extLst>
             <a:ext uri="{C572A759-6A51-4108-AA02-DFA0A04FC94B}">
-              <ma14:wrappingTextBoxFlag xmlns:ma14="http://schemas.microsoft.com/office/mac/drawingml/2011/main" xmlns:a14="http://schemas.microsoft.com/office/drawing/2010/main" xmlns:m="http://schemas.openxmlformats.org/officeDocument/2006/math" xmlns="" val="1"/>
+              <ma14:wrappingTextBoxFlag xmlns="" xmlns:m="http://schemas.openxmlformats.org/officeDocument/2006/math" xmlns:a14="http://schemas.microsoft.com/office/drawing/2010/main" xmlns:ma14="http://schemas.microsoft.com/office/mac/drawingml/2011/main" val="1"/>
             </a:ext>
           </a:extLst>
         </p:spPr>
@@ -4186,7 +4693,7 @@
           </a:ln>
           <a:extLst>
             <a:ext uri="{C572A759-6A51-4108-AA02-DFA0A04FC94B}">
-              <ma14:wrappingTextBoxFlag xmlns:ma14="http://schemas.microsoft.com/office/mac/drawingml/2011/main" xmlns:a14="http://schemas.microsoft.com/office/drawing/2010/main" xmlns:m="http://schemas.openxmlformats.org/officeDocument/2006/math" xmlns="" val="1"/>
+              <ma14:wrappingTextBoxFlag xmlns="" xmlns:m="http://schemas.openxmlformats.org/officeDocument/2006/math" xmlns:a14="http://schemas.microsoft.com/office/drawing/2010/main" xmlns:ma14="http://schemas.microsoft.com/office/mac/drawingml/2011/main" val="1"/>
             </a:ext>
           </a:extLst>
         </p:spPr>
@@ -4329,7 +4836,7 @@
           </a:ln>
           <a:extLst>
             <a:ext uri="{C572A759-6A51-4108-AA02-DFA0A04FC94B}">
-              <ma14:wrappingTextBoxFlag xmlns:ma14="http://schemas.microsoft.com/office/mac/drawingml/2011/main" xmlns:a14="http://schemas.microsoft.com/office/drawing/2010/main" xmlns:m="http://schemas.openxmlformats.org/officeDocument/2006/math" xmlns="" val="1"/>
+              <ma14:wrappingTextBoxFlag xmlns="" xmlns:m="http://schemas.openxmlformats.org/officeDocument/2006/math" xmlns:a14="http://schemas.microsoft.com/office/drawing/2010/main" xmlns:ma14="http://schemas.microsoft.com/office/mac/drawingml/2011/main" val="1"/>
             </a:ext>
           </a:extLst>
         </p:spPr>
@@ -4389,7 +4896,7 @@
             <a:effectLst/>
             <a:extLst>
               <a:ext uri="{C572A759-6A51-4108-AA02-DFA0A04FC94B}">
-                <ma14:wrappingTextBoxFlag xmlns:ma14="http://schemas.microsoft.com/office/mac/drawingml/2011/main" xmlns:a14="http://schemas.microsoft.com/office/drawing/2010/main" xmlns:m="http://schemas.openxmlformats.org/officeDocument/2006/math" xmlns="" val="1"/>
+                <ma14:wrappingTextBoxFlag xmlns="" xmlns:m="http://schemas.openxmlformats.org/officeDocument/2006/math" xmlns:a14="http://schemas.microsoft.com/office/drawing/2010/main" xmlns:ma14="http://schemas.microsoft.com/office/mac/drawingml/2011/main" val="1"/>
               </a:ext>
             </a:extLst>
           </p:spPr>
@@ -4439,7 +4946,7 @@
             <a:effectLst/>
             <a:extLst>
               <a:ext uri="{C572A759-6A51-4108-AA02-DFA0A04FC94B}">
-                <ma14:wrappingTextBoxFlag xmlns:ma14="http://schemas.microsoft.com/office/mac/drawingml/2011/main" xmlns:a14="http://schemas.microsoft.com/office/drawing/2010/main" xmlns:m="http://schemas.openxmlformats.org/officeDocument/2006/math" xmlns="" val="1"/>
+                <ma14:wrappingTextBoxFlag xmlns="" xmlns:m="http://schemas.openxmlformats.org/officeDocument/2006/math" xmlns:a14="http://schemas.microsoft.com/office/drawing/2010/main" xmlns:ma14="http://schemas.microsoft.com/office/mac/drawingml/2011/main" val="1"/>
               </a:ext>
             </a:extLst>
           </p:spPr>
@@ -4495,7 +5002,7 @@
 </p:sld>
 </file>
 
-<file path=ppt/slides/slide12.xml><?xml version="1.0" encoding="utf-8"?>
+<file path=ppt/slides/slide13.xml><?xml version="1.0" encoding="utf-8"?>
 <p:sld xmlns:a="http://schemas.openxmlformats.org/drawingml/2006/main" xmlns:r="http://schemas.openxmlformats.org/officeDocument/2006/relationships" xmlns:p="http://schemas.openxmlformats.org/presentationml/2006/main">
   <p:cSld>
     <p:spTree>
@@ -4531,7 +5038,7 @@
           </a:ln>
           <a:extLst>
             <a:ext uri="{C572A759-6A51-4108-AA02-DFA0A04FC94B}">
-              <ma14:wrappingTextBoxFlag xmlns:ma14="http://schemas.microsoft.com/office/mac/drawingml/2011/main" xmlns:a14="http://schemas.microsoft.com/office/drawing/2010/main" xmlns:m="http://schemas.openxmlformats.org/officeDocument/2006/math" xmlns="" val="1"/>
+              <ma14:wrappingTextBoxFlag xmlns="" xmlns:m="http://schemas.openxmlformats.org/officeDocument/2006/math" xmlns:a14="http://schemas.microsoft.com/office/drawing/2010/main" xmlns:ma14="http://schemas.microsoft.com/office/mac/drawingml/2011/main" val="1"/>
             </a:ext>
           </a:extLst>
         </p:spPr>
@@ -4643,7 +5150,7 @@
           </a:ln>
           <a:extLst>
             <a:ext uri="{C572A759-6A51-4108-AA02-DFA0A04FC94B}">
-              <ma14:wrappingTextBoxFlag xmlns:ma14="http://schemas.microsoft.com/office/mac/drawingml/2011/main" xmlns:a14="http://schemas.microsoft.com/office/drawing/2010/main" xmlns:m="http://schemas.openxmlformats.org/officeDocument/2006/math" xmlns="" val="1"/>
+              <ma14:wrappingTextBoxFlag xmlns="" xmlns:m="http://schemas.openxmlformats.org/officeDocument/2006/math" xmlns:a14="http://schemas.microsoft.com/office/drawing/2010/main" xmlns:ma14="http://schemas.microsoft.com/office/mac/drawingml/2011/main" val="1"/>
             </a:ext>
           </a:extLst>
         </p:spPr>
@@ -4703,7 +5210,7 @@
             <a:effectLst/>
             <a:extLst>
               <a:ext uri="{C572A759-6A51-4108-AA02-DFA0A04FC94B}">
-                <ma14:wrappingTextBoxFlag xmlns:ma14="http://schemas.microsoft.com/office/mac/drawingml/2011/main" xmlns:a14="http://schemas.microsoft.com/office/drawing/2010/main" xmlns:m="http://schemas.openxmlformats.org/officeDocument/2006/math" xmlns="" val="1"/>
+                <ma14:wrappingTextBoxFlag xmlns="" xmlns:m="http://schemas.openxmlformats.org/officeDocument/2006/math" xmlns:a14="http://schemas.microsoft.com/office/drawing/2010/main" xmlns:ma14="http://schemas.microsoft.com/office/mac/drawingml/2011/main" val="1"/>
               </a:ext>
             </a:extLst>
           </p:spPr>
@@ -4753,7 +5260,7 @@
             <a:effectLst/>
             <a:extLst>
               <a:ext uri="{C572A759-6A51-4108-AA02-DFA0A04FC94B}">
-                <ma14:wrappingTextBoxFlag xmlns:ma14="http://schemas.microsoft.com/office/mac/drawingml/2011/main" xmlns:a14="http://schemas.microsoft.com/office/drawing/2010/main" xmlns:m="http://schemas.openxmlformats.org/officeDocument/2006/math" xmlns="" val="1"/>
+                <ma14:wrappingTextBoxFlag xmlns="" xmlns:m="http://schemas.openxmlformats.org/officeDocument/2006/math" xmlns:a14="http://schemas.microsoft.com/office/drawing/2010/main" xmlns:ma14="http://schemas.microsoft.com/office/mac/drawingml/2011/main" val="1"/>
               </a:ext>
             </a:extLst>
           </p:spPr>
@@ -4841,7 +5348,7 @@
           </a:ln>
           <a:extLst>
             <a:ext uri="{C572A759-6A51-4108-AA02-DFA0A04FC94B}">
-              <ma14:wrappingTextBoxFlag xmlns:ma14="http://schemas.microsoft.com/office/mac/drawingml/2011/main" xmlns:a14="http://schemas.microsoft.com/office/drawing/2010/main" xmlns:m="http://schemas.openxmlformats.org/officeDocument/2006/math" xmlns="" val="1"/>
+              <ma14:wrappingTextBoxFlag xmlns="" xmlns:m="http://schemas.openxmlformats.org/officeDocument/2006/math" xmlns:a14="http://schemas.microsoft.com/office/drawing/2010/main" xmlns:ma14="http://schemas.microsoft.com/office/mac/drawingml/2011/main" val="1"/>
             </a:ext>
           </a:extLst>
         </p:spPr>
@@ -4892,7 +5399,7 @@
           </a:ln>
           <a:extLst>
             <a:ext uri="{C572A759-6A51-4108-AA02-DFA0A04FC94B}">
-              <ma14:wrappingTextBoxFlag xmlns:ma14="http://schemas.microsoft.com/office/mac/drawingml/2011/main" xmlns:a14="http://schemas.microsoft.com/office/drawing/2010/main" xmlns:m="http://schemas.openxmlformats.org/officeDocument/2006/math" xmlns="" val="1"/>
+              <ma14:wrappingTextBoxFlag xmlns="" xmlns:m="http://schemas.openxmlformats.org/officeDocument/2006/math" xmlns:a14="http://schemas.microsoft.com/office/drawing/2010/main" xmlns:ma14="http://schemas.microsoft.com/office/mac/drawingml/2011/main" val="1"/>
             </a:ext>
           </a:extLst>
         </p:spPr>
@@ -5043,7 +5550,7 @@
 </p:sld>
 </file>
 
-<file path=ppt/slides/slide13.xml><?xml version="1.0" encoding="utf-8"?>
+<file path=ppt/slides/slide14.xml><?xml version="1.0" encoding="utf-8"?>
 <p:sld xmlns:a="http://schemas.openxmlformats.org/drawingml/2006/main" xmlns:r="http://schemas.openxmlformats.org/officeDocument/2006/relationships" xmlns:p="http://schemas.openxmlformats.org/presentationml/2006/main">
   <p:cSld>
     <p:spTree>
@@ -5096,7 +5603,7 @@
             <a:effectLst/>
             <a:extLst>
               <a:ext uri="{C572A759-6A51-4108-AA02-DFA0A04FC94B}">
-                <ma14:wrappingTextBoxFlag xmlns:ma14="http://schemas.microsoft.com/office/mac/drawingml/2011/main" xmlns:a14="http://schemas.microsoft.com/office/drawing/2010/main" xmlns:m="http://schemas.openxmlformats.org/officeDocument/2006/math" xmlns="" val="1"/>
+                <ma14:wrappingTextBoxFlag xmlns="" xmlns:m="http://schemas.openxmlformats.org/officeDocument/2006/math" xmlns:a14="http://schemas.microsoft.com/office/drawing/2010/main" xmlns:ma14="http://schemas.microsoft.com/office/mac/drawingml/2011/main" val="1"/>
               </a:ext>
             </a:extLst>
           </p:spPr>
@@ -5144,7 +5651,7 @@
             <a:effectLst/>
             <a:extLst>
               <a:ext uri="{C572A759-6A51-4108-AA02-DFA0A04FC94B}">
-                <ma14:wrappingTextBoxFlag xmlns:ma14="http://schemas.microsoft.com/office/mac/drawingml/2011/main" xmlns:a14="http://schemas.microsoft.com/office/drawing/2010/main" xmlns:m="http://schemas.openxmlformats.org/officeDocument/2006/math" xmlns="" val="1"/>
+                <ma14:wrappingTextBoxFlag xmlns="" xmlns:m="http://schemas.openxmlformats.org/officeDocument/2006/math" xmlns:a14="http://schemas.microsoft.com/office/drawing/2010/main" xmlns:ma14="http://schemas.microsoft.com/office/mac/drawingml/2011/main" val="1"/>
               </a:ext>
             </a:extLst>
           </p:spPr>
@@ -5190,7 +5697,7 @@
           </a:ln>
           <a:extLst>
             <a:ext uri="{C572A759-6A51-4108-AA02-DFA0A04FC94B}">
-              <ma14:wrappingTextBoxFlag xmlns:ma14="http://schemas.microsoft.com/office/mac/drawingml/2011/main" xmlns:a14="http://schemas.microsoft.com/office/drawing/2010/main" xmlns:m="http://schemas.openxmlformats.org/officeDocument/2006/math" xmlns="" val="1"/>
+              <ma14:wrappingTextBoxFlag xmlns="" xmlns:m="http://schemas.openxmlformats.org/officeDocument/2006/math" xmlns:a14="http://schemas.microsoft.com/office/drawing/2010/main" xmlns:ma14="http://schemas.microsoft.com/office/mac/drawingml/2011/main" val="1"/>
             </a:ext>
           </a:extLst>
         </p:spPr>
@@ -5233,7 +5740,7 @@
           </a:ln>
           <a:extLst>
             <a:ext uri="{C572A759-6A51-4108-AA02-DFA0A04FC94B}">
-              <ma14:wrappingTextBoxFlag xmlns:ma14="http://schemas.microsoft.com/office/mac/drawingml/2011/main" xmlns:a14="http://schemas.microsoft.com/office/drawing/2010/main" xmlns:m="http://schemas.openxmlformats.org/officeDocument/2006/math" xmlns="" val="1"/>
+              <ma14:wrappingTextBoxFlag xmlns="" xmlns:m="http://schemas.openxmlformats.org/officeDocument/2006/math" xmlns:a14="http://schemas.microsoft.com/office/drawing/2010/main" xmlns:ma14="http://schemas.microsoft.com/office/mac/drawingml/2011/main" val="1"/>
             </a:ext>
           </a:extLst>
         </p:spPr>
@@ -5280,7 +5787,7 @@
           </a:ln>
           <a:extLst>
             <a:ext uri="{C572A759-6A51-4108-AA02-DFA0A04FC94B}">
-              <ma14:wrappingTextBoxFlag xmlns:ma14="http://schemas.microsoft.com/office/mac/drawingml/2011/main" xmlns:a14="http://schemas.microsoft.com/office/drawing/2010/main" xmlns:m="http://schemas.openxmlformats.org/officeDocument/2006/math" xmlns="" val="1"/>
+              <ma14:wrappingTextBoxFlag xmlns="" xmlns:m="http://schemas.openxmlformats.org/officeDocument/2006/math" xmlns:a14="http://schemas.microsoft.com/office/drawing/2010/main" xmlns:ma14="http://schemas.microsoft.com/office/mac/drawingml/2011/main" val="1"/>
             </a:ext>
           </a:extLst>
         </p:spPr>
@@ -5356,7 +5863,7 @@
           </a:ln>
           <a:extLst>
             <a:ext uri="{C572A759-6A51-4108-AA02-DFA0A04FC94B}">
-              <ma14:wrappingTextBoxFlag xmlns:ma14="http://schemas.microsoft.com/office/mac/drawingml/2011/main" xmlns:a14="http://schemas.microsoft.com/office/drawing/2010/main" xmlns:m="http://schemas.openxmlformats.org/officeDocument/2006/math" xmlns="" val="1"/>
+              <ma14:wrappingTextBoxFlag xmlns="" xmlns:m="http://schemas.openxmlformats.org/officeDocument/2006/math" xmlns:a14="http://schemas.microsoft.com/office/drawing/2010/main" xmlns:ma14="http://schemas.microsoft.com/office/mac/drawingml/2011/main" val="1"/>
             </a:ext>
           </a:extLst>
         </p:spPr>
@@ -5390,7 +5897,7 @@
 </p:sld>
 </file>
 
-<file path=ppt/slides/slide14.xml><?xml version="1.0" encoding="utf-8"?>
+<file path=ppt/slides/slide15.xml><?xml version="1.0" encoding="utf-8"?>
 <p:sld xmlns:a="http://schemas.openxmlformats.org/drawingml/2006/main" xmlns:r="http://schemas.openxmlformats.org/officeDocument/2006/relationships" xmlns:p="http://schemas.openxmlformats.org/presentationml/2006/main">
   <p:cSld>
     <p:spTree>
@@ -5443,7 +5950,7 @@
             <a:effectLst/>
             <a:extLst>
               <a:ext uri="{C572A759-6A51-4108-AA02-DFA0A04FC94B}">
-                <ma14:wrappingTextBoxFlag xmlns:ma14="http://schemas.microsoft.com/office/mac/drawingml/2011/main" xmlns:a14="http://schemas.microsoft.com/office/drawing/2010/main" xmlns:m="http://schemas.openxmlformats.org/officeDocument/2006/math" xmlns="" val="1"/>
+                <ma14:wrappingTextBoxFlag xmlns="" xmlns:m="http://schemas.openxmlformats.org/officeDocument/2006/math" xmlns:a14="http://schemas.microsoft.com/office/drawing/2010/main" xmlns:ma14="http://schemas.microsoft.com/office/mac/drawingml/2011/main" val="1"/>
               </a:ext>
             </a:extLst>
           </p:spPr>
@@ -5509,7 +6016,7 @@
             <a:effectLst/>
             <a:extLst>
               <a:ext uri="{C572A759-6A51-4108-AA02-DFA0A04FC94B}">
-                <ma14:wrappingTextBoxFlag xmlns:ma14="http://schemas.microsoft.com/office/mac/drawingml/2011/main" xmlns:a14="http://schemas.microsoft.com/office/drawing/2010/main" xmlns:m="http://schemas.openxmlformats.org/officeDocument/2006/math" xmlns="" val="1"/>
+                <ma14:wrappingTextBoxFlag xmlns="" xmlns:m="http://schemas.openxmlformats.org/officeDocument/2006/math" xmlns:a14="http://schemas.microsoft.com/office/drawing/2010/main" xmlns:ma14="http://schemas.microsoft.com/office/mac/drawingml/2011/main" val="1"/>
               </a:ext>
             </a:extLst>
           </p:spPr>
@@ -5573,7 +6080,7 @@
           </a:ln>
           <a:extLst>
             <a:ext uri="{C572A759-6A51-4108-AA02-DFA0A04FC94B}">
-              <ma14:wrappingTextBoxFlag xmlns:ma14="http://schemas.microsoft.com/office/mac/drawingml/2011/main" xmlns:a14="http://schemas.microsoft.com/office/drawing/2010/main" xmlns:m="http://schemas.openxmlformats.org/officeDocument/2006/math" xmlns="" val="1"/>
+              <ma14:wrappingTextBoxFlag xmlns="" xmlns:m="http://schemas.openxmlformats.org/officeDocument/2006/math" xmlns:a14="http://schemas.microsoft.com/office/drawing/2010/main" xmlns:ma14="http://schemas.microsoft.com/office/mac/drawingml/2011/main" val="1"/>
             </a:ext>
           </a:extLst>
         </p:spPr>
@@ -5661,7 +6168,7 @@
           </a:ln>
           <a:extLst>
             <a:ext uri="{C572A759-6A51-4108-AA02-DFA0A04FC94B}">
-              <ma14:wrappingTextBoxFlag xmlns:ma14="http://schemas.microsoft.com/office/mac/drawingml/2011/main" xmlns:a14="http://schemas.microsoft.com/office/drawing/2010/main" xmlns:m="http://schemas.openxmlformats.org/officeDocument/2006/math" xmlns="" val="1"/>
+              <ma14:wrappingTextBoxFlag xmlns="" xmlns:m="http://schemas.openxmlformats.org/officeDocument/2006/math" xmlns:a14="http://schemas.microsoft.com/office/drawing/2010/main" xmlns:ma14="http://schemas.microsoft.com/office/mac/drawingml/2011/main" val="1"/>
             </a:ext>
           </a:extLst>
         </p:spPr>
@@ -5721,7 +6228,7 @@
             <a:effectLst/>
             <a:extLst>
               <a:ext uri="{C572A759-6A51-4108-AA02-DFA0A04FC94B}">
-                <ma14:wrappingTextBoxFlag xmlns:ma14="http://schemas.microsoft.com/office/mac/drawingml/2011/main" xmlns:a14="http://schemas.microsoft.com/office/drawing/2010/main" xmlns:m="http://schemas.openxmlformats.org/officeDocument/2006/math" xmlns="" val="1"/>
+                <ma14:wrappingTextBoxFlag xmlns="" xmlns:m="http://schemas.openxmlformats.org/officeDocument/2006/math" xmlns:a14="http://schemas.microsoft.com/office/drawing/2010/main" xmlns:ma14="http://schemas.microsoft.com/office/mac/drawingml/2011/main" val="1"/>
               </a:ext>
             </a:extLst>
           </p:spPr>
@@ -5796,7 +6303,7 @@
             <a:effectLst/>
             <a:extLst>
               <a:ext uri="{C572A759-6A51-4108-AA02-DFA0A04FC94B}">
-                <ma14:wrappingTextBoxFlag xmlns:ma14="http://schemas.microsoft.com/office/mac/drawingml/2011/main" xmlns:a14="http://schemas.microsoft.com/office/drawing/2010/main" xmlns:m="http://schemas.openxmlformats.org/officeDocument/2006/math" xmlns="" val="1"/>
+                <ma14:wrappingTextBoxFlag xmlns="" xmlns:m="http://schemas.openxmlformats.org/officeDocument/2006/math" xmlns:a14="http://schemas.microsoft.com/office/drawing/2010/main" xmlns:ma14="http://schemas.microsoft.com/office/mac/drawingml/2011/main" val="1"/>
               </a:ext>
             </a:extLst>
           </p:spPr>
@@ -5885,7 +6392,7 @@
               <a:effectLst/>
               <a:extLst>
                 <a:ext uri="{C572A759-6A51-4108-AA02-DFA0A04FC94B}">
-                  <ma14:wrappingTextBoxFlag xmlns:ma14="http://schemas.microsoft.com/office/mac/drawingml/2011/main" xmlns:a14="http://schemas.microsoft.com/office/drawing/2010/main" xmlns:m="http://schemas.openxmlformats.org/officeDocument/2006/math" xmlns="" val="1"/>
+                  <ma14:wrappingTextBoxFlag xmlns="" xmlns:m="http://schemas.openxmlformats.org/officeDocument/2006/math" xmlns:a14="http://schemas.microsoft.com/office/drawing/2010/main" xmlns:ma14="http://schemas.microsoft.com/office/mac/drawingml/2011/main" val="1"/>
                 </a:ext>
               </a:extLst>
             </p:spPr>
@@ -5931,7 +6438,7 @@
               <a:effectLst/>
               <a:extLst>
                 <a:ext uri="{C572A759-6A51-4108-AA02-DFA0A04FC94B}">
-                  <ma14:wrappingTextBoxFlag xmlns:ma14="http://schemas.microsoft.com/office/mac/drawingml/2011/main" xmlns:a14="http://schemas.microsoft.com/office/drawing/2010/main" xmlns:m="http://schemas.openxmlformats.org/officeDocument/2006/math" xmlns="" val="1"/>
+                  <ma14:wrappingTextBoxFlag xmlns="" xmlns:m="http://schemas.openxmlformats.org/officeDocument/2006/math" xmlns:a14="http://schemas.microsoft.com/office/drawing/2010/main" xmlns:ma14="http://schemas.microsoft.com/office/mac/drawingml/2011/main" val="1"/>
                 </a:ext>
               </a:extLst>
             </p:spPr>
@@ -6010,7 +6517,7 @@
               <a:effectLst/>
               <a:extLst>
                 <a:ext uri="{C572A759-6A51-4108-AA02-DFA0A04FC94B}">
-                  <ma14:wrappingTextBoxFlag xmlns:ma14="http://schemas.microsoft.com/office/mac/drawingml/2011/main" xmlns:a14="http://schemas.microsoft.com/office/drawing/2010/main" xmlns:m="http://schemas.openxmlformats.org/officeDocument/2006/math" xmlns="" val="1"/>
+                  <ma14:wrappingTextBoxFlag xmlns="" xmlns:m="http://schemas.openxmlformats.org/officeDocument/2006/math" xmlns:a14="http://schemas.microsoft.com/office/drawing/2010/main" xmlns:ma14="http://schemas.microsoft.com/office/mac/drawingml/2011/main" val="1"/>
                 </a:ext>
               </a:extLst>
             </p:spPr>
@@ -6056,7 +6563,7 @@
               <a:effectLst/>
               <a:extLst>
                 <a:ext uri="{C572A759-6A51-4108-AA02-DFA0A04FC94B}">
-                  <ma14:wrappingTextBoxFlag xmlns:ma14="http://schemas.microsoft.com/office/mac/drawingml/2011/main" xmlns:a14="http://schemas.microsoft.com/office/drawing/2010/main" xmlns:m="http://schemas.openxmlformats.org/officeDocument/2006/math" xmlns="" val="1"/>
+                  <ma14:wrappingTextBoxFlag xmlns="" xmlns:m="http://schemas.openxmlformats.org/officeDocument/2006/math" xmlns:a14="http://schemas.microsoft.com/office/drawing/2010/main" xmlns:ma14="http://schemas.microsoft.com/office/mac/drawingml/2011/main" val="1"/>
                 </a:ext>
               </a:extLst>
             </p:spPr>
@@ -6135,7 +6642,7 @@
               <a:effectLst/>
               <a:extLst>
                 <a:ext uri="{C572A759-6A51-4108-AA02-DFA0A04FC94B}">
-                  <ma14:wrappingTextBoxFlag xmlns:ma14="http://schemas.microsoft.com/office/mac/drawingml/2011/main" xmlns:a14="http://schemas.microsoft.com/office/drawing/2010/main" xmlns:m="http://schemas.openxmlformats.org/officeDocument/2006/math" xmlns="" val="1"/>
+                  <ma14:wrappingTextBoxFlag xmlns="" xmlns:m="http://schemas.openxmlformats.org/officeDocument/2006/math" xmlns:a14="http://schemas.microsoft.com/office/drawing/2010/main" xmlns:ma14="http://schemas.microsoft.com/office/mac/drawingml/2011/main" val="1"/>
                 </a:ext>
               </a:extLst>
             </p:spPr>
@@ -6181,7 +6688,7 @@
               <a:effectLst/>
               <a:extLst>
                 <a:ext uri="{C572A759-6A51-4108-AA02-DFA0A04FC94B}">
-                  <ma14:wrappingTextBoxFlag xmlns:ma14="http://schemas.microsoft.com/office/mac/drawingml/2011/main" xmlns:a14="http://schemas.microsoft.com/office/drawing/2010/main" xmlns:m="http://schemas.openxmlformats.org/officeDocument/2006/math" xmlns="" val="1"/>
+                  <ma14:wrappingTextBoxFlag xmlns="" xmlns:m="http://schemas.openxmlformats.org/officeDocument/2006/math" xmlns:a14="http://schemas.microsoft.com/office/drawing/2010/main" xmlns:ma14="http://schemas.microsoft.com/office/mac/drawingml/2011/main" val="1"/>
                 </a:ext>
               </a:extLst>
             </p:spPr>
@@ -6246,7 +6753,7 @@
             <a:effectLst/>
             <a:extLst>
               <a:ext uri="{C572A759-6A51-4108-AA02-DFA0A04FC94B}">
-                <ma14:wrappingTextBoxFlag xmlns:ma14="http://schemas.microsoft.com/office/mac/drawingml/2011/main" xmlns:a14="http://schemas.microsoft.com/office/drawing/2010/main" xmlns:m="http://schemas.openxmlformats.org/officeDocument/2006/math" xmlns="" val="1"/>
+                <ma14:wrappingTextBoxFlag xmlns="" xmlns:m="http://schemas.openxmlformats.org/officeDocument/2006/math" xmlns:a14="http://schemas.microsoft.com/office/drawing/2010/main" xmlns:ma14="http://schemas.microsoft.com/office/mac/drawingml/2011/main" val="1"/>
               </a:ext>
             </a:extLst>
           </p:spPr>
@@ -6495,7 +7002,7 @@
           </a:ln>
           <a:extLst>
             <a:ext uri="{C572A759-6A51-4108-AA02-DFA0A04FC94B}">
-              <ma14:wrappingTextBoxFlag xmlns:ma14="http://schemas.microsoft.com/office/mac/drawingml/2011/main" xmlns:a14="http://schemas.microsoft.com/office/drawing/2010/main" xmlns:m="http://schemas.openxmlformats.org/officeDocument/2006/math" xmlns="" val="1"/>
+              <ma14:wrappingTextBoxFlag xmlns="" xmlns:m="http://schemas.openxmlformats.org/officeDocument/2006/math" xmlns:a14="http://schemas.microsoft.com/office/drawing/2010/main" xmlns:ma14="http://schemas.microsoft.com/office/mac/drawingml/2011/main" val="1"/>
             </a:ext>
           </a:extLst>
         </p:spPr>
@@ -6538,7 +7045,7 @@
           </a:ln>
           <a:extLst>
             <a:ext uri="{C572A759-6A51-4108-AA02-DFA0A04FC94B}">
-              <ma14:wrappingTextBoxFlag xmlns:ma14="http://schemas.microsoft.com/office/mac/drawingml/2011/main" xmlns:a14="http://schemas.microsoft.com/office/drawing/2010/main" xmlns:m="http://schemas.openxmlformats.org/officeDocument/2006/math" xmlns="" val="1"/>
+              <ma14:wrappingTextBoxFlag xmlns="" xmlns:m="http://schemas.openxmlformats.org/officeDocument/2006/math" xmlns:a14="http://schemas.microsoft.com/office/drawing/2010/main" xmlns:ma14="http://schemas.microsoft.com/office/mac/drawingml/2011/main" val="1"/>
             </a:ext>
           </a:extLst>
         </p:spPr>
@@ -6585,7 +7092,7 @@
           </a:ln>
           <a:extLst>
             <a:ext uri="{C572A759-6A51-4108-AA02-DFA0A04FC94B}">
-              <ma14:wrappingTextBoxFlag xmlns:ma14="http://schemas.microsoft.com/office/mac/drawingml/2011/main" xmlns:a14="http://schemas.microsoft.com/office/drawing/2010/main" xmlns:m="http://schemas.openxmlformats.org/officeDocument/2006/math" xmlns="" val="1"/>
+              <ma14:wrappingTextBoxFlag xmlns="" xmlns:m="http://schemas.openxmlformats.org/officeDocument/2006/math" xmlns:a14="http://schemas.microsoft.com/office/drawing/2010/main" xmlns:ma14="http://schemas.microsoft.com/office/mac/drawingml/2011/main" val="1"/>
             </a:ext>
           </a:extLst>
         </p:spPr>
@@ -6661,7 +7168,7 @@
           </a:ln>
           <a:extLst>
             <a:ext uri="{C572A759-6A51-4108-AA02-DFA0A04FC94B}">
-              <ma14:wrappingTextBoxFlag xmlns:ma14="http://schemas.microsoft.com/office/mac/drawingml/2011/main" xmlns:a14="http://schemas.microsoft.com/office/drawing/2010/main" xmlns:m="http://schemas.openxmlformats.org/officeDocument/2006/math" xmlns="" val="1"/>
+              <ma14:wrappingTextBoxFlag xmlns="" xmlns:m="http://schemas.openxmlformats.org/officeDocument/2006/math" xmlns:a14="http://schemas.microsoft.com/office/drawing/2010/main" xmlns:ma14="http://schemas.microsoft.com/office/mac/drawingml/2011/main" val="1"/>
             </a:ext>
           </a:extLst>
         </p:spPr>
@@ -6772,6 +7279,1008 @@
 </file>
 
 <file path=ppt/slides/slide4.xml><?xml version="1.0" encoding="utf-8"?>
+<p:sld xmlns:a="http://schemas.openxmlformats.org/drawingml/2006/main" xmlns:r="http://schemas.openxmlformats.org/officeDocument/2006/relationships" xmlns:p="http://schemas.openxmlformats.org/presentationml/2006/main">
+  <p:cSld>
+    <p:spTree>
+      <p:nvGrpSpPr>
+        <p:cNvPr id="1" name=""/>
+        <p:cNvGrpSpPr/>
+        <p:nvPr/>
+      </p:nvGrpSpPr>
+      <p:grpSpPr>
+        <a:xfrm>
+          <a:off x="0" y="0"/>
+          <a:ext cx="0" cy="0"/>
+          <a:chOff x="0" y="0"/>
+          <a:chExt cx="0" cy="0"/>
+        </a:xfrm>
+      </p:grpSpPr>
+      <p:sp>
+        <p:nvSpPr>
+          <p:cNvPr id="130" name="모서리가 둥근 직사각형 6"/>
+          <p:cNvSpPr/>
+          <p:nvPr/>
+        </p:nvSpPr>
+        <p:spPr>
+          <a:xfrm rot="2700000">
+            <a:off x="1766984" y="2141114"/>
+            <a:ext cx="1200022" cy="1200021"/>
+          </a:xfrm>
+          <a:prstGeom prst="roundRect">
+            <a:avLst>
+              <a:gd name="adj" fmla="val 16667"/>
+            </a:avLst>
+          </a:prstGeom>
+          <a:solidFill>
+            <a:schemeClr val="accent1">
+              <a:alpha val="70000"/>
+            </a:schemeClr>
+          </a:solidFill>
+          <a:ln w="12700" cap="flat">
+            <a:noFill/>
+            <a:miter lim="400000"/>
+          </a:ln>
+          <a:effectLst/>
+        </p:spPr>
+        <p:txBody>
+          <a:bodyPr wrap="square" lIns="45719" tIns="45719" rIns="45719" bIns="45719" numCol="1" anchor="ctr">
+            <a:noAutofit/>
+          </a:bodyPr>
+          <a:lstStyle/>
+          <a:p>
+            <a:pPr algn="ctr">
+              <a:defRPr>
+                <a:solidFill>
+                  <a:srgbClr val="FFFFFF"/>
+                </a:solidFill>
+              </a:defRPr>
+            </a:pPr>
+            <a:endParaRPr/>
+          </a:p>
+        </p:txBody>
+      </p:sp>
+      <p:sp>
+        <p:nvSpPr>
+          <p:cNvPr id="139" name="TextBox 20"/>
+          <p:cNvSpPr txBox="1"/>
+          <p:nvPr/>
+        </p:nvSpPr>
+        <p:spPr>
+          <a:xfrm>
+            <a:off x="1145214" y="4217257"/>
+            <a:ext cx="2590763" cy="2500917"/>
+          </a:xfrm>
+          <a:prstGeom prst="rect">
+            <a:avLst/>
+          </a:prstGeom>
+          <a:ln w="12700">
+            <a:miter lim="400000"/>
+          </a:ln>
+          <a:extLst>
+            <a:ext uri="{C572A759-6A51-4108-AA02-DFA0A04FC94B}">
+              <ma14:wrappingTextBoxFlag xmlns="" xmlns:m="http://schemas.openxmlformats.org/officeDocument/2006/math" xmlns:a14="http://schemas.microsoft.com/office/drawing/2010/main" xmlns:ma14="http://schemas.microsoft.com/office/mac/drawingml/2011/main" val="1"/>
+            </a:ext>
+          </a:extLst>
+        </p:spPr>
+        <p:txBody>
+          <a:bodyPr wrap="square" lIns="45719" rIns="45719">
+            <a:spAutoFit/>
+          </a:bodyPr>
+          <a:lstStyle/>
+          <a:p>
+            <a:pPr>
+              <a:defRPr sz="1000">
+                <a:solidFill>
+                  <a:srgbClr val="5D5B5B"/>
+                </a:solidFill>
+              </a:defRPr>
+            </a:pPr>
+            <a:r>
+              <a:rPr lang="ko-KR" altLang="en-US" sz="1500" dirty="0" smtClean="0"/>
+              <a:t>전반적인 프로젝트 기획 및 레이아웃 디자인</a:t>
+            </a:r>
+            <a:r>
+              <a:rPr lang="en-US" altLang="ko-KR" sz="1500" dirty="0" smtClean="0"/>
+              <a:t>,</a:t>
+            </a:r>
+          </a:p>
+          <a:p>
+            <a:pPr>
+              <a:defRPr sz="1000">
+                <a:solidFill>
+                  <a:srgbClr val="5D5B5B"/>
+                </a:solidFill>
+              </a:defRPr>
+            </a:pPr>
+            <a:r>
+              <a:rPr lang="ko-KR" altLang="en-US" sz="1500" dirty="0" err="1" smtClean="0"/>
+              <a:t>인트로</a:t>
+            </a:r>
+            <a:r>
+              <a:rPr lang="ko-KR" altLang="en-US" sz="1500" dirty="0" smtClean="0"/>
+              <a:t> 기능 구현</a:t>
+            </a:r>
+            <a:r>
+              <a:rPr lang="en-US" altLang="ko-KR" sz="1500" dirty="0" smtClean="0"/>
+              <a:t>,</a:t>
+            </a:r>
+          </a:p>
+          <a:p>
+            <a:pPr>
+              <a:defRPr sz="1000">
+                <a:solidFill>
+                  <a:srgbClr val="5D5B5B"/>
+                </a:solidFill>
+              </a:defRPr>
+            </a:pPr>
+            <a:r>
+              <a:rPr lang="ko-KR" altLang="en-US" sz="1500" dirty="0" err="1" smtClean="0"/>
+              <a:t>드라워</a:t>
+            </a:r>
+            <a:r>
+              <a:rPr lang="ko-KR" altLang="en-US" sz="1500" dirty="0" smtClean="0"/>
+              <a:t> </a:t>
+            </a:r>
+            <a:r>
+              <a:rPr lang="ko-KR" altLang="en-US" sz="1500" dirty="0" err="1" smtClean="0"/>
+              <a:t>내비게이션</a:t>
+            </a:r>
+            <a:r>
+              <a:rPr lang="ko-KR" altLang="en-US" sz="1500" dirty="0" smtClean="0"/>
+              <a:t> 레이아웃 구현</a:t>
+            </a:r>
+            <a:r>
+              <a:rPr lang="en-US" altLang="ko-KR" sz="1500" dirty="0" smtClean="0"/>
+              <a:t>(</a:t>
+            </a:r>
+            <a:r>
+              <a:rPr lang="ko-KR" altLang="en-US" sz="1500" dirty="0" err="1" smtClean="0"/>
+              <a:t>마이페이지</a:t>
+            </a:r>
+            <a:r>
+              <a:rPr lang="en-US" altLang="ko-KR" sz="1500" dirty="0" smtClean="0"/>
+              <a:t>, </a:t>
+            </a:r>
+            <a:r>
+              <a:rPr lang="ko-KR" altLang="en-US" sz="1500" dirty="0" smtClean="0"/>
+              <a:t>리뷰 등 다양한 정보가 있는 메뉴로 구현 예정</a:t>
+            </a:r>
+            <a:r>
+              <a:rPr lang="en-US" altLang="ko-KR" sz="1500" dirty="0" smtClean="0"/>
+              <a:t>), </a:t>
+            </a:r>
+            <a:endParaRPr sz="1500" dirty="0"/>
+          </a:p>
+        </p:txBody>
+      </p:sp>
+      <p:sp>
+        <p:nvSpPr>
+          <p:cNvPr id="140" name="TextBox 21"/>
+          <p:cNvSpPr txBox="1"/>
+          <p:nvPr/>
+        </p:nvSpPr>
+        <p:spPr>
+          <a:xfrm>
+            <a:off x="4849809" y="4056562"/>
+            <a:ext cx="2492382" cy="3514803"/>
+          </a:xfrm>
+          <a:prstGeom prst="rect">
+            <a:avLst/>
+          </a:prstGeom>
+          <a:ln w="12700">
+            <a:miter lim="400000"/>
+          </a:ln>
+          <a:extLst>
+            <a:ext uri="{C572A759-6A51-4108-AA02-DFA0A04FC94B}">
+              <ma14:wrappingTextBoxFlag xmlns="" xmlns:m="http://schemas.openxmlformats.org/officeDocument/2006/math" xmlns:a14="http://schemas.microsoft.com/office/drawing/2010/main" xmlns:ma14="http://schemas.microsoft.com/office/mac/drawingml/2011/main" val="1"/>
+            </a:ext>
+          </a:extLst>
+        </p:spPr>
+        <p:txBody>
+          <a:bodyPr lIns="45719" rIns="45719">
+            <a:spAutoFit/>
+          </a:bodyPr>
+          <a:lstStyle/>
+          <a:p>
+            <a:pPr>
+              <a:defRPr sz="1000">
+                <a:solidFill>
+                  <a:srgbClr val="5D5B5B"/>
+                </a:solidFill>
+              </a:defRPr>
+            </a:pPr>
+            <a:r>
+              <a:rPr lang="ko-KR" altLang="en-US" sz="1500" dirty="0" err="1" smtClean="0"/>
+              <a:t>메인액티비티와</a:t>
+            </a:r>
+            <a:r>
+              <a:rPr lang="ko-KR" altLang="en-US" sz="1500" dirty="0" smtClean="0"/>
+              <a:t> 각 </a:t>
+            </a:r>
+            <a:r>
+              <a:rPr lang="ko-KR" altLang="en-US" sz="1500" dirty="0" err="1" smtClean="0"/>
+              <a:t>프래그먼트</a:t>
+            </a:r>
+            <a:r>
+              <a:rPr lang="ko-KR" altLang="en-US" sz="1500" dirty="0" smtClean="0"/>
+              <a:t> 연결</a:t>
+            </a:r>
+            <a:r>
+              <a:rPr lang="en-US" altLang="ko-KR" sz="1500" dirty="0" smtClean="0"/>
+              <a:t>, </a:t>
+            </a:r>
+          </a:p>
+          <a:p>
+            <a:pPr>
+              <a:defRPr sz="1000">
+                <a:solidFill>
+                  <a:srgbClr val="5D5B5B"/>
+                </a:solidFill>
+              </a:defRPr>
+            </a:pPr>
+            <a:r>
+              <a:rPr lang="ko-KR" altLang="en-US" sz="1500" dirty="0" err="1" smtClean="0"/>
+              <a:t>홈프래그먼트</a:t>
+            </a:r>
+            <a:r>
+              <a:rPr lang="ko-KR" altLang="en-US" sz="1500" dirty="0" smtClean="0"/>
+              <a:t> 디자인 및 기능 구현</a:t>
+            </a:r>
+            <a:r>
+              <a:rPr lang="en-US" altLang="ko-KR" sz="1500" dirty="0" smtClean="0"/>
+              <a:t>(</a:t>
+            </a:r>
+            <a:r>
+              <a:rPr lang="ko-KR" altLang="en-US" sz="1500" dirty="0" err="1" smtClean="0"/>
+              <a:t>리사이클러뷰와</a:t>
+            </a:r>
+            <a:r>
+              <a:rPr lang="ko-KR" altLang="en-US" sz="1500" dirty="0" smtClean="0"/>
+              <a:t> </a:t>
+            </a:r>
+            <a:r>
+              <a:rPr lang="ko-KR" altLang="en-US" sz="1500" dirty="0" err="1" smtClean="0"/>
+              <a:t>레트로핏을</a:t>
+            </a:r>
+            <a:r>
+              <a:rPr lang="ko-KR" altLang="en-US" sz="1500" dirty="0" smtClean="0"/>
+              <a:t> 이용하여 </a:t>
+            </a:r>
+            <a:r>
+              <a:rPr lang="en-US" altLang="ko-KR" sz="1500" dirty="0" smtClean="0"/>
+              <a:t>API </a:t>
+            </a:r>
+            <a:r>
+              <a:rPr lang="ko-KR" altLang="en-US" sz="1500" dirty="0" smtClean="0"/>
+              <a:t>데이터를 </a:t>
+            </a:r>
+            <a:r>
+              <a:rPr lang="ko-KR" altLang="en-US" sz="1500" dirty="0" err="1" smtClean="0"/>
+              <a:t>카드뷰</a:t>
+            </a:r>
+            <a:r>
+              <a:rPr lang="ko-KR" altLang="en-US" sz="1500" dirty="0" smtClean="0"/>
+              <a:t> 형식의 리스트로 뿌려줌</a:t>
+            </a:r>
+            <a:r>
+              <a:rPr lang="en-US" altLang="ko-KR" sz="1500" dirty="0" smtClean="0"/>
+              <a:t>), </a:t>
+            </a:r>
+          </a:p>
+          <a:p>
+            <a:pPr>
+              <a:defRPr sz="1000">
+                <a:solidFill>
+                  <a:srgbClr val="5D5B5B"/>
+                </a:solidFill>
+              </a:defRPr>
+            </a:pPr>
+            <a:r>
+              <a:rPr lang="ko-KR" altLang="en-US" sz="1500" dirty="0" err="1" smtClean="0"/>
+              <a:t>로그인액티비티</a:t>
+            </a:r>
+            <a:r>
+              <a:rPr lang="en-US" altLang="ko-KR" sz="1500" dirty="0" smtClean="0"/>
+              <a:t>(</a:t>
+            </a:r>
+            <a:r>
+              <a:rPr lang="ko-KR" altLang="en-US" sz="1500" dirty="0" err="1" smtClean="0"/>
+              <a:t>파이어베이스</a:t>
+            </a:r>
+            <a:r>
+              <a:rPr lang="ko-KR" altLang="en-US" sz="1500" dirty="0" smtClean="0"/>
+              <a:t> 인증 </a:t>
+            </a:r>
+            <a:r>
+              <a:rPr lang="en-US" altLang="ko-KR" sz="1500" dirty="0" smtClean="0"/>
+              <a:t>– </a:t>
+            </a:r>
+            <a:r>
+              <a:rPr lang="ko-KR" altLang="en-US" sz="1500" dirty="0" err="1" smtClean="0"/>
+              <a:t>이메일</a:t>
+            </a:r>
+            <a:r>
+              <a:rPr lang="en-US" altLang="ko-KR" sz="1500" dirty="0" smtClean="0"/>
+              <a:t>, </a:t>
+            </a:r>
+            <a:r>
+              <a:rPr lang="ko-KR" altLang="en-US" sz="1500" dirty="0" err="1" smtClean="0"/>
+              <a:t>구글</a:t>
+            </a:r>
+            <a:r>
+              <a:rPr lang="en-US" altLang="ko-KR" sz="1500" dirty="0" smtClean="0"/>
+              <a:t>, </a:t>
+            </a:r>
+            <a:r>
+              <a:rPr lang="ko-KR" altLang="en-US" sz="1500" dirty="0" err="1" smtClean="0"/>
+              <a:t>페이스북</a:t>
+            </a:r>
+            <a:r>
+              <a:rPr lang="en-US" altLang="ko-KR" sz="1500" dirty="0" smtClean="0"/>
+              <a:t>)  </a:t>
+            </a:r>
+            <a:endParaRPr sz="1500" dirty="0"/>
+          </a:p>
+        </p:txBody>
+      </p:sp>
+      <p:sp>
+        <p:nvSpPr>
+          <p:cNvPr id="141" name="TextBox 22"/>
+          <p:cNvSpPr txBox="1"/>
+          <p:nvPr/>
+        </p:nvSpPr>
+        <p:spPr>
+          <a:xfrm>
+            <a:off x="8554402" y="4163692"/>
+            <a:ext cx="2492383" cy="2838878"/>
+          </a:xfrm>
+          <a:prstGeom prst="rect">
+            <a:avLst/>
+          </a:prstGeom>
+          <a:ln w="12700">
+            <a:miter lim="400000"/>
+          </a:ln>
+          <a:extLst>
+            <a:ext uri="{C572A759-6A51-4108-AA02-DFA0A04FC94B}">
+              <ma14:wrappingTextBoxFlag xmlns="" xmlns:m="http://schemas.openxmlformats.org/officeDocument/2006/math" xmlns:a14="http://schemas.microsoft.com/office/drawing/2010/main" xmlns:ma14="http://schemas.microsoft.com/office/mac/drawingml/2011/main" val="1"/>
+            </a:ext>
+          </a:extLst>
+        </p:spPr>
+        <p:txBody>
+          <a:bodyPr lIns="45719" rIns="45719">
+            <a:spAutoFit/>
+          </a:bodyPr>
+          <a:lstStyle/>
+          <a:p>
+            <a:pPr algn="just">
+              <a:defRPr sz="1000">
+                <a:solidFill>
+                  <a:srgbClr val="5D5B5B"/>
+                </a:solidFill>
+              </a:defRPr>
+            </a:pPr>
+            <a:r>
+              <a:rPr lang="ko-KR" altLang="en-US" sz="1500" dirty="0" smtClean="0"/>
+              <a:t>전반적인 프로젝트 기획</a:t>
+            </a:r>
+            <a:endParaRPr lang="en-US" altLang="ko-KR" sz="1500" dirty="0" smtClean="0"/>
+          </a:p>
+          <a:p>
+            <a:pPr algn="just">
+              <a:defRPr sz="1000">
+                <a:solidFill>
+                  <a:srgbClr val="5D5B5B"/>
+                </a:solidFill>
+              </a:defRPr>
+            </a:pPr>
+            <a:r>
+              <a:rPr lang="ko-KR" altLang="en-US" sz="1500" dirty="0" err="1" smtClean="0"/>
+              <a:t>커스텀</a:t>
+            </a:r>
+            <a:r>
+              <a:rPr lang="ko-KR" altLang="en-US" sz="1500" dirty="0" smtClean="0"/>
+              <a:t> 캘린더 디자인 및 기능 구현</a:t>
+            </a:r>
+            <a:r>
+              <a:rPr lang="en-US" altLang="ko-KR" sz="1500" dirty="0" smtClean="0"/>
+              <a:t>,</a:t>
+            </a:r>
+          </a:p>
+          <a:p>
+            <a:pPr>
+              <a:defRPr sz="1000">
+                <a:solidFill>
+                  <a:srgbClr val="5D5B5B"/>
+                </a:solidFill>
+              </a:defRPr>
+            </a:pPr>
+            <a:r>
+              <a:rPr lang="ko-KR" altLang="en-US" sz="1500" dirty="0" err="1" smtClean="0"/>
+              <a:t>커스텀</a:t>
+            </a:r>
+            <a:r>
+              <a:rPr lang="ko-KR" altLang="en-US" sz="1500" dirty="0" smtClean="0"/>
+              <a:t> 캘린더와 </a:t>
+            </a:r>
+            <a:r>
+              <a:rPr lang="ko-KR" altLang="en-US" sz="1500" dirty="0" err="1" smtClean="0"/>
+              <a:t>파이어베이스</a:t>
+            </a:r>
+            <a:r>
+              <a:rPr lang="ko-KR" altLang="en-US" sz="1500" dirty="0" smtClean="0"/>
+              <a:t> </a:t>
+            </a:r>
+            <a:r>
+              <a:rPr lang="ko-KR" altLang="en-US" sz="1500" dirty="0" err="1" smtClean="0"/>
+              <a:t>파이어스토어를</a:t>
+            </a:r>
+            <a:r>
+              <a:rPr lang="ko-KR" altLang="en-US" sz="1500" dirty="0" smtClean="0"/>
+              <a:t> 연동하여 데이터 저장 및 불러오기 기능 구현</a:t>
+            </a:r>
+            <a:r>
+              <a:rPr lang="en-US" altLang="ko-KR" sz="1500" dirty="0" smtClean="0"/>
+              <a:t>,</a:t>
+            </a:r>
+          </a:p>
+        </p:txBody>
+      </p:sp>
+      <p:sp>
+        <p:nvSpPr>
+          <p:cNvPr id="142" name="직선 연결선 23"/>
+          <p:cNvSpPr/>
+          <p:nvPr/>
+        </p:nvSpPr>
+        <p:spPr>
+          <a:xfrm>
+            <a:off x="1188881" y="273124"/>
+            <a:ext cx="10666422" cy="1"/>
+          </a:xfrm>
+          <a:prstGeom prst="line">
+            <a:avLst/>
+          </a:prstGeom>
+          <a:ln w="19050">
+            <a:solidFill>
+              <a:schemeClr val="accent6"/>
+            </a:solidFill>
+            <a:miter/>
+          </a:ln>
+        </p:spPr>
+        <p:txBody>
+          <a:bodyPr lIns="45719" rIns="45719"/>
+          <a:lstStyle/>
+          <a:p>
+            <a:endParaRPr/>
+          </a:p>
+        </p:txBody>
+      </p:sp>
+      <p:sp>
+        <p:nvSpPr>
+          <p:cNvPr id="143" name="직사각형 24"/>
+          <p:cNvSpPr/>
+          <p:nvPr/>
+        </p:nvSpPr>
+        <p:spPr>
+          <a:xfrm>
+            <a:off x="265814" y="244548"/>
+            <a:ext cx="720001" cy="720001"/>
+          </a:xfrm>
+          <a:prstGeom prst="rect">
+            <a:avLst/>
+          </a:prstGeom>
+          <a:solidFill>
+            <a:srgbClr val="B8BCBB"/>
+          </a:solidFill>
+          <a:ln w="12700">
+            <a:miter lim="400000"/>
+          </a:ln>
+        </p:spPr>
+        <p:txBody>
+          <a:bodyPr lIns="45719" rIns="45719" anchor="ctr"/>
+          <a:lstStyle/>
+          <a:p>
+            <a:pPr algn="ctr">
+              <a:defRPr>
+                <a:solidFill>
+                  <a:srgbClr val="FFFFFF"/>
+                </a:solidFill>
+              </a:defRPr>
+            </a:pPr>
+            <a:endParaRPr/>
+          </a:p>
+        </p:txBody>
+      </p:sp>
+      <p:sp>
+        <p:nvSpPr>
+          <p:cNvPr id="144" name="TextBox 25"/>
+          <p:cNvSpPr txBox="1"/>
+          <p:nvPr/>
+        </p:nvSpPr>
+        <p:spPr>
+          <a:xfrm>
+            <a:off x="490138" y="323244"/>
+            <a:ext cx="259303" cy="548045"/>
+          </a:xfrm>
+          <a:prstGeom prst="rect">
+            <a:avLst/>
+          </a:prstGeom>
+          <a:ln w="12700">
+            <a:miter lim="400000"/>
+          </a:ln>
+          <a:extLst>
+            <a:ext uri="{C572A759-6A51-4108-AA02-DFA0A04FC94B}">
+              <ma14:wrappingTextBoxFlag xmlns="" xmlns:m="http://schemas.openxmlformats.org/officeDocument/2006/math" xmlns:a14="http://schemas.microsoft.com/office/drawing/2010/main" xmlns:ma14="http://schemas.microsoft.com/office/mac/drawingml/2011/main" val="1"/>
+            </a:ext>
+          </a:extLst>
+        </p:spPr>
+        <p:txBody>
+          <a:bodyPr lIns="45719" rIns="45719">
+            <a:spAutoFit/>
+          </a:bodyPr>
+          <a:lstStyle>
+            <a:lvl1pPr algn="ctr">
+              <a:defRPr sz="3200" b="1">
+                <a:solidFill>
+                  <a:srgbClr val="FFFFFF"/>
+                </a:solidFill>
+              </a:defRPr>
+            </a:lvl1pPr>
+          </a:lstStyle>
+          <a:p>
+            <a:r>
+              <a:t>1</a:t>
+            </a:r>
+          </a:p>
+        </p:txBody>
+      </p:sp>
+      <p:grpSp>
+        <p:nvGrpSpPr>
+          <p:cNvPr id="147" name="그룹 26"/>
+          <p:cNvGrpSpPr/>
+          <p:nvPr/>
+        </p:nvGrpSpPr>
+        <p:grpSpPr>
+          <a:xfrm>
+            <a:off x="1188881" y="351818"/>
+            <a:ext cx="1220845" cy="660427"/>
+            <a:chOff x="0" y="0"/>
+            <a:chExt cx="1220844" cy="660425"/>
+          </a:xfrm>
+        </p:grpSpPr>
+        <p:sp>
+          <p:nvSpPr>
+            <p:cNvPr id="145" name="TextBox 27"/>
+            <p:cNvSpPr txBox="1"/>
+            <p:nvPr/>
+          </p:nvSpPr>
+          <p:spPr>
+            <a:xfrm>
+              <a:off x="0" y="0"/>
+              <a:ext cx="928059" cy="281940"/>
+            </a:xfrm>
+            <a:prstGeom prst="rect">
+              <a:avLst/>
+            </a:prstGeom>
+            <a:noFill/>
+            <a:ln w="12700" cap="flat">
+              <a:noFill/>
+              <a:miter lim="400000"/>
+            </a:ln>
+            <a:effectLst/>
+            <a:extLst>
+              <a:ext uri="{C572A759-6A51-4108-AA02-DFA0A04FC94B}">
+                <ma14:wrappingTextBoxFlag xmlns="" xmlns:m="http://schemas.openxmlformats.org/officeDocument/2006/math" xmlns:a14="http://schemas.microsoft.com/office/drawing/2010/main" xmlns:ma14="http://schemas.microsoft.com/office/mac/drawingml/2011/main" val="1"/>
+              </a:ext>
+            </a:extLst>
+          </p:spPr>
+          <p:txBody>
+            <a:bodyPr wrap="none" lIns="45719" tIns="45719" rIns="45719" bIns="45719" numCol="1" anchor="t">
+              <a:spAutoFit/>
+            </a:bodyPr>
+            <a:lstStyle/>
+            <a:p>
+              <a:pPr>
+                <a:defRPr sz="1200"/>
+              </a:pPr>
+              <a:r>
+                <a:rPr dirty="0"/>
+                <a:t>001 </a:t>
+              </a:r>
+              <a:r>
+                <a:rPr dirty="0" err="1">
+                  <a:latin typeface="나눔스퀘어라운드 Regular"/>
+                  <a:ea typeface="나눔스퀘어라운드 Regular"/>
+                  <a:cs typeface="나눔스퀘어라운드 Regular"/>
+                  <a:sym typeface="나눔스퀘어라운드 Regular"/>
+                </a:rPr>
+                <a:t>어플소개</a:t>
+              </a:r>
+              <a:endParaRPr dirty="0">
+                <a:latin typeface="나눔스퀘어라운드 Regular"/>
+                <a:ea typeface="나눔스퀘어라운드 Regular"/>
+                <a:cs typeface="나눔스퀘어라운드 Regular"/>
+                <a:sym typeface="나눔스퀘어라운드 Regular"/>
+              </a:endParaRPr>
+            </a:p>
+          </p:txBody>
+        </p:sp>
+        <p:sp>
+          <p:nvSpPr>
+            <p:cNvPr id="146" name="TextBox 28"/>
+            <p:cNvSpPr txBox="1"/>
+            <p:nvPr/>
+          </p:nvSpPr>
+          <p:spPr>
+            <a:xfrm>
+              <a:off x="0" y="229541"/>
+              <a:ext cx="1220844" cy="430884"/>
+            </a:xfrm>
+            <a:prstGeom prst="rect">
+              <a:avLst/>
+            </a:prstGeom>
+            <a:noFill/>
+            <a:ln w="12700" cap="flat">
+              <a:noFill/>
+              <a:miter lim="400000"/>
+            </a:ln>
+            <a:effectLst/>
+            <a:extLst>
+              <a:ext uri="{C572A759-6A51-4108-AA02-DFA0A04FC94B}">
+                <ma14:wrappingTextBoxFlag xmlns="" xmlns:m="http://schemas.openxmlformats.org/officeDocument/2006/math" xmlns:a14="http://schemas.microsoft.com/office/drawing/2010/main" xmlns:ma14="http://schemas.microsoft.com/office/mac/drawingml/2011/main" val="1"/>
+              </a:ext>
+            </a:extLst>
+          </p:spPr>
+          <p:txBody>
+            <a:bodyPr wrap="none" lIns="45719" tIns="45719" rIns="45719" bIns="45719" numCol="1" anchor="t">
+              <a:spAutoFit/>
+            </a:bodyPr>
+            <a:lstStyle>
+              <a:lvl1pPr>
+                <a:defRPr sz="2200">
+                  <a:latin typeface="나눔스퀘어라운드 Regular"/>
+                  <a:ea typeface="나눔스퀘어라운드 Regular"/>
+                  <a:cs typeface="나눔스퀘어라운드 Regular"/>
+                  <a:sym typeface="나눔스퀘어라운드 Regular"/>
+                </a:defRPr>
+              </a:lvl1pPr>
+            </a:lstStyle>
+            <a:p>
+              <a:pPr>
+                <a:defRPr>
+                  <a:latin typeface="Arial"/>
+                  <a:ea typeface="Arial"/>
+                  <a:cs typeface="Arial"/>
+                  <a:sym typeface="Arial"/>
+                </a:defRPr>
+              </a:pPr>
+              <a:r>
+                <a:rPr lang="ko-KR" altLang="en-US" dirty="0" smtClean="0"/>
+                <a:t>역할분담</a:t>
+              </a:r>
+              <a:endParaRPr dirty="0">
+                <a:latin typeface="나눔스퀘어라운드 Regular"/>
+                <a:ea typeface="나눔스퀘어라운드 Regular"/>
+                <a:cs typeface="나눔스퀘어라운드 Regular"/>
+                <a:sym typeface="나눔스퀘어라운드 Regular"/>
+              </a:endParaRPr>
+            </a:p>
+          </p:txBody>
+        </p:sp>
+      </p:grpSp>
+      <p:sp>
+        <p:nvSpPr>
+          <p:cNvPr id="134" name="TextBox 10"/>
+          <p:cNvSpPr txBox="1"/>
+          <p:nvPr/>
+        </p:nvSpPr>
+        <p:spPr>
+          <a:xfrm>
+            <a:off x="1974580" y="2527757"/>
+            <a:ext cx="784828" cy="369332"/>
+          </a:xfrm>
+          <a:prstGeom prst="rect">
+            <a:avLst/>
+          </a:prstGeom>
+          <a:ln w="12700">
+            <a:miter lim="400000"/>
+          </a:ln>
+          <a:extLst>
+            <a:ext uri="{C572A759-6A51-4108-AA02-DFA0A04FC94B}">
+              <ma14:wrappingTextBoxFlag xmlns="" xmlns:m="http://schemas.openxmlformats.org/officeDocument/2006/math" xmlns:a14="http://schemas.microsoft.com/office/drawing/2010/main" xmlns:ma14="http://schemas.microsoft.com/office/mac/drawingml/2011/main" val="1"/>
+            </a:ext>
+          </a:extLst>
+        </p:spPr>
+        <p:txBody>
+          <a:bodyPr wrap="none" lIns="45719" rIns="45719">
+            <a:spAutoFit/>
+          </a:bodyPr>
+          <a:lstStyle>
+            <a:lvl1pPr algn="ctr">
+              <a:defRPr>
+                <a:solidFill>
+                  <a:srgbClr val="FFFFFF"/>
+                </a:solidFill>
+                <a:latin typeface="나눔스퀘어라운드 Regular"/>
+                <a:ea typeface="나눔스퀘어라운드 Regular"/>
+                <a:cs typeface="나눔스퀘어라운드 Regular"/>
+                <a:sym typeface="나눔스퀘어라운드 Regular"/>
+              </a:defRPr>
+            </a:lvl1pPr>
+          </a:lstStyle>
+          <a:p>
+            <a:pPr>
+              <a:defRPr>
+                <a:latin typeface="Arial"/>
+                <a:ea typeface="Arial"/>
+                <a:cs typeface="Arial"/>
+                <a:sym typeface="Arial"/>
+              </a:defRPr>
+            </a:pPr>
+            <a:r>
+              <a:rPr lang="ko-KR" altLang="en-US" dirty="0" smtClean="0"/>
+              <a:t>김다빈</a:t>
+            </a:r>
+            <a:endParaRPr dirty="0">
+              <a:latin typeface="나눔스퀘어라운드 Regular"/>
+              <a:ea typeface="나눔스퀘어라운드 Regular"/>
+              <a:cs typeface="나눔스퀘어라운드 Regular"/>
+              <a:sym typeface="나눔스퀘어라운드 Regular"/>
+            </a:endParaRPr>
+          </a:p>
+        </p:txBody>
+      </p:sp>
+      <p:sp>
+        <p:nvSpPr>
+          <p:cNvPr id="27" name="모서리가 둥근 직사각형 6"/>
+          <p:cNvSpPr/>
+          <p:nvPr/>
+        </p:nvSpPr>
+        <p:spPr>
+          <a:xfrm rot="2700000">
+            <a:off x="5495989" y="2141114"/>
+            <a:ext cx="1200022" cy="1200021"/>
+          </a:xfrm>
+          <a:prstGeom prst="roundRect">
+            <a:avLst>
+              <a:gd name="adj" fmla="val 16667"/>
+            </a:avLst>
+          </a:prstGeom>
+          <a:solidFill>
+            <a:schemeClr val="accent1">
+              <a:alpha val="70000"/>
+            </a:schemeClr>
+          </a:solidFill>
+          <a:ln w="12700" cap="flat">
+            <a:noFill/>
+            <a:miter lim="400000"/>
+          </a:ln>
+          <a:effectLst/>
+        </p:spPr>
+        <p:txBody>
+          <a:bodyPr wrap="square" lIns="45719" tIns="45719" rIns="45719" bIns="45719" numCol="1" anchor="ctr">
+            <a:noAutofit/>
+          </a:bodyPr>
+          <a:lstStyle/>
+          <a:p>
+            <a:pPr algn="ctr">
+              <a:defRPr>
+                <a:solidFill>
+                  <a:srgbClr val="FFFFFF"/>
+                </a:solidFill>
+              </a:defRPr>
+            </a:pPr>
+            <a:endParaRPr/>
+          </a:p>
+        </p:txBody>
+      </p:sp>
+      <p:sp>
+        <p:nvSpPr>
+          <p:cNvPr id="28" name="모서리가 둥근 직사각형 6"/>
+          <p:cNvSpPr/>
+          <p:nvPr/>
+        </p:nvSpPr>
+        <p:spPr>
+          <a:xfrm rot="2700000">
+            <a:off x="9224994" y="2141114"/>
+            <a:ext cx="1200022" cy="1200021"/>
+          </a:xfrm>
+          <a:prstGeom prst="roundRect">
+            <a:avLst>
+              <a:gd name="adj" fmla="val 16667"/>
+            </a:avLst>
+          </a:prstGeom>
+          <a:solidFill>
+            <a:schemeClr val="accent1">
+              <a:alpha val="70000"/>
+            </a:schemeClr>
+          </a:solidFill>
+          <a:ln w="12700" cap="flat">
+            <a:noFill/>
+            <a:miter lim="400000"/>
+          </a:ln>
+          <a:effectLst/>
+        </p:spPr>
+        <p:txBody>
+          <a:bodyPr wrap="square" lIns="45719" tIns="45719" rIns="45719" bIns="45719" numCol="1" anchor="ctr">
+            <a:noAutofit/>
+          </a:bodyPr>
+          <a:lstStyle/>
+          <a:p>
+            <a:pPr algn="ctr">
+              <a:defRPr>
+                <a:solidFill>
+                  <a:srgbClr val="FFFFFF"/>
+                </a:solidFill>
+              </a:defRPr>
+            </a:pPr>
+            <a:endParaRPr/>
+          </a:p>
+        </p:txBody>
+      </p:sp>
+      <p:sp>
+        <p:nvSpPr>
+          <p:cNvPr id="30" name="TextBox 10"/>
+          <p:cNvSpPr txBox="1"/>
+          <p:nvPr/>
+        </p:nvSpPr>
+        <p:spPr>
+          <a:xfrm>
+            <a:off x="5703586" y="2527757"/>
+            <a:ext cx="784828" cy="369332"/>
+          </a:xfrm>
+          <a:prstGeom prst="rect">
+            <a:avLst/>
+          </a:prstGeom>
+          <a:ln w="12700">
+            <a:miter lim="400000"/>
+          </a:ln>
+          <a:extLst>
+            <a:ext uri="{C572A759-6A51-4108-AA02-DFA0A04FC94B}">
+              <ma14:wrappingTextBoxFlag xmlns="" xmlns:m="http://schemas.openxmlformats.org/officeDocument/2006/math" xmlns:a14="http://schemas.microsoft.com/office/drawing/2010/main" xmlns:ma14="http://schemas.microsoft.com/office/mac/drawingml/2011/main" val="1"/>
+            </a:ext>
+          </a:extLst>
+        </p:spPr>
+        <p:txBody>
+          <a:bodyPr wrap="none" lIns="45719" rIns="45719">
+            <a:spAutoFit/>
+          </a:bodyPr>
+          <a:lstStyle>
+            <a:lvl1pPr algn="ctr">
+              <a:defRPr>
+                <a:solidFill>
+                  <a:srgbClr val="FFFFFF"/>
+                </a:solidFill>
+                <a:latin typeface="나눔스퀘어라운드 Regular"/>
+                <a:ea typeface="나눔스퀘어라운드 Regular"/>
+                <a:cs typeface="나눔스퀘어라운드 Regular"/>
+                <a:sym typeface="나눔스퀘어라운드 Regular"/>
+              </a:defRPr>
+            </a:lvl1pPr>
+          </a:lstStyle>
+          <a:p>
+            <a:pPr>
+              <a:defRPr>
+                <a:latin typeface="Arial"/>
+                <a:ea typeface="Arial"/>
+                <a:cs typeface="Arial"/>
+                <a:sym typeface="Arial"/>
+              </a:defRPr>
+            </a:pPr>
+            <a:r>
+              <a:rPr lang="ko-KR" altLang="en-US" dirty="0" smtClean="0"/>
+              <a:t>이상규</a:t>
+            </a:r>
+            <a:r>
+              <a:rPr lang="en-US" altLang="ko-KR" dirty="0" smtClean="0">
+                <a:latin typeface="나눔스퀘어라운드 Regular"/>
+                <a:ea typeface="나눔스퀘어라운드 Regular"/>
+                <a:cs typeface="나눔스퀘어라운드 Regular"/>
+                <a:sym typeface="나눔스퀘어라운드 Regular"/>
+              </a:rPr>
+              <a:t>	</a:t>
+            </a:r>
+            <a:endParaRPr dirty="0">
+              <a:latin typeface="나눔스퀘어라운드 Regular"/>
+              <a:ea typeface="나눔스퀘어라운드 Regular"/>
+              <a:cs typeface="나눔스퀘어라운드 Regular"/>
+              <a:sym typeface="나눔스퀘어라운드 Regular"/>
+            </a:endParaRPr>
+          </a:p>
+        </p:txBody>
+      </p:sp>
+      <p:sp>
+        <p:nvSpPr>
+          <p:cNvPr id="35" name="TextBox 10"/>
+          <p:cNvSpPr txBox="1"/>
+          <p:nvPr/>
+        </p:nvSpPr>
+        <p:spPr>
+          <a:xfrm>
+            <a:off x="9426179" y="2527757"/>
+            <a:ext cx="797652" cy="369332"/>
+          </a:xfrm>
+          <a:prstGeom prst="rect">
+            <a:avLst/>
+          </a:prstGeom>
+          <a:ln w="12700">
+            <a:miter lim="400000"/>
+          </a:ln>
+          <a:extLst>
+            <a:ext uri="{C572A759-6A51-4108-AA02-DFA0A04FC94B}">
+              <ma14:wrappingTextBoxFlag xmlns="" xmlns:m="http://schemas.openxmlformats.org/officeDocument/2006/math" xmlns:a14="http://schemas.microsoft.com/office/drawing/2010/main" xmlns:ma14="http://schemas.microsoft.com/office/mac/drawingml/2011/main" val="1"/>
+            </a:ext>
+          </a:extLst>
+        </p:spPr>
+        <p:txBody>
+          <a:bodyPr wrap="none" lIns="45719" rIns="45719">
+            <a:spAutoFit/>
+          </a:bodyPr>
+          <a:lstStyle>
+            <a:lvl1pPr algn="ctr">
+              <a:defRPr>
+                <a:solidFill>
+                  <a:srgbClr val="FFFFFF"/>
+                </a:solidFill>
+                <a:latin typeface="나눔스퀘어라운드 Regular"/>
+                <a:ea typeface="나눔스퀘어라운드 Regular"/>
+                <a:cs typeface="나눔스퀘어라운드 Regular"/>
+                <a:sym typeface="나눔스퀘어라운드 Regular"/>
+              </a:defRPr>
+            </a:lvl1pPr>
+          </a:lstStyle>
+          <a:p>
+            <a:pPr>
+              <a:defRPr>
+                <a:latin typeface="Arial"/>
+                <a:ea typeface="Arial"/>
+                <a:cs typeface="Arial"/>
+                <a:sym typeface="Arial"/>
+              </a:defRPr>
+            </a:pPr>
+            <a:r>
+              <a:rPr lang="ko-KR" altLang="en-US" dirty="0" smtClean="0"/>
+              <a:t>차혜연</a:t>
+            </a:r>
+            <a:r>
+              <a:rPr lang="en-US" altLang="ko-KR" dirty="0" smtClean="0">
+                <a:latin typeface="나눔스퀘어라운드 Regular"/>
+                <a:ea typeface="나눔스퀘어라운드 Regular"/>
+                <a:cs typeface="나눔스퀘어라운드 Regular"/>
+                <a:sym typeface="나눔스퀘어라운드 Regular"/>
+              </a:rPr>
+              <a:t>	</a:t>
+            </a:r>
+            <a:endParaRPr dirty="0">
+              <a:latin typeface="나눔스퀘어라운드 Regular"/>
+              <a:ea typeface="나눔스퀘어라운드 Regular"/>
+              <a:cs typeface="나눔스퀘어라운드 Regular"/>
+              <a:sym typeface="나눔스퀘어라운드 Regular"/>
+            </a:endParaRPr>
+          </a:p>
+        </p:txBody>
+      </p:sp>
+    </p:spTree>
+    <p:extLst>
+      <p:ext uri="{BB962C8B-B14F-4D97-AF65-F5344CB8AC3E}">
+        <p14:creationId xmlns:p14="http://schemas.microsoft.com/office/powerpoint/2010/main" val="1519337421"/>
+      </p:ext>
+    </p:extLst>
+  </p:cSld>
+  <p:clrMapOvr>
+    <a:masterClrMapping/>
+  </p:clrMapOvr>
+  <p:transition spd="med"/>
+  <p:timing>
+    <p:tnLst>
+      <p:par>
+        <p:cTn id="1" dur="indefinite" restart="never" nodeType="tmRoot"/>
+      </p:par>
+    </p:tnLst>
+  </p:timing>
+</p:sld>
+</file>
+
+<file path=ppt/slides/slide5.xml><?xml version="1.0" encoding="utf-8"?>
 <p:sld xmlns:a="http://schemas.openxmlformats.org/drawingml/2006/main" xmlns:r="http://schemas.openxmlformats.org/officeDocument/2006/relationships" xmlns:p="http://schemas.openxmlformats.org/presentationml/2006/main">
   <p:cSld>
     <p:spTree>
@@ -6954,7 +8463,7 @@
           </a:ln>
           <a:extLst>
             <a:ext uri="{C572A759-6A51-4108-AA02-DFA0A04FC94B}">
-              <ma14:wrappingTextBoxFlag xmlns:ma14="http://schemas.microsoft.com/office/mac/drawingml/2011/main" xmlns:a14="http://schemas.microsoft.com/office/drawing/2010/main" xmlns:m="http://schemas.openxmlformats.org/officeDocument/2006/math" xmlns="" val="1"/>
+              <ma14:wrappingTextBoxFlag xmlns="" xmlns:m="http://schemas.openxmlformats.org/officeDocument/2006/math" xmlns:a14="http://schemas.microsoft.com/office/drawing/2010/main" xmlns:ma14="http://schemas.microsoft.com/office/mac/drawingml/2011/main" val="1"/>
             </a:ext>
           </a:extLst>
         </p:spPr>
@@ -7015,7 +8524,7 @@
           </a:ln>
           <a:extLst>
             <a:ext uri="{C572A759-6A51-4108-AA02-DFA0A04FC94B}">
-              <ma14:wrappingTextBoxFlag xmlns:ma14="http://schemas.microsoft.com/office/mac/drawingml/2011/main" xmlns:a14="http://schemas.microsoft.com/office/drawing/2010/main" xmlns:m="http://schemas.openxmlformats.org/officeDocument/2006/math" xmlns="" val="1"/>
+              <ma14:wrappingTextBoxFlag xmlns="" xmlns:m="http://schemas.openxmlformats.org/officeDocument/2006/math" xmlns:a14="http://schemas.microsoft.com/office/drawing/2010/main" xmlns:ma14="http://schemas.microsoft.com/office/mac/drawingml/2011/main" val="1"/>
             </a:ext>
           </a:extLst>
         </p:spPr>
@@ -7076,7 +8585,7 @@
           </a:ln>
           <a:extLst>
             <a:ext uri="{C572A759-6A51-4108-AA02-DFA0A04FC94B}">
-              <ma14:wrappingTextBoxFlag xmlns:ma14="http://schemas.microsoft.com/office/mac/drawingml/2011/main" xmlns:a14="http://schemas.microsoft.com/office/drawing/2010/main" xmlns:m="http://schemas.openxmlformats.org/officeDocument/2006/math" xmlns="" val="1"/>
+              <ma14:wrappingTextBoxFlag xmlns="" xmlns:m="http://schemas.openxmlformats.org/officeDocument/2006/math" xmlns:a14="http://schemas.microsoft.com/office/drawing/2010/main" xmlns:ma14="http://schemas.microsoft.com/office/mac/drawingml/2011/main" val="1"/>
             </a:ext>
           </a:extLst>
         </p:spPr>
@@ -7197,7 +8706,7 @@
           </a:ln>
           <a:extLst>
             <a:ext uri="{C572A759-6A51-4108-AA02-DFA0A04FC94B}">
-              <ma14:wrappingTextBoxFlag xmlns:ma14="http://schemas.microsoft.com/office/mac/drawingml/2011/main" xmlns:a14="http://schemas.microsoft.com/office/drawing/2010/main" xmlns:m="http://schemas.openxmlformats.org/officeDocument/2006/math" xmlns="" val="1"/>
+              <ma14:wrappingTextBoxFlag xmlns="" xmlns:m="http://schemas.openxmlformats.org/officeDocument/2006/math" xmlns:a14="http://schemas.microsoft.com/office/drawing/2010/main" xmlns:ma14="http://schemas.microsoft.com/office/mac/drawingml/2011/main" val="1"/>
             </a:ext>
           </a:extLst>
         </p:spPr>
@@ -7272,7 +8781,7 @@
           </a:ln>
           <a:extLst>
             <a:ext uri="{C572A759-6A51-4108-AA02-DFA0A04FC94B}">
-              <ma14:wrappingTextBoxFlag xmlns:ma14="http://schemas.microsoft.com/office/mac/drawingml/2011/main" xmlns:a14="http://schemas.microsoft.com/office/drawing/2010/main" xmlns:m="http://schemas.openxmlformats.org/officeDocument/2006/math" xmlns="" val="1"/>
+              <ma14:wrappingTextBoxFlag xmlns="" xmlns:m="http://schemas.openxmlformats.org/officeDocument/2006/math" xmlns:a14="http://schemas.microsoft.com/office/drawing/2010/main" xmlns:ma14="http://schemas.microsoft.com/office/mac/drawingml/2011/main" val="1"/>
             </a:ext>
           </a:extLst>
         </p:spPr>
@@ -7323,7 +8832,7 @@
           </a:ln>
           <a:extLst>
             <a:ext uri="{C572A759-6A51-4108-AA02-DFA0A04FC94B}">
-              <ma14:wrappingTextBoxFlag xmlns:ma14="http://schemas.microsoft.com/office/mac/drawingml/2011/main" xmlns:a14="http://schemas.microsoft.com/office/drawing/2010/main" xmlns:m="http://schemas.openxmlformats.org/officeDocument/2006/math" xmlns="" val="1"/>
+              <ma14:wrappingTextBoxFlag xmlns="" xmlns:m="http://schemas.openxmlformats.org/officeDocument/2006/math" xmlns:a14="http://schemas.microsoft.com/office/drawing/2010/main" xmlns:ma14="http://schemas.microsoft.com/office/mac/drawingml/2011/main" val="1"/>
             </a:ext>
           </a:extLst>
         </p:spPr>
@@ -7451,7 +8960,7 @@
           </a:ln>
           <a:extLst>
             <a:ext uri="{C572A759-6A51-4108-AA02-DFA0A04FC94B}">
-              <ma14:wrappingTextBoxFlag xmlns:ma14="http://schemas.microsoft.com/office/mac/drawingml/2011/main" xmlns:a14="http://schemas.microsoft.com/office/drawing/2010/main" xmlns:m="http://schemas.openxmlformats.org/officeDocument/2006/math" xmlns="" val="1"/>
+              <ma14:wrappingTextBoxFlag xmlns="" xmlns:m="http://schemas.openxmlformats.org/officeDocument/2006/math" xmlns:a14="http://schemas.microsoft.com/office/drawing/2010/main" xmlns:ma14="http://schemas.microsoft.com/office/mac/drawingml/2011/main" val="1"/>
             </a:ext>
           </a:extLst>
         </p:spPr>
@@ -7511,7 +9020,7 @@
             <a:effectLst/>
             <a:extLst>
               <a:ext uri="{C572A759-6A51-4108-AA02-DFA0A04FC94B}">
-                <ma14:wrappingTextBoxFlag xmlns:ma14="http://schemas.microsoft.com/office/mac/drawingml/2011/main" xmlns:a14="http://schemas.microsoft.com/office/drawing/2010/main" xmlns:m="http://schemas.openxmlformats.org/officeDocument/2006/math" xmlns="" val="1"/>
+                <ma14:wrappingTextBoxFlag xmlns="" xmlns:m="http://schemas.openxmlformats.org/officeDocument/2006/math" xmlns:a14="http://schemas.microsoft.com/office/drawing/2010/main" xmlns:ma14="http://schemas.microsoft.com/office/mac/drawingml/2011/main" val="1"/>
               </a:ext>
             </a:extLst>
           </p:spPr>
@@ -7561,7 +9070,7 @@
             <a:effectLst/>
             <a:extLst>
               <a:ext uri="{C572A759-6A51-4108-AA02-DFA0A04FC94B}">
-                <ma14:wrappingTextBoxFlag xmlns:ma14="http://schemas.microsoft.com/office/mac/drawingml/2011/main" xmlns:a14="http://schemas.microsoft.com/office/drawing/2010/main" xmlns:m="http://schemas.openxmlformats.org/officeDocument/2006/math" xmlns="" val="1"/>
+                <ma14:wrappingTextBoxFlag xmlns="" xmlns:m="http://schemas.openxmlformats.org/officeDocument/2006/math" xmlns:a14="http://schemas.microsoft.com/office/drawing/2010/main" xmlns:ma14="http://schemas.microsoft.com/office/mac/drawingml/2011/main" val="1"/>
               </a:ext>
             </a:extLst>
           </p:spPr>
@@ -7620,7 +9129,7 @@
           </a:ln>
           <a:extLst>
             <a:ext uri="{C572A759-6A51-4108-AA02-DFA0A04FC94B}">
-              <ma14:wrappingTextBoxFlag xmlns:ma14="http://schemas.microsoft.com/office/mac/drawingml/2011/main" xmlns:a14="http://schemas.microsoft.com/office/drawing/2010/main" xmlns:m="http://schemas.openxmlformats.org/officeDocument/2006/math" xmlns="" val="1"/>
+              <ma14:wrappingTextBoxFlag xmlns="" xmlns:m="http://schemas.openxmlformats.org/officeDocument/2006/math" xmlns:a14="http://schemas.microsoft.com/office/drawing/2010/main" xmlns:ma14="http://schemas.microsoft.com/office/mac/drawingml/2011/main" val="1"/>
             </a:ext>
           </a:extLst>
         </p:spPr>
@@ -7663,7 +9172,7 @@
           </a:ln>
           <a:extLst>
             <a:ext uri="{C572A759-6A51-4108-AA02-DFA0A04FC94B}">
-              <ma14:wrappingTextBoxFlag xmlns:ma14="http://schemas.microsoft.com/office/mac/drawingml/2011/main" xmlns:a14="http://schemas.microsoft.com/office/drawing/2010/main" xmlns:m="http://schemas.openxmlformats.org/officeDocument/2006/math" xmlns="" val="1"/>
+              <ma14:wrappingTextBoxFlag xmlns="" xmlns:m="http://schemas.openxmlformats.org/officeDocument/2006/math" xmlns:a14="http://schemas.microsoft.com/office/drawing/2010/main" xmlns:ma14="http://schemas.microsoft.com/office/mac/drawingml/2011/main" val="1"/>
             </a:ext>
           </a:extLst>
         </p:spPr>
@@ -7706,7 +9215,7 @@
           </a:ln>
           <a:extLst>
             <a:ext uri="{C572A759-6A51-4108-AA02-DFA0A04FC94B}">
-              <ma14:wrappingTextBoxFlag xmlns:ma14="http://schemas.microsoft.com/office/mac/drawingml/2011/main" xmlns:a14="http://schemas.microsoft.com/office/drawing/2010/main" xmlns:m="http://schemas.openxmlformats.org/officeDocument/2006/math" xmlns="" val="1"/>
+              <ma14:wrappingTextBoxFlag xmlns="" xmlns:m="http://schemas.openxmlformats.org/officeDocument/2006/math" xmlns:a14="http://schemas.microsoft.com/office/drawing/2010/main" xmlns:ma14="http://schemas.microsoft.com/office/mac/drawingml/2011/main" val="1"/>
             </a:ext>
           </a:extLst>
         </p:spPr>
@@ -7746,7 +9255,7 @@
 </p:sld>
 </file>
 
-<file path=ppt/slides/slide5.xml><?xml version="1.0" encoding="utf-8"?>
+<file path=ppt/slides/slide6.xml><?xml version="1.0" encoding="utf-8"?>
 <p:sld xmlns:a="http://schemas.openxmlformats.org/drawingml/2006/main" xmlns:r="http://schemas.openxmlformats.org/officeDocument/2006/relationships" xmlns:p="http://schemas.openxmlformats.org/presentationml/2006/main">
   <p:cSld>
     <p:spTree>
@@ -7811,7 +9320,7 @@
           </a:ln>
           <a:extLst>
             <a:ext uri="{C572A759-6A51-4108-AA02-DFA0A04FC94B}">
-              <ma14:wrappingTextBoxFlag xmlns:ma14="http://schemas.microsoft.com/office/mac/drawingml/2011/main" xmlns:a14="http://schemas.microsoft.com/office/drawing/2010/main" xmlns:m="http://schemas.openxmlformats.org/officeDocument/2006/math" xmlns="" val="1"/>
+              <ma14:wrappingTextBoxFlag xmlns="" xmlns:m="http://schemas.openxmlformats.org/officeDocument/2006/math" xmlns:a14="http://schemas.microsoft.com/office/drawing/2010/main" xmlns:ma14="http://schemas.microsoft.com/office/mac/drawingml/2011/main" val="1"/>
             </a:ext>
           </a:extLst>
         </p:spPr>
@@ -7872,7 +9381,7 @@
           </a:ln>
           <a:extLst>
             <a:ext uri="{C572A759-6A51-4108-AA02-DFA0A04FC94B}">
-              <ma14:wrappingTextBoxFlag xmlns:ma14="http://schemas.microsoft.com/office/mac/drawingml/2011/main" xmlns:a14="http://schemas.microsoft.com/office/drawing/2010/main" xmlns:m="http://schemas.openxmlformats.org/officeDocument/2006/math" xmlns="" val="1"/>
+              <ma14:wrappingTextBoxFlag xmlns="" xmlns:m="http://schemas.openxmlformats.org/officeDocument/2006/math" xmlns:a14="http://schemas.microsoft.com/office/drawing/2010/main" xmlns:ma14="http://schemas.microsoft.com/office/mac/drawingml/2011/main" val="1"/>
             </a:ext>
           </a:extLst>
         </p:spPr>
@@ -8011,7 +9520,7 @@
           </a:ln>
           <a:extLst>
             <a:ext uri="{C572A759-6A51-4108-AA02-DFA0A04FC94B}">
-              <ma14:wrappingTextBoxFlag xmlns:ma14="http://schemas.microsoft.com/office/mac/drawingml/2011/main" xmlns:a14="http://schemas.microsoft.com/office/drawing/2010/main" xmlns:m="http://schemas.openxmlformats.org/officeDocument/2006/math" xmlns="" val="1"/>
+              <ma14:wrappingTextBoxFlag xmlns="" xmlns:m="http://schemas.openxmlformats.org/officeDocument/2006/math" xmlns:a14="http://schemas.microsoft.com/office/drawing/2010/main" xmlns:ma14="http://schemas.microsoft.com/office/mac/drawingml/2011/main" val="1"/>
             </a:ext>
           </a:extLst>
         </p:spPr>
@@ -8123,7 +9632,7 @@
           </a:ln>
           <a:extLst>
             <a:ext uri="{C572A759-6A51-4108-AA02-DFA0A04FC94B}">
-              <ma14:wrappingTextBoxFlag xmlns:ma14="http://schemas.microsoft.com/office/mac/drawingml/2011/main" xmlns:a14="http://schemas.microsoft.com/office/drawing/2010/main" xmlns:m="http://schemas.openxmlformats.org/officeDocument/2006/math" xmlns="" val="1"/>
+              <ma14:wrappingTextBoxFlag xmlns="" xmlns:m="http://schemas.openxmlformats.org/officeDocument/2006/math" xmlns:a14="http://schemas.microsoft.com/office/drawing/2010/main" xmlns:ma14="http://schemas.microsoft.com/office/mac/drawingml/2011/main" val="1"/>
             </a:ext>
           </a:extLst>
         </p:spPr>
@@ -8183,7 +9692,7 @@
             <a:effectLst/>
             <a:extLst>
               <a:ext uri="{C572A759-6A51-4108-AA02-DFA0A04FC94B}">
-                <ma14:wrappingTextBoxFlag xmlns:ma14="http://schemas.microsoft.com/office/mac/drawingml/2011/main" xmlns:a14="http://schemas.microsoft.com/office/drawing/2010/main" xmlns:m="http://schemas.openxmlformats.org/officeDocument/2006/math" xmlns="" val="1"/>
+                <ma14:wrappingTextBoxFlag xmlns="" xmlns:m="http://schemas.openxmlformats.org/officeDocument/2006/math" xmlns:a14="http://schemas.microsoft.com/office/drawing/2010/main" xmlns:ma14="http://schemas.microsoft.com/office/mac/drawingml/2011/main" val="1"/>
               </a:ext>
             </a:extLst>
           </p:spPr>
@@ -8233,7 +9742,7 @@
             <a:effectLst/>
             <a:extLst>
               <a:ext uri="{C572A759-6A51-4108-AA02-DFA0A04FC94B}">
-                <ma14:wrappingTextBoxFlag xmlns:ma14="http://schemas.microsoft.com/office/mac/drawingml/2011/main" xmlns:a14="http://schemas.microsoft.com/office/drawing/2010/main" xmlns:m="http://schemas.openxmlformats.org/officeDocument/2006/math" xmlns="" val="1"/>
+                <ma14:wrappingTextBoxFlag xmlns="" xmlns:m="http://schemas.openxmlformats.org/officeDocument/2006/math" xmlns:a14="http://schemas.microsoft.com/office/drawing/2010/main" xmlns:ma14="http://schemas.microsoft.com/office/mac/drawingml/2011/main" val="1"/>
               </a:ext>
             </a:extLst>
           </p:spPr>
@@ -8292,7 +9801,7 @@
           </a:ln>
           <a:extLst>
             <a:ext uri="{C572A759-6A51-4108-AA02-DFA0A04FC94B}">
-              <ma14:wrappingTextBoxFlag xmlns:ma14="http://schemas.microsoft.com/office/mac/drawingml/2011/main" xmlns:a14="http://schemas.microsoft.com/office/drawing/2010/main" xmlns:m="http://schemas.openxmlformats.org/officeDocument/2006/math" xmlns="" val="1"/>
+              <ma14:wrappingTextBoxFlag xmlns="" xmlns:m="http://schemas.openxmlformats.org/officeDocument/2006/math" xmlns:a14="http://schemas.microsoft.com/office/drawing/2010/main" xmlns:ma14="http://schemas.microsoft.com/office/mac/drawingml/2011/main" val="1"/>
             </a:ext>
           </a:extLst>
         </p:spPr>
@@ -8370,7 +9879,7 @@
 </p:sld>
 </file>
 
-<file path=ppt/slides/slide6.xml><?xml version="1.0" encoding="utf-8"?>
+<file path=ppt/slides/slide7.xml><?xml version="1.0" encoding="utf-8"?>
 <p:sld xmlns:a="http://schemas.openxmlformats.org/drawingml/2006/main" xmlns:r="http://schemas.openxmlformats.org/officeDocument/2006/relationships" xmlns:p="http://schemas.openxmlformats.org/presentationml/2006/main">
   <p:cSld>
     <p:spTree>
@@ -8471,7 +9980,7 @@
           </a:ln>
           <a:extLst>
             <a:ext uri="{C572A759-6A51-4108-AA02-DFA0A04FC94B}">
-              <ma14:wrappingTextBoxFlag xmlns:ma14="http://schemas.microsoft.com/office/mac/drawingml/2011/main" xmlns:a14="http://schemas.microsoft.com/office/drawing/2010/main" xmlns:m="http://schemas.openxmlformats.org/officeDocument/2006/math" xmlns="" val="1"/>
+              <ma14:wrappingTextBoxFlag xmlns="" xmlns:m="http://schemas.openxmlformats.org/officeDocument/2006/math" xmlns:a14="http://schemas.microsoft.com/office/drawing/2010/main" xmlns:ma14="http://schemas.microsoft.com/office/mac/drawingml/2011/main" val="1"/>
             </a:ext>
           </a:extLst>
         </p:spPr>
@@ -8531,7 +10040,7 @@
             <a:effectLst/>
             <a:extLst>
               <a:ext uri="{C572A759-6A51-4108-AA02-DFA0A04FC94B}">
-                <ma14:wrappingTextBoxFlag xmlns:ma14="http://schemas.microsoft.com/office/mac/drawingml/2011/main" xmlns:a14="http://schemas.microsoft.com/office/drawing/2010/main" xmlns:m="http://schemas.openxmlformats.org/officeDocument/2006/math" xmlns="" val="1"/>
+                <ma14:wrappingTextBoxFlag xmlns="" xmlns:m="http://schemas.openxmlformats.org/officeDocument/2006/math" xmlns:a14="http://schemas.microsoft.com/office/drawing/2010/main" xmlns:ma14="http://schemas.microsoft.com/office/mac/drawingml/2011/main" val="1"/>
               </a:ext>
             </a:extLst>
           </p:spPr>
@@ -8581,7 +10090,7 @@
             <a:effectLst/>
             <a:extLst>
               <a:ext uri="{C572A759-6A51-4108-AA02-DFA0A04FC94B}">
-                <ma14:wrappingTextBoxFlag xmlns:ma14="http://schemas.microsoft.com/office/mac/drawingml/2011/main" xmlns:a14="http://schemas.microsoft.com/office/drawing/2010/main" xmlns:m="http://schemas.openxmlformats.org/officeDocument/2006/math" xmlns="" val="1"/>
+                <ma14:wrappingTextBoxFlag xmlns="" xmlns:m="http://schemas.openxmlformats.org/officeDocument/2006/math" xmlns:a14="http://schemas.microsoft.com/office/drawing/2010/main" xmlns:ma14="http://schemas.microsoft.com/office/mac/drawingml/2011/main" val="1"/>
               </a:ext>
             </a:extLst>
           </p:spPr>
@@ -8798,7 +10307,7 @@
             <a:effectLst/>
             <a:extLst>
               <a:ext uri="{C572A759-6A51-4108-AA02-DFA0A04FC94B}">
-                <ma14:wrappingTextBoxFlag xmlns:ma14="http://schemas.microsoft.com/office/mac/drawingml/2011/main" xmlns:a14="http://schemas.microsoft.com/office/drawing/2010/main" xmlns:m="http://schemas.openxmlformats.org/officeDocument/2006/math" xmlns="" val="1"/>
+                <ma14:wrappingTextBoxFlag xmlns="" xmlns:m="http://schemas.openxmlformats.org/officeDocument/2006/math" xmlns:a14="http://schemas.microsoft.com/office/drawing/2010/main" xmlns:ma14="http://schemas.microsoft.com/office/mac/drawingml/2011/main" val="1"/>
               </a:ext>
             </a:extLst>
           </p:spPr>
@@ -8862,7 +10371,7 @@
             <a:effectLst/>
             <a:extLst>
               <a:ext uri="{C572A759-6A51-4108-AA02-DFA0A04FC94B}">
-                <ma14:wrappingTextBoxFlag xmlns:ma14="http://schemas.microsoft.com/office/mac/drawingml/2011/main" xmlns:a14="http://schemas.microsoft.com/office/drawing/2010/main" xmlns:m="http://schemas.openxmlformats.org/officeDocument/2006/math" xmlns="" val="1"/>
+                <ma14:wrappingTextBoxFlag xmlns="" xmlns:m="http://schemas.openxmlformats.org/officeDocument/2006/math" xmlns:a14="http://schemas.microsoft.com/office/drawing/2010/main" xmlns:ma14="http://schemas.microsoft.com/office/mac/drawingml/2011/main" val="1"/>
               </a:ext>
             </a:extLst>
           </p:spPr>
@@ -8931,7 +10440,7 @@
             <a:effectLst/>
             <a:extLst>
               <a:ext uri="{C572A759-6A51-4108-AA02-DFA0A04FC94B}">
-                <ma14:wrappingTextBoxFlag xmlns:ma14="http://schemas.microsoft.com/office/mac/drawingml/2011/main" xmlns:a14="http://schemas.microsoft.com/office/drawing/2010/main" xmlns:m="http://schemas.openxmlformats.org/officeDocument/2006/math" xmlns="" val="1"/>
+                <ma14:wrappingTextBoxFlag xmlns="" xmlns:m="http://schemas.openxmlformats.org/officeDocument/2006/math" xmlns:a14="http://schemas.microsoft.com/office/drawing/2010/main" xmlns:ma14="http://schemas.microsoft.com/office/mac/drawingml/2011/main" val="1"/>
               </a:ext>
             </a:extLst>
           </p:spPr>
@@ -8985,7 +10494,7 @@
             <a:effectLst/>
             <a:extLst>
               <a:ext uri="{C572A759-6A51-4108-AA02-DFA0A04FC94B}">
-                <ma14:wrappingTextBoxFlag xmlns:ma14="http://schemas.microsoft.com/office/mac/drawingml/2011/main" xmlns:a14="http://schemas.microsoft.com/office/drawing/2010/main" xmlns:m="http://schemas.openxmlformats.org/officeDocument/2006/math" xmlns="" val="1"/>
+                <ma14:wrappingTextBoxFlag xmlns="" xmlns:m="http://schemas.openxmlformats.org/officeDocument/2006/math" xmlns:a14="http://schemas.microsoft.com/office/drawing/2010/main" xmlns:ma14="http://schemas.microsoft.com/office/mac/drawingml/2011/main" val="1"/>
               </a:ext>
             </a:extLst>
           </p:spPr>
@@ -9116,7 +10625,7 @@
             <a:effectLst/>
             <a:extLst>
               <a:ext uri="{C572A759-6A51-4108-AA02-DFA0A04FC94B}">
-                <ma14:wrappingTextBoxFlag xmlns:ma14="http://schemas.microsoft.com/office/mac/drawingml/2011/main" xmlns:a14="http://schemas.microsoft.com/office/drawing/2010/main" xmlns:m="http://schemas.openxmlformats.org/officeDocument/2006/math" xmlns="" val="1"/>
+                <ma14:wrappingTextBoxFlag xmlns="" xmlns:m="http://schemas.openxmlformats.org/officeDocument/2006/math" xmlns:a14="http://schemas.microsoft.com/office/drawing/2010/main" xmlns:ma14="http://schemas.microsoft.com/office/mac/drawingml/2011/main" val="1"/>
               </a:ext>
             </a:extLst>
           </p:spPr>
@@ -9170,7 +10679,7 @@
             <a:effectLst/>
             <a:extLst>
               <a:ext uri="{C572A759-6A51-4108-AA02-DFA0A04FC94B}">
-                <ma14:wrappingTextBoxFlag xmlns:ma14="http://schemas.microsoft.com/office/mac/drawingml/2011/main" xmlns:a14="http://schemas.microsoft.com/office/drawing/2010/main" xmlns:m="http://schemas.openxmlformats.org/officeDocument/2006/math" xmlns="" val="1"/>
+                <ma14:wrappingTextBoxFlag xmlns="" xmlns:m="http://schemas.openxmlformats.org/officeDocument/2006/math" xmlns:a14="http://schemas.microsoft.com/office/drawing/2010/main" xmlns:ma14="http://schemas.microsoft.com/office/mac/drawingml/2011/main" val="1"/>
               </a:ext>
             </a:extLst>
           </p:spPr>
@@ -9324,7 +10833,7 @@
           </a:ln>
           <a:extLst>
             <a:ext uri="{C572A759-6A51-4108-AA02-DFA0A04FC94B}">
-              <ma14:wrappingTextBoxFlag xmlns:ma14="http://schemas.microsoft.com/office/mac/drawingml/2011/main" xmlns:a14="http://schemas.microsoft.com/office/drawing/2010/main" xmlns:m="http://schemas.openxmlformats.org/officeDocument/2006/math" xmlns="" val="1"/>
+              <ma14:wrappingTextBoxFlag xmlns="" xmlns:m="http://schemas.openxmlformats.org/officeDocument/2006/math" xmlns:a14="http://schemas.microsoft.com/office/drawing/2010/main" xmlns:ma14="http://schemas.microsoft.com/office/mac/drawingml/2011/main" val="1"/>
             </a:ext>
           </a:extLst>
         </p:spPr>
@@ -9349,318 +10858,6 @@
             <a:r>
               <a:t>Copyrightⓒ. Saebyeol Yu. All Rights Reserved.</a:t>
             </a:r>
-          </a:p>
-        </p:txBody>
-      </p:sp>
-    </p:spTree>
-  </p:cSld>
-  <p:clrMapOvr>
-    <a:masterClrMapping/>
-  </p:clrMapOvr>
-  <p:transition spd="med"/>
-  <p:timing>
-    <p:tnLst>
-      <p:par>
-        <p:cTn id="1" dur="indefinite" restart="never" nodeType="tmRoot"/>
-      </p:par>
-    </p:tnLst>
-  </p:timing>
-</p:sld>
-</file>
-
-<file path=ppt/slides/slide7.xml><?xml version="1.0" encoding="utf-8"?>
-<p:sld xmlns:a="http://schemas.openxmlformats.org/drawingml/2006/main" xmlns:r="http://schemas.openxmlformats.org/officeDocument/2006/relationships" xmlns:p="http://schemas.openxmlformats.org/presentationml/2006/main">
-  <p:cSld>
-    <p:spTree>
-      <p:nvGrpSpPr>
-        <p:cNvPr id="1" name=""/>
-        <p:cNvGrpSpPr/>
-        <p:nvPr/>
-      </p:nvGrpSpPr>
-      <p:grpSpPr>
-        <a:xfrm>
-          <a:off x="0" y="0"/>
-          <a:ext cx="0" cy="0"/>
-          <a:chOff x="0" y="0"/>
-          <a:chExt cx="0" cy="0"/>
-        </a:xfrm>
-      </p:grpSpPr>
-      <p:sp>
-        <p:nvSpPr>
-          <p:cNvPr id="189" name="TextBox 5"/>
-          <p:cNvSpPr txBox="1"/>
-          <p:nvPr/>
-        </p:nvSpPr>
-        <p:spPr>
-          <a:xfrm>
-            <a:off x="489352" y="2285885"/>
-            <a:ext cx="1629778" cy="1102926"/>
-          </a:xfrm>
-          <a:prstGeom prst="rect">
-            <a:avLst/>
-          </a:prstGeom>
-          <a:ln w="12700">
-            <a:miter lim="400000"/>
-          </a:ln>
-          <a:extLst>
-            <a:ext uri="{C572A759-6A51-4108-AA02-DFA0A04FC94B}">
-              <ma14:wrappingTextBoxFlag xmlns:ma14="http://schemas.microsoft.com/office/mac/drawingml/2011/main" xmlns:a14="http://schemas.microsoft.com/office/drawing/2010/main" xmlns:m="http://schemas.openxmlformats.org/officeDocument/2006/math" xmlns="" val="1"/>
-            </a:ext>
-          </a:extLst>
-        </p:spPr>
-        <p:txBody>
-          <a:bodyPr wrap="none" lIns="45719" rIns="45719">
-            <a:spAutoFit/>
-          </a:bodyPr>
-          <a:lstStyle>
-            <a:lvl1pPr>
-              <a:defRPr sz="7200" b="1">
-                <a:solidFill>
-                  <a:srgbClr val="5D5B5B"/>
-                </a:solidFill>
-              </a:defRPr>
-            </a:lvl1pPr>
-          </a:lstStyle>
-          <a:p>
-            <a:r>
-              <a:t>002</a:t>
-            </a:r>
-          </a:p>
-        </p:txBody>
-      </p:sp>
-      <p:sp>
-        <p:nvSpPr>
-          <p:cNvPr id="190" name="TextBox 8"/>
-          <p:cNvSpPr txBox="1"/>
-          <p:nvPr/>
-        </p:nvSpPr>
-        <p:spPr>
-          <a:xfrm>
-            <a:off x="533434" y="3549401"/>
-            <a:ext cx="1434085" cy="586741"/>
-          </a:xfrm>
-          <a:prstGeom prst="rect">
-            <a:avLst/>
-          </a:prstGeom>
-          <a:ln w="12700">
-            <a:miter lim="400000"/>
-          </a:ln>
-          <a:extLst>
-            <a:ext uri="{C572A759-6A51-4108-AA02-DFA0A04FC94B}">
-              <ma14:wrappingTextBoxFlag xmlns:ma14="http://schemas.microsoft.com/office/mac/drawingml/2011/main" xmlns:a14="http://schemas.microsoft.com/office/drawing/2010/main" xmlns:m="http://schemas.openxmlformats.org/officeDocument/2006/math" xmlns="" val="1"/>
-            </a:ext>
-          </a:extLst>
-        </p:spPr>
-        <p:txBody>
-          <a:bodyPr wrap="none" lIns="45719" rIns="45719">
-            <a:spAutoFit/>
-          </a:bodyPr>
-          <a:lstStyle>
-            <a:lvl1pPr>
-              <a:defRPr sz="3200" spc="-150">
-                <a:solidFill>
-                  <a:srgbClr val="5D5B5B"/>
-                </a:solidFill>
-                <a:latin typeface="나눔스퀘어라운드 Regular"/>
-                <a:ea typeface="나눔스퀘어라운드 Regular"/>
-                <a:cs typeface="나눔스퀘어라운드 Regular"/>
-                <a:sym typeface="나눔스퀘어라운드 Regular"/>
-              </a:defRPr>
-            </a:lvl1pPr>
-          </a:lstStyle>
-          <a:p>
-            <a:r>
-              <a:t>제작현황</a:t>
-            </a:r>
-          </a:p>
-        </p:txBody>
-      </p:sp>
-      <p:sp>
-        <p:nvSpPr>
-          <p:cNvPr id="191" name="TextBox 9"/>
-          <p:cNvSpPr txBox="1"/>
-          <p:nvPr/>
-        </p:nvSpPr>
-        <p:spPr>
-          <a:xfrm>
-            <a:off x="9885601" y="6505575"/>
-            <a:ext cx="2236328" cy="239048"/>
-          </a:xfrm>
-          <a:prstGeom prst="rect">
-            <a:avLst/>
-          </a:prstGeom>
-          <a:ln w="12700">
-            <a:miter lim="400000"/>
-          </a:ln>
-          <a:extLst>
-            <a:ext uri="{C572A759-6A51-4108-AA02-DFA0A04FC94B}">
-              <ma14:wrappingTextBoxFlag xmlns:ma14="http://schemas.microsoft.com/office/mac/drawingml/2011/main" xmlns:a14="http://schemas.microsoft.com/office/drawing/2010/main" xmlns:m="http://schemas.openxmlformats.org/officeDocument/2006/math" xmlns="" val="1"/>
-            </a:ext>
-          </a:extLst>
-        </p:spPr>
-        <p:txBody>
-          <a:bodyPr wrap="none" lIns="45719" rIns="45719">
-            <a:spAutoFit/>
-          </a:bodyPr>
-          <a:lstStyle>
-            <a:lvl1pPr algn="r">
-              <a:defRPr sz="800">
-                <a:solidFill>
-                  <a:schemeClr val="accent6"/>
-                </a:solidFill>
-                <a:latin typeface="나눔스퀘어라운드 Regular"/>
-                <a:ea typeface="나눔스퀘어라운드 Regular"/>
-                <a:cs typeface="나눔스퀘어라운드 Regular"/>
-                <a:sym typeface="나눔스퀘어라운드 Regular"/>
-              </a:defRPr>
-            </a:lvl1pPr>
-          </a:lstStyle>
-          <a:p>
-            <a:r>
-              <a:t>Copyrightⓒ. Saebyeol Yu. All Rights Reserved.</a:t>
-            </a:r>
-          </a:p>
-        </p:txBody>
-      </p:sp>
-      <p:sp>
-        <p:nvSpPr>
-          <p:cNvPr id="192" name="직선 연결선 17"/>
-          <p:cNvSpPr/>
-          <p:nvPr/>
-        </p:nvSpPr>
-        <p:spPr>
-          <a:xfrm>
-            <a:off x="489352" y="3392487"/>
-            <a:ext cx="6974703" cy="1"/>
-          </a:xfrm>
-          <a:prstGeom prst="line">
-            <a:avLst/>
-          </a:prstGeom>
-          <a:ln w="6350">
-            <a:solidFill>
-              <a:schemeClr val="accent6"/>
-            </a:solidFill>
-            <a:miter/>
-          </a:ln>
-        </p:spPr>
-        <p:txBody>
-          <a:bodyPr lIns="45719" rIns="45719"/>
-          <a:lstStyle/>
-          <a:p>
-            <a:endParaRPr/>
-          </a:p>
-        </p:txBody>
-      </p:sp>
-      <p:sp>
-        <p:nvSpPr>
-          <p:cNvPr id="193" name="TextBox 21"/>
-          <p:cNvSpPr txBox="1"/>
-          <p:nvPr/>
-        </p:nvSpPr>
-        <p:spPr>
-          <a:xfrm>
-            <a:off x="5175153" y="3090072"/>
-            <a:ext cx="92396" cy="246221"/>
-          </a:xfrm>
-          <a:prstGeom prst="rect">
-            <a:avLst/>
-          </a:prstGeom>
-          <a:ln w="12700">
-            <a:miter lim="400000"/>
-          </a:ln>
-          <a:extLst>
-            <a:ext uri="{C572A759-6A51-4108-AA02-DFA0A04FC94B}">
-              <ma14:wrappingTextBoxFlag xmlns:ma14="http://schemas.microsoft.com/office/mac/drawingml/2011/main" xmlns:a14="http://schemas.microsoft.com/office/drawing/2010/main" xmlns:m="http://schemas.openxmlformats.org/officeDocument/2006/math" xmlns="" val="1"/>
-            </a:ext>
-          </a:extLst>
-        </p:spPr>
-        <p:txBody>
-          <a:bodyPr wrap="none" lIns="45719" rIns="45719">
-            <a:spAutoFit/>
-          </a:bodyPr>
-          <a:lstStyle>
-            <a:lvl1pPr>
-              <a:defRPr sz="1000"/>
-            </a:lvl1pPr>
-          </a:lstStyle>
-          <a:p>
-            <a:endParaRPr dirty="0"/>
-          </a:p>
-        </p:txBody>
-      </p:sp>
-      <p:sp>
-        <p:nvSpPr>
-          <p:cNvPr id="194" name="이등변 삼각형 10"/>
-          <p:cNvSpPr/>
-          <p:nvPr/>
-        </p:nvSpPr>
-        <p:spPr>
-          <a:xfrm>
-            <a:off x="6688066" y="919926"/>
-            <a:ext cx="3334367" cy="4594206"/>
-          </a:xfrm>
-          <a:prstGeom prst="triangle">
-            <a:avLst/>
-          </a:prstGeom>
-          <a:solidFill>
-            <a:schemeClr val="accent1">
-              <a:alpha val="50000"/>
-            </a:schemeClr>
-          </a:solidFill>
-          <a:ln w="12700">
-            <a:miter lim="400000"/>
-          </a:ln>
-        </p:spPr>
-        <p:txBody>
-          <a:bodyPr lIns="45719" rIns="45719" anchor="ctr"/>
-          <a:lstStyle/>
-          <a:p>
-            <a:pPr algn="ctr">
-              <a:defRPr>
-                <a:solidFill>
-                  <a:srgbClr val="FFFFFF"/>
-                </a:solidFill>
-              </a:defRPr>
-            </a:pPr>
-            <a:endParaRPr/>
-          </a:p>
-        </p:txBody>
-      </p:sp>
-      <p:sp>
-        <p:nvSpPr>
-          <p:cNvPr id="195" name="이등변 삼각형 11"/>
-          <p:cNvSpPr/>
-          <p:nvPr/>
-        </p:nvSpPr>
-        <p:spPr>
-          <a:xfrm>
-            <a:off x="8552835" y="919926"/>
-            <a:ext cx="3334366" cy="4594206"/>
-          </a:xfrm>
-          <a:prstGeom prst="triangle">
-            <a:avLst/>
-          </a:prstGeom>
-          <a:solidFill>
-            <a:schemeClr val="accent4">
-              <a:alpha val="20000"/>
-            </a:schemeClr>
-          </a:solidFill>
-          <a:ln w="12700">
-            <a:miter lim="400000"/>
-          </a:ln>
-        </p:spPr>
-        <p:txBody>
-          <a:bodyPr lIns="45719" rIns="45719" anchor="ctr"/>
-          <a:lstStyle/>
-          <a:p>
-            <a:pPr algn="ctr">
-              <a:defRPr>
-                <a:solidFill>
-                  <a:srgbClr val="FFFFFF"/>
-                </a:solidFill>
-              </a:defRPr>
-            </a:pPr>
-            <a:endParaRPr/>
           </a:p>
         </p:txBody>
       </p:sp>
@@ -9697,6 +10894,318 @@
           <a:chExt cx="0" cy="0"/>
         </a:xfrm>
       </p:grpSpPr>
+      <p:sp>
+        <p:nvSpPr>
+          <p:cNvPr id="189" name="TextBox 5"/>
+          <p:cNvSpPr txBox="1"/>
+          <p:nvPr/>
+        </p:nvSpPr>
+        <p:spPr>
+          <a:xfrm>
+            <a:off x="489352" y="2285885"/>
+            <a:ext cx="1629778" cy="1102926"/>
+          </a:xfrm>
+          <a:prstGeom prst="rect">
+            <a:avLst/>
+          </a:prstGeom>
+          <a:ln w="12700">
+            <a:miter lim="400000"/>
+          </a:ln>
+          <a:extLst>
+            <a:ext uri="{C572A759-6A51-4108-AA02-DFA0A04FC94B}">
+              <ma14:wrappingTextBoxFlag xmlns="" xmlns:m="http://schemas.openxmlformats.org/officeDocument/2006/math" xmlns:a14="http://schemas.microsoft.com/office/drawing/2010/main" xmlns:ma14="http://schemas.microsoft.com/office/mac/drawingml/2011/main" val="1"/>
+            </a:ext>
+          </a:extLst>
+        </p:spPr>
+        <p:txBody>
+          <a:bodyPr wrap="none" lIns="45719" rIns="45719">
+            <a:spAutoFit/>
+          </a:bodyPr>
+          <a:lstStyle>
+            <a:lvl1pPr>
+              <a:defRPr sz="7200" b="1">
+                <a:solidFill>
+                  <a:srgbClr val="5D5B5B"/>
+                </a:solidFill>
+              </a:defRPr>
+            </a:lvl1pPr>
+          </a:lstStyle>
+          <a:p>
+            <a:r>
+              <a:t>002</a:t>
+            </a:r>
+          </a:p>
+        </p:txBody>
+      </p:sp>
+      <p:sp>
+        <p:nvSpPr>
+          <p:cNvPr id="190" name="TextBox 8"/>
+          <p:cNvSpPr txBox="1"/>
+          <p:nvPr/>
+        </p:nvSpPr>
+        <p:spPr>
+          <a:xfrm>
+            <a:off x="533434" y="3549401"/>
+            <a:ext cx="1434085" cy="586741"/>
+          </a:xfrm>
+          <a:prstGeom prst="rect">
+            <a:avLst/>
+          </a:prstGeom>
+          <a:ln w="12700">
+            <a:miter lim="400000"/>
+          </a:ln>
+          <a:extLst>
+            <a:ext uri="{C572A759-6A51-4108-AA02-DFA0A04FC94B}">
+              <ma14:wrappingTextBoxFlag xmlns="" xmlns:m="http://schemas.openxmlformats.org/officeDocument/2006/math" xmlns:a14="http://schemas.microsoft.com/office/drawing/2010/main" xmlns:ma14="http://schemas.microsoft.com/office/mac/drawingml/2011/main" val="1"/>
+            </a:ext>
+          </a:extLst>
+        </p:spPr>
+        <p:txBody>
+          <a:bodyPr wrap="none" lIns="45719" rIns="45719">
+            <a:spAutoFit/>
+          </a:bodyPr>
+          <a:lstStyle>
+            <a:lvl1pPr>
+              <a:defRPr sz="3200" spc="-150">
+                <a:solidFill>
+                  <a:srgbClr val="5D5B5B"/>
+                </a:solidFill>
+                <a:latin typeface="나눔스퀘어라운드 Regular"/>
+                <a:ea typeface="나눔스퀘어라운드 Regular"/>
+                <a:cs typeface="나눔스퀘어라운드 Regular"/>
+                <a:sym typeface="나눔스퀘어라운드 Regular"/>
+              </a:defRPr>
+            </a:lvl1pPr>
+          </a:lstStyle>
+          <a:p>
+            <a:r>
+              <a:t>제작현황</a:t>
+            </a:r>
+          </a:p>
+        </p:txBody>
+      </p:sp>
+      <p:sp>
+        <p:nvSpPr>
+          <p:cNvPr id="191" name="TextBox 9"/>
+          <p:cNvSpPr txBox="1"/>
+          <p:nvPr/>
+        </p:nvSpPr>
+        <p:spPr>
+          <a:xfrm>
+            <a:off x="9885601" y="6505575"/>
+            <a:ext cx="2236328" cy="239048"/>
+          </a:xfrm>
+          <a:prstGeom prst="rect">
+            <a:avLst/>
+          </a:prstGeom>
+          <a:ln w="12700">
+            <a:miter lim="400000"/>
+          </a:ln>
+          <a:extLst>
+            <a:ext uri="{C572A759-6A51-4108-AA02-DFA0A04FC94B}">
+              <ma14:wrappingTextBoxFlag xmlns="" xmlns:m="http://schemas.openxmlformats.org/officeDocument/2006/math" xmlns:a14="http://schemas.microsoft.com/office/drawing/2010/main" xmlns:ma14="http://schemas.microsoft.com/office/mac/drawingml/2011/main" val="1"/>
+            </a:ext>
+          </a:extLst>
+        </p:spPr>
+        <p:txBody>
+          <a:bodyPr wrap="none" lIns="45719" rIns="45719">
+            <a:spAutoFit/>
+          </a:bodyPr>
+          <a:lstStyle>
+            <a:lvl1pPr algn="r">
+              <a:defRPr sz="800">
+                <a:solidFill>
+                  <a:schemeClr val="accent6"/>
+                </a:solidFill>
+                <a:latin typeface="나눔스퀘어라운드 Regular"/>
+                <a:ea typeface="나눔스퀘어라운드 Regular"/>
+                <a:cs typeface="나눔스퀘어라운드 Regular"/>
+                <a:sym typeface="나눔스퀘어라운드 Regular"/>
+              </a:defRPr>
+            </a:lvl1pPr>
+          </a:lstStyle>
+          <a:p>
+            <a:r>
+              <a:t>Copyrightⓒ. Saebyeol Yu. All Rights Reserved.</a:t>
+            </a:r>
+          </a:p>
+        </p:txBody>
+      </p:sp>
+      <p:sp>
+        <p:nvSpPr>
+          <p:cNvPr id="192" name="직선 연결선 17"/>
+          <p:cNvSpPr/>
+          <p:nvPr/>
+        </p:nvSpPr>
+        <p:spPr>
+          <a:xfrm>
+            <a:off x="489352" y="3392487"/>
+            <a:ext cx="6974703" cy="1"/>
+          </a:xfrm>
+          <a:prstGeom prst="line">
+            <a:avLst/>
+          </a:prstGeom>
+          <a:ln w="6350">
+            <a:solidFill>
+              <a:schemeClr val="accent6"/>
+            </a:solidFill>
+            <a:miter/>
+          </a:ln>
+        </p:spPr>
+        <p:txBody>
+          <a:bodyPr lIns="45719" rIns="45719"/>
+          <a:lstStyle/>
+          <a:p>
+            <a:endParaRPr/>
+          </a:p>
+        </p:txBody>
+      </p:sp>
+      <p:sp>
+        <p:nvSpPr>
+          <p:cNvPr id="193" name="TextBox 21"/>
+          <p:cNvSpPr txBox="1"/>
+          <p:nvPr/>
+        </p:nvSpPr>
+        <p:spPr>
+          <a:xfrm>
+            <a:off x="5175153" y="3090072"/>
+            <a:ext cx="92396" cy="246221"/>
+          </a:xfrm>
+          <a:prstGeom prst="rect">
+            <a:avLst/>
+          </a:prstGeom>
+          <a:ln w="12700">
+            <a:miter lim="400000"/>
+          </a:ln>
+          <a:extLst>
+            <a:ext uri="{C572A759-6A51-4108-AA02-DFA0A04FC94B}">
+              <ma14:wrappingTextBoxFlag xmlns="" xmlns:m="http://schemas.openxmlformats.org/officeDocument/2006/math" xmlns:a14="http://schemas.microsoft.com/office/drawing/2010/main" xmlns:ma14="http://schemas.microsoft.com/office/mac/drawingml/2011/main" val="1"/>
+            </a:ext>
+          </a:extLst>
+        </p:spPr>
+        <p:txBody>
+          <a:bodyPr wrap="none" lIns="45719" rIns="45719">
+            <a:spAutoFit/>
+          </a:bodyPr>
+          <a:lstStyle>
+            <a:lvl1pPr>
+              <a:defRPr sz="1000"/>
+            </a:lvl1pPr>
+          </a:lstStyle>
+          <a:p>
+            <a:endParaRPr dirty="0"/>
+          </a:p>
+        </p:txBody>
+      </p:sp>
+      <p:sp>
+        <p:nvSpPr>
+          <p:cNvPr id="194" name="이등변 삼각형 10"/>
+          <p:cNvSpPr/>
+          <p:nvPr/>
+        </p:nvSpPr>
+        <p:spPr>
+          <a:xfrm>
+            <a:off x="6688066" y="919926"/>
+            <a:ext cx="3334367" cy="4594206"/>
+          </a:xfrm>
+          <a:prstGeom prst="triangle">
+            <a:avLst/>
+          </a:prstGeom>
+          <a:solidFill>
+            <a:schemeClr val="accent1">
+              <a:alpha val="50000"/>
+            </a:schemeClr>
+          </a:solidFill>
+          <a:ln w="12700">
+            <a:miter lim="400000"/>
+          </a:ln>
+        </p:spPr>
+        <p:txBody>
+          <a:bodyPr lIns="45719" rIns="45719" anchor="ctr"/>
+          <a:lstStyle/>
+          <a:p>
+            <a:pPr algn="ctr">
+              <a:defRPr>
+                <a:solidFill>
+                  <a:srgbClr val="FFFFFF"/>
+                </a:solidFill>
+              </a:defRPr>
+            </a:pPr>
+            <a:endParaRPr/>
+          </a:p>
+        </p:txBody>
+      </p:sp>
+      <p:sp>
+        <p:nvSpPr>
+          <p:cNvPr id="195" name="이등변 삼각형 11"/>
+          <p:cNvSpPr/>
+          <p:nvPr/>
+        </p:nvSpPr>
+        <p:spPr>
+          <a:xfrm>
+            <a:off x="8552835" y="919926"/>
+            <a:ext cx="3334366" cy="4594206"/>
+          </a:xfrm>
+          <a:prstGeom prst="triangle">
+            <a:avLst/>
+          </a:prstGeom>
+          <a:solidFill>
+            <a:schemeClr val="accent4">
+              <a:alpha val="20000"/>
+            </a:schemeClr>
+          </a:solidFill>
+          <a:ln w="12700">
+            <a:miter lim="400000"/>
+          </a:ln>
+        </p:spPr>
+        <p:txBody>
+          <a:bodyPr lIns="45719" rIns="45719" anchor="ctr"/>
+          <a:lstStyle/>
+          <a:p>
+            <a:pPr algn="ctr">
+              <a:defRPr>
+                <a:solidFill>
+                  <a:srgbClr val="FFFFFF"/>
+                </a:solidFill>
+              </a:defRPr>
+            </a:pPr>
+            <a:endParaRPr/>
+          </a:p>
+        </p:txBody>
+      </p:sp>
+    </p:spTree>
+  </p:cSld>
+  <p:clrMapOvr>
+    <a:masterClrMapping/>
+  </p:clrMapOvr>
+  <p:transition spd="med"/>
+  <p:timing>
+    <p:tnLst>
+      <p:par>
+        <p:cTn id="1" dur="indefinite" restart="never" nodeType="tmRoot"/>
+      </p:par>
+    </p:tnLst>
+  </p:timing>
+</p:sld>
+</file>
+
+<file path=ppt/slides/slide9.xml><?xml version="1.0" encoding="utf-8"?>
+<p:sld xmlns:a="http://schemas.openxmlformats.org/drawingml/2006/main" xmlns:r="http://schemas.openxmlformats.org/officeDocument/2006/relationships" xmlns:p="http://schemas.openxmlformats.org/presentationml/2006/main">
+  <p:cSld>
+    <p:spTree>
+      <p:nvGrpSpPr>
+        <p:cNvPr id="1" name=""/>
+        <p:cNvGrpSpPr/>
+        <p:nvPr/>
+      </p:nvGrpSpPr>
+      <p:grpSpPr>
+        <a:xfrm>
+          <a:off x="0" y="0"/>
+          <a:ext cx="0" cy="0"/>
+          <a:chOff x="0" y="0"/>
+          <a:chExt cx="0" cy="0"/>
+        </a:xfrm>
+      </p:grpSpPr>
       <p:pic>
         <p:nvPicPr>
           <p:cNvPr id="197" name="스크린샷 2019-04-24 오후 12.33.32.png" descr="스크린샷 2019-04-24 오후 12.33.32.png"/>
@@ -9803,7 +11312,7 @@
           </a:ln>
           <a:extLst>
             <a:ext uri="{C572A759-6A51-4108-AA02-DFA0A04FC94B}">
-              <ma14:wrappingTextBoxFlag xmlns:ma14="http://schemas.microsoft.com/office/mac/drawingml/2011/main" xmlns:a14="http://schemas.microsoft.com/office/drawing/2010/main" xmlns:m="http://schemas.openxmlformats.org/officeDocument/2006/math" xmlns="" val="1"/>
+              <ma14:wrappingTextBoxFlag xmlns="" xmlns:m="http://schemas.openxmlformats.org/officeDocument/2006/math" xmlns:a14="http://schemas.microsoft.com/office/drawing/2010/main" xmlns:ma14="http://schemas.microsoft.com/office/mac/drawingml/2011/main" val="1"/>
             </a:ext>
           </a:extLst>
         </p:spPr>
@@ -9915,7 +11424,7 @@
           </a:ln>
           <a:extLst>
             <a:ext uri="{C572A759-6A51-4108-AA02-DFA0A04FC94B}">
-              <ma14:wrappingTextBoxFlag xmlns:ma14="http://schemas.microsoft.com/office/mac/drawingml/2011/main" xmlns:a14="http://schemas.microsoft.com/office/drawing/2010/main" xmlns:m="http://schemas.openxmlformats.org/officeDocument/2006/math" xmlns="" val="1"/>
+              <ma14:wrappingTextBoxFlag xmlns="" xmlns:m="http://schemas.openxmlformats.org/officeDocument/2006/math" xmlns:a14="http://schemas.microsoft.com/office/drawing/2010/main" xmlns:ma14="http://schemas.microsoft.com/office/mac/drawingml/2011/main" val="1"/>
             </a:ext>
           </a:extLst>
         </p:spPr>
@@ -9975,7 +11484,7 @@
             <a:effectLst/>
             <a:extLst>
               <a:ext uri="{C572A759-6A51-4108-AA02-DFA0A04FC94B}">
-                <ma14:wrappingTextBoxFlag xmlns:ma14="http://schemas.microsoft.com/office/mac/drawingml/2011/main" xmlns:a14="http://schemas.microsoft.com/office/drawing/2010/main" xmlns:m="http://schemas.openxmlformats.org/officeDocument/2006/math" xmlns="" val="1"/>
+                <ma14:wrappingTextBoxFlag xmlns="" xmlns:m="http://schemas.openxmlformats.org/officeDocument/2006/math" xmlns:a14="http://schemas.microsoft.com/office/drawing/2010/main" xmlns:ma14="http://schemas.microsoft.com/office/mac/drawingml/2011/main" val="1"/>
               </a:ext>
             </a:extLst>
           </p:spPr>
@@ -10025,7 +11534,7 @@
             <a:effectLst/>
             <a:extLst>
               <a:ext uri="{C572A759-6A51-4108-AA02-DFA0A04FC94B}">
-                <ma14:wrappingTextBoxFlag xmlns:ma14="http://schemas.microsoft.com/office/mac/drawingml/2011/main" xmlns:a14="http://schemas.microsoft.com/office/drawing/2010/main" xmlns:m="http://schemas.openxmlformats.org/officeDocument/2006/math" xmlns="" val="1"/>
+                <ma14:wrappingTextBoxFlag xmlns="" xmlns:m="http://schemas.openxmlformats.org/officeDocument/2006/math" xmlns:a14="http://schemas.microsoft.com/office/drawing/2010/main" xmlns:ma14="http://schemas.microsoft.com/office/mac/drawingml/2011/main" val="1"/>
               </a:ext>
             </a:extLst>
           </p:spPr>
@@ -10084,7 +11593,7 @@
           </a:ln>
           <a:extLst>
             <a:ext uri="{C572A759-6A51-4108-AA02-DFA0A04FC94B}">
-              <ma14:wrappingTextBoxFlag xmlns:ma14="http://schemas.microsoft.com/office/mac/drawingml/2011/main" xmlns:a14="http://schemas.microsoft.com/office/drawing/2010/main" xmlns:m="http://schemas.openxmlformats.org/officeDocument/2006/math" xmlns="" val="1"/>
+              <ma14:wrappingTextBoxFlag xmlns="" xmlns:m="http://schemas.openxmlformats.org/officeDocument/2006/math" xmlns:a14="http://schemas.microsoft.com/office/drawing/2010/main" xmlns:ma14="http://schemas.microsoft.com/office/mac/drawingml/2011/main" val="1"/>
             </a:ext>
           </a:extLst>
         </p:spPr>
@@ -10142,7 +11651,7 @@
           </a:ln>
           <a:extLst>
             <a:ext uri="{C572A759-6A51-4108-AA02-DFA0A04FC94B}">
-              <ma14:wrappingTextBoxFlag xmlns:ma14="http://schemas.microsoft.com/office/mac/drawingml/2011/main" xmlns:a14="http://schemas.microsoft.com/office/drawing/2010/main" xmlns:m="http://schemas.openxmlformats.org/officeDocument/2006/math" xmlns="" val="1"/>
+              <ma14:wrappingTextBoxFlag xmlns="" xmlns:m="http://schemas.openxmlformats.org/officeDocument/2006/math" xmlns:a14="http://schemas.microsoft.com/office/drawing/2010/main" xmlns:ma14="http://schemas.microsoft.com/office/mac/drawingml/2011/main" val="1"/>
             </a:ext>
           </a:extLst>
         </p:spPr>
@@ -10200,7 +11709,7 @@
           </a:ln>
           <a:extLst>
             <a:ext uri="{C572A759-6A51-4108-AA02-DFA0A04FC94B}">
-              <ma14:wrappingTextBoxFlag xmlns:ma14="http://schemas.microsoft.com/office/mac/drawingml/2011/main" xmlns:a14="http://schemas.microsoft.com/office/drawing/2010/main" xmlns:m="http://schemas.openxmlformats.org/officeDocument/2006/math" xmlns="" val="1"/>
+              <ma14:wrappingTextBoxFlag xmlns="" xmlns:m="http://schemas.openxmlformats.org/officeDocument/2006/math" xmlns:a14="http://schemas.microsoft.com/office/drawing/2010/main" xmlns:ma14="http://schemas.microsoft.com/office/mac/drawingml/2011/main" val="1"/>
             </a:ext>
           </a:extLst>
         </p:spPr>
@@ -10235,494 +11744,6 @@
                 <a:sym typeface="나눔스퀘어라운드 Regular"/>
               </a:rPr>
               <a:t>메인 페이지</a:t>
-            </a:r>
-          </a:p>
-        </p:txBody>
-      </p:sp>
-    </p:spTree>
-  </p:cSld>
-  <p:clrMapOvr>
-    <a:masterClrMapping/>
-  </p:clrMapOvr>
-  <p:transition spd="med"/>
-  <p:timing>
-    <p:tnLst>
-      <p:par>
-        <p:cTn id="1" dur="indefinite" restart="never" nodeType="tmRoot"/>
-      </p:par>
-    </p:tnLst>
-  </p:timing>
-</p:sld>
-</file>
-
-<file path=ppt/slides/slide9.xml><?xml version="1.0" encoding="utf-8"?>
-<p:sld xmlns:a="http://schemas.openxmlformats.org/drawingml/2006/main" xmlns:r="http://schemas.openxmlformats.org/officeDocument/2006/relationships" xmlns:p="http://schemas.openxmlformats.org/presentationml/2006/main">
-  <p:cSld>
-    <p:spTree>
-      <p:nvGrpSpPr>
-        <p:cNvPr id="1" name=""/>
-        <p:cNvGrpSpPr/>
-        <p:nvPr/>
-      </p:nvGrpSpPr>
-      <p:grpSpPr>
-        <a:xfrm>
-          <a:off x="0" y="0"/>
-          <a:ext cx="0" cy="0"/>
-          <a:chOff x="0" y="0"/>
-          <a:chExt cx="0" cy="0"/>
-        </a:xfrm>
-      </p:grpSpPr>
-      <p:pic>
-        <p:nvPicPr>
-          <p:cNvPr id="211" name="스크린샷 2019-04-24 오후 12.33.54.png" descr="스크린샷 2019-04-24 오후 12.33.54.png"/>
-          <p:cNvPicPr>
-            <a:picLocks noChangeAspect="1"/>
-          </p:cNvPicPr>
-          <p:nvPr/>
-        </p:nvPicPr>
-        <p:blipFill>
-          <a:blip r:embed="rId2">
-            <a:extLst/>
-          </a:blip>
-          <a:stretch>
-            <a:fillRect/>
-          </a:stretch>
-        </p:blipFill>
-        <p:spPr>
-          <a:xfrm>
-            <a:off x="2235899" y="570624"/>
-            <a:ext cx="3097041" cy="4778429"/>
-          </a:xfrm>
-          <a:prstGeom prst="rect">
-            <a:avLst/>
-          </a:prstGeom>
-          <a:ln w="12700">
-            <a:miter lim="400000"/>
-          </a:ln>
-        </p:spPr>
-      </p:pic>
-      <p:pic>
-        <p:nvPicPr>
-          <p:cNvPr id="212" name="스크린샷 2019-04-24 오후 12.33.46.png" descr="스크린샷 2019-04-24 오후 12.33.46.png"/>
-          <p:cNvPicPr>
-            <a:picLocks noChangeAspect="1"/>
-          </p:cNvPicPr>
-          <p:nvPr/>
-        </p:nvPicPr>
-        <p:blipFill>
-          <a:blip r:embed="rId3">
-            <a:extLst/>
-          </a:blip>
-          <a:stretch>
-            <a:fillRect/>
-          </a:stretch>
-        </p:blipFill>
-        <p:spPr>
-          <a:xfrm>
-            <a:off x="6827225" y="570449"/>
-            <a:ext cx="3097233" cy="4778726"/>
-          </a:xfrm>
-          <a:prstGeom prst="rect">
-            <a:avLst/>
-          </a:prstGeom>
-          <a:ln w="12700">
-            <a:miter lim="400000"/>
-          </a:ln>
-        </p:spPr>
-      </p:pic>
-      <p:sp>
-        <p:nvSpPr>
-          <p:cNvPr id="213" name="TextBox 15"/>
-          <p:cNvSpPr txBox="1"/>
-          <p:nvPr/>
-        </p:nvSpPr>
-        <p:spPr>
-          <a:xfrm>
-            <a:off x="9885601" y="6505575"/>
-            <a:ext cx="2236328" cy="239048"/>
-          </a:xfrm>
-          <a:prstGeom prst="rect">
-            <a:avLst/>
-          </a:prstGeom>
-          <a:ln w="12700">
-            <a:miter lim="400000"/>
-          </a:ln>
-          <a:extLst>
-            <a:ext uri="{C572A759-6A51-4108-AA02-DFA0A04FC94B}">
-              <ma14:wrappingTextBoxFlag xmlns:ma14="http://schemas.microsoft.com/office/mac/drawingml/2011/main" xmlns:a14="http://schemas.microsoft.com/office/drawing/2010/main" xmlns:m="http://schemas.openxmlformats.org/officeDocument/2006/math" xmlns="" val="1"/>
-            </a:ext>
-          </a:extLst>
-        </p:spPr>
-        <p:txBody>
-          <a:bodyPr wrap="none" lIns="45719" rIns="45719">
-            <a:spAutoFit/>
-          </a:bodyPr>
-          <a:lstStyle>
-            <a:lvl1pPr algn="r">
-              <a:defRPr sz="800">
-                <a:solidFill>
-                  <a:schemeClr val="accent6"/>
-                </a:solidFill>
-                <a:latin typeface="나눔스퀘어라운드 Regular"/>
-                <a:ea typeface="나눔스퀘어라운드 Regular"/>
-                <a:cs typeface="나눔스퀘어라운드 Regular"/>
-                <a:sym typeface="나눔스퀘어라운드 Regular"/>
-              </a:defRPr>
-            </a:lvl1pPr>
-          </a:lstStyle>
-          <a:p>
-            <a:r>
-              <a:t>Copyrightⓒ. Saebyeol Yu. All Rights Reserved.</a:t>
-            </a:r>
-          </a:p>
-        </p:txBody>
-      </p:sp>
-      <p:sp>
-        <p:nvSpPr>
-          <p:cNvPr id="214" name="직선 연결선 22"/>
-          <p:cNvSpPr/>
-          <p:nvPr/>
-        </p:nvSpPr>
-        <p:spPr>
-          <a:xfrm>
-            <a:off x="1188881" y="273124"/>
-            <a:ext cx="10666422" cy="1"/>
-          </a:xfrm>
-          <a:prstGeom prst="line">
-            <a:avLst/>
-          </a:prstGeom>
-          <a:ln w="19050">
-            <a:solidFill>
-              <a:schemeClr val="accent6"/>
-            </a:solidFill>
-            <a:miter/>
-          </a:ln>
-        </p:spPr>
-        <p:txBody>
-          <a:bodyPr lIns="45719" rIns="45719"/>
-          <a:lstStyle/>
-          <a:p>
-            <a:endParaRPr/>
-          </a:p>
-        </p:txBody>
-      </p:sp>
-      <p:sp>
-        <p:nvSpPr>
-          <p:cNvPr id="215" name="직사각형 23"/>
-          <p:cNvSpPr/>
-          <p:nvPr/>
-        </p:nvSpPr>
-        <p:spPr>
-          <a:xfrm>
-            <a:off x="265814" y="244548"/>
-            <a:ext cx="720001" cy="720001"/>
-          </a:xfrm>
-          <a:prstGeom prst="rect">
-            <a:avLst/>
-          </a:prstGeom>
-          <a:solidFill>
-            <a:srgbClr val="B8BCBB"/>
-          </a:solidFill>
-          <a:ln w="12700">
-            <a:miter lim="400000"/>
-          </a:ln>
-        </p:spPr>
-        <p:txBody>
-          <a:bodyPr lIns="45719" rIns="45719" anchor="ctr"/>
-          <a:lstStyle/>
-          <a:p>
-            <a:pPr algn="ctr">
-              <a:defRPr>
-                <a:solidFill>
-                  <a:srgbClr val="FFFFFF"/>
-                </a:solidFill>
-              </a:defRPr>
-            </a:pPr>
-            <a:endParaRPr/>
-          </a:p>
-        </p:txBody>
-      </p:sp>
-      <p:sp>
-        <p:nvSpPr>
-          <p:cNvPr id="216" name="TextBox 24"/>
-          <p:cNvSpPr txBox="1"/>
-          <p:nvPr/>
-        </p:nvSpPr>
-        <p:spPr>
-          <a:xfrm>
-            <a:off x="490138" y="323244"/>
-            <a:ext cx="259303" cy="548045"/>
-          </a:xfrm>
-          <a:prstGeom prst="rect">
-            <a:avLst/>
-          </a:prstGeom>
-          <a:ln w="12700">
-            <a:miter lim="400000"/>
-          </a:ln>
-          <a:extLst>
-            <a:ext uri="{C572A759-6A51-4108-AA02-DFA0A04FC94B}">
-              <ma14:wrappingTextBoxFlag xmlns:ma14="http://schemas.microsoft.com/office/mac/drawingml/2011/main" xmlns:a14="http://schemas.microsoft.com/office/drawing/2010/main" xmlns:m="http://schemas.openxmlformats.org/officeDocument/2006/math" xmlns="" val="1"/>
-            </a:ext>
-          </a:extLst>
-        </p:spPr>
-        <p:txBody>
-          <a:bodyPr lIns="45719" rIns="45719">
-            <a:spAutoFit/>
-          </a:bodyPr>
-          <a:lstStyle>
-            <a:lvl1pPr algn="ctr">
-              <a:defRPr sz="3200" b="1">
-                <a:solidFill>
-                  <a:srgbClr val="FFFFFF"/>
-                </a:solidFill>
-              </a:defRPr>
-            </a:lvl1pPr>
-          </a:lstStyle>
-          <a:p>
-            <a:r>
-              <a:t>2</a:t>
-            </a:r>
-          </a:p>
-        </p:txBody>
-      </p:sp>
-      <p:grpSp>
-        <p:nvGrpSpPr>
-          <p:cNvPr id="219" name="그룹 25"/>
-          <p:cNvGrpSpPr/>
-          <p:nvPr/>
-        </p:nvGrpSpPr>
-        <p:grpSpPr>
-          <a:xfrm>
-            <a:off x="1188881" y="351818"/>
-            <a:ext cx="1070865" cy="663884"/>
-            <a:chOff x="0" y="0"/>
-            <a:chExt cx="1070864" cy="663882"/>
-          </a:xfrm>
-        </p:grpSpPr>
-        <p:sp>
-          <p:nvSpPr>
-            <p:cNvPr id="217" name="TextBox 26"/>
-            <p:cNvSpPr txBox="1"/>
-            <p:nvPr/>
-          </p:nvSpPr>
-          <p:spPr>
-            <a:xfrm>
-              <a:off x="0" y="0"/>
-              <a:ext cx="928059" cy="281940"/>
-            </a:xfrm>
-            <a:prstGeom prst="rect">
-              <a:avLst/>
-            </a:prstGeom>
-            <a:noFill/>
-            <a:ln w="12700" cap="flat">
-              <a:noFill/>
-              <a:miter lim="400000"/>
-            </a:ln>
-            <a:effectLst/>
-            <a:extLst>
-              <a:ext uri="{C572A759-6A51-4108-AA02-DFA0A04FC94B}">
-                <ma14:wrappingTextBoxFlag xmlns:ma14="http://schemas.microsoft.com/office/mac/drawingml/2011/main" xmlns:a14="http://schemas.microsoft.com/office/drawing/2010/main" xmlns:m="http://schemas.openxmlformats.org/officeDocument/2006/math" xmlns="" val="1"/>
-              </a:ext>
-            </a:extLst>
-          </p:spPr>
-          <p:txBody>
-            <a:bodyPr wrap="none" lIns="45719" tIns="45719" rIns="45719" bIns="45719" numCol="1" anchor="t">
-              <a:spAutoFit/>
-            </a:bodyPr>
-            <a:lstStyle/>
-            <a:p>
-              <a:pPr>
-                <a:defRPr sz="1200"/>
-              </a:pPr>
-              <a:r>
-                <a:t>002 </a:t>
-              </a:r>
-              <a:r>
-                <a:rPr>
-                  <a:latin typeface="나눔스퀘어라운드 Regular"/>
-                  <a:ea typeface="나눔스퀘어라운드 Regular"/>
-                  <a:cs typeface="나눔스퀘어라운드 Regular"/>
-                  <a:sym typeface="나눔스퀘어라운드 Regular"/>
-                </a:rPr>
-                <a:t>제작현황</a:t>
-              </a:r>
-            </a:p>
-          </p:txBody>
-        </p:sp>
-        <p:sp>
-          <p:nvSpPr>
-            <p:cNvPr id="218" name="TextBox 27"/>
-            <p:cNvSpPr txBox="1"/>
-            <p:nvPr/>
-          </p:nvSpPr>
-          <p:spPr>
-            <a:xfrm>
-              <a:off x="0" y="229541"/>
-              <a:ext cx="1070864" cy="434341"/>
-            </a:xfrm>
-            <a:prstGeom prst="rect">
-              <a:avLst/>
-            </a:prstGeom>
-            <a:noFill/>
-            <a:ln w="12700" cap="flat">
-              <a:noFill/>
-              <a:miter lim="400000"/>
-            </a:ln>
-            <a:effectLst/>
-            <a:extLst>
-              <a:ext uri="{C572A759-6A51-4108-AA02-DFA0A04FC94B}">
-                <ma14:wrappingTextBoxFlag xmlns:ma14="http://schemas.microsoft.com/office/mac/drawingml/2011/main" xmlns:a14="http://schemas.microsoft.com/office/drawing/2010/main" xmlns:m="http://schemas.openxmlformats.org/officeDocument/2006/math" xmlns="" val="1"/>
-              </a:ext>
-            </a:extLst>
-          </p:spPr>
-          <p:txBody>
-            <a:bodyPr wrap="none" lIns="45719" tIns="45719" rIns="45719" bIns="45719" numCol="1" anchor="t">
-              <a:spAutoFit/>
-            </a:bodyPr>
-            <a:lstStyle>
-              <a:lvl1pPr>
-                <a:defRPr sz="2200">
-                  <a:latin typeface="나눔스퀘어라운드 Regular"/>
-                  <a:ea typeface="나눔스퀘어라운드 Regular"/>
-                  <a:cs typeface="나눔스퀘어라운드 Regular"/>
-                  <a:sym typeface="나눔스퀘어라운드 Regular"/>
-                </a:defRPr>
-              </a:lvl1pPr>
-            </a:lstStyle>
-            <a:p>
-              <a:pPr>
-                <a:defRPr>
-                  <a:latin typeface="Arial"/>
-                  <a:ea typeface="Arial"/>
-                  <a:cs typeface="Arial"/>
-                  <a:sym typeface="Arial"/>
-                </a:defRPr>
-              </a:pPr>
-              <a:r>
-                <a:rPr>
-                  <a:latin typeface="나눔스퀘어라운드 Regular"/>
-                  <a:ea typeface="나눔스퀘어라운드 Regular"/>
-                  <a:cs typeface="나눔스퀘어라운드 Regular"/>
-                  <a:sym typeface="나눔스퀘어라운드 Regular"/>
-                </a:rPr>
-                <a:t>제작현황</a:t>
-              </a:r>
-            </a:p>
-          </p:txBody>
-        </p:sp>
-      </p:grpSp>
-      <p:sp>
-        <p:nvSpPr>
-          <p:cNvPr id="220" name="TextBox 9"/>
-          <p:cNvSpPr txBox="1"/>
-          <p:nvPr/>
-        </p:nvSpPr>
-        <p:spPr>
-          <a:xfrm>
-            <a:off x="3083031" y="5106141"/>
-            <a:ext cx="1156349" cy="426734"/>
-          </a:xfrm>
-          <a:prstGeom prst="rect">
-            <a:avLst/>
-          </a:prstGeom>
-          <a:ln w="12700">
-            <a:miter lim="400000"/>
-          </a:ln>
-          <a:extLst>
-            <a:ext uri="{C572A759-6A51-4108-AA02-DFA0A04FC94B}">
-              <ma14:wrappingTextBoxFlag xmlns:ma14="http://schemas.microsoft.com/office/mac/drawingml/2011/main" xmlns:a14="http://schemas.microsoft.com/office/drawing/2010/main" xmlns:m="http://schemas.openxmlformats.org/officeDocument/2006/math" xmlns="" val="1"/>
-            </a:ext>
-          </a:extLst>
-        </p:spPr>
-        <p:txBody>
-          <a:bodyPr wrap="none" lIns="45719" rIns="45719">
-            <a:spAutoFit/>
-          </a:bodyPr>
-          <a:lstStyle>
-            <a:lvl1pPr>
-              <a:defRPr>
-                <a:latin typeface="나눔스퀘어라운드 Regular"/>
-                <a:ea typeface="나눔스퀘어라운드 Regular"/>
-                <a:cs typeface="나눔스퀘어라운드 Regular"/>
-                <a:sym typeface="나눔스퀘어라운드 Regular"/>
-              </a:defRPr>
-            </a:lvl1pPr>
-          </a:lstStyle>
-          <a:p>
-            <a:pPr>
-              <a:defRPr>
-                <a:latin typeface="Arial"/>
-                <a:ea typeface="Arial"/>
-                <a:cs typeface="Arial"/>
-                <a:sym typeface="Arial"/>
-              </a:defRPr>
-            </a:pPr>
-            <a:r>
-              <a:rPr>
-                <a:latin typeface="나눔스퀘어라운드 Regular"/>
-                <a:ea typeface="나눔스퀘어라운드 Regular"/>
-                <a:cs typeface="나눔스퀘어라운드 Regular"/>
-                <a:sym typeface="나눔스퀘어라운드 Regular"/>
-              </a:rPr>
-              <a:t>드로어 화면</a:t>
-            </a:r>
-          </a:p>
-        </p:txBody>
-      </p:sp>
-      <p:sp>
-        <p:nvSpPr>
-          <p:cNvPr id="221" name="TextBox 36"/>
-          <p:cNvSpPr txBox="1"/>
-          <p:nvPr/>
-        </p:nvSpPr>
-        <p:spPr>
-          <a:xfrm>
-            <a:off x="7674367" y="5198076"/>
-            <a:ext cx="1156349" cy="426734"/>
-          </a:xfrm>
-          <a:prstGeom prst="rect">
-            <a:avLst/>
-          </a:prstGeom>
-          <a:ln w="12700">
-            <a:miter lim="400000"/>
-          </a:ln>
-          <a:extLst>
-            <a:ext uri="{C572A759-6A51-4108-AA02-DFA0A04FC94B}">
-              <ma14:wrappingTextBoxFlag xmlns:ma14="http://schemas.microsoft.com/office/mac/drawingml/2011/main" xmlns:a14="http://schemas.microsoft.com/office/drawing/2010/main" xmlns:m="http://schemas.openxmlformats.org/officeDocument/2006/math" xmlns="" val="1"/>
-            </a:ext>
-          </a:extLst>
-        </p:spPr>
-        <p:txBody>
-          <a:bodyPr wrap="none" lIns="45719" rIns="45719">
-            <a:spAutoFit/>
-          </a:bodyPr>
-          <a:lstStyle>
-            <a:lvl1pPr>
-              <a:defRPr>
-                <a:latin typeface="나눔스퀘어라운드 Regular"/>
-                <a:ea typeface="나눔스퀘어라운드 Regular"/>
-                <a:cs typeface="나눔스퀘어라운드 Regular"/>
-                <a:sym typeface="나눔스퀘어라운드 Regular"/>
-              </a:defRPr>
-            </a:lvl1pPr>
-          </a:lstStyle>
-          <a:p>
-            <a:pPr>
-              <a:defRPr>
-                <a:latin typeface="Arial"/>
-                <a:ea typeface="Arial"/>
-                <a:cs typeface="Arial"/>
-                <a:sym typeface="Arial"/>
-              </a:defRPr>
-            </a:pPr>
-            <a:r>
-              <a:rPr>
-                <a:latin typeface="나눔스퀘어라운드 Regular"/>
-                <a:ea typeface="나눔스퀘어라운드 Regular"/>
-                <a:cs typeface="나눔스퀘어라운드 Regular"/>
-                <a:sym typeface="나눔스퀘어라운드 Regular"/>
-              </a:rPr>
-              <a:t>캘린더 화면</a:t>
             </a:r>
           </a:p>
         </p:txBody>
